--- a/2025/2025-03-28-AI-Updates.pptx
+++ b/2025/2025-03-28-AI-Updates.pptx
@@ -5,7 +5,7 @@
     <p:sldMasterId id="2147483661" r:id="rId1"/>
   </p:sldMasterIdLst>
   <p:notesMasterIdLst>
-    <p:notesMasterId r:id="rId23"/>
+    <p:notesMasterId r:id="rId24"/>
   </p:notesMasterIdLst>
   <p:sldIdLst>
     <p:sldId id="256" r:id="rId2"/>
@@ -29,16 +29,17 @@
     <p:sldId id="274" r:id="rId20"/>
     <p:sldId id="275" r:id="rId21"/>
     <p:sldId id="276" r:id="rId22"/>
+    <p:sldId id="277" r:id="rId23"/>
   </p:sldIdLst>
   <p:sldSz cx="9144000" cy="5143500" type="screen16x9"/>
   <p:notesSz cx="6858000" cy="9144000"/>
   <p:embeddedFontLst>
     <p:embeddedFont>
       <p:font typeface="Roboto Mono" pitchFamily="49" charset="0"/>
-      <p:regular r:id="rId24"/>
-      <p:bold r:id="rId25"/>
-      <p:italic r:id="rId26"/>
-      <p:boldItalic r:id="rId27"/>
+      <p:regular r:id="rId25"/>
+      <p:bold r:id="rId26"/>
+      <p:italic r:id="rId27"/>
+      <p:boldItalic r:id="rId28"/>
     </p:embeddedFont>
   </p:embeddedFontLst>
   <p:defaultTextStyle>
@@ -1467,7 +1468,7 @@
   <p:cSld>
     <p:spTree>
       <p:nvGrpSpPr>
-        <p:cNvPr id="1" name="Shape 173"/>
+        <p:cNvPr id="1" name="Shape 174"/>
         <p:cNvGrpSpPr/>
         <p:nvPr/>
       </p:nvGrpSpPr>
@@ -1481,7 +1482,7 @@
       </p:grpSpPr>
       <p:sp>
         <p:nvSpPr>
-          <p:cNvPr id="174" name="Google Shape;174;g3434e6f1a85_0_0:notes"/>
+          <p:cNvPr id="175" name="Google Shape;175;g3434e6f1a85_0_0:notes"/>
           <p:cNvSpPr>
             <a:spLocks noGrp="1" noRot="1" noChangeAspect="1"/>
           </p:cNvSpPr>
@@ -1532,7 +1533,7 @@
       </p:sp>
       <p:sp>
         <p:nvSpPr>
-          <p:cNvPr id="175" name="Google Shape;175;g3434e6f1a85_0_0:notes"/>
+          <p:cNvPr id="176" name="Google Shape;176;g3434e6f1a85_0_0:notes"/>
           <p:cNvSpPr txBox="1">
             <a:spLocks noGrp="1"/>
           </p:cNvSpPr>
@@ -1589,7 +1590,7 @@
   <p:cSld>
     <p:spTree>
       <p:nvGrpSpPr>
-        <p:cNvPr id="1" name="Shape 182"/>
+        <p:cNvPr id="1" name="Shape 183"/>
         <p:cNvGrpSpPr/>
         <p:nvPr/>
       </p:nvGrpSpPr>
@@ -1603,7 +1604,7 @@
       </p:grpSpPr>
       <p:sp>
         <p:nvSpPr>
-          <p:cNvPr id="183" name="Google Shape;183;g346923b93e7_2_0:notes"/>
+          <p:cNvPr id="184" name="Google Shape;184;g346923b93e7_2_0:notes"/>
           <p:cNvSpPr>
             <a:spLocks noGrp="1" noRot="1" noChangeAspect="1"/>
           </p:cNvSpPr>
@@ -1654,7 +1655,7 @@
       </p:sp>
       <p:sp>
         <p:nvSpPr>
-          <p:cNvPr id="184" name="Google Shape;184;g346923b93e7_2_0:notes"/>
+          <p:cNvPr id="185" name="Google Shape;185;g346923b93e7_2_0:notes"/>
           <p:cNvSpPr txBox="1">
             <a:spLocks noGrp="1"/>
           </p:cNvSpPr>
@@ -1711,7 +1712,7 @@
   <p:cSld>
     <p:spTree>
       <p:nvGrpSpPr>
-        <p:cNvPr id="1" name="Shape 189"/>
+        <p:cNvPr id="1" name="Shape 190"/>
         <p:cNvGrpSpPr/>
         <p:nvPr/>
       </p:nvGrpSpPr>
@@ -1725,7 +1726,7 @@
       </p:grpSpPr>
       <p:sp>
         <p:nvSpPr>
-          <p:cNvPr id="190" name="Google Shape;190;g34473ceb5ea_1_0:notes"/>
+          <p:cNvPr id="191" name="Google Shape;191;g34473ceb5ea_1_0:notes"/>
           <p:cNvSpPr>
             <a:spLocks noGrp="1" noRot="1" noChangeAspect="1"/>
           </p:cNvSpPr>
@@ -1776,7 +1777,7 @@
       </p:sp>
       <p:sp>
         <p:nvSpPr>
-          <p:cNvPr id="191" name="Google Shape;191;g34473ceb5ea_1_0:notes"/>
+          <p:cNvPr id="192" name="Google Shape;192;g34473ceb5ea_1_0:notes"/>
           <p:cNvSpPr txBox="1">
             <a:spLocks noGrp="1"/>
           </p:cNvSpPr>
@@ -1833,7 +1834,7 @@
   <p:cSld>
     <p:spTree>
       <p:nvGrpSpPr>
-        <p:cNvPr id="1" name="Shape 209"/>
+        <p:cNvPr id="1" name="Shape 210"/>
         <p:cNvGrpSpPr/>
         <p:nvPr/>
       </p:nvGrpSpPr>
@@ -1847,7 +1848,7 @@
       </p:grpSpPr>
       <p:sp>
         <p:nvSpPr>
-          <p:cNvPr id="210" name="Google Shape;210;g342fb0f2d02_0_0:notes"/>
+          <p:cNvPr id="211" name="Google Shape;211;g342fb0f2d02_0_0:notes"/>
           <p:cNvSpPr>
             <a:spLocks noGrp="1" noRot="1" noChangeAspect="1"/>
           </p:cNvSpPr>
@@ -1898,7 +1899,7 @@
       </p:sp>
       <p:sp>
         <p:nvSpPr>
-          <p:cNvPr id="211" name="Google Shape;211;g342fb0f2d02_0_0:notes"/>
+          <p:cNvPr id="212" name="Google Shape;212;g342fb0f2d02_0_0:notes"/>
           <p:cNvSpPr txBox="1">
             <a:spLocks noGrp="1"/>
           </p:cNvSpPr>
@@ -1955,7 +1956,7 @@
   <p:cSld>
     <p:spTree>
       <p:nvGrpSpPr>
-        <p:cNvPr id="1" name="Shape 218"/>
+        <p:cNvPr id="1" name="Shape 219"/>
         <p:cNvGrpSpPr/>
         <p:nvPr/>
       </p:nvGrpSpPr>
@@ -1969,7 +1970,7 @@
       </p:grpSpPr>
       <p:sp>
         <p:nvSpPr>
-          <p:cNvPr id="219" name="Google Shape;219;g342b150c69a_1_1:notes"/>
+          <p:cNvPr id="220" name="Google Shape;220;g342b150c69a_1_1:notes"/>
           <p:cNvSpPr>
             <a:spLocks noGrp="1" noRot="1" noChangeAspect="1"/>
           </p:cNvSpPr>
@@ -2020,7 +2021,7 @@
       </p:sp>
       <p:sp>
         <p:nvSpPr>
-          <p:cNvPr id="220" name="Google Shape;220;g342b150c69a_1_1:notes"/>
+          <p:cNvPr id="221" name="Google Shape;221;g342b150c69a_1_1:notes"/>
           <p:cNvSpPr txBox="1">
             <a:spLocks noGrp="1"/>
           </p:cNvSpPr>
@@ -2077,7 +2078,7 @@
   <p:cSld>
     <p:spTree>
       <p:nvGrpSpPr>
-        <p:cNvPr id="1" name="Shape 226"/>
+        <p:cNvPr id="1" name="Shape 229"/>
         <p:cNvGrpSpPr/>
         <p:nvPr/>
       </p:nvGrpSpPr>
@@ -2091,7 +2092,7 @@
       </p:grpSpPr>
       <p:sp>
         <p:nvSpPr>
-          <p:cNvPr id="227" name="Google Shape;227;g2f03ac7ac9f_0_5:notes"/>
+          <p:cNvPr id="230" name="Google Shape;230;g343c2922051_0_0:notes"/>
           <p:cNvSpPr>
             <a:spLocks noGrp="1" noRot="1" noChangeAspect="1"/>
           </p:cNvSpPr>
@@ -2101,7 +2102,7 @@
         </p:nvSpPr>
         <p:spPr>
           <a:xfrm>
-            <a:off x="381300" y="685800"/>
+            <a:off x="381000" y="685800"/>
             <a:ext cx="6096000" cy="3429000"/>
           </a:xfrm>
           <a:custGeom>
@@ -2142,7 +2143,7 @@
       </p:sp>
       <p:sp>
         <p:nvSpPr>
-          <p:cNvPr id="228" name="Google Shape;228;g2f03ac7ac9f_0_5:notes"/>
+          <p:cNvPr id="231" name="Google Shape;231;g343c2922051_0_0:notes"/>
           <p:cNvSpPr txBox="1">
             <a:spLocks noGrp="1"/>
           </p:cNvSpPr>
@@ -2321,7 +2322,7 @@
   <p:cSld>
     <p:spTree>
       <p:nvGrpSpPr>
-        <p:cNvPr id="1" name="Shape 284"/>
+        <p:cNvPr id="1" name="Shape 237"/>
         <p:cNvGrpSpPr/>
         <p:nvPr/>
       </p:nvGrpSpPr>
@@ -2335,7 +2336,129 @@
       </p:grpSpPr>
       <p:sp>
         <p:nvSpPr>
-          <p:cNvPr id="285" name="Google Shape;285;p22:notes"/>
+          <p:cNvPr id="238" name="Google Shape;238;g2f03ac7ac9f_0_5:notes"/>
+          <p:cNvSpPr>
+            <a:spLocks noGrp="1" noRot="1" noChangeAspect="1"/>
+          </p:cNvSpPr>
+          <p:nvPr>
+            <p:ph type="sldImg" idx="2"/>
+          </p:nvPr>
+        </p:nvSpPr>
+        <p:spPr>
+          <a:xfrm>
+            <a:off x="381300" y="685800"/>
+            <a:ext cx="6096000" cy="3429000"/>
+          </a:xfrm>
+          <a:custGeom>
+            <a:avLst/>
+            <a:gdLst/>
+            <a:ahLst/>
+            <a:cxnLst/>
+            <a:rect l="l" t="t" r="r" b="b"/>
+            <a:pathLst>
+              <a:path w="120000" h="120000" extrusionOk="0">
+                <a:moveTo>
+                  <a:pt x="0" y="0"/>
+                </a:moveTo>
+                <a:lnTo>
+                  <a:pt x="120000" y="0"/>
+                </a:lnTo>
+                <a:lnTo>
+                  <a:pt x="120000" y="120000"/>
+                </a:lnTo>
+                <a:lnTo>
+                  <a:pt x="0" y="120000"/>
+                </a:lnTo>
+                <a:close/>
+              </a:path>
+            </a:pathLst>
+          </a:custGeom>
+          <a:noFill/>
+          <a:ln w="9525" cap="flat" cmpd="sng">
+            <a:solidFill>
+              <a:srgbClr val="000000"/>
+            </a:solidFill>
+            <a:prstDash val="solid"/>
+            <a:round/>
+            <a:headEnd type="none" w="sm" len="sm"/>
+            <a:tailEnd type="none" w="sm" len="sm"/>
+          </a:ln>
+        </p:spPr>
+      </p:sp>
+      <p:sp>
+        <p:nvSpPr>
+          <p:cNvPr id="239" name="Google Shape;239;g2f03ac7ac9f_0_5:notes"/>
+          <p:cNvSpPr txBox="1">
+            <a:spLocks noGrp="1"/>
+          </p:cNvSpPr>
+          <p:nvPr>
+            <p:ph type="body" idx="1"/>
+          </p:nvPr>
+        </p:nvSpPr>
+        <p:spPr>
+          <a:xfrm>
+            <a:off x="685800" y="4343400"/>
+            <a:ext cx="5486400" cy="4114800"/>
+          </a:xfrm>
+          <a:prstGeom prst="rect">
+            <a:avLst/>
+          </a:prstGeom>
+          <a:noFill/>
+          <a:ln>
+            <a:noFill/>
+          </a:ln>
+        </p:spPr>
+        <p:txBody>
+          <a:bodyPr spcFirstLastPara="1" wrap="square" lIns="91425" tIns="91425" rIns="91425" bIns="91425" anchor="t" anchorCtr="0">
+            <a:noAutofit/>
+          </a:bodyPr>
+          <a:lstStyle/>
+          <a:p>
+            <a:pPr marL="0" lvl="0" indent="0" algn="l" rtl="0">
+              <a:lnSpc>
+                <a:spcPct val="100000"/>
+              </a:lnSpc>
+              <a:spcBef>
+                <a:spcPts val="0"/>
+              </a:spcBef>
+              <a:spcAft>
+                <a:spcPts val="0"/>
+              </a:spcAft>
+              <a:buSzPts val="1100"/>
+              <a:buNone/>
+            </a:pPr>
+            <a:endParaRPr/>
+          </a:p>
+        </p:txBody>
+      </p:sp>
+    </p:spTree>
+  </p:cSld>
+  <p:clrMapOvr>
+    <a:masterClrMapping/>
+  </p:clrMapOvr>
+</p:notes>
+</file>
+
+<file path=ppt/notesSlides/notesSlide21.xml><?xml version="1.0" encoding="utf-8"?>
+<p:notes xmlns:a="http://schemas.openxmlformats.org/drawingml/2006/main" xmlns:r="http://schemas.openxmlformats.org/officeDocument/2006/relationships" xmlns:p="http://schemas.openxmlformats.org/presentationml/2006/main" showMasterSp="0" showMasterPhAnim="0">
+  <p:cSld>
+    <p:spTree>
+      <p:nvGrpSpPr>
+        <p:cNvPr id="1" name="Shape 295"/>
+        <p:cNvGrpSpPr/>
+        <p:nvPr/>
+      </p:nvGrpSpPr>
+      <p:grpSpPr>
+        <a:xfrm>
+          <a:off x="0" y="0"/>
+          <a:ext cx="0" cy="0"/>
+          <a:chOff x="0" y="0"/>
+          <a:chExt cx="0" cy="0"/>
+        </a:xfrm>
+      </p:grpSpPr>
+      <p:sp>
+        <p:nvSpPr>
+          <p:cNvPr id="296" name="Google Shape;296;p22:notes"/>
           <p:cNvSpPr>
             <a:spLocks noGrp="1" noRot="1" noChangeAspect="1"/>
           </p:cNvSpPr>
@@ -2386,7 +2509,7 @@
       </p:sp>
       <p:sp>
         <p:nvSpPr>
-          <p:cNvPr id="286" name="Google Shape;286;p22:notes"/>
+          <p:cNvPr id="297" name="Google Shape;297;p22:notes"/>
           <p:cNvSpPr txBox="1">
             <a:spLocks noGrp="1"/>
           </p:cNvSpPr>
@@ -2438,12 +2561,12 @@
 </p:notes>
 </file>
 
-<file path=ppt/notesSlides/notesSlide21.xml><?xml version="1.0" encoding="utf-8"?>
+<file path=ppt/notesSlides/notesSlide22.xml><?xml version="1.0" encoding="utf-8"?>
 <p:notes xmlns:a="http://schemas.openxmlformats.org/drawingml/2006/main" xmlns:r="http://schemas.openxmlformats.org/officeDocument/2006/relationships" xmlns:p="http://schemas.openxmlformats.org/presentationml/2006/main" showMasterSp="0" showMasterPhAnim="0">
   <p:cSld>
     <p:spTree>
       <p:nvGrpSpPr>
-        <p:cNvPr id="1" name="Shape 294"/>
+        <p:cNvPr id="1" name="Shape 305"/>
         <p:cNvGrpSpPr/>
         <p:nvPr/>
       </p:nvGrpSpPr>
@@ -2457,7 +2580,7 @@
       </p:grpSpPr>
       <p:sp>
         <p:nvSpPr>
-          <p:cNvPr id="295" name="Google Shape;295;p23:notes"/>
+          <p:cNvPr id="306" name="Google Shape;306;p23:notes"/>
           <p:cNvSpPr>
             <a:spLocks noGrp="1" noRot="1" noChangeAspect="1"/>
           </p:cNvSpPr>
@@ -2508,7 +2631,7 @@
       </p:sp>
       <p:sp>
         <p:nvSpPr>
-          <p:cNvPr id="296" name="Google Shape;296;p23:notes"/>
+          <p:cNvPr id="307" name="Google Shape;307;p23:notes"/>
           <p:cNvSpPr txBox="1">
             <a:spLocks noGrp="1"/>
           </p:cNvSpPr>
@@ -13621,7 +13744,7 @@
         <p:spPr>
           <a:xfrm>
             <a:off x="4659176" y="966788"/>
-            <a:ext cx="4420200" cy="2096400"/>
+            <a:ext cx="4420200" cy="2558100"/>
           </a:xfrm>
           <a:prstGeom prst="rect">
             <a:avLst/>
@@ -13817,7 +13940,7 @@
                 <a:cs typeface="Calibri"/>
                 <a:sym typeface="Calibri"/>
               </a:rPr>
-              <a:t>ARC-AGI-2</a:t>
+              <a:t>Microsoft Copilot Researcher and Analyst</a:t>
             </a:r>
             <a:endParaRPr sz="1500" b="1">
               <a:solidFill>
@@ -13854,7 +13977,7 @@
                 <a:cs typeface="Calibri"/>
                 <a:sym typeface="Calibri"/>
               </a:rPr>
-              <a:t>Chat2DB</a:t>
+              <a:t>ARC-AGI-2</a:t>
             </a:r>
             <a:endParaRPr sz="1500" b="1">
               <a:solidFill>
@@ -13891,7 +14014,7 @@
                 <a:cs typeface="Calibri"/>
                 <a:sym typeface="Calibri"/>
               </a:rPr>
-              <a:t>Robots</a:t>
+              <a:t>Chat2DB</a:t>
             </a:r>
             <a:endParaRPr sz="1500" b="1">
               <a:solidFill>
@@ -13928,7 +14051,81 @@
                 <a:cs typeface="Calibri"/>
                 <a:sym typeface="Calibri"/>
               </a:rPr>
+              <a:t>Robots</a:t>
+            </a:r>
+            <a:endParaRPr sz="1500" b="1">
+              <a:solidFill>
+                <a:srgbClr val="3C78D8"/>
+              </a:solidFill>
+              <a:latin typeface="Calibri"/>
+              <a:ea typeface="Calibri"/>
+              <a:cs typeface="Calibri"/>
+              <a:sym typeface="Calibri"/>
+            </a:endParaRPr>
+          </a:p>
+          <a:p>
+            <a:pPr marL="228600" lvl="0" indent="-209550" algn="l" rtl="0">
+              <a:spcBef>
+                <a:spcPts val="0"/>
+              </a:spcBef>
+              <a:spcAft>
+                <a:spcPts val="0"/>
+              </a:spcAft>
+              <a:buClr>
+                <a:srgbClr val="3C78D8"/>
+              </a:buClr>
+              <a:buSzPts val="1500"/>
+              <a:buFont typeface="Calibri"/>
+              <a:buChar char="●"/>
+            </a:pPr>
+            <a:r>
+              <a:rPr lang="en" sz="1500" b="1">
+                <a:solidFill>
+                  <a:srgbClr val="3C78D8"/>
+                </a:solidFill>
+                <a:latin typeface="Calibri"/>
+                <a:ea typeface="Calibri"/>
+                <a:cs typeface="Calibri"/>
+                <a:sym typeface="Calibri"/>
+              </a:rPr>
               <a:t>AI diagnose cancer with 99% accuracy</a:t>
+            </a:r>
+            <a:endParaRPr sz="1500" b="1">
+              <a:solidFill>
+                <a:srgbClr val="3C78D8"/>
+              </a:solidFill>
+              <a:latin typeface="Calibri"/>
+              <a:ea typeface="Calibri"/>
+              <a:cs typeface="Calibri"/>
+              <a:sym typeface="Calibri"/>
+            </a:endParaRPr>
+          </a:p>
+          <a:p>
+            <a:pPr marL="228600" lvl="0" indent="-209550" algn="l" rtl="0">
+              <a:spcBef>
+                <a:spcPts val="0"/>
+              </a:spcBef>
+              <a:spcAft>
+                <a:spcPts val="0"/>
+              </a:spcAft>
+              <a:buClr>
+                <a:srgbClr val="3C78D8"/>
+              </a:buClr>
+              <a:buSzPts val="1500"/>
+              <a:buFont typeface="Calibri"/>
+              <a:buChar char="●"/>
+            </a:pPr>
+            <a:r>
+              <a:rPr lang="en" sz="1500" b="1">
+                <a:solidFill>
+                  <a:srgbClr val="3C78D8"/>
+                </a:solidFill>
+                <a:latin typeface="Calibri"/>
+                <a:ea typeface="Calibri"/>
+                <a:cs typeface="Calibri"/>
+                <a:sym typeface="Calibri"/>
+              </a:rPr>
+              <a:t>Chain-Of-Draft - fast and cheap</a:t>
             </a:r>
             <a:endParaRPr sz="1500" b="1">
               <a:solidFill>
@@ -16496,7 +16693,7 @@
         <p:spPr>
           <a:xfrm>
             <a:off x="55075" y="444275"/>
-            <a:ext cx="4456200" cy="2235000"/>
+            <a:ext cx="4456200" cy="2419500"/>
           </a:xfrm>
           <a:prstGeom prst="rect">
             <a:avLst/>
@@ -16577,6 +16774,43 @@
                 <a:spcPts val="0"/>
               </a:spcAft>
               <a:buClr>
+                <a:srgbClr val="3C78D8"/>
+              </a:buClr>
+              <a:buSzPts val="1200"/>
+              <a:buFont typeface="Calibri"/>
+              <a:buChar char="●"/>
+            </a:pPr>
+            <a:r>
+              <a:rPr lang="en" sz="1200" b="1">
+                <a:solidFill>
+                  <a:srgbClr val="3C78D8"/>
+                </a:solidFill>
+                <a:latin typeface="Calibri"/>
+                <a:ea typeface="Calibri"/>
+                <a:cs typeface="Calibri"/>
+                <a:sym typeface="Calibri"/>
+              </a:rPr>
+              <a:t>KBLaM = Knowledge Base Augmented Language Model </a:t>
+            </a:r>
+            <a:endParaRPr sz="1200" b="1">
+              <a:solidFill>
+                <a:srgbClr val="3C78D8"/>
+              </a:solidFill>
+              <a:latin typeface="Calibri"/>
+              <a:ea typeface="Calibri"/>
+              <a:cs typeface="Calibri"/>
+              <a:sym typeface="Calibri"/>
+            </a:endParaRPr>
+          </a:p>
+          <a:p>
+            <a:pPr marL="171450" lvl="0" indent="-133350" algn="l" rtl="0">
+              <a:spcBef>
+                <a:spcPts val="0"/>
+              </a:spcBef>
+              <a:spcAft>
+                <a:spcPts val="0"/>
+              </a:spcAft>
+              <a:buClr>
                 <a:schemeClr val="dk1"/>
               </a:buClr>
               <a:buSzPts val="1200"/>
@@ -16776,7 +17010,7 @@
         </p:nvSpPr>
         <p:spPr>
           <a:xfrm>
-            <a:off x="55075" y="2744400"/>
+            <a:off x="55075" y="2940023"/>
             <a:ext cx="4456200" cy="1126800"/>
           </a:xfrm>
           <a:prstGeom prst="rect">
@@ -17022,7 +17256,7 @@
         </p:nvSpPr>
         <p:spPr>
           <a:xfrm>
-            <a:off x="55065" y="4099800"/>
+            <a:off x="55065" y="4135819"/>
             <a:ext cx="4456200" cy="942000"/>
           </a:xfrm>
           <a:prstGeom prst="rect">
@@ -17078,7 +17312,31 @@
                 <a:cs typeface="Calibri"/>
                 <a:sym typeface="Calibri"/>
               </a:rPr>
-              <a:t> - Dorit Zilbershot, vice president of AI experiences and innovation at ServiceNow, added that "We use AI in customer service, IT support, HR processes, developer assistance, and marketing, and we are expanding its use to other areas of the company."</a:t>
+              <a:t> - Dorit Zilbershot, vice president of AI experiences and innovation at </a:t>
+            </a:r>
+            <a:r>
+              <a:rPr lang="en" sz="1200" b="1">
+                <a:solidFill>
+                  <a:srgbClr val="FF0000"/>
+                </a:solidFill>
+                <a:latin typeface="Calibri"/>
+                <a:ea typeface="Calibri"/>
+                <a:cs typeface="Calibri"/>
+                <a:sym typeface="Calibri"/>
+              </a:rPr>
+              <a:t>ServiceNow</a:t>
+            </a:r>
+            <a:r>
+              <a:rPr lang="en" sz="1200">
+                <a:solidFill>
+                  <a:schemeClr val="dk1"/>
+                </a:solidFill>
+                <a:latin typeface="Calibri"/>
+                <a:ea typeface="Calibri"/>
+                <a:cs typeface="Calibri"/>
+                <a:sym typeface="Calibri"/>
+              </a:rPr>
+              <a:t>, added that "We use AI in customer service, IT support, HR processes, developer assistance, and marketing, and we are expanding its use to other areas of the company."</a:t>
             </a:r>
             <a:endParaRPr sz="1200">
               <a:solidFill>
@@ -17218,7 +17476,31 @@
                 <a:cs typeface="Calibri"/>
                 <a:sym typeface="Calibri"/>
               </a:rPr>
-              <a:t>It is not a separate model. Now the whole GPT-4o model is trained to understand text and images at once (it is not separate DALL-E 3 diffusion model). The model also integrates into Sora video.</a:t>
+              <a:t>It is not a separate model. Now the whole GPT-4o model is trained to understand text and images at once (it is not separate </a:t>
+            </a:r>
+            <a:r>
+              <a:rPr lang="en" sz="1200" b="1">
+                <a:solidFill>
+                  <a:srgbClr val="3C78D8"/>
+                </a:solidFill>
+                <a:latin typeface="Calibri"/>
+                <a:ea typeface="Calibri"/>
+                <a:cs typeface="Calibri"/>
+                <a:sym typeface="Calibri"/>
+              </a:rPr>
+              <a:t>DALL-E 3 </a:t>
+            </a:r>
+            <a:r>
+              <a:rPr lang="en" sz="1200">
+                <a:solidFill>
+                  <a:schemeClr val="dk1"/>
+                </a:solidFill>
+                <a:latin typeface="Calibri"/>
+                <a:ea typeface="Calibri"/>
+                <a:cs typeface="Calibri"/>
+                <a:sym typeface="Calibri"/>
+              </a:rPr>
+              <a:t>diffusion model). The model also integrates into Sora video.</a:t>
             </a:r>
             <a:endParaRPr sz="1200">
               <a:solidFill>
@@ -17810,6 +18092,183 @@
           </a:p>
         </p:txBody>
       </p:sp>
+      <p:sp>
+        <p:nvSpPr>
+          <p:cNvPr id="173" name="Google Shape;173;p27"/>
+          <p:cNvSpPr txBox="1"/>
+          <p:nvPr/>
+        </p:nvSpPr>
+        <p:spPr>
+          <a:xfrm>
+            <a:off x="129100" y="2703650"/>
+            <a:ext cx="4456200" cy="1865400"/>
+          </a:xfrm>
+          <a:prstGeom prst="rect">
+            <a:avLst/>
+          </a:prstGeom>
+          <a:solidFill>
+            <a:srgbClr val="FFF2CC"/>
+          </a:solidFill>
+          <a:ln w="9525" cap="flat" cmpd="sng">
+            <a:solidFill>
+              <a:srgbClr val="FF0000"/>
+            </a:solidFill>
+            <a:prstDash val="solid"/>
+            <a:round/>
+            <a:headEnd type="none" w="sm" len="sm"/>
+            <a:tailEnd type="none" w="sm" len="sm"/>
+          </a:ln>
+        </p:spPr>
+        <p:txBody>
+          <a:bodyPr spcFirstLastPara="1" wrap="square" lIns="9125" tIns="9125" rIns="9125" bIns="9125" anchor="t" anchorCtr="0">
+            <a:spAutoFit/>
+          </a:bodyPr>
+          <a:lstStyle/>
+          <a:p>
+            <a:pPr marL="0" lvl="0" indent="0" algn="l" rtl="0">
+              <a:spcBef>
+                <a:spcPts val="0"/>
+              </a:spcBef>
+              <a:spcAft>
+                <a:spcPts val="0"/>
+              </a:spcAft>
+              <a:buNone/>
+            </a:pPr>
+            <a:r>
+              <a:rPr lang="en" sz="1200" b="1">
+                <a:solidFill>
+                  <a:srgbClr val="FF0000"/>
+                </a:solidFill>
+                <a:latin typeface="Calibri"/>
+                <a:ea typeface="Calibri"/>
+                <a:cs typeface="Calibri"/>
+                <a:sym typeface="Calibri"/>
+              </a:rPr>
+              <a:t>Microsoft Copilot Researcher and Analyst</a:t>
+            </a:r>
+            <a:endParaRPr sz="1200" b="1">
+              <a:solidFill>
+                <a:srgbClr val="FF0000"/>
+              </a:solidFill>
+              <a:latin typeface="Calibri"/>
+              <a:ea typeface="Calibri"/>
+              <a:cs typeface="Calibri"/>
+              <a:sym typeface="Calibri"/>
+            </a:endParaRPr>
+          </a:p>
+          <a:p>
+            <a:pPr marL="171450" lvl="0" indent="-133350" algn="l" rtl="0">
+              <a:spcBef>
+                <a:spcPts val="0"/>
+              </a:spcBef>
+              <a:spcAft>
+                <a:spcPts val="0"/>
+              </a:spcAft>
+              <a:buClr>
+                <a:schemeClr val="dk1"/>
+              </a:buClr>
+              <a:buSzPts val="1200"/>
+              <a:buFont typeface="Calibri"/>
+              <a:buChar char="●"/>
+            </a:pPr>
+            <a:r>
+              <a:rPr lang="en" sz="1200">
+                <a:solidFill>
+                  <a:schemeClr val="dk1"/>
+                </a:solidFill>
+                <a:latin typeface="Calibri"/>
+                <a:ea typeface="Calibri"/>
+                <a:cs typeface="Calibri"/>
+                <a:sym typeface="Calibri"/>
+              </a:rPr>
+              <a:t>Microsoft has introduced new features for its Microsoft 365 Copilot, including two advanced “deep reasoning” agents—Researcher and Analyst—as well as enhanced custom AI agent capabilities. </a:t>
+            </a:r>
+            <a:endParaRPr sz="1200">
+              <a:solidFill>
+                <a:schemeClr val="dk1"/>
+              </a:solidFill>
+              <a:latin typeface="Calibri"/>
+              <a:ea typeface="Calibri"/>
+              <a:cs typeface="Calibri"/>
+              <a:sym typeface="Calibri"/>
+            </a:endParaRPr>
+          </a:p>
+          <a:p>
+            <a:pPr marL="171450" lvl="0" indent="-133350" algn="l" rtl="0">
+              <a:spcBef>
+                <a:spcPts val="0"/>
+              </a:spcBef>
+              <a:spcAft>
+                <a:spcPts val="0"/>
+              </a:spcAft>
+              <a:buClr>
+                <a:schemeClr val="dk1"/>
+              </a:buClr>
+              <a:buSzPts val="1200"/>
+              <a:buFont typeface="Calibri"/>
+              <a:buChar char="●"/>
+            </a:pPr>
+            <a:r>
+              <a:rPr lang="en" sz="1200">
+                <a:solidFill>
+                  <a:schemeClr val="dk1"/>
+                </a:solidFill>
+                <a:latin typeface="Calibri"/>
+                <a:ea typeface="Calibri"/>
+                <a:cs typeface="Calibri"/>
+                <a:sym typeface="Calibri"/>
+              </a:rPr>
+              <a:t>Researcher leverages OpenAI’s deep research model to handle complex, multi-step tasks and integrates data from tools like Salesforce and ServiceNow.</a:t>
+            </a:r>
+            <a:endParaRPr sz="1200">
+              <a:solidFill>
+                <a:schemeClr val="dk1"/>
+              </a:solidFill>
+              <a:latin typeface="Calibri"/>
+              <a:ea typeface="Calibri"/>
+              <a:cs typeface="Calibri"/>
+              <a:sym typeface="Calibri"/>
+            </a:endParaRPr>
+          </a:p>
+          <a:p>
+            <a:pPr marL="171450" lvl="0" indent="-133350" algn="l" rtl="0">
+              <a:spcBef>
+                <a:spcPts val="0"/>
+              </a:spcBef>
+              <a:spcAft>
+                <a:spcPts val="0"/>
+              </a:spcAft>
+              <a:buClr>
+                <a:schemeClr val="dk1"/>
+              </a:buClr>
+              <a:buSzPts val="1200"/>
+              <a:buFont typeface="Calibri"/>
+              <a:buChar char="●"/>
+            </a:pPr>
+            <a:r>
+              <a:rPr lang="en" sz="1200">
+                <a:solidFill>
+                  <a:schemeClr val="dk1"/>
+                </a:solidFill>
+                <a:latin typeface="Calibri"/>
+                <a:ea typeface="Calibri"/>
+                <a:cs typeface="Calibri"/>
+                <a:sym typeface="Calibri"/>
+              </a:rPr>
+              <a:t>Analyst, based on OpenAI’s o3-mini reasoning model, uses chain-of-thought reasoning to analyze raw data, generate spreadsheets, run Python code, and create detailed reports.</a:t>
+            </a:r>
+            <a:endParaRPr sz="1200">
+              <a:solidFill>
+                <a:schemeClr val="dk1"/>
+              </a:solidFill>
+              <a:latin typeface="Calibri"/>
+              <a:ea typeface="Calibri"/>
+              <a:cs typeface="Calibri"/>
+              <a:sym typeface="Calibri"/>
+            </a:endParaRPr>
+          </a:p>
+        </p:txBody>
+      </p:sp>
     </p:spTree>
   </p:cSld>
   <p:clrMapOvr>
@@ -17823,7 +18282,7 @@
   <p:cSld>
     <p:spTree>
       <p:nvGrpSpPr>
-        <p:cNvPr id="1" name="Shape 176"/>
+        <p:cNvPr id="1" name="Shape 177"/>
         <p:cNvGrpSpPr/>
         <p:nvPr/>
       </p:nvGrpSpPr>
@@ -17837,7 +18296,7 @@
       </p:grpSpPr>
       <p:sp>
         <p:nvSpPr>
-          <p:cNvPr id="177" name="Google Shape;177;p28"/>
+          <p:cNvPr id="178" name="Google Shape;178;p28"/>
           <p:cNvSpPr txBox="1"/>
           <p:nvPr/>
         </p:nvSpPr>
@@ -17900,7 +18359,7 @@
       </p:sp>
       <p:sp>
         <p:nvSpPr>
-          <p:cNvPr id="178" name="Google Shape;178;p28"/>
+          <p:cNvPr id="179" name="Google Shape;179;p28"/>
           <p:cNvSpPr txBox="1"/>
           <p:nvPr/>
         </p:nvSpPr>
@@ -17946,6 +18405,18 @@
               <a:buChar char="●"/>
             </a:pPr>
             <a:r>
+              <a:rPr lang="en" sz="1200" b="1">
+                <a:solidFill>
+                  <a:srgbClr val="FF0000"/>
+                </a:solidFill>
+                <a:latin typeface="Calibri"/>
+                <a:ea typeface="Calibri"/>
+                <a:cs typeface="Calibri"/>
+                <a:sym typeface="Calibri"/>
+              </a:rPr>
+              <a:t>ARC-AGI-2</a:t>
+            </a:r>
+            <a:r>
               <a:rPr lang="en" sz="1200">
                 <a:solidFill>
                   <a:srgbClr val="131313"/>
@@ -17955,7 +18426,7 @@
                 <a:cs typeface="Calibri"/>
                 <a:sym typeface="Calibri"/>
               </a:rPr>
-              <a:t>ARC-AGI-2 by Arc Prize Foundation</a:t>
+              <a:t> by Arc Prize Foundation</a:t>
             </a:r>
             <a:endParaRPr sz="1200">
               <a:solidFill>
@@ -18328,7 +18799,7 @@
       </p:sp>
       <p:pic>
         <p:nvPicPr>
-          <p:cNvPr id="179" name="Google Shape;179;p28"/>
+          <p:cNvPr id="180" name="Google Shape;180;p28"/>
           <p:cNvPicPr preferRelativeResize="0"/>
           <p:nvPr/>
         </p:nvPicPr>
@@ -18361,7 +18832,7 @@
       </p:pic>
       <p:pic>
         <p:nvPicPr>
-          <p:cNvPr id="180" name="Google Shape;180;p28"/>
+          <p:cNvPr id="181" name="Google Shape;181;p28"/>
           <p:cNvPicPr preferRelativeResize="0"/>
           <p:nvPr/>
         </p:nvPicPr>
@@ -18394,7 +18865,7 @@
       </p:pic>
       <p:pic>
         <p:nvPicPr>
-          <p:cNvPr id="181" name="Google Shape;181;p28"/>
+          <p:cNvPr id="182" name="Google Shape;182;p28"/>
           <p:cNvPicPr preferRelativeResize="0"/>
           <p:nvPr/>
         </p:nvPicPr>
@@ -18438,7 +18909,7 @@
   <p:cSld>
     <p:spTree>
       <p:nvGrpSpPr>
-        <p:cNvPr id="1" name="Shape 185"/>
+        <p:cNvPr id="1" name="Shape 186"/>
         <p:cNvGrpSpPr/>
         <p:nvPr/>
       </p:nvGrpSpPr>
@@ -18452,7 +18923,7 @@
       </p:grpSpPr>
       <p:sp>
         <p:nvSpPr>
-          <p:cNvPr id="186" name="Google Shape;186;p29"/>
+          <p:cNvPr id="187" name="Google Shape;187;p29"/>
           <p:cNvSpPr txBox="1"/>
           <p:nvPr/>
         </p:nvSpPr>
@@ -18515,7 +18986,7 @@
       </p:sp>
       <p:sp>
         <p:nvSpPr>
-          <p:cNvPr id="187" name="Google Shape;187;p29"/>
+          <p:cNvPr id="188" name="Google Shape;188;p29"/>
           <p:cNvSpPr txBox="1"/>
           <p:nvPr/>
         </p:nvSpPr>
@@ -19182,7 +19653,7 @@
       </p:sp>
       <p:pic>
         <p:nvPicPr>
-          <p:cNvPr id="188" name="Google Shape;188;p29"/>
+          <p:cNvPr id="189" name="Google Shape;189;p29"/>
           <p:cNvPicPr preferRelativeResize="0"/>
           <p:nvPr/>
         </p:nvPicPr>
@@ -19232,7 +19703,7 @@
   <p:cSld>
     <p:spTree>
       <p:nvGrpSpPr>
-        <p:cNvPr id="1" name="Shape 192"/>
+        <p:cNvPr id="1" name="Shape 193"/>
         <p:cNvGrpSpPr/>
         <p:nvPr/>
       </p:nvGrpSpPr>
@@ -19246,7 +19717,7 @@
       </p:grpSpPr>
       <p:sp>
         <p:nvSpPr>
-          <p:cNvPr id="193" name="Google Shape;193;p30"/>
+          <p:cNvPr id="194" name="Google Shape;194;p30"/>
           <p:cNvSpPr txBox="1"/>
           <p:nvPr/>
         </p:nvSpPr>
@@ -19309,7 +19780,7 @@
       </p:sp>
       <p:sp>
         <p:nvSpPr>
-          <p:cNvPr id="194" name="Google Shape;194;p30"/>
+          <p:cNvPr id="195" name="Google Shape;195;p30"/>
           <p:cNvSpPr txBox="1"/>
           <p:nvPr/>
         </p:nvSpPr>
@@ -19866,7 +20337,7 @@
       </p:sp>
       <p:pic>
         <p:nvPicPr>
-          <p:cNvPr id="195" name="Google Shape;195;p30"/>
+          <p:cNvPr id="196" name="Google Shape;196;p30"/>
           <p:cNvPicPr preferRelativeResize="0"/>
           <p:nvPr/>
         </p:nvPicPr>
@@ -19905,7 +20376,7 @@
       </p:pic>
       <p:pic>
         <p:nvPicPr>
-          <p:cNvPr id="196" name="Google Shape;196;p30"/>
+          <p:cNvPr id="197" name="Google Shape;197;p30"/>
           <p:cNvPicPr preferRelativeResize="0"/>
           <p:nvPr/>
         </p:nvPicPr>
@@ -19944,7 +20415,7 @@
       </p:pic>
       <p:pic>
         <p:nvPicPr>
-          <p:cNvPr id="197" name="Google Shape;197;p30"/>
+          <p:cNvPr id="198" name="Google Shape;198;p30"/>
           <p:cNvPicPr preferRelativeResize="0"/>
           <p:nvPr/>
         </p:nvPicPr>
@@ -19983,7 +20454,7 @@
       </p:pic>
       <p:pic>
         <p:nvPicPr>
-          <p:cNvPr id="198" name="Google Shape;198;p30"/>
+          <p:cNvPr id="199" name="Google Shape;199;p30"/>
           <p:cNvPicPr preferRelativeResize="0"/>
           <p:nvPr/>
         </p:nvPicPr>
@@ -20022,7 +20493,7 @@
       </p:pic>
       <p:sp>
         <p:nvSpPr>
-          <p:cNvPr id="199" name="Google Shape;199;p30"/>
+          <p:cNvPr id="200" name="Google Shape;200;p30"/>
           <p:cNvSpPr txBox="1"/>
           <p:nvPr/>
         </p:nvSpPr>
@@ -20088,7 +20559,7 @@
       </p:sp>
       <p:sp>
         <p:nvSpPr>
-          <p:cNvPr id="200" name="Google Shape;200;p30"/>
+          <p:cNvPr id="201" name="Google Shape;201;p30"/>
           <p:cNvSpPr txBox="1"/>
           <p:nvPr/>
         </p:nvSpPr>
@@ -20154,7 +20625,7 @@
       </p:sp>
       <p:sp>
         <p:nvSpPr>
-          <p:cNvPr id="201" name="Google Shape;201;p30"/>
+          <p:cNvPr id="202" name="Google Shape;202;p30"/>
           <p:cNvSpPr txBox="1"/>
           <p:nvPr/>
         </p:nvSpPr>
@@ -20220,7 +20691,7 @@
       </p:sp>
       <p:sp>
         <p:nvSpPr>
-          <p:cNvPr id="202" name="Google Shape;202;p30"/>
+          <p:cNvPr id="203" name="Google Shape;203;p30"/>
           <p:cNvSpPr txBox="1"/>
           <p:nvPr/>
         </p:nvSpPr>
@@ -20286,7 +20757,7 @@
       </p:sp>
       <p:pic>
         <p:nvPicPr>
-          <p:cNvPr id="203" name="Google Shape;203;p30"/>
+          <p:cNvPr id="204" name="Google Shape;204;p30"/>
           <p:cNvPicPr preferRelativeResize="0"/>
           <p:nvPr/>
         </p:nvPicPr>
@@ -20325,7 +20796,7 @@
       </p:pic>
       <p:sp>
         <p:nvSpPr>
-          <p:cNvPr id="204" name="Google Shape;204;p30"/>
+          <p:cNvPr id="205" name="Google Shape;205;p30"/>
           <p:cNvSpPr txBox="1"/>
           <p:nvPr/>
         </p:nvSpPr>
@@ -20391,7 +20862,7 @@
       </p:sp>
       <p:pic>
         <p:nvPicPr>
-          <p:cNvPr id="205" name="Google Shape;205;p30"/>
+          <p:cNvPr id="206" name="Google Shape;206;p30"/>
           <p:cNvPicPr preferRelativeResize="0"/>
           <p:nvPr/>
         </p:nvPicPr>
@@ -20430,7 +20901,7 @@
       </p:pic>
       <p:sp>
         <p:nvSpPr>
-          <p:cNvPr id="206" name="Google Shape;206;p30"/>
+          <p:cNvPr id="207" name="Google Shape;207;p30"/>
           <p:cNvSpPr txBox="1"/>
           <p:nvPr/>
         </p:nvSpPr>
@@ -20496,7 +20967,7 @@
       </p:sp>
       <p:pic>
         <p:nvPicPr>
-          <p:cNvPr id="207" name="Google Shape;207;p30"/>
+          <p:cNvPr id="208" name="Google Shape;208;p30"/>
           <p:cNvPicPr preferRelativeResize="0"/>
           <p:nvPr/>
         </p:nvPicPr>
@@ -20529,7 +21000,7 @@
       </p:pic>
       <p:sp>
         <p:nvSpPr>
-          <p:cNvPr id="208" name="Google Shape;208;p30"/>
+          <p:cNvPr id="209" name="Google Shape;209;p30"/>
           <p:cNvSpPr txBox="1"/>
           <p:nvPr/>
         </p:nvSpPr>
@@ -20661,7 +21132,7 @@
   <p:cSld>
     <p:spTree>
       <p:nvGrpSpPr>
-        <p:cNvPr id="1" name="Shape 212"/>
+        <p:cNvPr id="1" name="Shape 213"/>
         <p:cNvGrpSpPr/>
         <p:nvPr/>
       </p:nvGrpSpPr>
@@ -20675,7 +21146,7 @@
       </p:grpSpPr>
       <p:sp>
         <p:nvSpPr>
-          <p:cNvPr id="213" name="Google Shape;213;p31"/>
+          <p:cNvPr id="214" name="Google Shape;214;p31"/>
           <p:cNvSpPr txBox="1"/>
           <p:nvPr/>
         </p:nvSpPr>
@@ -20738,7 +21209,7 @@
       </p:sp>
       <p:sp>
         <p:nvSpPr>
-          <p:cNvPr id="214" name="Google Shape;214;p31"/>
+          <p:cNvPr id="215" name="Google Shape;215;p31"/>
           <p:cNvSpPr txBox="1"/>
           <p:nvPr/>
         </p:nvSpPr>
@@ -21019,7 +21490,7 @@
       </p:sp>
       <p:pic>
         <p:nvPicPr>
-          <p:cNvPr id="215" name="Google Shape;215;p31"/>
+          <p:cNvPr id="216" name="Google Shape;216;p31"/>
           <p:cNvPicPr preferRelativeResize="0"/>
           <p:nvPr/>
         </p:nvPicPr>
@@ -21058,7 +21529,7 @@
       </p:pic>
       <p:sp>
         <p:nvSpPr>
-          <p:cNvPr id="216" name="Google Shape;216;p31"/>
+          <p:cNvPr id="217" name="Google Shape;217;p31"/>
           <p:cNvSpPr txBox="1"/>
           <p:nvPr/>
         </p:nvSpPr>
@@ -21294,7 +21765,7 @@
       </p:sp>
       <p:pic>
         <p:nvPicPr>
-          <p:cNvPr id="217" name="Google Shape;217;p31"/>
+          <p:cNvPr id="218" name="Google Shape;218;p31"/>
           <p:cNvPicPr preferRelativeResize="0"/>
           <p:nvPr/>
         </p:nvPicPr>
@@ -21344,7 +21815,7 @@
   <p:cSld>
     <p:spTree>
       <p:nvGrpSpPr>
-        <p:cNvPr id="1" name="Shape 221"/>
+        <p:cNvPr id="1" name="Shape 222"/>
         <p:cNvGrpSpPr/>
         <p:nvPr/>
       </p:nvGrpSpPr>
@@ -21358,14 +21829,14 @@
       </p:grpSpPr>
       <p:sp>
         <p:nvSpPr>
-          <p:cNvPr id="222" name="Google Shape;222;p32"/>
+          <p:cNvPr id="223" name="Google Shape;223;p32"/>
           <p:cNvSpPr txBox="1"/>
           <p:nvPr/>
         </p:nvSpPr>
         <p:spPr>
           <a:xfrm>
             <a:off x="55075" y="52750"/>
-            <a:ext cx="3483300" cy="326400"/>
+            <a:ext cx="2160300" cy="326400"/>
           </a:xfrm>
           <a:prstGeom prst="rect">
             <a:avLst/>
@@ -21405,7 +21876,7 @@
                 <a:cs typeface="Calibri"/>
                 <a:sym typeface="Calibri"/>
               </a:rPr>
-              <a:t>AlexNet source code released</a:t>
+              <a:t>Chain-Of-Draft</a:t>
             </a:r>
             <a:endParaRPr sz="2000" b="1">
               <a:solidFill>
@@ -21421,14 +21892,14 @@
       </p:sp>
       <p:sp>
         <p:nvSpPr>
-          <p:cNvPr id="223" name="Google Shape;223;p32"/>
+          <p:cNvPr id="224" name="Google Shape;224;p32"/>
           <p:cNvSpPr txBox="1"/>
           <p:nvPr/>
         </p:nvSpPr>
         <p:spPr>
           <a:xfrm>
             <a:off x="55075" y="545900"/>
-            <a:ext cx="4456200" cy="2050200"/>
+            <a:ext cx="4456200" cy="1218900"/>
           </a:xfrm>
           <a:prstGeom prst="rect">
             <a:avLst/>
@@ -21460,6 +21931,467 @@
                 <a:spcPts val="0"/>
               </a:spcAft>
               <a:buClr>
+                <a:srgbClr val="FF0000"/>
+              </a:buClr>
+              <a:buSzPts val="1200"/>
+              <a:buFont typeface="Calibri"/>
+              <a:buChar char="●"/>
+            </a:pPr>
+            <a:r>
+              <a:rPr lang="en" sz="1200" b="1">
+                <a:solidFill>
+                  <a:srgbClr val="FF0000"/>
+                </a:solidFill>
+                <a:latin typeface="Calibri"/>
+                <a:ea typeface="Calibri"/>
+                <a:cs typeface="Calibri"/>
+                <a:sym typeface="Calibri"/>
+              </a:rPr>
+              <a:t>Chain-of-Draft (CoD) Is The New King Of Prompting Techniques</a:t>
+            </a:r>
+            <a:endParaRPr sz="1200" b="1">
+              <a:solidFill>
+                <a:srgbClr val="FF0000"/>
+              </a:solidFill>
+              <a:latin typeface="Calibri"/>
+              <a:ea typeface="Calibri"/>
+              <a:cs typeface="Calibri"/>
+              <a:sym typeface="Calibri"/>
+            </a:endParaRPr>
+          </a:p>
+          <a:p>
+            <a:pPr marL="171450" lvl="0" indent="-133350" algn="l" rtl="0">
+              <a:spcBef>
+                <a:spcPts val="0"/>
+              </a:spcBef>
+              <a:spcAft>
+                <a:spcPts val="0"/>
+              </a:spcAft>
+              <a:buClr>
+                <a:schemeClr val="dk1"/>
+              </a:buClr>
+              <a:buSzPts val="1200"/>
+              <a:buFont typeface="Calibri"/>
+              <a:buChar char="●"/>
+            </a:pPr>
+            <a:r>
+              <a:rPr lang="en" sz="1200">
+                <a:solidFill>
+                  <a:schemeClr val="dk1"/>
+                </a:solidFill>
+                <a:latin typeface="Calibri"/>
+                <a:ea typeface="Calibri"/>
+                <a:cs typeface="Calibri"/>
+                <a:sym typeface="Calibri"/>
+              </a:rPr>
+              <a:t>Chain-of-Draft (CoD) Prompting simply </a:t>
+            </a:r>
+            <a:r>
+              <a:rPr lang="en" sz="1200" b="1">
+                <a:solidFill>
+                  <a:srgbClr val="3C78D8"/>
+                </a:solidFill>
+                <a:latin typeface="Calibri"/>
+                <a:ea typeface="Calibri"/>
+                <a:cs typeface="Calibri"/>
+                <a:sym typeface="Calibri"/>
+              </a:rPr>
+              <a:t>asks the model to think step-by-step and to limit each reasoning step to five words at most</a:t>
+            </a:r>
+            <a:r>
+              <a:rPr lang="en" sz="1200">
+                <a:solidFill>
+                  <a:schemeClr val="dk1"/>
+                </a:solidFill>
+                <a:latin typeface="Calibri"/>
+                <a:ea typeface="Calibri"/>
+                <a:cs typeface="Calibri"/>
+                <a:sym typeface="Calibri"/>
+              </a:rPr>
+              <a:t>.</a:t>
+            </a:r>
+            <a:endParaRPr sz="1200">
+              <a:solidFill>
+                <a:schemeClr val="dk1"/>
+              </a:solidFill>
+              <a:latin typeface="Calibri"/>
+              <a:ea typeface="Calibri"/>
+              <a:cs typeface="Calibri"/>
+              <a:sym typeface="Calibri"/>
+            </a:endParaRPr>
+          </a:p>
+          <a:p>
+            <a:pPr marL="171450" lvl="0" indent="-133350" algn="l" rtl="0">
+              <a:spcBef>
+                <a:spcPts val="0"/>
+              </a:spcBef>
+              <a:spcAft>
+                <a:spcPts val="0"/>
+              </a:spcAft>
+              <a:buClr>
+                <a:schemeClr val="dk1"/>
+              </a:buClr>
+              <a:buSzPts val="1200"/>
+              <a:buFont typeface="Calibri"/>
+              <a:buChar char="●"/>
+            </a:pPr>
+            <a:r>
+              <a:rPr lang="en" sz="1200">
+                <a:solidFill>
+                  <a:schemeClr val="dk1"/>
+                </a:solidFill>
+                <a:latin typeface="Calibri"/>
+                <a:ea typeface="Calibri"/>
+                <a:cs typeface="Calibri"/>
+                <a:sym typeface="Calibri"/>
+              </a:rPr>
+              <a:t>We lose some accuracy, but get response 4 times faster and much cheaper</a:t>
+            </a:r>
+            <a:endParaRPr sz="1200">
+              <a:solidFill>
+                <a:schemeClr val="dk1"/>
+              </a:solidFill>
+              <a:latin typeface="Calibri"/>
+              <a:ea typeface="Calibri"/>
+              <a:cs typeface="Calibri"/>
+              <a:sym typeface="Calibri"/>
+            </a:endParaRPr>
+          </a:p>
+          <a:p>
+            <a:pPr marL="171450" lvl="0" indent="-114300" algn="l" rtl="0">
+              <a:spcBef>
+                <a:spcPts val="0"/>
+              </a:spcBef>
+              <a:spcAft>
+                <a:spcPts val="0"/>
+              </a:spcAft>
+              <a:buClr>
+                <a:schemeClr val="dk1"/>
+              </a:buClr>
+              <a:buSzPts val="900"/>
+              <a:buFont typeface="Calibri"/>
+              <a:buChar char="●"/>
+            </a:pPr>
+            <a:r>
+              <a:rPr lang="en" sz="900" u="sng">
+                <a:solidFill>
+                  <a:schemeClr val="hlink"/>
+                </a:solidFill>
+                <a:latin typeface="Calibri"/>
+                <a:ea typeface="Calibri"/>
+                <a:cs typeface="Calibri"/>
+                <a:sym typeface="Calibri"/>
+                <a:hlinkClick r:id="rId3"/>
+              </a:rPr>
+              <a:t>https://levelup.gitconnected.com/chain-of-draft-cod-is-the-new-king-of-prompting-techniques-d9dc17f12051</a:t>
+            </a:r>
+            <a:r>
+              <a:rPr lang="en" sz="900">
+                <a:solidFill>
+                  <a:schemeClr val="dk1"/>
+                </a:solidFill>
+                <a:latin typeface="Calibri"/>
+                <a:ea typeface="Calibri"/>
+                <a:cs typeface="Calibri"/>
+                <a:sym typeface="Calibri"/>
+              </a:rPr>
+              <a:t> </a:t>
+            </a:r>
+            <a:endParaRPr sz="900">
+              <a:solidFill>
+                <a:schemeClr val="dk1"/>
+              </a:solidFill>
+              <a:latin typeface="Calibri"/>
+              <a:ea typeface="Calibri"/>
+              <a:cs typeface="Calibri"/>
+              <a:sym typeface="Calibri"/>
+            </a:endParaRPr>
+          </a:p>
+        </p:txBody>
+      </p:sp>
+      <p:pic>
+        <p:nvPicPr>
+          <p:cNvPr id="225" name="Google Shape;225;p32"/>
+          <p:cNvPicPr preferRelativeResize="0"/>
+          <p:nvPr/>
+        </p:nvPicPr>
+        <p:blipFill rotWithShape="1">
+          <a:blip r:embed="rId4" cstate="email">
+            <a:alphaModFix/>
+            <a:extLst>
+              <a:ext uri="{28A0092B-C50C-407E-A947-70E740481C1C}">
+                <a14:useLocalDpi xmlns:a14="http://schemas.microsoft.com/office/drawing/2010/main"/>
+              </a:ext>
+            </a:extLst>
+          </a:blip>
+          <a:srcRect/>
+          <a:stretch/>
+        </p:blipFill>
+        <p:spPr>
+          <a:xfrm>
+            <a:off x="55075" y="1985050"/>
+            <a:ext cx="3731400" cy="2665274"/>
+          </a:xfrm>
+          <a:prstGeom prst="rect">
+            <a:avLst/>
+          </a:prstGeom>
+          <a:noFill/>
+          <a:ln w="9525" cap="flat" cmpd="sng">
+            <a:solidFill>
+              <a:srgbClr val="FF0000"/>
+            </a:solidFill>
+            <a:prstDash val="solid"/>
+            <a:round/>
+            <a:headEnd type="none" w="sm" len="sm"/>
+            <a:tailEnd type="none" w="sm" len="sm"/>
+          </a:ln>
+        </p:spPr>
+      </p:pic>
+      <p:pic>
+        <p:nvPicPr>
+          <p:cNvPr id="226" name="Google Shape;226;p32"/>
+          <p:cNvPicPr preferRelativeResize="0"/>
+          <p:nvPr/>
+        </p:nvPicPr>
+        <p:blipFill>
+          <a:blip r:embed="rId5" cstate="email">
+            <a:alphaModFix/>
+            <a:extLst>
+              <a:ext uri="{28A0092B-C50C-407E-A947-70E740481C1C}">
+                <a14:useLocalDpi xmlns:a14="http://schemas.microsoft.com/office/drawing/2010/main"/>
+              </a:ext>
+            </a:extLst>
+          </a:blip>
+          <a:stretch>
+            <a:fillRect/>
+          </a:stretch>
+        </p:blipFill>
+        <p:spPr>
+          <a:xfrm>
+            <a:off x="4740988" y="52755"/>
+            <a:ext cx="4358877" cy="1595582"/>
+          </a:xfrm>
+          <a:prstGeom prst="rect">
+            <a:avLst/>
+          </a:prstGeom>
+          <a:noFill/>
+          <a:ln w="9525" cap="flat" cmpd="sng">
+            <a:solidFill>
+              <a:srgbClr val="FF0000"/>
+            </a:solidFill>
+            <a:prstDash val="solid"/>
+            <a:round/>
+            <a:headEnd type="none" w="sm" len="sm"/>
+            <a:tailEnd type="none" w="sm" len="sm"/>
+          </a:ln>
+        </p:spPr>
+      </p:pic>
+      <p:pic>
+        <p:nvPicPr>
+          <p:cNvPr id="227" name="Google Shape;227;p32"/>
+          <p:cNvPicPr preferRelativeResize="0"/>
+          <p:nvPr/>
+        </p:nvPicPr>
+        <p:blipFill rotWithShape="1">
+          <a:blip r:embed="rId6" cstate="email">
+            <a:alphaModFix/>
+            <a:extLst>
+              <a:ext uri="{28A0092B-C50C-407E-A947-70E740481C1C}">
+                <a14:useLocalDpi xmlns:a14="http://schemas.microsoft.com/office/drawing/2010/main"/>
+              </a:ext>
+            </a:extLst>
+          </a:blip>
+          <a:srcRect/>
+          <a:stretch/>
+        </p:blipFill>
+        <p:spPr>
+          <a:xfrm>
+            <a:off x="4741000" y="1714700"/>
+            <a:ext cx="4358875" cy="1340667"/>
+          </a:xfrm>
+          <a:prstGeom prst="rect">
+            <a:avLst/>
+          </a:prstGeom>
+          <a:noFill/>
+          <a:ln w="9525" cap="flat" cmpd="sng">
+            <a:solidFill>
+              <a:srgbClr val="FF0000"/>
+            </a:solidFill>
+            <a:prstDash val="solid"/>
+            <a:round/>
+            <a:headEnd type="none" w="sm" len="sm"/>
+            <a:tailEnd type="none" w="sm" len="sm"/>
+          </a:ln>
+        </p:spPr>
+      </p:pic>
+      <p:pic>
+        <p:nvPicPr>
+          <p:cNvPr id="228" name="Google Shape;228;p32"/>
+          <p:cNvPicPr preferRelativeResize="0"/>
+          <p:nvPr/>
+        </p:nvPicPr>
+        <p:blipFill>
+          <a:blip r:embed="rId7" cstate="email">
+            <a:alphaModFix/>
+            <a:extLst>
+              <a:ext uri="{28A0092B-C50C-407E-A947-70E740481C1C}">
+                <a14:useLocalDpi xmlns:a14="http://schemas.microsoft.com/office/drawing/2010/main"/>
+              </a:ext>
+            </a:extLst>
+          </a:blip>
+          <a:stretch>
+            <a:fillRect/>
+          </a:stretch>
+        </p:blipFill>
+        <p:spPr>
+          <a:xfrm>
+            <a:off x="4741000" y="3158378"/>
+            <a:ext cx="4183651" cy="1745175"/>
+          </a:xfrm>
+          <a:prstGeom prst="rect">
+            <a:avLst/>
+          </a:prstGeom>
+          <a:noFill/>
+          <a:ln w="9525" cap="flat" cmpd="sng">
+            <a:solidFill>
+              <a:srgbClr val="FF0000"/>
+            </a:solidFill>
+            <a:prstDash val="solid"/>
+            <a:round/>
+            <a:headEnd type="none" w="sm" len="sm"/>
+            <a:tailEnd type="none" w="sm" len="sm"/>
+          </a:ln>
+        </p:spPr>
+      </p:pic>
+    </p:spTree>
+  </p:cSld>
+  <p:clrMapOvr>
+    <a:masterClrMapping/>
+  </p:clrMapOvr>
+</p:sld>
+</file>
+
+<file path=ppt/slides/slide19.xml><?xml version="1.0" encoding="utf-8"?>
+<p:sld xmlns:a="http://schemas.openxmlformats.org/drawingml/2006/main" xmlns:r="http://schemas.openxmlformats.org/officeDocument/2006/relationships" xmlns:p="http://schemas.openxmlformats.org/presentationml/2006/main">
+  <p:cSld>
+    <p:spTree>
+      <p:nvGrpSpPr>
+        <p:cNvPr id="1" name="Shape 232"/>
+        <p:cNvGrpSpPr/>
+        <p:nvPr/>
+      </p:nvGrpSpPr>
+      <p:grpSpPr>
+        <a:xfrm>
+          <a:off x="0" y="0"/>
+          <a:ext cx="0" cy="0"/>
+          <a:chOff x="0" y="0"/>
+          <a:chExt cx="0" cy="0"/>
+        </a:xfrm>
+      </p:grpSpPr>
+      <p:sp>
+        <p:nvSpPr>
+          <p:cNvPr id="233" name="Google Shape;233;p33"/>
+          <p:cNvSpPr txBox="1"/>
+          <p:nvPr/>
+        </p:nvSpPr>
+        <p:spPr>
+          <a:xfrm>
+            <a:off x="55075" y="52750"/>
+            <a:ext cx="3483300" cy="326400"/>
+          </a:xfrm>
+          <a:prstGeom prst="rect">
+            <a:avLst/>
+          </a:prstGeom>
+          <a:noFill/>
+          <a:ln>
+            <a:noFill/>
+          </a:ln>
+        </p:spPr>
+        <p:txBody>
+          <a:bodyPr spcFirstLastPara="1" wrap="square" lIns="9125" tIns="9125" rIns="9125" bIns="9125" anchor="t" anchorCtr="0">
+            <a:spAutoFit/>
+          </a:bodyPr>
+          <a:lstStyle/>
+          <a:p>
+            <a:pPr marL="0" lvl="0" indent="0" algn="l" rtl="0">
+              <a:spcBef>
+                <a:spcPts val="0"/>
+              </a:spcBef>
+              <a:spcAft>
+                <a:spcPts val="0"/>
+              </a:spcAft>
+              <a:buClr>
+                <a:schemeClr val="dk1"/>
+              </a:buClr>
+              <a:buSzPts val="1100"/>
+              <a:buFont typeface="Arial"/>
+              <a:buNone/>
+            </a:pPr>
+            <a:r>
+              <a:rPr lang="en" sz="2000" b="1">
+                <a:solidFill>
+                  <a:schemeClr val="dk1"/>
+                </a:solidFill>
+                <a:latin typeface="Calibri"/>
+                <a:ea typeface="Calibri"/>
+                <a:cs typeface="Calibri"/>
+                <a:sym typeface="Calibri"/>
+              </a:rPr>
+              <a:t>AlexNet source code released</a:t>
+            </a:r>
+            <a:endParaRPr sz="2000" b="1">
+              <a:solidFill>
+                <a:schemeClr val="dk1"/>
+              </a:solidFill>
+              <a:latin typeface="Calibri"/>
+              <a:ea typeface="Calibri"/>
+              <a:cs typeface="Calibri"/>
+              <a:sym typeface="Calibri"/>
+            </a:endParaRPr>
+          </a:p>
+        </p:txBody>
+      </p:sp>
+      <p:sp>
+        <p:nvSpPr>
+          <p:cNvPr id="234" name="Google Shape;234;p33"/>
+          <p:cNvSpPr txBox="1"/>
+          <p:nvPr/>
+        </p:nvSpPr>
+        <p:spPr>
+          <a:xfrm>
+            <a:off x="55075" y="545900"/>
+            <a:ext cx="3175200" cy="2188800"/>
+          </a:xfrm>
+          <a:prstGeom prst="rect">
+            <a:avLst/>
+          </a:prstGeom>
+          <a:solidFill>
+            <a:srgbClr val="FFF2CC"/>
+          </a:solidFill>
+          <a:ln w="9525" cap="flat" cmpd="sng">
+            <a:solidFill>
+              <a:srgbClr val="FF0000"/>
+            </a:solidFill>
+            <a:prstDash val="solid"/>
+            <a:round/>
+            <a:headEnd type="none" w="sm" len="sm"/>
+            <a:tailEnd type="none" w="sm" len="sm"/>
+          </a:ln>
+        </p:spPr>
+        <p:txBody>
+          <a:bodyPr spcFirstLastPara="1" wrap="square" lIns="9125" tIns="9125" rIns="9125" bIns="9125" anchor="t" anchorCtr="0">
+            <a:spAutoFit/>
+          </a:bodyPr>
+          <a:lstStyle/>
+          <a:p>
+            <a:pPr marL="171450" lvl="0" indent="-133350" algn="l" rtl="0">
+              <a:spcBef>
+                <a:spcPts val="0"/>
+              </a:spcBef>
+              <a:spcAft>
+                <a:spcPts val="0"/>
+              </a:spcAft>
+              <a:buClr>
                 <a:schemeClr val="dk1"/>
               </a:buClr>
               <a:buSzPts val="1200"/>
@@ -21599,7 +22531,30 @@
                 <a:cs typeface="Calibri"/>
                 <a:sym typeface="Calibri"/>
               </a:rPr>
-              <a:t>It is C++ with CUDA extensions. Also multiple python scripts.</a:t>
+              <a:t>It is C++ with CUDA extensions. </a:t>
+            </a:r>
+            <a:br>
+              <a:rPr lang="en" sz="1200">
+                <a:solidFill>
+                  <a:srgbClr val="131313"/>
+                </a:solidFill>
+                <a:latin typeface="Calibri"/>
+                <a:ea typeface="Calibri"/>
+                <a:cs typeface="Calibri"/>
+                <a:sym typeface="Calibri"/>
+              </a:rPr>
+            </a:br>
+            <a:r>
+              <a:rPr lang="en" sz="1200">
+                <a:solidFill>
+                  <a:srgbClr val="131313"/>
+                </a:solidFill>
+                <a:latin typeface="Calibri"/>
+                <a:ea typeface="Calibri"/>
+                <a:cs typeface="Calibri"/>
+                <a:sym typeface="Calibri"/>
+              </a:rPr>
+              <a:t>Also multiple python scripts.</a:t>
             </a:r>
             <a:endParaRPr sz="1200">
               <a:solidFill>
@@ -21612,7 +22567,7 @@
             </a:endParaRPr>
           </a:p>
           <a:p>
-            <a:pPr marL="171450" lvl="0" indent="-133350" algn="l" rtl="0">
+            <a:pPr marL="171450" lvl="0" indent="-114300" algn="l" rtl="0">
               <a:spcBef>
                 <a:spcPts val="0"/>
               </a:spcBef>
@@ -21622,12 +22577,12 @@
               <a:buClr>
                 <a:schemeClr val="dk1"/>
               </a:buClr>
-              <a:buSzPts val="1200"/>
+              <a:buSzPts val="900"/>
               <a:buFont typeface="Calibri"/>
               <a:buChar char="●"/>
             </a:pPr>
             <a:r>
-              <a:rPr lang="en" sz="1200" u="sng">
+              <a:rPr lang="en" sz="900" u="sng">
                 <a:solidFill>
                   <a:schemeClr val="hlink"/>
                 </a:solidFill>
@@ -21639,7 +22594,7 @@
               </a:rPr>
               <a:t>https://github.com/computerhistory/AlexNet-Source-Code</a:t>
             </a:r>
-            <a:endParaRPr sz="1200">
+            <a:endParaRPr sz="900">
               <a:solidFill>
                 <a:srgbClr val="131313"/>
               </a:solidFill>
@@ -21650,7 +22605,7 @@
             </a:endParaRPr>
           </a:p>
           <a:p>
-            <a:pPr marL="171450" lvl="0" indent="-133350" algn="l" rtl="0">
+            <a:pPr marL="171450" lvl="0" indent="-114300" algn="l" rtl="0">
               <a:spcBef>
                 <a:spcPts val="0"/>
               </a:spcBef>
@@ -21660,12 +22615,12 @@
               <a:buClr>
                 <a:srgbClr val="131313"/>
               </a:buClr>
-              <a:buSzPts val="1200"/>
+              <a:buSzPts val="900"/>
               <a:buFont typeface="Calibri"/>
               <a:buChar char="●"/>
             </a:pPr>
             <a:r>
-              <a:rPr lang="en" sz="1200" u="sng">
+              <a:rPr lang="en" sz="900" u="sng">
                 <a:solidFill>
                   <a:schemeClr val="accent5"/>
                 </a:solidFill>
@@ -21683,10 +22638,15 @@
               </a:rPr>
               <a:t>https://github.com/computerhistory/AlexNet-Source-Code/blob/main/README.md</a:t>
             </a:r>
-            <a:endParaRPr/>
-          </a:p>
-          <a:p>
-            <a:pPr marL="171450" lvl="0" indent="-133350" algn="l" rtl="0">
+            <a:endParaRPr sz="900">
+              <a:latin typeface="Calibri"/>
+              <a:ea typeface="Calibri"/>
+              <a:cs typeface="Calibri"/>
+              <a:sym typeface="Calibri"/>
+            </a:endParaRPr>
+          </a:p>
+          <a:p>
+            <a:pPr marL="171450" lvl="0" indent="-114300" algn="l" rtl="0">
               <a:spcBef>
                 <a:spcPts val="0"/>
               </a:spcBef>
@@ -21696,12 +22656,12 @@
               <a:buClr>
                 <a:srgbClr val="131313"/>
               </a:buClr>
-              <a:buSzPts val="1200"/>
+              <a:buSzPts val="900"/>
               <a:buFont typeface="Calibri"/>
               <a:buChar char="●"/>
             </a:pPr>
             <a:r>
-              <a:rPr lang="en" sz="1200" u="sng">
+              <a:rPr lang="en" sz="900" u="sng">
                 <a:solidFill>
                   <a:schemeClr val="hlink"/>
                 </a:solidFill>
@@ -21714,7 +22674,7 @@
               <a:t>https://www.zdnet.com/article/alexnet-the-ai-model-that-started-it-all-released-in-source-code-form-for-all-to-download/</a:t>
             </a:r>
             <a:r>
-              <a:rPr lang="en" sz="1200">
+              <a:rPr lang="en" sz="900">
                 <a:solidFill>
                   <a:srgbClr val="131313"/>
                 </a:solidFill>
@@ -21725,7 +22685,7 @@
               </a:rPr>
               <a:t> </a:t>
             </a:r>
-            <a:endParaRPr sz="1200">
+            <a:endParaRPr sz="900">
               <a:solidFill>
                 <a:srgbClr val="131313"/>
               </a:solidFill>
@@ -21739,7 +22699,7 @@
       </p:sp>
       <p:pic>
         <p:nvPicPr>
-          <p:cNvPr id="224" name="Google Shape;224;p32"/>
+          <p:cNvPr id="235" name="Google Shape;235;p33"/>
           <p:cNvPicPr preferRelativeResize="0"/>
           <p:nvPr/>
         </p:nvPicPr>
@@ -21758,8 +22718,8 @@
         </p:blipFill>
         <p:spPr>
           <a:xfrm>
-            <a:off x="4982671" y="1195750"/>
-            <a:ext cx="3976749" cy="2650126"/>
+            <a:off x="3671727" y="322125"/>
+            <a:ext cx="5287699" cy="3523749"/>
           </a:xfrm>
           <a:prstGeom prst="rect">
             <a:avLst/>
@@ -21778,14 +22738,14 @@
       </p:pic>
       <p:sp>
         <p:nvSpPr>
-          <p:cNvPr id="225" name="Google Shape;225;p32"/>
+          <p:cNvPr id="236" name="Google Shape;236;p33"/>
           <p:cNvSpPr txBox="1"/>
           <p:nvPr/>
         </p:nvSpPr>
         <p:spPr>
           <a:xfrm>
-            <a:off x="5358550" y="3887850"/>
-            <a:ext cx="3225000" cy="387900"/>
+            <a:off x="4364975" y="3922075"/>
+            <a:ext cx="3901200" cy="449400"/>
           </a:xfrm>
           <a:prstGeom prst="rect">
             <a:avLst/>
@@ -21819,7 +22779,7 @@
               <a:buNone/>
             </a:pPr>
             <a:r>
-              <a:rPr lang="en" sz="1200">
+              <a:rPr lang="en">
                 <a:solidFill>
                   <a:srgbClr val="131313"/>
                 </a:solidFill>
@@ -21830,7 +22790,7 @@
               </a:rPr>
               <a:t>Ilya Sutskever, Geoffrey Hinton, Alex Krizhevsky</a:t>
             </a:r>
-            <a:endParaRPr sz="1200">
+            <a:endParaRPr>
               <a:solidFill>
                 <a:srgbClr val="131313"/>
               </a:solidFill>
@@ -21851,7 +22811,7 @@
               <a:buNone/>
             </a:pPr>
             <a:r>
-              <a:rPr lang="en" sz="1200">
+              <a:rPr lang="en">
                 <a:solidFill>
                   <a:srgbClr val="131313"/>
                 </a:solidFill>
@@ -21862,7 +22822,7 @@
               </a:rPr>
               <a:t>2013</a:t>
             </a:r>
-            <a:endParaRPr sz="1200">
+            <a:endParaRPr>
               <a:solidFill>
                 <a:srgbClr val="131313"/>
               </a:solidFill>
@@ -21871,3283 +22831,6 @@
               <a:cs typeface="Calibri"/>
               <a:sym typeface="Calibri"/>
             </a:endParaRPr>
-          </a:p>
-        </p:txBody>
-      </p:sp>
-    </p:spTree>
-  </p:cSld>
-  <p:clrMapOvr>
-    <a:masterClrMapping/>
-  </p:clrMapOvr>
-</p:sld>
-</file>
-
-<file path=ppt/slides/slide19.xml><?xml version="1.0" encoding="utf-8"?>
-<p:sld xmlns:a="http://schemas.openxmlformats.org/drawingml/2006/main" xmlns:r="http://schemas.openxmlformats.org/officeDocument/2006/relationships" xmlns:p="http://schemas.openxmlformats.org/presentationml/2006/main">
-  <p:cSld>
-    <p:spTree>
-      <p:nvGrpSpPr>
-        <p:cNvPr id="1" name="Shape 229"/>
-        <p:cNvGrpSpPr/>
-        <p:nvPr/>
-      </p:nvGrpSpPr>
-      <p:grpSpPr>
-        <a:xfrm>
-          <a:off x="0" y="0"/>
-          <a:ext cx="0" cy="0"/>
-          <a:chOff x="0" y="0"/>
-          <a:chExt cx="0" cy="0"/>
-        </a:xfrm>
-      </p:grpSpPr>
-      <p:sp>
-        <p:nvSpPr>
-          <p:cNvPr id="230" name="Google Shape;230;p33"/>
-          <p:cNvSpPr txBox="1"/>
-          <p:nvPr/>
-        </p:nvSpPr>
-        <p:spPr>
-          <a:xfrm>
-            <a:off x="6736325" y="52350"/>
-            <a:ext cx="2356200" cy="526500"/>
-          </a:xfrm>
-          <a:prstGeom prst="rect">
-            <a:avLst/>
-          </a:prstGeom>
-          <a:solidFill>
-            <a:srgbClr val="FFF2CC"/>
-          </a:solidFill>
-          <a:ln w="9525" cap="flat" cmpd="sng">
-            <a:solidFill>
-              <a:srgbClr val="FF0000"/>
-            </a:solidFill>
-            <a:prstDash val="solid"/>
-            <a:round/>
-            <a:headEnd type="none" w="sm" len="sm"/>
-            <a:tailEnd type="none" w="sm" len="sm"/>
-          </a:ln>
-        </p:spPr>
-        <p:txBody>
-          <a:bodyPr spcFirstLastPara="1" wrap="square" lIns="9125" tIns="9125" rIns="9125" bIns="9125" anchor="t" anchorCtr="0">
-            <a:spAutoFit/>
-          </a:bodyPr>
-          <a:lstStyle/>
-          <a:p>
-            <a:pPr marL="0" marR="0" lvl="0" indent="0" algn="l" rtl="0">
-              <a:lnSpc>
-                <a:spcPct val="100000"/>
-              </a:lnSpc>
-              <a:spcBef>
-                <a:spcPts val="0"/>
-              </a:spcBef>
-              <a:spcAft>
-                <a:spcPts val="0"/>
-              </a:spcAft>
-              <a:buClr>
-                <a:schemeClr val="dk1"/>
-              </a:buClr>
-              <a:buSzPts val="1100"/>
-              <a:buFont typeface="Arial"/>
-              <a:buNone/>
-            </a:pPr>
-            <a:r>
-              <a:rPr lang="en" sz="1200" b="0" i="0" u="none" strike="noStrike" cap="none">
-                <a:solidFill>
-                  <a:schemeClr val="dk1"/>
-                </a:solidFill>
-                <a:latin typeface="Calibri"/>
-                <a:ea typeface="Calibri"/>
-                <a:cs typeface="Calibri"/>
-                <a:sym typeface="Calibri"/>
-              </a:rPr>
-              <a:t>Starting Elo rating = 1000</a:t>
-            </a:r>
-            <a:endParaRPr sz="1200" b="0" i="0" u="none" strike="noStrike" cap="none">
-              <a:solidFill>
-                <a:schemeClr val="dk1"/>
-              </a:solidFill>
-              <a:latin typeface="Calibri"/>
-              <a:ea typeface="Calibri"/>
-              <a:cs typeface="Calibri"/>
-              <a:sym typeface="Calibri"/>
-            </a:endParaRPr>
-          </a:p>
-          <a:p>
-            <a:pPr marL="0" marR="0" lvl="0" indent="0" algn="l" rtl="0">
-              <a:lnSpc>
-                <a:spcPct val="100000"/>
-              </a:lnSpc>
-              <a:spcBef>
-                <a:spcPts val="0"/>
-              </a:spcBef>
-              <a:spcAft>
-                <a:spcPts val="0"/>
-              </a:spcAft>
-              <a:buClr>
-                <a:schemeClr val="dk1"/>
-              </a:buClr>
-              <a:buSzPts val="1100"/>
-              <a:buFont typeface="Arial"/>
-              <a:buNone/>
-            </a:pPr>
-            <a:r>
-              <a:rPr lang="en" sz="1200" b="0" i="0" u="none" strike="noStrike" cap="none">
-                <a:solidFill>
-                  <a:schemeClr val="dk1"/>
-                </a:solidFill>
-                <a:latin typeface="Calibri"/>
-                <a:ea typeface="Calibri"/>
-                <a:cs typeface="Calibri"/>
-                <a:sym typeface="Calibri"/>
-              </a:rPr>
-              <a:t>95% CI = Confidence Interval</a:t>
-            </a:r>
-            <a:endParaRPr sz="1200" b="0" i="0" u="none" strike="noStrike" cap="none">
-              <a:solidFill>
-                <a:schemeClr val="dk1"/>
-              </a:solidFill>
-              <a:latin typeface="Calibri"/>
-              <a:ea typeface="Calibri"/>
-              <a:cs typeface="Calibri"/>
-              <a:sym typeface="Calibri"/>
-            </a:endParaRPr>
-          </a:p>
-          <a:p>
-            <a:pPr marL="0" marR="0" lvl="0" indent="0" algn="l" rtl="0">
-              <a:lnSpc>
-                <a:spcPct val="100000"/>
-              </a:lnSpc>
-              <a:spcBef>
-                <a:spcPts val="0"/>
-              </a:spcBef>
-              <a:spcAft>
-                <a:spcPts val="0"/>
-              </a:spcAft>
-              <a:buClr>
-                <a:schemeClr val="dk1"/>
-              </a:buClr>
-              <a:buSzPts val="1100"/>
-              <a:buFont typeface="Arial"/>
-              <a:buNone/>
-            </a:pPr>
-            <a:r>
-              <a:rPr lang="en" sz="900" u="sng">
-                <a:solidFill>
-                  <a:schemeClr val="hlink"/>
-                </a:solidFill>
-                <a:latin typeface="Calibri"/>
-                <a:ea typeface="Calibri"/>
-                <a:cs typeface="Calibri"/>
-                <a:sym typeface="Calibri"/>
-                <a:hlinkClick r:id="rId3"/>
-              </a:rPr>
-              <a:t>https://en.wikipedia.org/wiki/Elo_rating_system</a:t>
-            </a:r>
-            <a:r>
-              <a:rPr lang="en" sz="900">
-                <a:solidFill>
-                  <a:schemeClr val="dk1"/>
-                </a:solidFill>
-                <a:latin typeface="Calibri"/>
-                <a:ea typeface="Calibri"/>
-                <a:cs typeface="Calibri"/>
-                <a:sym typeface="Calibri"/>
-              </a:rPr>
-              <a:t> </a:t>
-            </a:r>
-            <a:endParaRPr sz="900">
-              <a:solidFill>
-                <a:schemeClr val="dk1"/>
-              </a:solidFill>
-              <a:latin typeface="Calibri"/>
-              <a:ea typeface="Calibri"/>
-              <a:cs typeface="Calibri"/>
-              <a:sym typeface="Calibri"/>
-            </a:endParaRPr>
-          </a:p>
-        </p:txBody>
-      </p:sp>
-      <p:sp>
-        <p:nvSpPr>
-          <p:cNvPr id="231" name="Google Shape;231;p33"/>
-          <p:cNvSpPr txBox="1"/>
-          <p:nvPr/>
-        </p:nvSpPr>
-        <p:spPr>
-          <a:xfrm>
-            <a:off x="-38050" y="-108050"/>
-            <a:ext cx="4557000" cy="492600"/>
-          </a:xfrm>
-          <a:prstGeom prst="rect">
-            <a:avLst/>
-          </a:prstGeom>
-          <a:noFill/>
-          <a:ln>
-            <a:noFill/>
-          </a:ln>
-        </p:spPr>
-        <p:txBody>
-          <a:bodyPr spcFirstLastPara="1" wrap="square" lIns="91425" tIns="91425" rIns="91425" bIns="91425" anchor="t" anchorCtr="0">
-            <a:spAutoFit/>
-          </a:bodyPr>
-          <a:lstStyle/>
-          <a:p>
-            <a:pPr marL="0" marR="0" lvl="0" indent="0" algn="l" rtl="0">
-              <a:lnSpc>
-                <a:spcPct val="100000"/>
-              </a:lnSpc>
-              <a:spcBef>
-                <a:spcPts val="0"/>
-              </a:spcBef>
-              <a:spcAft>
-                <a:spcPts val="0"/>
-              </a:spcAft>
-              <a:buClr>
-                <a:srgbClr val="000000"/>
-              </a:buClr>
-              <a:buSzPts val="2000"/>
-              <a:buFont typeface="Arial"/>
-              <a:buNone/>
-            </a:pPr>
-            <a:r>
-              <a:rPr lang="en" sz="2000" b="1" i="0" u="none" strike="noStrike" cap="none">
-                <a:solidFill>
-                  <a:schemeClr val="dk1"/>
-                </a:solidFill>
-                <a:latin typeface="Calibri"/>
-                <a:ea typeface="Calibri"/>
-                <a:cs typeface="Calibri"/>
-                <a:sym typeface="Calibri"/>
-              </a:rPr>
-              <a:t>Crowd-sourced "LM Arena" Leaderboard</a:t>
-            </a:r>
-            <a:endParaRPr sz="2000" b="1" i="0" u="none" strike="noStrike" cap="none">
-              <a:solidFill>
-                <a:srgbClr val="000000"/>
-              </a:solidFill>
-              <a:latin typeface="Calibri"/>
-              <a:ea typeface="Calibri"/>
-              <a:cs typeface="Calibri"/>
-              <a:sym typeface="Calibri"/>
-            </a:endParaRPr>
-          </a:p>
-        </p:txBody>
-      </p:sp>
-      <p:sp>
-        <p:nvSpPr>
-          <p:cNvPr id="232" name="Google Shape;232;p33"/>
-          <p:cNvSpPr txBox="1"/>
-          <p:nvPr/>
-        </p:nvSpPr>
-        <p:spPr>
-          <a:xfrm>
-            <a:off x="1536800" y="282725"/>
-            <a:ext cx="2178300" cy="492600"/>
-          </a:xfrm>
-          <a:prstGeom prst="rect">
-            <a:avLst/>
-          </a:prstGeom>
-          <a:noFill/>
-          <a:ln>
-            <a:noFill/>
-          </a:ln>
-        </p:spPr>
-        <p:txBody>
-          <a:bodyPr spcFirstLastPara="1" wrap="square" lIns="91425" tIns="91425" rIns="91425" bIns="91425" anchor="t" anchorCtr="0">
-            <a:spAutoFit/>
-          </a:bodyPr>
-          <a:lstStyle/>
-          <a:p>
-            <a:pPr marL="57150" marR="0" lvl="0" indent="-63500" algn="l" rtl="0">
-              <a:lnSpc>
-                <a:spcPct val="100000"/>
-              </a:lnSpc>
-              <a:spcBef>
-                <a:spcPts val="0"/>
-              </a:spcBef>
-              <a:spcAft>
-                <a:spcPts val="0"/>
-              </a:spcAft>
-              <a:buSzPts val="1000"/>
-              <a:buFont typeface="Calibri"/>
-              <a:buChar char="●"/>
-            </a:pPr>
-            <a:r>
-              <a:rPr lang="en" sz="1000" u="sng">
-                <a:solidFill>
-                  <a:schemeClr val="hlink"/>
-                </a:solidFill>
-                <a:latin typeface="Calibri"/>
-                <a:ea typeface="Calibri"/>
-                <a:cs typeface="Calibri"/>
-                <a:sym typeface="Calibri"/>
-                <a:hlinkClick r:id="rId4"/>
-              </a:rPr>
-              <a:t>https://chat.lmsys.org/?leaderboard</a:t>
-            </a:r>
-            <a:endParaRPr sz="1000">
-              <a:solidFill>
-                <a:schemeClr val="dk1"/>
-              </a:solidFill>
-              <a:latin typeface="Calibri"/>
-              <a:ea typeface="Calibri"/>
-              <a:cs typeface="Calibri"/>
-              <a:sym typeface="Calibri"/>
-            </a:endParaRPr>
-          </a:p>
-          <a:p>
-            <a:pPr marL="57150" marR="0" lvl="0" indent="-63500" algn="l" rtl="0">
-              <a:lnSpc>
-                <a:spcPct val="100000"/>
-              </a:lnSpc>
-              <a:spcBef>
-                <a:spcPts val="0"/>
-              </a:spcBef>
-              <a:spcAft>
-                <a:spcPts val="0"/>
-              </a:spcAft>
-              <a:buSzPts val="1000"/>
-              <a:buFont typeface="Calibri"/>
-              <a:buChar char="●"/>
-            </a:pPr>
-            <a:r>
-              <a:rPr lang="en" sz="1000" u="sng">
-                <a:solidFill>
-                  <a:schemeClr val="hlink"/>
-                </a:solidFill>
-                <a:latin typeface="Calibri"/>
-                <a:ea typeface="Calibri"/>
-                <a:cs typeface="Calibri"/>
-                <a:sym typeface="Calibri"/>
-                <a:hlinkClick r:id="rId5"/>
-              </a:rPr>
-              <a:t>https://lmarena.ai/?leaderboard</a:t>
-            </a:r>
-            <a:r>
-              <a:rPr lang="en" sz="1000">
-                <a:solidFill>
-                  <a:schemeClr val="dk1"/>
-                </a:solidFill>
-                <a:latin typeface="Calibri"/>
-                <a:ea typeface="Calibri"/>
-                <a:cs typeface="Calibri"/>
-                <a:sym typeface="Calibri"/>
-              </a:rPr>
-              <a:t>  </a:t>
-            </a:r>
-            <a:r>
-              <a:rPr lang="en" sz="1000" b="0" i="0" u="none" strike="noStrike" cap="none">
-                <a:solidFill>
-                  <a:schemeClr val="dk1"/>
-                </a:solidFill>
-                <a:latin typeface="Calibri"/>
-                <a:ea typeface="Calibri"/>
-                <a:cs typeface="Calibri"/>
-                <a:sym typeface="Calibri"/>
-              </a:rPr>
-              <a:t> </a:t>
-            </a:r>
-            <a:endParaRPr sz="1000" b="0" i="0" u="none" strike="noStrike" cap="none">
-              <a:solidFill>
-                <a:schemeClr val="dk1"/>
-              </a:solidFill>
-              <a:latin typeface="Calibri"/>
-              <a:ea typeface="Calibri"/>
-              <a:cs typeface="Calibri"/>
-              <a:sym typeface="Calibri"/>
-            </a:endParaRPr>
-          </a:p>
-        </p:txBody>
-      </p:sp>
-      <p:sp>
-        <p:nvSpPr>
-          <p:cNvPr id="233" name="Google Shape;233;p33"/>
-          <p:cNvSpPr txBox="1"/>
-          <p:nvPr/>
-        </p:nvSpPr>
-        <p:spPr>
-          <a:xfrm>
-            <a:off x="58461" y="614219"/>
-            <a:ext cx="1399800" cy="203100"/>
-          </a:xfrm>
-          <a:prstGeom prst="rect">
-            <a:avLst/>
-          </a:prstGeom>
-          <a:solidFill>
-            <a:srgbClr val="FFF2CC"/>
-          </a:solidFill>
-          <a:ln w="9525" cap="flat" cmpd="sng">
-            <a:solidFill>
-              <a:srgbClr val="FF0000"/>
-            </a:solidFill>
-            <a:prstDash val="solid"/>
-            <a:round/>
-            <a:headEnd type="none" w="sm" len="sm"/>
-            <a:tailEnd type="none" w="sm" len="sm"/>
-          </a:ln>
-        </p:spPr>
-        <p:txBody>
-          <a:bodyPr spcFirstLastPara="1" wrap="square" lIns="9125" tIns="9125" rIns="9125" bIns="9125" anchor="t" anchorCtr="0">
-            <a:spAutoFit/>
-          </a:bodyPr>
-          <a:lstStyle/>
-          <a:p>
-            <a:pPr marL="0" marR="0" lvl="0" indent="0" algn="l" rtl="0">
-              <a:lnSpc>
-                <a:spcPct val="100000"/>
-              </a:lnSpc>
-              <a:spcBef>
-                <a:spcPts val="0"/>
-              </a:spcBef>
-              <a:spcAft>
-                <a:spcPts val="0"/>
-              </a:spcAft>
-              <a:buClr>
-                <a:schemeClr val="dk1"/>
-              </a:buClr>
-              <a:buSzPts val="1100"/>
-              <a:buFont typeface="Arial"/>
-              <a:buNone/>
-            </a:pPr>
-            <a:r>
-              <a:rPr lang="en" sz="1200" b="1">
-                <a:solidFill>
-                  <a:srgbClr val="FF0000"/>
-                </a:solidFill>
-                <a:latin typeface="Calibri"/>
-                <a:ea typeface="Calibri"/>
-                <a:cs typeface="Calibri"/>
-                <a:sym typeface="Calibri"/>
-              </a:rPr>
-              <a:t>English-only queries</a:t>
-            </a:r>
-            <a:endParaRPr sz="1200">
-              <a:solidFill>
-                <a:schemeClr val="dk1"/>
-              </a:solidFill>
-              <a:latin typeface="Calibri"/>
-              <a:ea typeface="Calibri"/>
-              <a:cs typeface="Calibri"/>
-              <a:sym typeface="Calibri"/>
-            </a:endParaRPr>
-          </a:p>
-        </p:txBody>
-      </p:sp>
-      <p:sp>
-        <p:nvSpPr>
-          <p:cNvPr id="234" name="Google Shape;234;p33"/>
-          <p:cNvSpPr txBox="1"/>
-          <p:nvPr/>
-        </p:nvSpPr>
-        <p:spPr>
-          <a:xfrm>
-            <a:off x="5061974" y="58421"/>
-            <a:ext cx="1605600" cy="526500"/>
-          </a:xfrm>
-          <a:prstGeom prst="rect">
-            <a:avLst/>
-          </a:prstGeom>
-          <a:noFill/>
-          <a:ln w="9525" cap="flat" cmpd="sng">
-            <a:solidFill>
-              <a:srgbClr val="FF0000"/>
-            </a:solidFill>
-            <a:prstDash val="solid"/>
-            <a:round/>
-            <a:headEnd type="none" w="sm" len="sm"/>
-            <a:tailEnd type="none" w="sm" len="sm"/>
-          </a:ln>
-        </p:spPr>
-        <p:txBody>
-          <a:bodyPr spcFirstLastPara="1" wrap="square" lIns="9125" tIns="9125" rIns="9125" bIns="9125" anchor="t" anchorCtr="0">
-            <a:spAutoFit/>
-          </a:bodyPr>
-          <a:lstStyle/>
-          <a:p>
-            <a:pPr marL="0" lvl="0" indent="0" algn="l" rtl="0">
-              <a:spcBef>
-                <a:spcPts val="0"/>
-              </a:spcBef>
-              <a:spcAft>
-                <a:spcPts val="0"/>
-              </a:spcAft>
-              <a:buClr>
-                <a:schemeClr val="dk1"/>
-              </a:buClr>
-              <a:buSzPts val="1100"/>
-              <a:buFont typeface="Arial"/>
-              <a:buNone/>
-            </a:pPr>
-            <a:r>
-              <a:rPr lang="en" sz="1100">
-                <a:solidFill>
-                  <a:srgbClr val="1F2937"/>
-                </a:solidFill>
-                <a:highlight>
-                  <a:schemeClr val="lt1"/>
-                </a:highlight>
-                <a:latin typeface="Calibri"/>
-                <a:ea typeface="Calibri"/>
-                <a:cs typeface="Calibri"/>
-                <a:sym typeface="Calibri"/>
-              </a:rPr>
-              <a:t>Total #models: 219</a:t>
-            </a:r>
-            <a:endParaRPr sz="1100">
-              <a:solidFill>
-                <a:srgbClr val="1F2937"/>
-              </a:solidFill>
-              <a:highlight>
-                <a:schemeClr val="lt1"/>
-              </a:highlight>
-              <a:latin typeface="Calibri"/>
-              <a:ea typeface="Calibri"/>
-              <a:cs typeface="Calibri"/>
-              <a:sym typeface="Calibri"/>
-            </a:endParaRPr>
-          </a:p>
-          <a:p>
-            <a:pPr marL="0" lvl="0" indent="0" algn="l" rtl="0">
-              <a:spcBef>
-                <a:spcPts val="0"/>
-              </a:spcBef>
-              <a:spcAft>
-                <a:spcPts val="0"/>
-              </a:spcAft>
-              <a:buClr>
-                <a:schemeClr val="dk1"/>
-              </a:buClr>
-              <a:buSzPts val="1100"/>
-              <a:buFont typeface="Arial"/>
-              <a:buNone/>
-            </a:pPr>
-            <a:r>
-              <a:rPr lang="en" sz="1100">
-                <a:solidFill>
-                  <a:srgbClr val="1F2937"/>
-                </a:solidFill>
-                <a:highlight>
-                  <a:schemeClr val="lt1"/>
-                </a:highlight>
-                <a:latin typeface="Calibri"/>
-                <a:ea typeface="Calibri"/>
-                <a:cs typeface="Calibri"/>
-                <a:sym typeface="Calibri"/>
-              </a:rPr>
-              <a:t>Total #votes: 2,811,226</a:t>
-            </a:r>
-            <a:endParaRPr sz="1100">
-              <a:solidFill>
-                <a:srgbClr val="1F2937"/>
-              </a:solidFill>
-              <a:highlight>
-                <a:schemeClr val="lt1"/>
-              </a:highlight>
-              <a:latin typeface="Calibri"/>
-              <a:ea typeface="Calibri"/>
-              <a:cs typeface="Calibri"/>
-              <a:sym typeface="Calibri"/>
-            </a:endParaRPr>
-          </a:p>
-          <a:p>
-            <a:pPr marL="0" lvl="0" indent="0" algn="l" rtl="0">
-              <a:spcBef>
-                <a:spcPts val="0"/>
-              </a:spcBef>
-              <a:spcAft>
-                <a:spcPts val="0"/>
-              </a:spcAft>
-              <a:buClr>
-                <a:schemeClr val="dk1"/>
-              </a:buClr>
-              <a:buSzPts val="1100"/>
-              <a:buFont typeface="Arial"/>
-              <a:buNone/>
-            </a:pPr>
-            <a:r>
-              <a:rPr lang="en" sz="1100">
-                <a:solidFill>
-                  <a:srgbClr val="1F2937"/>
-                </a:solidFill>
-                <a:highlight>
-                  <a:schemeClr val="lt1"/>
-                </a:highlight>
-                <a:latin typeface="Calibri"/>
-                <a:ea typeface="Calibri"/>
-                <a:cs typeface="Calibri"/>
-                <a:sym typeface="Calibri"/>
-              </a:rPr>
-              <a:t>Last updated: 2025-03-24</a:t>
-            </a:r>
-            <a:endParaRPr sz="1100">
-              <a:solidFill>
-                <a:srgbClr val="1F2937"/>
-              </a:solidFill>
-              <a:highlight>
-                <a:schemeClr val="lt1"/>
-              </a:highlight>
-              <a:latin typeface="Calibri"/>
-              <a:ea typeface="Calibri"/>
-              <a:cs typeface="Calibri"/>
-              <a:sym typeface="Calibri"/>
-            </a:endParaRPr>
-          </a:p>
-        </p:txBody>
-      </p:sp>
-      <p:sp>
-        <p:nvSpPr>
-          <p:cNvPr id="235" name="Google Shape;235;p33"/>
-          <p:cNvSpPr txBox="1"/>
-          <p:nvPr/>
-        </p:nvSpPr>
-        <p:spPr>
-          <a:xfrm>
-            <a:off x="4024064" y="615259"/>
-            <a:ext cx="552300" cy="203100"/>
-          </a:xfrm>
-          <a:prstGeom prst="rect">
-            <a:avLst/>
-          </a:prstGeom>
-          <a:solidFill>
-            <a:srgbClr val="FFF2CC"/>
-          </a:solidFill>
-          <a:ln w="9525" cap="flat" cmpd="sng">
-            <a:solidFill>
-              <a:srgbClr val="FF0000"/>
-            </a:solidFill>
-            <a:prstDash val="solid"/>
-            <a:round/>
-            <a:headEnd type="none" w="sm" len="sm"/>
-            <a:tailEnd type="none" w="sm" len="sm"/>
-          </a:ln>
-        </p:spPr>
-        <p:txBody>
-          <a:bodyPr spcFirstLastPara="1" wrap="square" lIns="9125" tIns="9125" rIns="9125" bIns="9125" anchor="t" anchorCtr="0">
-            <a:spAutoFit/>
-          </a:bodyPr>
-          <a:lstStyle/>
-          <a:p>
-            <a:pPr marL="0" marR="0" lvl="0" indent="0" algn="ctr" rtl="0">
-              <a:lnSpc>
-                <a:spcPct val="100000"/>
-              </a:lnSpc>
-              <a:spcBef>
-                <a:spcPts val="0"/>
-              </a:spcBef>
-              <a:spcAft>
-                <a:spcPts val="0"/>
-              </a:spcAft>
-              <a:buClr>
-                <a:schemeClr val="dk1"/>
-              </a:buClr>
-              <a:buSzPts val="1100"/>
-              <a:buFont typeface="Arial"/>
-              <a:buNone/>
-            </a:pPr>
-            <a:r>
-              <a:rPr lang="en" sz="1200" b="1">
-                <a:solidFill>
-                  <a:srgbClr val="FF0000"/>
-                </a:solidFill>
-                <a:latin typeface="Calibri"/>
-                <a:ea typeface="Calibri"/>
-                <a:cs typeface="Calibri"/>
-                <a:sym typeface="Calibri"/>
-              </a:rPr>
-              <a:t>Coding</a:t>
-            </a:r>
-            <a:endParaRPr sz="1200">
-              <a:solidFill>
-                <a:schemeClr val="dk1"/>
-              </a:solidFill>
-              <a:latin typeface="Calibri"/>
-              <a:ea typeface="Calibri"/>
-              <a:cs typeface="Calibri"/>
-              <a:sym typeface="Calibri"/>
-            </a:endParaRPr>
-          </a:p>
-        </p:txBody>
-      </p:sp>
-      <p:sp>
-        <p:nvSpPr>
-          <p:cNvPr id="236" name="Google Shape;236;p33"/>
-          <p:cNvSpPr txBox="1"/>
-          <p:nvPr/>
-        </p:nvSpPr>
-        <p:spPr>
-          <a:xfrm>
-            <a:off x="366753" y="2332141"/>
-            <a:ext cx="287100" cy="141600"/>
-          </a:xfrm>
-          <a:prstGeom prst="rect">
-            <a:avLst/>
-          </a:prstGeom>
-          <a:noFill/>
-          <a:ln w="9525" cap="flat" cmpd="sng">
-            <a:solidFill>
-              <a:srgbClr val="FF0000"/>
-            </a:solidFill>
-            <a:prstDash val="solid"/>
-            <a:round/>
-            <a:headEnd type="none" w="sm" len="sm"/>
-            <a:tailEnd type="none" w="sm" len="sm"/>
-          </a:ln>
-        </p:spPr>
-        <p:txBody>
-          <a:bodyPr spcFirstLastPara="1" wrap="square" lIns="9125" tIns="9125" rIns="9125" bIns="9125" anchor="t" anchorCtr="0">
-            <a:spAutoFit/>
-          </a:bodyPr>
-          <a:lstStyle/>
-          <a:p>
-            <a:pPr marL="0" lvl="0" indent="0" algn="l" rtl="0">
-              <a:spcBef>
-                <a:spcPts val="0"/>
-              </a:spcBef>
-              <a:spcAft>
-                <a:spcPts val="0"/>
-              </a:spcAft>
-              <a:buClr>
-                <a:srgbClr val="000000"/>
-              </a:buClr>
-              <a:buSzPts val="1100"/>
-              <a:buFont typeface="Arial"/>
-              <a:buNone/>
-            </a:pPr>
-            <a:r>
-              <a:rPr lang="en" sz="800">
-                <a:solidFill>
-                  <a:srgbClr val="1F2937"/>
-                </a:solidFill>
-                <a:highlight>
-                  <a:srgbClr val="FFFFFF"/>
-                </a:highlight>
-                <a:latin typeface="Calibri"/>
-                <a:ea typeface="Calibri"/>
-                <a:cs typeface="Calibri"/>
-                <a:sym typeface="Calibri"/>
-              </a:rPr>
-              <a:t>China</a:t>
-            </a:r>
-            <a:endParaRPr sz="800">
-              <a:solidFill>
-                <a:srgbClr val="1F2937"/>
-              </a:solidFill>
-              <a:highlight>
-                <a:srgbClr val="FFFFFF"/>
-              </a:highlight>
-              <a:latin typeface="Calibri"/>
-              <a:ea typeface="Calibri"/>
-              <a:cs typeface="Calibri"/>
-              <a:sym typeface="Calibri"/>
-            </a:endParaRPr>
-          </a:p>
-        </p:txBody>
-      </p:sp>
-      <p:sp>
-        <p:nvSpPr>
-          <p:cNvPr id="237" name="Google Shape;237;p33"/>
-          <p:cNvSpPr/>
-          <p:nvPr/>
-        </p:nvSpPr>
-        <p:spPr>
-          <a:xfrm>
-            <a:off x="657622" y="1942029"/>
-            <a:ext cx="125400" cy="125400"/>
-          </a:xfrm>
-          <a:prstGeom prst="ellipse">
-            <a:avLst/>
-          </a:prstGeom>
-          <a:solidFill>
-            <a:srgbClr val="FF0000"/>
-          </a:solidFill>
-          <a:ln w="9525" cap="flat" cmpd="sng">
-            <a:solidFill>
-              <a:srgbClr val="595959"/>
-            </a:solidFill>
-            <a:prstDash val="solid"/>
-            <a:round/>
-            <a:headEnd type="none" w="sm" len="sm"/>
-            <a:tailEnd type="none" w="sm" len="sm"/>
-          </a:ln>
-        </p:spPr>
-        <p:txBody>
-          <a:bodyPr spcFirstLastPara="1" wrap="square" lIns="91425" tIns="91425" rIns="91425" bIns="91425" anchor="ctr" anchorCtr="0">
-            <a:noAutofit/>
-          </a:bodyPr>
-          <a:lstStyle/>
-          <a:p>
-            <a:pPr marL="0" lvl="0" indent="0" algn="ctr" rtl="0">
-              <a:spcBef>
-                <a:spcPts val="0"/>
-              </a:spcBef>
-              <a:spcAft>
-                <a:spcPts val="0"/>
-              </a:spcAft>
-              <a:buNone/>
-            </a:pPr>
-            <a:endParaRPr/>
-          </a:p>
-        </p:txBody>
-      </p:sp>
-      <p:sp>
-        <p:nvSpPr>
-          <p:cNvPr id="238" name="Google Shape;238;p33"/>
-          <p:cNvSpPr/>
-          <p:nvPr/>
-        </p:nvSpPr>
-        <p:spPr>
-          <a:xfrm>
-            <a:off x="657622" y="1760296"/>
-            <a:ext cx="125400" cy="125400"/>
-          </a:xfrm>
-          <a:prstGeom prst="ellipse">
-            <a:avLst/>
-          </a:prstGeom>
-          <a:solidFill>
-            <a:srgbClr val="FF0000"/>
-          </a:solidFill>
-          <a:ln w="9525" cap="flat" cmpd="sng">
-            <a:solidFill>
-              <a:srgbClr val="595959"/>
-            </a:solidFill>
-            <a:prstDash val="solid"/>
-            <a:round/>
-            <a:headEnd type="none" w="sm" len="sm"/>
-            <a:tailEnd type="none" w="sm" len="sm"/>
-          </a:ln>
-        </p:spPr>
-        <p:txBody>
-          <a:bodyPr spcFirstLastPara="1" wrap="square" lIns="91425" tIns="91425" rIns="91425" bIns="91425" anchor="ctr" anchorCtr="0">
-            <a:noAutofit/>
-          </a:bodyPr>
-          <a:lstStyle/>
-          <a:p>
-            <a:pPr marL="0" lvl="0" indent="0" algn="ctr" rtl="0">
-              <a:spcBef>
-                <a:spcPts val="0"/>
-              </a:spcBef>
-              <a:spcAft>
-                <a:spcPts val="0"/>
-              </a:spcAft>
-              <a:buNone/>
-            </a:pPr>
-            <a:endParaRPr/>
-          </a:p>
-        </p:txBody>
-      </p:sp>
-      <p:sp>
-        <p:nvSpPr>
-          <p:cNvPr id="239" name="Google Shape;239;p33"/>
-          <p:cNvSpPr txBox="1"/>
-          <p:nvPr/>
-        </p:nvSpPr>
-        <p:spPr>
-          <a:xfrm>
-            <a:off x="4374752" y="4469437"/>
-            <a:ext cx="288900" cy="141600"/>
-          </a:xfrm>
-          <a:prstGeom prst="rect">
-            <a:avLst/>
-          </a:prstGeom>
-          <a:noFill/>
-          <a:ln w="9525" cap="flat" cmpd="sng">
-            <a:solidFill>
-              <a:srgbClr val="FF0000"/>
-            </a:solidFill>
-            <a:prstDash val="solid"/>
-            <a:round/>
-            <a:headEnd type="none" w="sm" len="sm"/>
-            <a:tailEnd type="none" w="sm" len="sm"/>
-          </a:ln>
-        </p:spPr>
-        <p:txBody>
-          <a:bodyPr spcFirstLastPara="1" wrap="square" lIns="9125" tIns="9125" rIns="9125" bIns="9125" anchor="t" anchorCtr="0">
-            <a:spAutoFit/>
-          </a:bodyPr>
-          <a:lstStyle/>
-          <a:p>
-            <a:pPr marL="0" lvl="0" indent="0" algn="l" rtl="0">
-              <a:spcBef>
-                <a:spcPts val="0"/>
-              </a:spcBef>
-              <a:spcAft>
-                <a:spcPts val="0"/>
-              </a:spcAft>
-              <a:buClr>
-                <a:srgbClr val="000000"/>
-              </a:buClr>
-              <a:buSzPts val="1100"/>
-              <a:buFont typeface="Arial"/>
-              <a:buNone/>
-            </a:pPr>
-            <a:r>
-              <a:rPr lang="en" sz="800">
-                <a:solidFill>
-                  <a:srgbClr val="1F2937"/>
-                </a:solidFill>
-                <a:highlight>
-                  <a:srgbClr val="FFFFFF"/>
-                </a:highlight>
-                <a:latin typeface="Calibri"/>
-                <a:ea typeface="Calibri"/>
-                <a:cs typeface="Calibri"/>
-                <a:sym typeface="Calibri"/>
-              </a:rPr>
-              <a:t>China</a:t>
-            </a:r>
-            <a:endParaRPr sz="800">
-              <a:solidFill>
-                <a:srgbClr val="1F2937"/>
-              </a:solidFill>
-              <a:highlight>
-                <a:srgbClr val="FFFFFF"/>
-              </a:highlight>
-              <a:latin typeface="Calibri"/>
-              <a:ea typeface="Calibri"/>
-              <a:cs typeface="Calibri"/>
-              <a:sym typeface="Calibri"/>
-            </a:endParaRPr>
-          </a:p>
-        </p:txBody>
-      </p:sp>
-      <p:sp>
-        <p:nvSpPr>
-          <p:cNvPr id="240" name="Google Shape;240;p33"/>
-          <p:cNvSpPr/>
-          <p:nvPr/>
-        </p:nvSpPr>
-        <p:spPr>
-          <a:xfrm>
-            <a:off x="4667561" y="2519072"/>
-            <a:ext cx="125400" cy="125400"/>
-          </a:xfrm>
-          <a:prstGeom prst="ellipse">
-            <a:avLst/>
-          </a:prstGeom>
-          <a:solidFill>
-            <a:srgbClr val="FF0000"/>
-          </a:solidFill>
-          <a:ln w="9525" cap="flat" cmpd="sng">
-            <a:solidFill>
-              <a:srgbClr val="595959"/>
-            </a:solidFill>
-            <a:prstDash val="solid"/>
-            <a:round/>
-            <a:headEnd type="none" w="sm" len="sm"/>
-            <a:tailEnd type="none" w="sm" len="sm"/>
-          </a:ln>
-        </p:spPr>
-        <p:txBody>
-          <a:bodyPr spcFirstLastPara="1" wrap="square" lIns="91425" tIns="91425" rIns="91425" bIns="91425" anchor="ctr" anchorCtr="0">
-            <a:noAutofit/>
-          </a:bodyPr>
-          <a:lstStyle/>
-          <a:p>
-            <a:pPr marL="0" lvl="0" indent="0" algn="ctr" rtl="0">
-              <a:spcBef>
-                <a:spcPts val="0"/>
-              </a:spcBef>
-              <a:spcAft>
-                <a:spcPts val="0"/>
-              </a:spcAft>
-              <a:buNone/>
-            </a:pPr>
-            <a:endParaRPr/>
-          </a:p>
-        </p:txBody>
-      </p:sp>
-      <p:sp>
-        <p:nvSpPr>
-          <p:cNvPr id="241" name="Google Shape;241;p33"/>
-          <p:cNvSpPr/>
-          <p:nvPr/>
-        </p:nvSpPr>
-        <p:spPr>
-          <a:xfrm>
-            <a:off x="4667561" y="3293274"/>
-            <a:ext cx="125400" cy="125400"/>
-          </a:xfrm>
-          <a:prstGeom prst="ellipse">
-            <a:avLst/>
-          </a:prstGeom>
-          <a:solidFill>
-            <a:srgbClr val="FF0000"/>
-          </a:solidFill>
-          <a:ln w="9525" cap="flat" cmpd="sng">
-            <a:solidFill>
-              <a:srgbClr val="595959"/>
-            </a:solidFill>
-            <a:prstDash val="solid"/>
-            <a:round/>
-            <a:headEnd type="none" w="sm" len="sm"/>
-            <a:tailEnd type="none" w="sm" len="sm"/>
-          </a:ln>
-        </p:spPr>
-        <p:txBody>
-          <a:bodyPr spcFirstLastPara="1" wrap="square" lIns="91425" tIns="91425" rIns="91425" bIns="91425" anchor="ctr" anchorCtr="0">
-            <a:noAutofit/>
-          </a:bodyPr>
-          <a:lstStyle/>
-          <a:p>
-            <a:pPr marL="0" lvl="0" indent="0" algn="ctr" rtl="0">
-              <a:spcBef>
-                <a:spcPts val="0"/>
-              </a:spcBef>
-              <a:spcAft>
-                <a:spcPts val="0"/>
-              </a:spcAft>
-              <a:buNone/>
-            </a:pPr>
-            <a:endParaRPr/>
-          </a:p>
-        </p:txBody>
-      </p:sp>
-      <p:sp>
-        <p:nvSpPr>
-          <p:cNvPr id="242" name="Google Shape;242;p33"/>
-          <p:cNvSpPr/>
-          <p:nvPr/>
-        </p:nvSpPr>
-        <p:spPr>
-          <a:xfrm>
-            <a:off x="4667561" y="1735866"/>
-            <a:ext cx="125400" cy="125400"/>
-          </a:xfrm>
-          <a:prstGeom prst="ellipse">
-            <a:avLst/>
-          </a:prstGeom>
-          <a:solidFill>
-            <a:srgbClr val="FF0000"/>
-          </a:solidFill>
-          <a:ln w="9525" cap="flat" cmpd="sng">
-            <a:solidFill>
-              <a:srgbClr val="595959"/>
-            </a:solidFill>
-            <a:prstDash val="solid"/>
-            <a:round/>
-            <a:headEnd type="none" w="sm" len="sm"/>
-            <a:tailEnd type="none" w="sm" len="sm"/>
-          </a:ln>
-        </p:spPr>
-        <p:txBody>
-          <a:bodyPr spcFirstLastPara="1" wrap="square" lIns="91425" tIns="91425" rIns="91425" bIns="91425" anchor="ctr" anchorCtr="0">
-            <a:noAutofit/>
-          </a:bodyPr>
-          <a:lstStyle/>
-          <a:p>
-            <a:pPr marL="0" lvl="0" indent="0" algn="ctr" rtl="0">
-              <a:spcBef>
-                <a:spcPts val="0"/>
-              </a:spcBef>
-              <a:spcAft>
-                <a:spcPts val="0"/>
-              </a:spcAft>
-              <a:buNone/>
-            </a:pPr>
-            <a:endParaRPr/>
-          </a:p>
-        </p:txBody>
-      </p:sp>
-      <p:sp>
-        <p:nvSpPr>
-          <p:cNvPr id="243" name="Google Shape;243;p33"/>
-          <p:cNvSpPr txBox="1"/>
-          <p:nvPr/>
-        </p:nvSpPr>
-        <p:spPr>
-          <a:xfrm>
-            <a:off x="356993" y="4081382"/>
-            <a:ext cx="287100" cy="141600"/>
-          </a:xfrm>
-          <a:prstGeom prst="rect">
-            <a:avLst/>
-          </a:prstGeom>
-          <a:noFill/>
-          <a:ln w="9525" cap="flat" cmpd="sng">
-            <a:solidFill>
-              <a:srgbClr val="FF0000"/>
-            </a:solidFill>
-            <a:prstDash val="solid"/>
-            <a:round/>
-            <a:headEnd type="none" w="sm" len="sm"/>
-            <a:tailEnd type="none" w="sm" len="sm"/>
-          </a:ln>
-        </p:spPr>
-        <p:txBody>
-          <a:bodyPr spcFirstLastPara="1" wrap="square" lIns="9125" tIns="9125" rIns="9125" bIns="9125" anchor="t" anchorCtr="0">
-            <a:spAutoFit/>
-          </a:bodyPr>
-          <a:lstStyle/>
-          <a:p>
-            <a:pPr marL="0" lvl="0" indent="0" algn="l" rtl="0">
-              <a:spcBef>
-                <a:spcPts val="0"/>
-              </a:spcBef>
-              <a:spcAft>
-                <a:spcPts val="0"/>
-              </a:spcAft>
-              <a:buClr>
-                <a:srgbClr val="000000"/>
-              </a:buClr>
-              <a:buSzPts val="1100"/>
-              <a:buFont typeface="Arial"/>
-              <a:buNone/>
-            </a:pPr>
-            <a:r>
-              <a:rPr lang="en" sz="800">
-                <a:solidFill>
-                  <a:srgbClr val="1F2937"/>
-                </a:solidFill>
-                <a:highlight>
-                  <a:srgbClr val="FFFFFF"/>
-                </a:highlight>
-                <a:latin typeface="Calibri"/>
-                <a:ea typeface="Calibri"/>
-                <a:cs typeface="Calibri"/>
-                <a:sym typeface="Calibri"/>
-              </a:rPr>
-              <a:t>China</a:t>
-            </a:r>
-            <a:endParaRPr sz="800">
-              <a:solidFill>
-                <a:srgbClr val="1F2937"/>
-              </a:solidFill>
-              <a:highlight>
-                <a:srgbClr val="FFFFFF"/>
-              </a:highlight>
-              <a:latin typeface="Calibri"/>
-              <a:ea typeface="Calibri"/>
-              <a:cs typeface="Calibri"/>
-              <a:sym typeface="Calibri"/>
-            </a:endParaRPr>
-          </a:p>
-        </p:txBody>
-      </p:sp>
-      <p:sp>
-        <p:nvSpPr>
-          <p:cNvPr id="244" name="Google Shape;244;p33"/>
-          <p:cNvSpPr/>
-          <p:nvPr/>
-        </p:nvSpPr>
-        <p:spPr>
-          <a:xfrm>
-            <a:off x="651849" y="2141089"/>
-            <a:ext cx="125400" cy="125400"/>
-          </a:xfrm>
-          <a:prstGeom prst="ellipse">
-            <a:avLst/>
-          </a:prstGeom>
-          <a:solidFill>
-            <a:srgbClr val="FFFF00"/>
-          </a:solidFill>
-          <a:ln w="9525" cap="flat" cmpd="sng">
-            <a:solidFill>
-              <a:srgbClr val="595959"/>
-            </a:solidFill>
-            <a:prstDash val="solid"/>
-            <a:round/>
-            <a:headEnd type="none" w="sm" len="sm"/>
-            <a:tailEnd type="none" w="sm" len="sm"/>
-          </a:ln>
-        </p:spPr>
-        <p:txBody>
-          <a:bodyPr spcFirstLastPara="1" wrap="square" lIns="91425" tIns="91425" rIns="91425" bIns="91425" anchor="ctr" anchorCtr="0">
-            <a:noAutofit/>
-          </a:bodyPr>
-          <a:lstStyle/>
-          <a:p>
-            <a:pPr marL="0" lvl="0" indent="0" algn="ctr" rtl="0">
-              <a:spcBef>
-                <a:spcPts val="0"/>
-              </a:spcBef>
-              <a:spcAft>
-                <a:spcPts val="0"/>
-              </a:spcAft>
-              <a:buNone/>
-            </a:pPr>
-            <a:endParaRPr/>
-          </a:p>
-        </p:txBody>
-      </p:sp>
-      <p:sp>
-        <p:nvSpPr>
-          <p:cNvPr id="245" name="Google Shape;245;p33"/>
-          <p:cNvSpPr/>
-          <p:nvPr/>
-        </p:nvSpPr>
-        <p:spPr>
-          <a:xfrm>
-            <a:off x="657622" y="2731577"/>
-            <a:ext cx="125400" cy="125400"/>
-          </a:xfrm>
-          <a:prstGeom prst="ellipse">
-            <a:avLst/>
-          </a:prstGeom>
-          <a:solidFill>
-            <a:srgbClr val="FFFF00"/>
-          </a:solidFill>
-          <a:ln w="9525" cap="flat" cmpd="sng">
-            <a:solidFill>
-              <a:srgbClr val="595959"/>
-            </a:solidFill>
-            <a:prstDash val="solid"/>
-            <a:round/>
-            <a:headEnd type="none" w="sm" len="sm"/>
-            <a:tailEnd type="none" w="sm" len="sm"/>
-          </a:ln>
-        </p:spPr>
-        <p:txBody>
-          <a:bodyPr spcFirstLastPara="1" wrap="square" lIns="91425" tIns="91425" rIns="91425" bIns="91425" anchor="ctr" anchorCtr="0">
-            <a:noAutofit/>
-          </a:bodyPr>
-          <a:lstStyle/>
-          <a:p>
-            <a:pPr marL="0" lvl="0" indent="0" algn="ctr" rtl="0">
-              <a:spcBef>
-                <a:spcPts val="0"/>
-              </a:spcBef>
-              <a:spcAft>
-                <a:spcPts val="0"/>
-              </a:spcAft>
-              <a:buNone/>
-            </a:pPr>
-            <a:endParaRPr/>
-          </a:p>
-        </p:txBody>
-      </p:sp>
-      <p:sp>
-        <p:nvSpPr>
-          <p:cNvPr id="246" name="Google Shape;246;p33"/>
-          <p:cNvSpPr/>
-          <p:nvPr/>
-        </p:nvSpPr>
-        <p:spPr>
-          <a:xfrm>
-            <a:off x="4667561" y="3107594"/>
-            <a:ext cx="125400" cy="125400"/>
-          </a:xfrm>
-          <a:prstGeom prst="ellipse">
-            <a:avLst/>
-          </a:prstGeom>
-          <a:solidFill>
-            <a:srgbClr val="FFFF00"/>
-          </a:solidFill>
-          <a:ln w="9525" cap="flat" cmpd="sng">
-            <a:solidFill>
-              <a:srgbClr val="595959"/>
-            </a:solidFill>
-            <a:prstDash val="solid"/>
-            <a:round/>
-            <a:headEnd type="none" w="sm" len="sm"/>
-            <a:tailEnd type="none" w="sm" len="sm"/>
-          </a:ln>
-        </p:spPr>
-        <p:txBody>
-          <a:bodyPr spcFirstLastPara="1" wrap="square" lIns="91425" tIns="91425" rIns="91425" bIns="91425" anchor="ctr" anchorCtr="0">
-            <a:noAutofit/>
-          </a:bodyPr>
-          <a:lstStyle/>
-          <a:p>
-            <a:pPr marL="0" lvl="0" indent="0" algn="ctr" rtl="0">
-              <a:spcBef>
-                <a:spcPts val="0"/>
-              </a:spcBef>
-              <a:spcAft>
-                <a:spcPts val="0"/>
-              </a:spcAft>
-              <a:buNone/>
-            </a:pPr>
-            <a:endParaRPr/>
-          </a:p>
-        </p:txBody>
-      </p:sp>
-      <p:sp>
-        <p:nvSpPr>
-          <p:cNvPr id="247" name="Google Shape;247;p33"/>
-          <p:cNvSpPr/>
-          <p:nvPr/>
-        </p:nvSpPr>
-        <p:spPr>
-          <a:xfrm>
-            <a:off x="4667561" y="1541772"/>
-            <a:ext cx="125400" cy="125400"/>
-          </a:xfrm>
-          <a:prstGeom prst="ellipse">
-            <a:avLst/>
-          </a:prstGeom>
-          <a:solidFill>
-            <a:srgbClr val="FFFF00"/>
-          </a:solidFill>
-          <a:ln w="9525" cap="flat" cmpd="sng">
-            <a:solidFill>
-              <a:srgbClr val="595959"/>
-            </a:solidFill>
-            <a:prstDash val="solid"/>
-            <a:round/>
-            <a:headEnd type="none" w="sm" len="sm"/>
-            <a:tailEnd type="none" w="sm" len="sm"/>
-          </a:ln>
-        </p:spPr>
-        <p:txBody>
-          <a:bodyPr spcFirstLastPara="1" wrap="square" lIns="91425" tIns="91425" rIns="91425" bIns="91425" anchor="ctr" anchorCtr="0">
-            <a:noAutofit/>
-          </a:bodyPr>
-          <a:lstStyle/>
-          <a:p>
-            <a:pPr marL="0" lvl="0" indent="0" algn="ctr" rtl="0">
-              <a:spcBef>
-                <a:spcPts val="0"/>
-              </a:spcBef>
-              <a:spcAft>
-                <a:spcPts val="0"/>
-              </a:spcAft>
-              <a:buNone/>
-            </a:pPr>
-            <a:endParaRPr/>
-          </a:p>
-        </p:txBody>
-      </p:sp>
-      <p:sp>
-        <p:nvSpPr>
-          <p:cNvPr id="248" name="Google Shape;248;p33"/>
-          <p:cNvSpPr/>
-          <p:nvPr/>
-        </p:nvSpPr>
-        <p:spPr>
-          <a:xfrm>
-            <a:off x="4667561" y="2321930"/>
-            <a:ext cx="125400" cy="125400"/>
-          </a:xfrm>
-          <a:prstGeom prst="ellipse">
-            <a:avLst/>
-          </a:prstGeom>
-          <a:solidFill>
-            <a:srgbClr val="FFFF00"/>
-          </a:solidFill>
-          <a:ln w="9525" cap="flat" cmpd="sng">
-            <a:solidFill>
-              <a:srgbClr val="595959"/>
-            </a:solidFill>
-            <a:prstDash val="solid"/>
-            <a:round/>
-            <a:headEnd type="none" w="sm" len="sm"/>
-            <a:tailEnd type="none" w="sm" len="sm"/>
-          </a:ln>
-        </p:spPr>
-        <p:txBody>
-          <a:bodyPr spcFirstLastPara="1" wrap="square" lIns="91425" tIns="91425" rIns="91425" bIns="91425" anchor="ctr" anchorCtr="0">
-            <a:noAutofit/>
-          </a:bodyPr>
-          <a:lstStyle/>
-          <a:p>
-            <a:pPr marL="0" lvl="0" indent="0" algn="ctr" rtl="0">
-              <a:spcBef>
-                <a:spcPts val="0"/>
-              </a:spcBef>
-              <a:spcAft>
-                <a:spcPts val="0"/>
-              </a:spcAft>
-              <a:buNone/>
-            </a:pPr>
-            <a:endParaRPr/>
-          </a:p>
-        </p:txBody>
-      </p:sp>
-      <p:sp>
-        <p:nvSpPr>
-          <p:cNvPr id="249" name="Google Shape;249;p33"/>
-          <p:cNvSpPr/>
-          <p:nvPr/>
-        </p:nvSpPr>
-        <p:spPr>
-          <a:xfrm>
-            <a:off x="651849" y="3903321"/>
-            <a:ext cx="125400" cy="125400"/>
-          </a:xfrm>
-          <a:prstGeom prst="ellipse">
-            <a:avLst/>
-          </a:prstGeom>
-          <a:solidFill>
-            <a:srgbClr val="FFFF00"/>
-          </a:solidFill>
-          <a:ln w="9525" cap="flat" cmpd="sng">
-            <a:solidFill>
-              <a:srgbClr val="595959"/>
-            </a:solidFill>
-            <a:prstDash val="solid"/>
-            <a:round/>
-            <a:headEnd type="none" w="sm" len="sm"/>
-            <a:tailEnd type="none" w="sm" len="sm"/>
-          </a:ln>
-        </p:spPr>
-        <p:txBody>
-          <a:bodyPr spcFirstLastPara="1" wrap="square" lIns="91425" tIns="91425" rIns="91425" bIns="91425" anchor="ctr" anchorCtr="0">
-            <a:noAutofit/>
-          </a:bodyPr>
-          <a:lstStyle/>
-          <a:p>
-            <a:pPr marL="0" lvl="0" indent="0" algn="ctr" rtl="0">
-              <a:spcBef>
-                <a:spcPts val="0"/>
-              </a:spcBef>
-              <a:spcAft>
-                <a:spcPts val="0"/>
-              </a:spcAft>
-              <a:buNone/>
-            </a:pPr>
-            <a:endParaRPr/>
-          </a:p>
-        </p:txBody>
-      </p:sp>
-      <p:sp>
-        <p:nvSpPr>
-          <p:cNvPr id="250" name="Google Shape;250;p33"/>
-          <p:cNvSpPr/>
-          <p:nvPr/>
-        </p:nvSpPr>
-        <p:spPr>
-          <a:xfrm>
-            <a:off x="657622" y="2340536"/>
-            <a:ext cx="125400" cy="125400"/>
-          </a:xfrm>
-          <a:prstGeom prst="ellipse">
-            <a:avLst/>
-          </a:prstGeom>
-          <a:solidFill>
-            <a:srgbClr val="6AA84F"/>
-          </a:solidFill>
-          <a:ln w="9525" cap="flat" cmpd="sng">
-            <a:solidFill>
-              <a:srgbClr val="595959"/>
-            </a:solidFill>
-            <a:prstDash val="solid"/>
-            <a:round/>
-            <a:headEnd type="none" w="sm" len="sm"/>
-            <a:tailEnd type="none" w="sm" len="sm"/>
-          </a:ln>
-        </p:spPr>
-        <p:txBody>
-          <a:bodyPr spcFirstLastPara="1" wrap="square" lIns="91425" tIns="91425" rIns="91425" bIns="91425" anchor="ctr" anchorCtr="0">
-            <a:noAutofit/>
-          </a:bodyPr>
-          <a:lstStyle/>
-          <a:p>
-            <a:pPr marL="0" lvl="0" indent="0" algn="ctr" rtl="0">
-              <a:spcBef>
-                <a:spcPts val="0"/>
-              </a:spcBef>
-              <a:spcAft>
-                <a:spcPts val="0"/>
-              </a:spcAft>
-              <a:buNone/>
-            </a:pPr>
-            <a:endParaRPr/>
-          </a:p>
-        </p:txBody>
-      </p:sp>
-      <p:sp>
-        <p:nvSpPr>
-          <p:cNvPr id="251" name="Google Shape;251;p33"/>
-          <p:cNvSpPr/>
-          <p:nvPr/>
-        </p:nvSpPr>
-        <p:spPr>
-          <a:xfrm>
-            <a:off x="657622" y="2538871"/>
-            <a:ext cx="125400" cy="125400"/>
-          </a:xfrm>
-          <a:prstGeom prst="ellipse">
-            <a:avLst/>
-          </a:prstGeom>
-          <a:solidFill>
-            <a:srgbClr val="FF0000"/>
-          </a:solidFill>
-          <a:ln w="9525" cap="flat" cmpd="sng">
-            <a:solidFill>
-              <a:srgbClr val="595959"/>
-            </a:solidFill>
-            <a:prstDash val="solid"/>
-            <a:round/>
-            <a:headEnd type="none" w="sm" len="sm"/>
-            <a:tailEnd type="none" w="sm" len="sm"/>
-          </a:ln>
-        </p:spPr>
-        <p:txBody>
-          <a:bodyPr spcFirstLastPara="1" wrap="square" lIns="91425" tIns="91425" rIns="91425" bIns="91425" anchor="ctr" anchorCtr="0">
-            <a:noAutofit/>
-          </a:bodyPr>
-          <a:lstStyle/>
-          <a:p>
-            <a:pPr marL="0" lvl="0" indent="0" algn="ctr" rtl="0">
-              <a:spcBef>
-                <a:spcPts val="0"/>
-              </a:spcBef>
-              <a:spcAft>
-                <a:spcPts val="0"/>
-              </a:spcAft>
-              <a:buNone/>
-            </a:pPr>
-            <a:endParaRPr/>
-          </a:p>
-        </p:txBody>
-      </p:sp>
-      <p:sp>
-        <p:nvSpPr>
-          <p:cNvPr id="252" name="Google Shape;252;p33"/>
-          <p:cNvSpPr txBox="1"/>
-          <p:nvPr/>
-        </p:nvSpPr>
-        <p:spPr>
-          <a:xfrm>
-            <a:off x="349062" y="3703185"/>
-            <a:ext cx="288900" cy="141600"/>
-          </a:xfrm>
-          <a:prstGeom prst="rect">
-            <a:avLst/>
-          </a:prstGeom>
-          <a:noFill/>
-          <a:ln w="9525" cap="flat" cmpd="sng">
-            <a:solidFill>
-              <a:srgbClr val="FF0000"/>
-            </a:solidFill>
-            <a:prstDash val="solid"/>
-            <a:round/>
-            <a:headEnd type="none" w="sm" len="sm"/>
-            <a:tailEnd type="none" w="sm" len="sm"/>
-          </a:ln>
-        </p:spPr>
-        <p:txBody>
-          <a:bodyPr spcFirstLastPara="1" wrap="square" lIns="9125" tIns="9125" rIns="9125" bIns="9125" anchor="t" anchorCtr="0">
-            <a:spAutoFit/>
-          </a:bodyPr>
-          <a:lstStyle/>
-          <a:p>
-            <a:pPr marL="0" lvl="0" indent="0" algn="l" rtl="0">
-              <a:spcBef>
-                <a:spcPts val="0"/>
-              </a:spcBef>
-              <a:spcAft>
-                <a:spcPts val="0"/>
-              </a:spcAft>
-              <a:buClr>
-                <a:srgbClr val="000000"/>
-              </a:buClr>
-              <a:buSzPts val="1100"/>
-              <a:buFont typeface="Arial"/>
-              <a:buNone/>
-            </a:pPr>
-            <a:r>
-              <a:rPr lang="en" sz="800">
-                <a:solidFill>
-                  <a:srgbClr val="1F2937"/>
-                </a:solidFill>
-                <a:highlight>
-                  <a:srgbClr val="FFFFFF"/>
-                </a:highlight>
-                <a:latin typeface="Calibri"/>
-                <a:ea typeface="Calibri"/>
-                <a:cs typeface="Calibri"/>
-                <a:sym typeface="Calibri"/>
-              </a:rPr>
-              <a:t>China</a:t>
-            </a:r>
-            <a:endParaRPr sz="800">
-              <a:solidFill>
-                <a:srgbClr val="1F2937"/>
-              </a:solidFill>
-              <a:highlight>
-                <a:srgbClr val="FFFFFF"/>
-              </a:highlight>
-              <a:latin typeface="Calibri"/>
-              <a:ea typeface="Calibri"/>
-              <a:cs typeface="Calibri"/>
-              <a:sym typeface="Calibri"/>
-            </a:endParaRPr>
-          </a:p>
-        </p:txBody>
-      </p:sp>
-      <p:sp>
-        <p:nvSpPr>
-          <p:cNvPr id="253" name="Google Shape;253;p33"/>
-          <p:cNvSpPr txBox="1"/>
-          <p:nvPr/>
-        </p:nvSpPr>
-        <p:spPr>
-          <a:xfrm>
-            <a:off x="4504061" y="3677254"/>
-            <a:ext cx="288900" cy="141600"/>
-          </a:xfrm>
-          <a:prstGeom prst="rect">
-            <a:avLst/>
-          </a:prstGeom>
-          <a:noFill/>
-          <a:ln w="9525" cap="flat" cmpd="sng">
-            <a:solidFill>
-              <a:srgbClr val="FF0000"/>
-            </a:solidFill>
-            <a:prstDash val="solid"/>
-            <a:round/>
-            <a:headEnd type="none" w="sm" len="sm"/>
-            <a:tailEnd type="none" w="sm" len="sm"/>
-          </a:ln>
-        </p:spPr>
-        <p:txBody>
-          <a:bodyPr spcFirstLastPara="1" wrap="square" lIns="9125" tIns="9125" rIns="9125" bIns="9125" anchor="t" anchorCtr="0">
-            <a:spAutoFit/>
-          </a:bodyPr>
-          <a:lstStyle/>
-          <a:p>
-            <a:pPr marL="0" lvl="0" indent="0" algn="l" rtl="0">
-              <a:spcBef>
-                <a:spcPts val="0"/>
-              </a:spcBef>
-              <a:spcAft>
-                <a:spcPts val="0"/>
-              </a:spcAft>
-              <a:buClr>
-                <a:srgbClr val="000000"/>
-              </a:buClr>
-              <a:buSzPts val="1100"/>
-              <a:buFont typeface="Arial"/>
-              <a:buNone/>
-            </a:pPr>
-            <a:r>
-              <a:rPr lang="en" sz="800">
-                <a:solidFill>
-                  <a:srgbClr val="1F2937"/>
-                </a:solidFill>
-                <a:highlight>
-                  <a:srgbClr val="FFFFFF"/>
-                </a:highlight>
-                <a:latin typeface="Calibri"/>
-                <a:ea typeface="Calibri"/>
-                <a:cs typeface="Calibri"/>
-                <a:sym typeface="Calibri"/>
-              </a:rPr>
-              <a:t>China</a:t>
-            </a:r>
-            <a:endParaRPr sz="800">
-              <a:solidFill>
-                <a:srgbClr val="1F2937"/>
-              </a:solidFill>
-              <a:highlight>
-                <a:srgbClr val="FFFFFF"/>
-              </a:highlight>
-              <a:latin typeface="Calibri"/>
-              <a:ea typeface="Calibri"/>
-              <a:cs typeface="Calibri"/>
-              <a:sym typeface="Calibri"/>
-            </a:endParaRPr>
-          </a:p>
-        </p:txBody>
-      </p:sp>
-      <p:sp>
-        <p:nvSpPr>
-          <p:cNvPr id="254" name="Google Shape;254;p33"/>
-          <p:cNvSpPr/>
-          <p:nvPr/>
-        </p:nvSpPr>
-        <p:spPr>
-          <a:xfrm>
-            <a:off x="657622" y="4093075"/>
-            <a:ext cx="125400" cy="125400"/>
-          </a:xfrm>
-          <a:prstGeom prst="ellipse">
-            <a:avLst/>
-          </a:prstGeom>
-          <a:solidFill>
-            <a:srgbClr val="6AA84F"/>
-          </a:solidFill>
-          <a:ln w="9525" cap="flat" cmpd="sng">
-            <a:solidFill>
-              <a:srgbClr val="595959"/>
-            </a:solidFill>
-            <a:prstDash val="solid"/>
-            <a:round/>
-            <a:headEnd type="none" w="sm" len="sm"/>
-            <a:tailEnd type="none" w="sm" len="sm"/>
-          </a:ln>
-        </p:spPr>
-        <p:txBody>
-          <a:bodyPr spcFirstLastPara="1" wrap="square" lIns="91425" tIns="91425" rIns="91425" bIns="91425" anchor="ctr" anchorCtr="0">
-            <a:noAutofit/>
-          </a:bodyPr>
-          <a:lstStyle/>
-          <a:p>
-            <a:pPr marL="0" lvl="0" indent="0" algn="ctr" rtl="0">
-              <a:spcBef>
-                <a:spcPts val="0"/>
-              </a:spcBef>
-              <a:spcAft>
-                <a:spcPts val="0"/>
-              </a:spcAft>
-              <a:buNone/>
-            </a:pPr>
-            <a:endParaRPr/>
-          </a:p>
-        </p:txBody>
-      </p:sp>
-      <p:sp>
-        <p:nvSpPr>
-          <p:cNvPr id="255" name="Google Shape;255;p33"/>
-          <p:cNvSpPr txBox="1"/>
-          <p:nvPr/>
-        </p:nvSpPr>
-        <p:spPr>
-          <a:xfrm>
-            <a:off x="4367104" y="1924178"/>
-            <a:ext cx="288900" cy="141600"/>
-          </a:xfrm>
-          <a:prstGeom prst="rect">
-            <a:avLst/>
-          </a:prstGeom>
-          <a:noFill/>
-          <a:ln w="9525" cap="flat" cmpd="sng">
-            <a:solidFill>
-              <a:srgbClr val="FF0000"/>
-            </a:solidFill>
-            <a:prstDash val="solid"/>
-            <a:round/>
-            <a:headEnd type="none" w="sm" len="sm"/>
-            <a:tailEnd type="none" w="sm" len="sm"/>
-          </a:ln>
-        </p:spPr>
-        <p:txBody>
-          <a:bodyPr spcFirstLastPara="1" wrap="square" lIns="9125" tIns="9125" rIns="9125" bIns="9125" anchor="t" anchorCtr="0">
-            <a:spAutoFit/>
-          </a:bodyPr>
-          <a:lstStyle/>
-          <a:p>
-            <a:pPr marL="0" lvl="0" indent="0" algn="l" rtl="0">
-              <a:spcBef>
-                <a:spcPts val="0"/>
-              </a:spcBef>
-              <a:spcAft>
-                <a:spcPts val="0"/>
-              </a:spcAft>
-              <a:buClr>
-                <a:srgbClr val="000000"/>
-              </a:buClr>
-              <a:buSzPts val="1100"/>
-              <a:buFont typeface="Arial"/>
-              <a:buNone/>
-            </a:pPr>
-            <a:r>
-              <a:rPr lang="en" sz="800">
-                <a:solidFill>
-                  <a:srgbClr val="1F2937"/>
-                </a:solidFill>
-                <a:highlight>
-                  <a:srgbClr val="FFFFFF"/>
-                </a:highlight>
-                <a:latin typeface="Calibri"/>
-                <a:ea typeface="Calibri"/>
-                <a:cs typeface="Calibri"/>
-                <a:sym typeface="Calibri"/>
-              </a:rPr>
-              <a:t>China</a:t>
-            </a:r>
-            <a:endParaRPr sz="800">
-              <a:solidFill>
-                <a:srgbClr val="1F2937"/>
-              </a:solidFill>
-              <a:highlight>
-                <a:srgbClr val="FFFFFF"/>
-              </a:highlight>
-              <a:latin typeface="Calibri"/>
-              <a:ea typeface="Calibri"/>
-              <a:cs typeface="Calibri"/>
-              <a:sym typeface="Calibri"/>
-            </a:endParaRPr>
-          </a:p>
-        </p:txBody>
-      </p:sp>
-      <p:sp>
-        <p:nvSpPr>
-          <p:cNvPr id="256" name="Google Shape;256;p33"/>
-          <p:cNvSpPr/>
-          <p:nvPr/>
-        </p:nvSpPr>
-        <p:spPr>
-          <a:xfrm>
-            <a:off x="4667561" y="1935466"/>
-            <a:ext cx="125400" cy="125400"/>
-          </a:xfrm>
-          <a:prstGeom prst="ellipse">
-            <a:avLst/>
-          </a:prstGeom>
-          <a:solidFill>
-            <a:srgbClr val="6AA84F"/>
-          </a:solidFill>
-          <a:ln w="9525" cap="flat" cmpd="sng">
-            <a:solidFill>
-              <a:srgbClr val="595959"/>
-            </a:solidFill>
-            <a:prstDash val="solid"/>
-            <a:round/>
-            <a:headEnd type="none" w="sm" len="sm"/>
-            <a:tailEnd type="none" w="sm" len="sm"/>
-          </a:ln>
-        </p:spPr>
-        <p:txBody>
-          <a:bodyPr spcFirstLastPara="1" wrap="square" lIns="91425" tIns="91425" rIns="91425" bIns="91425" anchor="ctr" anchorCtr="0">
-            <a:noAutofit/>
-          </a:bodyPr>
-          <a:lstStyle/>
-          <a:p>
-            <a:pPr marL="0" lvl="0" indent="0" algn="ctr" rtl="0">
-              <a:spcBef>
-                <a:spcPts val="0"/>
-              </a:spcBef>
-              <a:spcAft>
-                <a:spcPts val="0"/>
-              </a:spcAft>
-              <a:buNone/>
-            </a:pPr>
-            <a:endParaRPr/>
-          </a:p>
-        </p:txBody>
-      </p:sp>
-      <p:sp>
-        <p:nvSpPr>
-          <p:cNvPr id="257" name="Google Shape;257;p33"/>
-          <p:cNvSpPr/>
-          <p:nvPr/>
-        </p:nvSpPr>
-        <p:spPr>
-          <a:xfrm>
-            <a:off x="4667561" y="2122358"/>
-            <a:ext cx="125400" cy="125400"/>
-          </a:xfrm>
-          <a:prstGeom prst="ellipse">
-            <a:avLst/>
-          </a:prstGeom>
-          <a:solidFill>
-            <a:srgbClr val="FFFF00"/>
-          </a:solidFill>
-          <a:ln w="9525" cap="flat" cmpd="sng">
-            <a:solidFill>
-              <a:srgbClr val="595959"/>
-            </a:solidFill>
-            <a:prstDash val="solid"/>
-            <a:round/>
-            <a:headEnd type="none" w="sm" len="sm"/>
-            <a:tailEnd type="none" w="sm" len="sm"/>
-          </a:ln>
-        </p:spPr>
-        <p:txBody>
-          <a:bodyPr spcFirstLastPara="1" wrap="square" lIns="91425" tIns="91425" rIns="91425" bIns="91425" anchor="ctr" anchorCtr="0">
-            <a:noAutofit/>
-          </a:bodyPr>
-          <a:lstStyle/>
-          <a:p>
-            <a:pPr marL="0" lvl="0" indent="0" algn="ctr" rtl="0">
-              <a:spcBef>
-                <a:spcPts val="0"/>
-              </a:spcBef>
-              <a:spcAft>
-                <a:spcPts val="0"/>
-              </a:spcAft>
-              <a:buNone/>
-            </a:pPr>
-            <a:endParaRPr/>
-          </a:p>
-        </p:txBody>
-      </p:sp>
-      <p:sp>
-        <p:nvSpPr>
-          <p:cNvPr id="258" name="Google Shape;258;p33"/>
-          <p:cNvSpPr txBox="1"/>
-          <p:nvPr/>
-        </p:nvSpPr>
-        <p:spPr>
-          <a:xfrm>
-            <a:off x="4504061" y="3876193"/>
-            <a:ext cx="288900" cy="141600"/>
-          </a:xfrm>
-          <a:prstGeom prst="rect">
-            <a:avLst/>
-          </a:prstGeom>
-          <a:noFill/>
-          <a:ln w="9525" cap="flat" cmpd="sng">
-            <a:solidFill>
-              <a:srgbClr val="FF0000"/>
-            </a:solidFill>
-            <a:prstDash val="solid"/>
-            <a:round/>
-            <a:headEnd type="none" w="sm" len="sm"/>
-            <a:tailEnd type="none" w="sm" len="sm"/>
-          </a:ln>
-        </p:spPr>
-        <p:txBody>
-          <a:bodyPr spcFirstLastPara="1" wrap="square" lIns="9125" tIns="9125" rIns="9125" bIns="9125" anchor="t" anchorCtr="0">
-            <a:spAutoFit/>
-          </a:bodyPr>
-          <a:lstStyle/>
-          <a:p>
-            <a:pPr marL="0" lvl="0" indent="0" algn="l" rtl="0">
-              <a:spcBef>
-                <a:spcPts val="0"/>
-              </a:spcBef>
-              <a:spcAft>
-                <a:spcPts val="0"/>
-              </a:spcAft>
-              <a:buClr>
-                <a:srgbClr val="000000"/>
-              </a:buClr>
-              <a:buSzPts val="1100"/>
-              <a:buFont typeface="Arial"/>
-              <a:buNone/>
-            </a:pPr>
-            <a:r>
-              <a:rPr lang="en" sz="800">
-                <a:solidFill>
-                  <a:srgbClr val="1F2937"/>
-                </a:solidFill>
-                <a:highlight>
-                  <a:srgbClr val="FFFFFF"/>
-                </a:highlight>
-                <a:latin typeface="Calibri"/>
-                <a:ea typeface="Calibri"/>
-                <a:cs typeface="Calibri"/>
-                <a:sym typeface="Calibri"/>
-              </a:rPr>
-              <a:t>China</a:t>
-            </a:r>
-            <a:endParaRPr sz="800">
-              <a:solidFill>
-                <a:srgbClr val="1F2937"/>
-              </a:solidFill>
-              <a:highlight>
-                <a:srgbClr val="FFFFFF"/>
-              </a:highlight>
-              <a:latin typeface="Calibri"/>
-              <a:ea typeface="Calibri"/>
-              <a:cs typeface="Calibri"/>
-              <a:sym typeface="Calibri"/>
-            </a:endParaRPr>
-          </a:p>
-        </p:txBody>
-      </p:sp>
-      <p:sp>
-        <p:nvSpPr>
-          <p:cNvPr id="259" name="Google Shape;259;p33"/>
-          <p:cNvSpPr/>
-          <p:nvPr/>
-        </p:nvSpPr>
-        <p:spPr>
-          <a:xfrm>
-            <a:off x="4667561" y="2705810"/>
-            <a:ext cx="125400" cy="125400"/>
-          </a:xfrm>
-          <a:prstGeom prst="ellipse">
-            <a:avLst/>
-          </a:prstGeom>
-          <a:solidFill>
-            <a:srgbClr val="FFFF00"/>
-          </a:solidFill>
-          <a:ln w="9525" cap="flat" cmpd="sng">
-            <a:solidFill>
-              <a:srgbClr val="595959"/>
-            </a:solidFill>
-            <a:prstDash val="solid"/>
-            <a:round/>
-            <a:headEnd type="none" w="sm" len="sm"/>
-            <a:tailEnd type="none" w="sm" len="sm"/>
-          </a:ln>
-        </p:spPr>
-        <p:txBody>
-          <a:bodyPr spcFirstLastPara="1" wrap="square" lIns="91425" tIns="91425" rIns="91425" bIns="91425" anchor="ctr" anchorCtr="0">
-            <a:noAutofit/>
-          </a:bodyPr>
-          <a:lstStyle/>
-          <a:p>
-            <a:pPr marL="0" lvl="0" indent="0" algn="ctr" rtl="0">
-              <a:spcBef>
-                <a:spcPts val="0"/>
-              </a:spcBef>
-              <a:spcAft>
-                <a:spcPts val="0"/>
-              </a:spcAft>
-              <a:buNone/>
-            </a:pPr>
-            <a:endParaRPr/>
-          </a:p>
-        </p:txBody>
-      </p:sp>
-      <p:sp>
-        <p:nvSpPr>
-          <p:cNvPr id="260" name="Google Shape;260;p33"/>
-          <p:cNvSpPr txBox="1"/>
-          <p:nvPr/>
-        </p:nvSpPr>
-        <p:spPr>
-          <a:xfrm>
-            <a:off x="495922" y="3304789"/>
-            <a:ext cx="287100" cy="141600"/>
-          </a:xfrm>
-          <a:prstGeom prst="rect">
-            <a:avLst/>
-          </a:prstGeom>
-          <a:noFill/>
-          <a:ln w="9525" cap="flat" cmpd="sng">
-            <a:solidFill>
-              <a:srgbClr val="FF0000"/>
-            </a:solidFill>
-            <a:prstDash val="solid"/>
-            <a:round/>
-            <a:headEnd type="none" w="sm" len="sm"/>
-            <a:tailEnd type="none" w="sm" len="sm"/>
-          </a:ln>
-        </p:spPr>
-        <p:txBody>
-          <a:bodyPr spcFirstLastPara="1" wrap="square" lIns="9125" tIns="9125" rIns="9125" bIns="9125" anchor="t" anchorCtr="0">
-            <a:spAutoFit/>
-          </a:bodyPr>
-          <a:lstStyle/>
-          <a:p>
-            <a:pPr marL="0" lvl="0" indent="0" algn="l" rtl="0">
-              <a:spcBef>
-                <a:spcPts val="0"/>
-              </a:spcBef>
-              <a:spcAft>
-                <a:spcPts val="0"/>
-              </a:spcAft>
-              <a:buClr>
-                <a:srgbClr val="000000"/>
-              </a:buClr>
-              <a:buSzPts val="1100"/>
-              <a:buFont typeface="Arial"/>
-              <a:buNone/>
-            </a:pPr>
-            <a:r>
-              <a:rPr lang="en" sz="800">
-                <a:solidFill>
-                  <a:srgbClr val="1F2937"/>
-                </a:solidFill>
-                <a:highlight>
-                  <a:srgbClr val="FFFFFF"/>
-                </a:highlight>
-                <a:latin typeface="Calibri"/>
-                <a:ea typeface="Calibri"/>
-                <a:cs typeface="Calibri"/>
-                <a:sym typeface="Calibri"/>
-              </a:rPr>
-              <a:t>China</a:t>
-            </a:r>
-            <a:endParaRPr sz="800">
-              <a:solidFill>
-                <a:srgbClr val="1F2937"/>
-              </a:solidFill>
-              <a:highlight>
-                <a:srgbClr val="FFFFFF"/>
-              </a:highlight>
-              <a:latin typeface="Calibri"/>
-              <a:ea typeface="Calibri"/>
-              <a:cs typeface="Calibri"/>
-              <a:sym typeface="Calibri"/>
-            </a:endParaRPr>
-          </a:p>
-        </p:txBody>
-      </p:sp>
-      <p:sp>
-        <p:nvSpPr>
-          <p:cNvPr id="261" name="Google Shape;261;p33"/>
-          <p:cNvSpPr txBox="1"/>
-          <p:nvPr/>
-        </p:nvSpPr>
-        <p:spPr>
-          <a:xfrm flipH="1">
-            <a:off x="582849" y="1363026"/>
-            <a:ext cx="194400" cy="141600"/>
-          </a:xfrm>
-          <a:prstGeom prst="rect">
-            <a:avLst/>
-          </a:prstGeom>
-          <a:solidFill>
-            <a:srgbClr val="FCE5CD"/>
-          </a:solidFill>
-          <a:ln w="9525" cap="flat" cmpd="sng">
-            <a:solidFill>
-              <a:srgbClr val="FF0000"/>
-            </a:solidFill>
-            <a:prstDash val="solid"/>
-            <a:round/>
-            <a:headEnd type="none" w="sm" len="sm"/>
-            <a:tailEnd type="none" w="sm" len="sm"/>
-          </a:ln>
-        </p:spPr>
-        <p:txBody>
-          <a:bodyPr spcFirstLastPara="1" wrap="square" lIns="9125" tIns="9125" rIns="9125" bIns="9125" anchor="t" anchorCtr="0">
-            <a:spAutoFit/>
-          </a:bodyPr>
-          <a:lstStyle/>
-          <a:p>
-            <a:pPr marL="0" lvl="0" indent="0" algn="l" rtl="0">
-              <a:spcBef>
-                <a:spcPts val="0"/>
-              </a:spcBef>
-              <a:spcAft>
-                <a:spcPts val="0"/>
-              </a:spcAft>
-              <a:buClr>
-                <a:srgbClr val="000000"/>
-              </a:buClr>
-              <a:buSzPts val="1100"/>
-              <a:buFont typeface="Arial"/>
-              <a:buNone/>
-            </a:pPr>
-            <a:r>
-              <a:rPr lang="en" sz="800">
-                <a:solidFill>
-                  <a:srgbClr val="1F2937"/>
-                </a:solidFill>
-                <a:latin typeface="Calibri"/>
-                <a:ea typeface="Calibri"/>
-                <a:cs typeface="Calibri"/>
-                <a:sym typeface="Calibri"/>
-              </a:rPr>
-              <a:t>x.ai</a:t>
-            </a:r>
-            <a:endParaRPr sz="800">
-              <a:solidFill>
-                <a:srgbClr val="1F2937"/>
-              </a:solidFill>
-              <a:latin typeface="Calibri"/>
-              <a:ea typeface="Calibri"/>
-              <a:cs typeface="Calibri"/>
-              <a:sym typeface="Calibri"/>
-            </a:endParaRPr>
-          </a:p>
-        </p:txBody>
-      </p:sp>
-      <p:sp>
-        <p:nvSpPr>
-          <p:cNvPr id="262" name="Google Shape;262;p33"/>
-          <p:cNvSpPr txBox="1"/>
-          <p:nvPr/>
-        </p:nvSpPr>
-        <p:spPr>
-          <a:xfrm>
-            <a:off x="494122" y="4669911"/>
-            <a:ext cx="288900" cy="141600"/>
-          </a:xfrm>
-          <a:prstGeom prst="rect">
-            <a:avLst/>
-          </a:prstGeom>
-          <a:noFill/>
-          <a:ln w="9525" cap="flat" cmpd="sng">
-            <a:solidFill>
-              <a:srgbClr val="FF0000"/>
-            </a:solidFill>
-            <a:prstDash val="solid"/>
-            <a:round/>
-            <a:headEnd type="none" w="sm" len="sm"/>
-            <a:tailEnd type="none" w="sm" len="sm"/>
-          </a:ln>
-        </p:spPr>
-        <p:txBody>
-          <a:bodyPr spcFirstLastPara="1" wrap="square" lIns="9125" tIns="9125" rIns="9125" bIns="9125" anchor="t" anchorCtr="0">
-            <a:spAutoFit/>
-          </a:bodyPr>
-          <a:lstStyle/>
-          <a:p>
-            <a:pPr marL="0" lvl="0" indent="0" algn="l" rtl="0">
-              <a:spcBef>
-                <a:spcPts val="0"/>
-              </a:spcBef>
-              <a:spcAft>
-                <a:spcPts val="0"/>
-              </a:spcAft>
-              <a:buClr>
-                <a:srgbClr val="000000"/>
-              </a:buClr>
-              <a:buSzPts val="1100"/>
-              <a:buFont typeface="Arial"/>
-              <a:buNone/>
-            </a:pPr>
-            <a:r>
-              <a:rPr lang="en" sz="800">
-                <a:solidFill>
-                  <a:srgbClr val="1F2937"/>
-                </a:solidFill>
-                <a:highlight>
-                  <a:srgbClr val="FFFFFF"/>
-                </a:highlight>
-                <a:latin typeface="Calibri"/>
-                <a:ea typeface="Calibri"/>
-                <a:cs typeface="Calibri"/>
-                <a:sym typeface="Calibri"/>
-              </a:rPr>
-              <a:t>China</a:t>
-            </a:r>
-            <a:endParaRPr sz="800">
-              <a:solidFill>
-                <a:srgbClr val="1F2937"/>
-              </a:solidFill>
-              <a:highlight>
-                <a:srgbClr val="FFFFFF"/>
-              </a:highlight>
-              <a:latin typeface="Calibri"/>
-              <a:ea typeface="Calibri"/>
-              <a:cs typeface="Calibri"/>
-              <a:sym typeface="Calibri"/>
-            </a:endParaRPr>
-          </a:p>
-        </p:txBody>
-      </p:sp>
-      <p:sp>
-        <p:nvSpPr>
-          <p:cNvPr id="263" name="Google Shape;263;p33"/>
-          <p:cNvSpPr txBox="1"/>
-          <p:nvPr/>
-        </p:nvSpPr>
-        <p:spPr>
-          <a:xfrm flipH="1">
-            <a:off x="4598561" y="1328356"/>
-            <a:ext cx="194400" cy="141600"/>
-          </a:xfrm>
-          <a:prstGeom prst="rect">
-            <a:avLst/>
-          </a:prstGeom>
-          <a:solidFill>
-            <a:srgbClr val="FCE5CD"/>
-          </a:solidFill>
-          <a:ln w="9525" cap="flat" cmpd="sng">
-            <a:solidFill>
-              <a:srgbClr val="FF0000"/>
-            </a:solidFill>
-            <a:prstDash val="solid"/>
-            <a:round/>
-            <a:headEnd type="none" w="sm" len="sm"/>
-            <a:tailEnd type="none" w="sm" len="sm"/>
-          </a:ln>
-        </p:spPr>
-        <p:txBody>
-          <a:bodyPr spcFirstLastPara="1" wrap="square" lIns="9125" tIns="9125" rIns="9125" bIns="9125" anchor="t" anchorCtr="0">
-            <a:spAutoFit/>
-          </a:bodyPr>
-          <a:lstStyle/>
-          <a:p>
-            <a:pPr marL="0" lvl="0" indent="0" algn="l" rtl="0">
-              <a:spcBef>
-                <a:spcPts val="0"/>
-              </a:spcBef>
-              <a:spcAft>
-                <a:spcPts val="0"/>
-              </a:spcAft>
-              <a:buClr>
-                <a:srgbClr val="000000"/>
-              </a:buClr>
-              <a:buSzPts val="1100"/>
-              <a:buFont typeface="Arial"/>
-              <a:buNone/>
-            </a:pPr>
-            <a:r>
-              <a:rPr lang="en" sz="800">
-                <a:solidFill>
-                  <a:srgbClr val="1F2937"/>
-                </a:solidFill>
-                <a:latin typeface="Calibri"/>
-                <a:ea typeface="Calibri"/>
-                <a:cs typeface="Calibri"/>
-                <a:sym typeface="Calibri"/>
-              </a:rPr>
-              <a:t>x.ai</a:t>
-            </a:r>
-            <a:endParaRPr sz="800">
-              <a:solidFill>
-                <a:srgbClr val="1F2937"/>
-              </a:solidFill>
-              <a:latin typeface="Calibri"/>
-              <a:ea typeface="Calibri"/>
-              <a:cs typeface="Calibri"/>
-              <a:sym typeface="Calibri"/>
-            </a:endParaRPr>
-          </a:p>
-        </p:txBody>
-      </p:sp>
-      <p:sp>
-        <p:nvSpPr>
-          <p:cNvPr id="264" name="Google Shape;264;p33"/>
-          <p:cNvSpPr/>
-          <p:nvPr/>
-        </p:nvSpPr>
-        <p:spPr>
-          <a:xfrm>
-            <a:off x="657622" y="3117963"/>
-            <a:ext cx="125400" cy="125400"/>
-          </a:xfrm>
-          <a:prstGeom prst="ellipse">
-            <a:avLst/>
-          </a:prstGeom>
-          <a:solidFill>
-            <a:srgbClr val="FFFF00"/>
-          </a:solidFill>
-          <a:ln w="9525" cap="flat" cmpd="sng">
-            <a:solidFill>
-              <a:srgbClr val="595959"/>
-            </a:solidFill>
-            <a:prstDash val="solid"/>
-            <a:round/>
-            <a:headEnd type="none" w="sm" len="sm"/>
-            <a:tailEnd type="none" w="sm" len="sm"/>
-          </a:ln>
-        </p:spPr>
-        <p:txBody>
-          <a:bodyPr spcFirstLastPara="1" wrap="square" lIns="91425" tIns="91425" rIns="91425" bIns="91425" anchor="ctr" anchorCtr="0">
-            <a:noAutofit/>
-          </a:bodyPr>
-          <a:lstStyle/>
-          <a:p>
-            <a:pPr marL="0" lvl="0" indent="0" algn="ctr" rtl="0">
-              <a:spcBef>
-                <a:spcPts val="0"/>
-              </a:spcBef>
-              <a:spcAft>
-                <a:spcPts val="0"/>
-              </a:spcAft>
-              <a:buNone/>
-            </a:pPr>
-            <a:endParaRPr/>
-          </a:p>
-        </p:txBody>
-      </p:sp>
-      <p:sp>
-        <p:nvSpPr>
-          <p:cNvPr id="265" name="Google Shape;265;p33"/>
-          <p:cNvSpPr/>
-          <p:nvPr/>
-        </p:nvSpPr>
-        <p:spPr>
-          <a:xfrm>
-            <a:off x="4667561" y="2907655"/>
-            <a:ext cx="125400" cy="125400"/>
-          </a:xfrm>
-          <a:prstGeom prst="ellipse">
-            <a:avLst/>
-          </a:prstGeom>
-          <a:solidFill>
-            <a:srgbClr val="FFFF00"/>
-          </a:solidFill>
-          <a:ln w="9525" cap="flat" cmpd="sng">
-            <a:solidFill>
-              <a:srgbClr val="595959"/>
-            </a:solidFill>
-            <a:prstDash val="solid"/>
-            <a:round/>
-            <a:headEnd type="none" w="sm" len="sm"/>
-            <a:tailEnd type="none" w="sm" len="sm"/>
-          </a:ln>
-        </p:spPr>
-        <p:txBody>
-          <a:bodyPr spcFirstLastPara="1" wrap="square" lIns="91425" tIns="91425" rIns="91425" bIns="91425" anchor="ctr" anchorCtr="0">
-            <a:noAutofit/>
-          </a:bodyPr>
-          <a:lstStyle/>
-          <a:p>
-            <a:pPr marL="0" lvl="0" indent="0" algn="ctr" rtl="0">
-              <a:spcBef>
-                <a:spcPts val="0"/>
-              </a:spcBef>
-              <a:spcAft>
-                <a:spcPts val="0"/>
-              </a:spcAft>
-              <a:buNone/>
-            </a:pPr>
-            <a:endParaRPr/>
-          </a:p>
-        </p:txBody>
-      </p:sp>
-      <p:sp>
-        <p:nvSpPr>
-          <p:cNvPr id="266" name="Google Shape;266;p33"/>
-          <p:cNvSpPr/>
-          <p:nvPr/>
-        </p:nvSpPr>
-        <p:spPr>
-          <a:xfrm>
-            <a:off x="4667561" y="4068662"/>
-            <a:ext cx="125400" cy="125400"/>
-          </a:xfrm>
-          <a:prstGeom prst="ellipse">
-            <a:avLst/>
-          </a:prstGeom>
-          <a:solidFill>
-            <a:srgbClr val="3C78D8"/>
-          </a:solidFill>
-          <a:ln w="9525" cap="flat" cmpd="sng">
-            <a:solidFill>
-              <a:srgbClr val="595959"/>
-            </a:solidFill>
-            <a:prstDash val="solid"/>
-            <a:round/>
-            <a:headEnd type="none" w="sm" len="sm"/>
-            <a:tailEnd type="none" w="sm" len="sm"/>
-          </a:ln>
-        </p:spPr>
-        <p:txBody>
-          <a:bodyPr spcFirstLastPara="1" wrap="square" lIns="91425" tIns="91425" rIns="91425" bIns="91425" anchor="ctr" anchorCtr="0">
-            <a:noAutofit/>
-          </a:bodyPr>
-          <a:lstStyle/>
-          <a:p>
-            <a:pPr marL="0" lvl="0" indent="0" algn="ctr" rtl="0">
-              <a:spcBef>
-                <a:spcPts val="0"/>
-              </a:spcBef>
-              <a:spcAft>
-                <a:spcPts val="0"/>
-              </a:spcAft>
-              <a:buNone/>
-            </a:pPr>
-            <a:endParaRPr/>
-          </a:p>
-        </p:txBody>
-      </p:sp>
-      <p:sp>
-        <p:nvSpPr>
-          <p:cNvPr id="267" name="Google Shape;267;p33"/>
-          <p:cNvSpPr/>
-          <p:nvPr/>
-        </p:nvSpPr>
-        <p:spPr>
-          <a:xfrm>
-            <a:off x="651849" y="1563989"/>
-            <a:ext cx="125400" cy="125400"/>
-          </a:xfrm>
-          <a:prstGeom prst="ellipse">
-            <a:avLst/>
-          </a:prstGeom>
-          <a:solidFill>
-            <a:srgbClr val="FFFF00"/>
-          </a:solidFill>
-          <a:ln w="9525" cap="flat" cmpd="sng">
-            <a:solidFill>
-              <a:srgbClr val="595959"/>
-            </a:solidFill>
-            <a:prstDash val="solid"/>
-            <a:round/>
-            <a:headEnd type="none" w="sm" len="sm"/>
-            <a:tailEnd type="none" w="sm" len="sm"/>
-          </a:ln>
-        </p:spPr>
-        <p:txBody>
-          <a:bodyPr spcFirstLastPara="1" wrap="square" lIns="91425" tIns="91425" rIns="91425" bIns="91425" anchor="ctr" anchorCtr="0">
-            <a:noAutofit/>
-          </a:bodyPr>
-          <a:lstStyle/>
-          <a:p>
-            <a:pPr marL="0" lvl="0" indent="0" algn="ctr" rtl="0">
-              <a:spcBef>
-                <a:spcPts val="0"/>
-              </a:spcBef>
-              <a:spcAft>
-                <a:spcPts val="0"/>
-              </a:spcAft>
-              <a:buNone/>
-            </a:pPr>
-            <a:endParaRPr/>
-          </a:p>
-        </p:txBody>
-      </p:sp>
-      <p:sp>
-        <p:nvSpPr>
-          <p:cNvPr id="268" name="Google Shape;268;p33"/>
-          <p:cNvSpPr/>
-          <p:nvPr/>
-        </p:nvSpPr>
-        <p:spPr>
-          <a:xfrm>
-            <a:off x="517870" y="2923947"/>
-            <a:ext cx="125400" cy="125400"/>
-          </a:xfrm>
-          <a:prstGeom prst="ellipse">
-            <a:avLst/>
-          </a:prstGeom>
-          <a:solidFill>
-            <a:srgbClr val="FF0000"/>
-          </a:solidFill>
-          <a:ln w="9525" cap="flat" cmpd="sng">
-            <a:solidFill>
-              <a:srgbClr val="595959"/>
-            </a:solidFill>
-            <a:prstDash val="solid"/>
-            <a:round/>
-            <a:headEnd type="none" w="sm" len="sm"/>
-            <a:tailEnd type="none" w="sm" len="sm"/>
-          </a:ln>
-        </p:spPr>
-        <p:txBody>
-          <a:bodyPr spcFirstLastPara="1" wrap="square" lIns="91425" tIns="91425" rIns="91425" bIns="91425" anchor="ctr" anchorCtr="0">
-            <a:noAutofit/>
-          </a:bodyPr>
-          <a:lstStyle/>
-          <a:p>
-            <a:pPr marL="0" lvl="0" indent="0" algn="ctr" rtl="0">
-              <a:spcBef>
-                <a:spcPts val="0"/>
-              </a:spcBef>
-              <a:spcAft>
-                <a:spcPts val="0"/>
-              </a:spcAft>
-              <a:buNone/>
-            </a:pPr>
-            <a:endParaRPr/>
-          </a:p>
-        </p:txBody>
-      </p:sp>
-      <p:sp>
-        <p:nvSpPr>
-          <p:cNvPr id="269" name="Google Shape;269;p33"/>
-          <p:cNvSpPr/>
-          <p:nvPr/>
-        </p:nvSpPr>
-        <p:spPr>
-          <a:xfrm>
-            <a:off x="4667561" y="3490574"/>
-            <a:ext cx="125400" cy="125400"/>
-          </a:xfrm>
-          <a:prstGeom prst="ellipse">
-            <a:avLst/>
-          </a:prstGeom>
-          <a:solidFill>
-            <a:srgbClr val="FFFF00"/>
-          </a:solidFill>
-          <a:ln w="9525" cap="flat" cmpd="sng">
-            <a:solidFill>
-              <a:srgbClr val="595959"/>
-            </a:solidFill>
-            <a:prstDash val="solid"/>
-            <a:round/>
-            <a:headEnd type="none" w="sm" len="sm"/>
-            <a:tailEnd type="none" w="sm" len="sm"/>
-          </a:ln>
-        </p:spPr>
-        <p:txBody>
-          <a:bodyPr spcFirstLastPara="1" wrap="square" lIns="91425" tIns="91425" rIns="91425" bIns="91425" anchor="ctr" anchorCtr="0">
-            <a:noAutofit/>
-          </a:bodyPr>
-          <a:lstStyle/>
-          <a:p>
-            <a:pPr marL="0" lvl="0" indent="0" algn="ctr" rtl="0">
-              <a:spcBef>
-                <a:spcPts val="0"/>
-              </a:spcBef>
-              <a:spcAft>
-                <a:spcPts val="0"/>
-              </a:spcAft>
-              <a:buNone/>
-            </a:pPr>
-            <a:endParaRPr/>
-          </a:p>
-        </p:txBody>
-      </p:sp>
-      <p:sp>
-        <p:nvSpPr>
-          <p:cNvPr id="270" name="Google Shape;270;p33"/>
-          <p:cNvSpPr/>
-          <p:nvPr/>
-        </p:nvSpPr>
-        <p:spPr>
-          <a:xfrm>
-            <a:off x="4667561" y="4852476"/>
-            <a:ext cx="125400" cy="125400"/>
-          </a:xfrm>
-          <a:prstGeom prst="ellipse">
-            <a:avLst/>
-          </a:prstGeom>
-          <a:solidFill>
-            <a:srgbClr val="3C78D8"/>
-          </a:solidFill>
-          <a:ln w="9525" cap="flat" cmpd="sng">
-            <a:solidFill>
-              <a:srgbClr val="595959"/>
-            </a:solidFill>
-            <a:prstDash val="solid"/>
-            <a:round/>
-            <a:headEnd type="none" w="sm" len="sm"/>
-            <a:tailEnd type="none" w="sm" len="sm"/>
-          </a:ln>
-        </p:spPr>
-        <p:txBody>
-          <a:bodyPr spcFirstLastPara="1" wrap="square" lIns="91425" tIns="91425" rIns="91425" bIns="91425" anchor="ctr" anchorCtr="0">
-            <a:noAutofit/>
-          </a:bodyPr>
-          <a:lstStyle/>
-          <a:p>
-            <a:pPr marL="0" lvl="0" indent="0" algn="ctr" rtl="0">
-              <a:spcBef>
-                <a:spcPts val="0"/>
-              </a:spcBef>
-              <a:spcAft>
-                <a:spcPts val="0"/>
-              </a:spcAft>
-              <a:buNone/>
-            </a:pPr>
-            <a:endParaRPr/>
-          </a:p>
-        </p:txBody>
-      </p:sp>
-      <p:sp>
-        <p:nvSpPr>
-          <p:cNvPr id="271" name="Google Shape;271;p33"/>
-          <p:cNvSpPr/>
-          <p:nvPr/>
-        </p:nvSpPr>
-        <p:spPr>
-          <a:xfrm>
-            <a:off x="657622" y="2930051"/>
-            <a:ext cx="125400" cy="125400"/>
-          </a:xfrm>
-          <a:prstGeom prst="ellipse">
-            <a:avLst/>
-          </a:prstGeom>
-          <a:solidFill>
-            <a:srgbClr val="6AA84F"/>
-          </a:solidFill>
-          <a:ln w="9525" cap="flat" cmpd="sng">
-            <a:solidFill>
-              <a:srgbClr val="595959"/>
-            </a:solidFill>
-            <a:prstDash val="solid"/>
-            <a:round/>
-            <a:headEnd type="none" w="sm" len="sm"/>
-            <a:tailEnd type="none" w="sm" len="sm"/>
-          </a:ln>
-        </p:spPr>
-        <p:txBody>
-          <a:bodyPr spcFirstLastPara="1" wrap="square" lIns="91425" tIns="91425" rIns="91425" bIns="91425" anchor="ctr" anchorCtr="0">
-            <a:noAutofit/>
-          </a:bodyPr>
-          <a:lstStyle/>
-          <a:p>
-            <a:pPr marL="0" lvl="0" indent="0" algn="ctr" rtl="0">
-              <a:spcBef>
-                <a:spcPts val="0"/>
-              </a:spcBef>
-              <a:spcAft>
-                <a:spcPts val="0"/>
-              </a:spcAft>
-              <a:buNone/>
-            </a:pPr>
-            <a:endParaRPr/>
-          </a:p>
-        </p:txBody>
-      </p:sp>
-      <p:sp>
-        <p:nvSpPr>
-          <p:cNvPr id="272" name="Google Shape;272;p33"/>
-          <p:cNvSpPr/>
-          <p:nvPr/>
-        </p:nvSpPr>
-        <p:spPr>
-          <a:xfrm>
-            <a:off x="657622" y="3713539"/>
-            <a:ext cx="125400" cy="125400"/>
-          </a:xfrm>
-          <a:prstGeom prst="ellipse">
-            <a:avLst/>
-          </a:prstGeom>
-          <a:solidFill>
-            <a:srgbClr val="6AA84F"/>
-          </a:solidFill>
-          <a:ln w="9525" cap="flat" cmpd="sng">
-            <a:solidFill>
-              <a:srgbClr val="595959"/>
-            </a:solidFill>
-            <a:prstDash val="solid"/>
-            <a:round/>
-            <a:headEnd type="none" w="sm" len="sm"/>
-            <a:tailEnd type="none" w="sm" len="sm"/>
-          </a:ln>
-        </p:spPr>
-        <p:txBody>
-          <a:bodyPr spcFirstLastPara="1" wrap="square" lIns="91425" tIns="91425" rIns="91425" bIns="91425" anchor="ctr" anchorCtr="0">
-            <a:noAutofit/>
-          </a:bodyPr>
-          <a:lstStyle/>
-          <a:p>
-            <a:pPr marL="0" lvl="0" indent="0" algn="ctr" rtl="0">
-              <a:spcBef>
-                <a:spcPts val="0"/>
-              </a:spcBef>
-              <a:spcAft>
-                <a:spcPts val="0"/>
-              </a:spcAft>
-              <a:buNone/>
-            </a:pPr>
-            <a:endParaRPr/>
-          </a:p>
-        </p:txBody>
-      </p:sp>
-      <p:sp>
-        <p:nvSpPr>
-          <p:cNvPr id="273" name="Google Shape;273;p33"/>
-          <p:cNvSpPr txBox="1"/>
-          <p:nvPr/>
-        </p:nvSpPr>
-        <p:spPr>
-          <a:xfrm>
-            <a:off x="495024" y="4292315"/>
-            <a:ext cx="288900" cy="141600"/>
-          </a:xfrm>
-          <a:prstGeom prst="rect">
-            <a:avLst/>
-          </a:prstGeom>
-          <a:noFill/>
-          <a:ln w="9525" cap="flat" cmpd="sng">
-            <a:solidFill>
-              <a:srgbClr val="FF0000"/>
-            </a:solidFill>
-            <a:prstDash val="solid"/>
-            <a:round/>
-            <a:headEnd type="none" w="sm" len="sm"/>
-            <a:tailEnd type="none" w="sm" len="sm"/>
-          </a:ln>
-        </p:spPr>
-        <p:txBody>
-          <a:bodyPr spcFirstLastPara="1" wrap="square" lIns="9125" tIns="9125" rIns="9125" bIns="9125" anchor="t" anchorCtr="0">
-            <a:spAutoFit/>
-          </a:bodyPr>
-          <a:lstStyle/>
-          <a:p>
-            <a:pPr marL="0" lvl="0" indent="0" algn="l" rtl="0">
-              <a:spcBef>
-                <a:spcPts val="0"/>
-              </a:spcBef>
-              <a:spcAft>
-                <a:spcPts val="0"/>
-              </a:spcAft>
-              <a:buClr>
-                <a:srgbClr val="000000"/>
-              </a:buClr>
-              <a:buSzPts val="1100"/>
-              <a:buFont typeface="Arial"/>
-              <a:buNone/>
-            </a:pPr>
-            <a:r>
-              <a:rPr lang="en" sz="800">
-                <a:solidFill>
-                  <a:srgbClr val="1F2937"/>
-                </a:solidFill>
-                <a:highlight>
-                  <a:srgbClr val="FFFFFF"/>
-                </a:highlight>
-                <a:latin typeface="Calibri"/>
-                <a:ea typeface="Calibri"/>
-                <a:cs typeface="Calibri"/>
-                <a:sym typeface="Calibri"/>
-              </a:rPr>
-              <a:t>China</a:t>
-            </a:r>
-            <a:endParaRPr sz="800">
-              <a:solidFill>
-                <a:srgbClr val="1F2937"/>
-              </a:solidFill>
-              <a:highlight>
-                <a:srgbClr val="FFFFFF"/>
-              </a:highlight>
-              <a:latin typeface="Calibri"/>
-              <a:ea typeface="Calibri"/>
-              <a:cs typeface="Calibri"/>
-              <a:sym typeface="Calibri"/>
-            </a:endParaRPr>
-          </a:p>
-        </p:txBody>
-      </p:sp>
-      <p:sp>
-        <p:nvSpPr>
-          <p:cNvPr id="274" name="Google Shape;274;p33"/>
-          <p:cNvSpPr txBox="1"/>
-          <p:nvPr/>
-        </p:nvSpPr>
-        <p:spPr>
-          <a:xfrm>
-            <a:off x="438738" y="4480138"/>
-            <a:ext cx="341400" cy="141600"/>
-          </a:xfrm>
-          <a:prstGeom prst="rect">
-            <a:avLst/>
-          </a:prstGeom>
-          <a:solidFill>
-            <a:srgbClr val="D9EAD3"/>
-          </a:solidFill>
-          <a:ln w="9525" cap="flat" cmpd="sng">
-            <a:solidFill>
-              <a:srgbClr val="6AA84F"/>
-            </a:solidFill>
-            <a:prstDash val="solid"/>
-            <a:round/>
-            <a:headEnd type="none" w="sm" len="sm"/>
-            <a:tailEnd type="none" w="sm" len="sm"/>
-          </a:ln>
-        </p:spPr>
-        <p:txBody>
-          <a:bodyPr spcFirstLastPara="1" wrap="square" lIns="9125" tIns="9125" rIns="9125" bIns="9125" anchor="t" anchorCtr="0">
-            <a:spAutoFit/>
-          </a:bodyPr>
-          <a:lstStyle/>
-          <a:p>
-            <a:pPr marL="0" lvl="0" indent="0" algn="l" rtl="0">
-              <a:spcBef>
-                <a:spcPts val="0"/>
-              </a:spcBef>
-              <a:spcAft>
-                <a:spcPts val="0"/>
-              </a:spcAft>
-              <a:buClr>
-                <a:srgbClr val="000000"/>
-              </a:buClr>
-              <a:buSzPts val="1100"/>
-              <a:buFont typeface="Arial"/>
-              <a:buNone/>
-            </a:pPr>
-            <a:r>
-              <a:rPr lang="en" sz="800">
-                <a:solidFill>
-                  <a:srgbClr val="1F2937"/>
-                </a:solidFill>
-                <a:latin typeface="Calibri"/>
-                <a:ea typeface="Calibri"/>
-                <a:cs typeface="Calibri"/>
-                <a:sym typeface="Calibri"/>
-              </a:rPr>
-              <a:t>Cohere</a:t>
-            </a:r>
-            <a:endParaRPr sz="800">
-              <a:solidFill>
-                <a:srgbClr val="1F2937"/>
-              </a:solidFill>
-              <a:latin typeface="Calibri"/>
-              <a:ea typeface="Calibri"/>
-              <a:cs typeface="Calibri"/>
-              <a:sym typeface="Calibri"/>
-            </a:endParaRPr>
-          </a:p>
-        </p:txBody>
-      </p:sp>
-      <p:sp>
-        <p:nvSpPr>
-          <p:cNvPr id="275" name="Google Shape;275;p33"/>
-          <p:cNvSpPr txBox="1"/>
-          <p:nvPr/>
-        </p:nvSpPr>
-        <p:spPr>
-          <a:xfrm>
-            <a:off x="4454720" y="4657595"/>
-            <a:ext cx="341400" cy="141600"/>
-          </a:xfrm>
-          <a:prstGeom prst="rect">
-            <a:avLst/>
-          </a:prstGeom>
-          <a:solidFill>
-            <a:srgbClr val="D9EAD3"/>
-          </a:solidFill>
-          <a:ln w="9525" cap="flat" cmpd="sng">
-            <a:solidFill>
-              <a:srgbClr val="6AA84F"/>
-            </a:solidFill>
-            <a:prstDash val="solid"/>
-            <a:round/>
-            <a:headEnd type="none" w="sm" len="sm"/>
-            <a:tailEnd type="none" w="sm" len="sm"/>
-          </a:ln>
-        </p:spPr>
-        <p:txBody>
-          <a:bodyPr spcFirstLastPara="1" wrap="square" lIns="9125" tIns="9125" rIns="9125" bIns="9125" anchor="t" anchorCtr="0">
-            <a:spAutoFit/>
-          </a:bodyPr>
-          <a:lstStyle/>
-          <a:p>
-            <a:pPr marL="0" lvl="0" indent="0" algn="l" rtl="0">
-              <a:spcBef>
-                <a:spcPts val="0"/>
-              </a:spcBef>
-              <a:spcAft>
-                <a:spcPts val="0"/>
-              </a:spcAft>
-              <a:buClr>
-                <a:srgbClr val="000000"/>
-              </a:buClr>
-              <a:buSzPts val="1100"/>
-              <a:buFont typeface="Arial"/>
-              <a:buNone/>
-            </a:pPr>
-            <a:r>
-              <a:rPr lang="en" sz="800">
-                <a:solidFill>
-                  <a:srgbClr val="1F2937"/>
-                </a:solidFill>
-                <a:latin typeface="Calibri"/>
-                <a:ea typeface="Calibri"/>
-                <a:cs typeface="Calibri"/>
-                <a:sym typeface="Calibri"/>
-              </a:rPr>
-              <a:t>Cohere</a:t>
-            </a:r>
-            <a:endParaRPr sz="800">
-              <a:solidFill>
-                <a:srgbClr val="1F2937"/>
-              </a:solidFill>
-              <a:latin typeface="Calibri"/>
-              <a:ea typeface="Calibri"/>
-              <a:cs typeface="Calibri"/>
-              <a:sym typeface="Calibri"/>
-            </a:endParaRPr>
-          </a:p>
-        </p:txBody>
-      </p:sp>
-      <p:sp>
-        <p:nvSpPr>
-          <p:cNvPr id="276" name="Google Shape;276;p33"/>
-          <p:cNvSpPr/>
-          <p:nvPr/>
-        </p:nvSpPr>
-        <p:spPr>
-          <a:xfrm>
-            <a:off x="657622" y="3519578"/>
-            <a:ext cx="125400" cy="125400"/>
-          </a:xfrm>
-          <a:prstGeom prst="ellipse">
-            <a:avLst/>
-          </a:prstGeom>
-          <a:solidFill>
-            <a:srgbClr val="6AA84F"/>
-          </a:solidFill>
-          <a:ln w="9525" cap="flat" cmpd="sng">
-            <a:solidFill>
-              <a:srgbClr val="595959"/>
-            </a:solidFill>
-            <a:prstDash val="solid"/>
-            <a:round/>
-            <a:headEnd type="none" w="sm" len="sm"/>
-            <a:tailEnd type="none" w="sm" len="sm"/>
-          </a:ln>
-        </p:spPr>
-        <p:txBody>
-          <a:bodyPr spcFirstLastPara="1" wrap="square" lIns="91425" tIns="91425" rIns="91425" bIns="91425" anchor="ctr" anchorCtr="0">
-            <a:noAutofit/>
-          </a:bodyPr>
-          <a:lstStyle/>
-          <a:p>
-            <a:pPr marL="0" lvl="0" indent="0" algn="ctr" rtl="0">
-              <a:spcBef>
-                <a:spcPts val="0"/>
-              </a:spcBef>
-              <a:spcAft>
-                <a:spcPts val="0"/>
-              </a:spcAft>
-              <a:buNone/>
-            </a:pPr>
-            <a:endParaRPr/>
-          </a:p>
-        </p:txBody>
-      </p:sp>
-      <p:sp>
-        <p:nvSpPr>
-          <p:cNvPr id="277" name="Google Shape;277;p33"/>
-          <p:cNvSpPr/>
-          <p:nvPr/>
-        </p:nvSpPr>
-        <p:spPr>
-          <a:xfrm>
-            <a:off x="4667561" y="4268784"/>
-            <a:ext cx="125400" cy="125400"/>
-          </a:xfrm>
-          <a:prstGeom prst="ellipse">
-            <a:avLst/>
-          </a:prstGeom>
-          <a:solidFill>
-            <a:srgbClr val="3C78D8"/>
-          </a:solidFill>
-          <a:ln w="9525" cap="flat" cmpd="sng">
-            <a:solidFill>
-              <a:srgbClr val="595959"/>
-            </a:solidFill>
-            <a:prstDash val="solid"/>
-            <a:round/>
-            <a:headEnd type="none" w="sm" len="sm"/>
-            <a:tailEnd type="none" w="sm" len="sm"/>
-          </a:ln>
-        </p:spPr>
-        <p:txBody>
-          <a:bodyPr spcFirstLastPara="1" wrap="square" lIns="91425" tIns="91425" rIns="91425" bIns="91425" anchor="ctr" anchorCtr="0">
-            <a:noAutofit/>
-          </a:bodyPr>
-          <a:lstStyle/>
-          <a:p>
-            <a:pPr marL="0" lvl="0" indent="0" algn="ctr" rtl="0">
-              <a:spcBef>
-                <a:spcPts val="0"/>
-              </a:spcBef>
-              <a:spcAft>
-                <a:spcPts val="0"/>
-              </a:spcAft>
-              <a:buNone/>
-            </a:pPr>
-            <a:endParaRPr/>
-          </a:p>
-        </p:txBody>
-      </p:sp>
-      <p:pic>
-        <p:nvPicPr>
-          <p:cNvPr id="278" name="Google Shape;278;p33"/>
-          <p:cNvPicPr preferRelativeResize="0"/>
-          <p:nvPr/>
-        </p:nvPicPr>
-        <p:blipFill>
-          <a:blip r:embed="rId6" cstate="email">
-            <a:alphaModFix/>
-            <a:extLst>
-              <a:ext uri="{28A0092B-C50C-407E-A947-70E740481C1C}">
-                <a14:useLocalDpi xmlns:a14="http://schemas.microsoft.com/office/drawing/2010/main"/>
-              </a:ext>
-            </a:extLst>
-          </a:blip>
-          <a:stretch>
-            <a:fillRect/>
-          </a:stretch>
-        </p:blipFill>
-        <p:spPr>
-          <a:xfrm>
-            <a:off x="801310" y="864825"/>
-            <a:ext cx="3126627" cy="4205876"/>
-          </a:xfrm>
-          <a:prstGeom prst="rect">
-            <a:avLst/>
-          </a:prstGeom>
-          <a:noFill/>
-          <a:ln w="9525" cap="flat" cmpd="sng">
-            <a:solidFill>
-              <a:srgbClr val="FF0000"/>
-            </a:solidFill>
-            <a:prstDash val="solid"/>
-            <a:round/>
-            <a:headEnd type="none" w="sm" len="sm"/>
-            <a:tailEnd type="none" w="sm" len="sm"/>
-          </a:ln>
-        </p:spPr>
-      </p:pic>
-      <p:pic>
-        <p:nvPicPr>
-          <p:cNvPr id="279" name="Google Shape;279;p33"/>
-          <p:cNvPicPr preferRelativeResize="0"/>
-          <p:nvPr/>
-        </p:nvPicPr>
-        <p:blipFill>
-          <a:blip r:embed="rId7" cstate="email">
-            <a:alphaModFix/>
-            <a:extLst>
-              <a:ext uri="{28A0092B-C50C-407E-A947-70E740481C1C}">
-                <a14:useLocalDpi xmlns:a14="http://schemas.microsoft.com/office/drawing/2010/main"/>
-              </a:ext>
-            </a:extLst>
-          </a:blip>
-          <a:stretch>
-            <a:fillRect/>
-          </a:stretch>
-        </p:blipFill>
-        <p:spPr>
-          <a:xfrm>
-            <a:off x="4810636" y="834772"/>
-            <a:ext cx="3126624" cy="4205879"/>
-          </a:xfrm>
-          <a:prstGeom prst="rect">
-            <a:avLst/>
-          </a:prstGeom>
-          <a:noFill/>
-          <a:ln w="9525" cap="flat" cmpd="sng">
-            <a:solidFill>
-              <a:srgbClr val="FF0000"/>
-            </a:solidFill>
-            <a:prstDash val="solid"/>
-            <a:round/>
-            <a:headEnd type="none" w="sm" len="sm"/>
-            <a:tailEnd type="none" w="sm" len="sm"/>
-          </a:ln>
-        </p:spPr>
-      </p:pic>
-      <p:sp>
-        <p:nvSpPr>
-          <p:cNvPr id="280" name="Google Shape;280;p33"/>
-          <p:cNvSpPr/>
-          <p:nvPr/>
-        </p:nvSpPr>
-        <p:spPr>
-          <a:xfrm>
-            <a:off x="651849" y="1183624"/>
-            <a:ext cx="125400" cy="125400"/>
-          </a:xfrm>
-          <a:prstGeom prst="ellipse">
-            <a:avLst/>
-          </a:prstGeom>
-          <a:solidFill>
-            <a:srgbClr val="FF0000"/>
-          </a:solidFill>
-          <a:ln w="9525" cap="flat" cmpd="sng">
-            <a:solidFill>
-              <a:srgbClr val="595959"/>
-            </a:solidFill>
-            <a:prstDash val="solid"/>
-            <a:round/>
-            <a:headEnd type="none" w="sm" len="sm"/>
-            <a:tailEnd type="none" w="sm" len="sm"/>
-          </a:ln>
-        </p:spPr>
-        <p:txBody>
-          <a:bodyPr spcFirstLastPara="1" wrap="square" lIns="91425" tIns="91425" rIns="91425" bIns="91425" anchor="ctr" anchorCtr="0">
-            <a:noAutofit/>
-          </a:bodyPr>
-          <a:lstStyle/>
-          <a:p>
-            <a:pPr marL="0" lvl="0" indent="0" algn="ctr" rtl="0">
-              <a:spcBef>
-                <a:spcPts val="0"/>
-              </a:spcBef>
-              <a:spcAft>
-                <a:spcPts val="0"/>
-              </a:spcAft>
-              <a:buNone/>
-            </a:pPr>
-            <a:endParaRPr/>
-          </a:p>
-        </p:txBody>
-      </p:sp>
-      <p:sp>
-        <p:nvSpPr>
-          <p:cNvPr id="281" name="Google Shape;281;p33"/>
-          <p:cNvSpPr/>
-          <p:nvPr/>
-        </p:nvSpPr>
-        <p:spPr>
-          <a:xfrm>
-            <a:off x="651861" y="4883426"/>
-            <a:ext cx="125400" cy="125400"/>
-          </a:xfrm>
-          <a:prstGeom prst="ellipse">
-            <a:avLst/>
-          </a:prstGeom>
-          <a:solidFill>
-            <a:srgbClr val="3C78D8"/>
-          </a:solidFill>
-          <a:ln w="9525" cap="flat" cmpd="sng">
-            <a:solidFill>
-              <a:srgbClr val="595959"/>
-            </a:solidFill>
-            <a:prstDash val="solid"/>
-            <a:round/>
-            <a:headEnd type="none" w="sm" len="sm"/>
-            <a:tailEnd type="none" w="sm" len="sm"/>
-          </a:ln>
-        </p:spPr>
-        <p:txBody>
-          <a:bodyPr spcFirstLastPara="1" wrap="square" lIns="91425" tIns="91425" rIns="91425" bIns="91425" anchor="ctr" anchorCtr="0">
-            <a:noAutofit/>
-          </a:bodyPr>
-          <a:lstStyle/>
-          <a:p>
-            <a:pPr marL="0" lvl="0" indent="0" algn="ctr" rtl="0">
-              <a:spcBef>
-                <a:spcPts val="0"/>
-              </a:spcBef>
-              <a:spcAft>
-                <a:spcPts val="0"/>
-              </a:spcAft>
-              <a:buNone/>
-            </a:pPr>
-            <a:endParaRPr/>
-          </a:p>
-        </p:txBody>
-      </p:sp>
-      <p:sp>
-        <p:nvSpPr>
-          <p:cNvPr id="282" name="Google Shape;282;p33"/>
-          <p:cNvSpPr/>
-          <p:nvPr/>
-        </p:nvSpPr>
-        <p:spPr>
-          <a:xfrm>
-            <a:off x="4667561" y="1155130"/>
-            <a:ext cx="125400" cy="125400"/>
-          </a:xfrm>
-          <a:prstGeom prst="ellipse">
-            <a:avLst/>
-          </a:prstGeom>
-          <a:solidFill>
-            <a:srgbClr val="FF0000"/>
-          </a:solidFill>
-          <a:ln w="9525" cap="flat" cmpd="sng">
-            <a:solidFill>
-              <a:srgbClr val="595959"/>
-            </a:solidFill>
-            <a:prstDash val="solid"/>
-            <a:round/>
-            <a:headEnd type="none" w="sm" len="sm"/>
-            <a:tailEnd type="none" w="sm" len="sm"/>
-          </a:ln>
-        </p:spPr>
-        <p:txBody>
-          <a:bodyPr spcFirstLastPara="1" wrap="square" lIns="91425" tIns="91425" rIns="91425" bIns="91425" anchor="ctr" anchorCtr="0">
-            <a:noAutofit/>
-          </a:bodyPr>
-          <a:lstStyle/>
-          <a:p>
-            <a:pPr marL="0" lvl="0" indent="0" algn="ctr" rtl="0">
-              <a:spcBef>
-                <a:spcPts val="0"/>
-              </a:spcBef>
-              <a:spcAft>
-                <a:spcPts val="0"/>
-              </a:spcAft>
-              <a:buNone/>
-            </a:pPr>
-            <a:endParaRPr/>
-          </a:p>
-        </p:txBody>
-      </p:sp>
-      <p:sp>
-        <p:nvSpPr>
-          <p:cNvPr id="283" name="Google Shape;283;p33"/>
-          <p:cNvSpPr/>
-          <p:nvPr/>
-        </p:nvSpPr>
-        <p:spPr>
-          <a:xfrm>
-            <a:off x="4667561" y="4478930"/>
-            <a:ext cx="125400" cy="125400"/>
-          </a:xfrm>
-          <a:prstGeom prst="ellipse">
-            <a:avLst/>
-          </a:prstGeom>
-          <a:solidFill>
-            <a:srgbClr val="6AA84F"/>
-          </a:solidFill>
-          <a:ln w="9525" cap="flat" cmpd="sng">
-            <a:solidFill>
-              <a:srgbClr val="595959"/>
-            </a:solidFill>
-            <a:prstDash val="solid"/>
-            <a:round/>
-            <a:headEnd type="none" w="sm" len="sm"/>
-            <a:tailEnd type="none" w="sm" len="sm"/>
-          </a:ln>
-        </p:spPr>
-        <p:txBody>
-          <a:bodyPr spcFirstLastPara="1" wrap="square" lIns="91425" tIns="91425" rIns="91425" bIns="91425" anchor="ctr" anchorCtr="0">
-            <a:noAutofit/>
-          </a:bodyPr>
-          <a:lstStyle/>
-          <a:p>
-            <a:pPr marL="0" lvl="0" indent="0" algn="ctr" rtl="0">
-              <a:spcBef>
-                <a:spcPts val="0"/>
-              </a:spcBef>
-              <a:spcAft>
-                <a:spcPts val="0"/>
-              </a:spcAft>
-              <a:buNone/>
-            </a:pPr>
-            <a:endParaRPr/>
           </a:p>
         </p:txBody>
       </p:sp>
@@ -25248,7 +22931,7 @@
         <p:spPr>
           <a:xfrm>
             <a:off x="55075" y="437600"/>
-            <a:ext cx="5430300" cy="1265100"/>
+            <a:ext cx="5430300" cy="1449900"/>
           </a:xfrm>
           <a:prstGeom prst="rect">
             <a:avLst/>
@@ -25370,7 +23053,44 @@
                 <a:cs typeface="Calibri"/>
                 <a:sym typeface="Calibri"/>
               </a:rPr>
-              <a:t>2 Mln tokens context length</a:t>
+              <a:t>2 Mln tokens context length, training data January 2025, reasoning built-in - fast</a:t>
+            </a:r>
+            <a:endParaRPr sz="1200">
+              <a:solidFill>
+                <a:srgbClr val="131313"/>
+              </a:solidFill>
+              <a:latin typeface="Calibri"/>
+              <a:ea typeface="Calibri"/>
+              <a:cs typeface="Calibri"/>
+              <a:sym typeface="Calibri"/>
+            </a:endParaRPr>
+          </a:p>
+          <a:p>
+            <a:pPr marL="171450" lvl="0" indent="-133350" algn="l" rtl="0">
+              <a:spcBef>
+                <a:spcPts val="0"/>
+              </a:spcBef>
+              <a:spcAft>
+                <a:spcPts val="0"/>
+              </a:spcAft>
+              <a:buClr>
+                <a:srgbClr val="131313"/>
+              </a:buClr>
+              <a:buSzPts val="1200"/>
+              <a:buFont typeface="Calibri"/>
+              <a:buChar char="●"/>
+            </a:pPr>
+            <a:r>
+              <a:rPr lang="en" sz="1200">
+                <a:solidFill>
+                  <a:srgbClr val="131313"/>
+                </a:solidFill>
+                <a:latin typeface="Calibri"/>
+                <a:ea typeface="Calibri"/>
+                <a:cs typeface="Calibri"/>
+                <a:sym typeface="Calibri"/>
+              </a:rPr>
+              <a:t>natively multimodal - it can process text, images, audio, video, code</a:t>
             </a:r>
             <a:endParaRPr sz="1200">
               <a:solidFill>
@@ -25663,7 +23383,3284 @@
   <p:cSld>
     <p:spTree>
       <p:nvGrpSpPr>
-        <p:cNvPr id="1" name="Shape 287"/>
+        <p:cNvPr id="1" name="Shape 240"/>
+        <p:cNvGrpSpPr/>
+        <p:nvPr/>
+      </p:nvGrpSpPr>
+      <p:grpSpPr>
+        <a:xfrm>
+          <a:off x="0" y="0"/>
+          <a:ext cx="0" cy="0"/>
+          <a:chOff x="0" y="0"/>
+          <a:chExt cx="0" cy="0"/>
+        </a:xfrm>
+      </p:grpSpPr>
+      <p:sp>
+        <p:nvSpPr>
+          <p:cNvPr id="241" name="Google Shape;241;p34"/>
+          <p:cNvSpPr txBox="1"/>
+          <p:nvPr/>
+        </p:nvSpPr>
+        <p:spPr>
+          <a:xfrm>
+            <a:off x="6736325" y="52350"/>
+            <a:ext cx="2356200" cy="526500"/>
+          </a:xfrm>
+          <a:prstGeom prst="rect">
+            <a:avLst/>
+          </a:prstGeom>
+          <a:solidFill>
+            <a:srgbClr val="FFF2CC"/>
+          </a:solidFill>
+          <a:ln w="9525" cap="flat" cmpd="sng">
+            <a:solidFill>
+              <a:srgbClr val="FF0000"/>
+            </a:solidFill>
+            <a:prstDash val="solid"/>
+            <a:round/>
+            <a:headEnd type="none" w="sm" len="sm"/>
+            <a:tailEnd type="none" w="sm" len="sm"/>
+          </a:ln>
+        </p:spPr>
+        <p:txBody>
+          <a:bodyPr spcFirstLastPara="1" wrap="square" lIns="9125" tIns="9125" rIns="9125" bIns="9125" anchor="t" anchorCtr="0">
+            <a:spAutoFit/>
+          </a:bodyPr>
+          <a:lstStyle/>
+          <a:p>
+            <a:pPr marL="0" marR="0" lvl="0" indent="0" algn="l" rtl="0">
+              <a:lnSpc>
+                <a:spcPct val="100000"/>
+              </a:lnSpc>
+              <a:spcBef>
+                <a:spcPts val="0"/>
+              </a:spcBef>
+              <a:spcAft>
+                <a:spcPts val="0"/>
+              </a:spcAft>
+              <a:buClr>
+                <a:schemeClr val="dk1"/>
+              </a:buClr>
+              <a:buSzPts val="1100"/>
+              <a:buFont typeface="Arial"/>
+              <a:buNone/>
+            </a:pPr>
+            <a:r>
+              <a:rPr lang="en" sz="1200" b="0" i="0" u="none" strike="noStrike" cap="none">
+                <a:solidFill>
+                  <a:schemeClr val="dk1"/>
+                </a:solidFill>
+                <a:latin typeface="Calibri"/>
+                <a:ea typeface="Calibri"/>
+                <a:cs typeface="Calibri"/>
+                <a:sym typeface="Calibri"/>
+              </a:rPr>
+              <a:t>Starting Elo rating = 1000</a:t>
+            </a:r>
+            <a:endParaRPr sz="1200" b="0" i="0" u="none" strike="noStrike" cap="none">
+              <a:solidFill>
+                <a:schemeClr val="dk1"/>
+              </a:solidFill>
+              <a:latin typeface="Calibri"/>
+              <a:ea typeface="Calibri"/>
+              <a:cs typeface="Calibri"/>
+              <a:sym typeface="Calibri"/>
+            </a:endParaRPr>
+          </a:p>
+          <a:p>
+            <a:pPr marL="0" marR="0" lvl="0" indent="0" algn="l" rtl="0">
+              <a:lnSpc>
+                <a:spcPct val="100000"/>
+              </a:lnSpc>
+              <a:spcBef>
+                <a:spcPts val="0"/>
+              </a:spcBef>
+              <a:spcAft>
+                <a:spcPts val="0"/>
+              </a:spcAft>
+              <a:buClr>
+                <a:schemeClr val="dk1"/>
+              </a:buClr>
+              <a:buSzPts val="1100"/>
+              <a:buFont typeface="Arial"/>
+              <a:buNone/>
+            </a:pPr>
+            <a:r>
+              <a:rPr lang="en" sz="1200" b="0" i="0" u="none" strike="noStrike" cap="none">
+                <a:solidFill>
+                  <a:schemeClr val="dk1"/>
+                </a:solidFill>
+                <a:latin typeface="Calibri"/>
+                <a:ea typeface="Calibri"/>
+                <a:cs typeface="Calibri"/>
+                <a:sym typeface="Calibri"/>
+              </a:rPr>
+              <a:t>95% CI = Confidence Interval</a:t>
+            </a:r>
+            <a:endParaRPr sz="1200" b="0" i="0" u="none" strike="noStrike" cap="none">
+              <a:solidFill>
+                <a:schemeClr val="dk1"/>
+              </a:solidFill>
+              <a:latin typeface="Calibri"/>
+              <a:ea typeface="Calibri"/>
+              <a:cs typeface="Calibri"/>
+              <a:sym typeface="Calibri"/>
+            </a:endParaRPr>
+          </a:p>
+          <a:p>
+            <a:pPr marL="0" marR="0" lvl="0" indent="0" algn="l" rtl="0">
+              <a:lnSpc>
+                <a:spcPct val="100000"/>
+              </a:lnSpc>
+              <a:spcBef>
+                <a:spcPts val="0"/>
+              </a:spcBef>
+              <a:spcAft>
+                <a:spcPts val="0"/>
+              </a:spcAft>
+              <a:buClr>
+                <a:schemeClr val="dk1"/>
+              </a:buClr>
+              <a:buSzPts val="1100"/>
+              <a:buFont typeface="Arial"/>
+              <a:buNone/>
+            </a:pPr>
+            <a:r>
+              <a:rPr lang="en" sz="900" u="sng">
+                <a:solidFill>
+                  <a:schemeClr val="hlink"/>
+                </a:solidFill>
+                <a:latin typeface="Calibri"/>
+                <a:ea typeface="Calibri"/>
+                <a:cs typeface="Calibri"/>
+                <a:sym typeface="Calibri"/>
+                <a:hlinkClick r:id="rId3"/>
+              </a:rPr>
+              <a:t>https://en.wikipedia.org/wiki/Elo_rating_system</a:t>
+            </a:r>
+            <a:r>
+              <a:rPr lang="en" sz="900">
+                <a:solidFill>
+                  <a:schemeClr val="dk1"/>
+                </a:solidFill>
+                <a:latin typeface="Calibri"/>
+                <a:ea typeface="Calibri"/>
+                <a:cs typeface="Calibri"/>
+                <a:sym typeface="Calibri"/>
+              </a:rPr>
+              <a:t> </a:t>
+            </a:r>
+            <a:endParaRPr sz="900">
+              <a:solidFill>
+                <a:schemeClr val="dk1"/>
+              </a:solidFill>
+              <a:latin typeface="Calibri"/>
+              <a:ea typeface="Calibri"/>
+              <a:cs typeface="Calibri"/>
+              <a:sym typeface="Calibri"/>
+            </a:endParaRPr>
+          </a:p>
+        </p:txBody>
+      </p:sp>
+      <p:sp>
+        <p:nvSpPr>
+          <p:cNvPr id="242" name="Google Shape;242;p34"/>
+          <p:cNvSpPr txBox="1"/>
+          <p:nvPr/>
+        </p:nvSpPr>
+        <p:spPr>
+          <a:xfrm>
+            <a:off x="-38050" y="-108050"/>
+            <a:ext cx="4557000" cy="492600"/>
+          </a:xfrm>
+          <a:prstGeom prst="rect">
+            <a:avLst/>
+          </a:prstGeom>
+          <a:noFill/>
+          <a:ln>
+            <a:noFill/>
+          </a:ln>
+        </p:spPr>
+        <p:txBody>
+          <a:bodyPr spcFirstLastPara="1" wrap="square" lIns="91425" tIns="91425" rIns="91425" bIns="91425" anchor="t" anchorCtr="0">
+            <a:spAutoFit/>
+          </a:bodyPr>
+          <a:lstStyle/>
+          <a:p>
+            <a:pPr marL="0" marR="0" lvl="0" indent="0" algn="l" rtl="0">
+              <a:lnSpc>
+                <a:spcPct val="100000"/>
+              </a:lnSpc>
+              <a:spcBef>
+                <a:spcPts val="0"/>
+              </a:spcBef>
+              <a:spcAft>
+                <a:spcPts val="0"/>
+              </a:spcAft>
+              <a:buClr>
+                <a:srgbClr val="000000"/>
+              </a:buClr>
+              <a:buSzPts val="2000"/>
+              <a:buFont typeface="Arial"/>
+              <a:buNone/>
+            </a:pPr>
+            <a:r>
+              <a:rPr lang="en" sz="2000" b="1" i="0" u="none" strike="noStrike" cap="none">
+                <a:solidFill>
+                  <a:schemeClr val="dk1"/>
+                </a:solidFill>
+                <a:latin typeface="Calibri"/>
+                <a:ea typeface="Calibri"/>
+                <a:cs typeface="Calibri"/>
+                <a:sym typeface="Calibri"/>
+              </a:rPr>
+              <a:t>Crowd-sourced "LM Arena" Leaderboard</a:t>
+            </a:r>
+            <a:endParaRPr sz="2000" b="1" i="0" u="none" strike="noStrike" cap="none">
+              <a:solidFill>
+                <a:srgbClr val="000000"/>
+              </a:solidFill>
+              <a:latin typeface="Calibri"/>
+              <a:ea typeface="Calibri"/>
+              <a:cs typeface="Calibri"/>
+              <a:sym typeface="Calibri"/>
+            </a:endParaRPr>
+          </a:p>
+        </p:txBody>
+      </p:sp>
+      <p:sp>
+        <p:nvSpPr>
+          <p:cNvPr id="243" name="Google Shape;243;p34"/>
+          <p:cNvSpPr txBox="1"/>
+          <p:nvPr/>
+        </p:nvSpPr>
+        <p:spPr>
+          <a:xfrm>
+            <a:off x="1536800" y="282725"/>
+            <a:ext cx="2178300" cy="492600"/>
+          </a:xfrm>
+          <a:prstGeom prst="rect">
+            <a:avLst/>
+          </a:prstGeom>
+          <a:noFill/>
+          <a:ln>
+            <a:noFill/>
+          </a:ln>
+        </p:spPr>
+        <p:txBody>
+          <a:bodyPr spcFirstLastPara="1" wrap="square" lIns="91425" tIns="91425" rIns="91425" bIns="91425" anchor="t" anchorCtr="0">
+            <a:spAutoFit/>
+          </a:bodyPr>
+          <a:lstStyle/>
+          <a:p>
+            <a:pPr marL="57150" marR="0" lvl="0" indent="-63500" algn="l" rtl="0">
+              <a:lnSpc>
+                <a:spcPct val="100000"/>
+              </a:lnSpc>
+              <a:spcBef>
+                <a:spcPts val="0"/>
+              </a:spcBef>
+              <a:spcAft>
+                <a:spcPts val="0"/>
+              </a:spcAft>
+              <a:buSzPts val="1000"/>
+              <a:buFont typeface="Calibri"/>
+              <a:buChar char="●"/>
+            </a:pPr>
+            <a:r>
+              <a:rPr lang="en" sz="1000" u="sng">
+                <a:solidFill>
+                  <a:schemeClr val="hlink"/>
+                </a:solidFill>
+                <a:latin typeface="Calibri"/>
+                <a:ea typeface="Calibri"/>
+                <a:cs typeface="Calibri"/>
+                <a:sym typeface="Calibri"/>
+                <a:hlinkClick r:id="rId4"/>
+              </a:rPr>
+              <a:t>https://chat.lmsys.org/?leaderboard</a:t>
+            </a:r>
+            <a:endParaRPr sz="1000">
+              <a:solidFill>
+                <a:schemeClr val="dk1"/>
+              </a:solidFill>
+              <a:latin typeface="Calibri"/>
+              <a:ea typeface="Calibri"/>
+              <a:cs typeface="Calibri"/>
+              <a:sym typeface="Calibri"/>
+            </a:endParaRPr>
+          </a:p>
+          <a:p>
+            <a:pPr marL="57150" marR="0" lvl="0" indent="-63500" algn="l" rtl="0">
+              <a:lnSpc>
+                <a:spcPct val="100000"/>
+              </a:lnSpc>
+              <a:spcBef>
+                <a:spcPts val="0"/>
+              </a:spcBef>
+              <a:spcAft>
+                <a:spcPts val="0"/>
+              </a:spcAft>
+              <a:buSzPts val="1000"/>
+              <a:buFont typeface="Calibri"/>
+              <a:buChar char="●"/>
+            </a:pPr>
+            <a:r>
+              <a:rPr lang="en" sz="1000" u="sng">
+                <a:solidFill>
+                  <a:schemeClr val="hlink"/>
+                </a:solidFill>
+                <a:latin typeface="Calibri"/>
+                <a:ea typeface="Calibri"/>
+                <a:cs typeface="Calibri"/>
+                <a:sym typeface="Calibri"/>
+                <a:hlinkClick r:id="rId5"/>
+              </a:rPr>
+              <a:t>https://lmarena.ai/?leaderboard</a:t>
+            </a:r>
+            <a:r>
+              <a:rPr lang="en" sz="1000">
+                <a:solidFill>
+                  <a:schemeClr val="dk1"/>
+                </a:solidFill>
+                <a:latin typeface="Calibri"/>
+                <a:ea typeface="Calibri"/>
+                <a:cs typeface="Calibri"/>
+                <a:sym typeface="Calibri"/>
+              </a:rPr>
+              <a:t>  </a:t>
+            </a:r>
+            <a:r>
+              <a:rPr lang="en" sz="1000" b="0" i="0" u="none" strike="noStrike" cap="none">
+                <a:solidFill>
+                  <a:schemeClr val="dk1"/>
+                </a:solidFill>
+                <a:latin typeface="Calibri"/>
+                <a:ea typeface="Calibri"/>
+                <a:cs typeface="Calibri"/>
+                <a:sym typeface="Calibri"/>
+              </a:rPr>
+              <a:t> </a:t>
+            </a:r>
+            <a:endParaRPr sz="1000" b="0" i="0" u="none" strike="noStrike" cap="none">
+              <a:solidFill>
+                <a:schemeClr val="dk1"/>
+              </a:solidFill>
+              <a:latin typeface="Calibri"/>
+              <a:ea typeface="Calibri"/>
+              <a:cs typeface="Calibri"/>
+              <a:sym typeface="Calibri"/>
+            </a:endParaRPr>
+          </a:p>
+        </p:txBody>
+      </p:sp>
+      <p:sp>
+        <p:nvSpPr>
+          <p:cNvPr id="244" name="Google Shape;244;p34"/>
+          <p:cNvSpPr txBox="1"/>
+          <p:nvPr/>
+        </p:nvSpPr>
+        <p:spPr>
+          <a:xfrm>
+            <a:off x="58461" y="614219"/>
+            <a:ext cx="1399800" cy="203100"/>
+          </a:xfrm>
+          <a:prstGeom prst="rect">
+            <a:avLst/>
+          </a:prstGeom>
+          <a:solidFill>
+            <a:srgbClr val="FFF2CC"/>
+          </a:solidFill>
+          <a:ln w="9525" cap="flat" cmpd="sng">
+            <a:solidFill>
+              <a:srgbClr val="FF0000"/>
+            </a:solidFill>
+            <a:prstDash val="solid"/>
+            <a:round/>
+            <a:headEnd type="none" w="sm" len="sm"/>
+            <a:tailEnd type="none" w="sm" len="sm"/>
+          </a:ln>
+        </p:spPr>
+        <p:txBody>
+          <a:bodyPr spcFirstLastPara="1" wrap="square" lIns="9125" tIns="9125" rIns="9125" bIns="9125" anchor="t" anchorCtr="0">
+            <a:spAutoFit/>
+          </a:bodyPr>
+          <a:lstStyle/>
+          <a:p>
+            <a:pPr marL="0" marR="0" lvl="0" indent="0" algn="l" rtl="0">
+              <a:lnSpc>
+                <a:spcPct val="100000"/>
+              </a:lnSpc>
+              <a:spcBef>
+                <a:spcPts val="0"/>
+              </a:spcBef>
+              <a:spcAft>
+                <a:spcPts val="0"/>
+              </a:spcAft>
+              <a:buClr>
+                <a:schemeClr val="dk1"/>
+              </a:buClr>
+              <a:buSzPts val="1100"/>
+              <a:buFont typeface="Arial"/>
+              <a:buNone/>
+            </a:pPr>
+            <a:r>
+              <a:rPr lang="en" sz="1200" b="1">
+                <a:solidFill>
+                  <a:srgbClr val="FF0000"/>
+                </a:solidFill>
+                <a:latin typeface="Calibri"/>
+                <a:ea typeface="Calibri"/>
+                <a:cs typeface="Calibri"/>
+                <a:sym typeface="Calibri"/>
+              </a:rPr>
+              <a:t>English-only queries</a:t>
+            </a:r>
+            <a:endParaRPr sz="1200">
+              <a:solidFill>
+                <a:schemeClr val="dk1"/>
+              </a:solidFill>
+              <a:latin typeface="Calibri"/>
+              <a:ea typeface="Calibri"/>
+              <a:cs typeface="Calibri"/>
+              <a:sym typeface="Calibri"/>
+            </a:endParaRPr>
+          </a:p>
+        </p:txBody>
+      </p:sp>
+      <p:sp>
+        <p:nvSpPr>
+          <p:cNvPr id="245" name="Google Shape;245;p34"/>
+          <p:cNvSpPr txBox="1"/>
+          <p:nvPr/>
+        </p:nvSpPr>
+        <p:spPr>
+          <a:xfrm>
+            <a:off x="5061974" y="58421"/>
+            <a:ext cx="1605600" cy="526500"/>
+          </a:xfrm>
+          <a:prstGeom prst="rect">
+            <a:avLst/>
+          </a:prstGeom>
+          <a:noFill/>
+          <a:ln w="9525" cap="flat" cmpd="sng">
+            <a:solidFill>
+              <a:srgbClr val="FF0000"/>
+            </a:solidFill>
+            <a:prstDash val="solid"/>
+            <a:round/>
+            <a:headEnd type="none" w="sm" len="sm"/>
+            <a:tailEnd type="none" w="sm" len="sm"/>
+          </a:ln>
+        </p:spPr>
+        <p:txBody>
+          <a:bodyPr spcFirstLastPara="1" wrap="square" lIns="9125" tIns="9125" rIns="9125" bIns="9125" anchor="t" anchorCtr="0">
+            <a:spAutoFit/>
+          </a:bodyPr>
+          <a:lstStyle/>
+          <a:p>
+            <a:pPr marL="0" lvl="0" indent="0" algn="l" rtl="0">
+              <a:spcBef>
+                <a:spcPts val="0"/>
+              </a:spcBef>
+              <a:spcAft>
+                <a:spcPts val="0"/>
+              </a:spcAft>
+              <a:buClr>
+                <a:schemeClr val="dk1"/>
+              </a:buClr>
+              <a:buSzPts val="1100"/>
+              <a:buFont typeface="Arial"/>
+              <a:buNone/>
+            </a:pPr>
+            <a:r>
+              <a:rPr lang="en" sz="1100">
+                <a:solidFill>
+                  <a:srgbClr val="1F2937"/>
+                </a:solidFill>
+                <a:highlight>
+                  <a:schemeClr val="lt1"/>
+                </a:highlight>
+                <a:latin typeface="Calibri"/>
+                <a:ea typeface="Calibri"/>
+                <a:cs typeface="Calibri"/>
+                <a:sym typeface="Calibri"/>
+              </a:rPr>
+              <a:t>Total #models: 219</a:t>
+            </a:r>
+            <a:endParaRPr sz="1100">
+              <a:solidFill>
+                <a:srgbClr val="1F2937"/>
+              </a:solidFill>
+              <a:highlight>
+                <a:schemeClr val="lt1"/>
+              </a:highlight>
+              <a:latin typeface="Calibri"/>
+              <a:ea typeface="Calibri"/>
+              <a:cs typeface="Calibri"/>
+              <a:sym typeface="Calibri"/>
+            </a:endParaRPr>
+          </a:p>
+          <a:p>
+            <a:pPr marL="0" lvl="0" indent="0" algn="l" rtl="0">
+              <a:spcBef>
+                <a:spcPts val="0"/>
+              </a:spcBef>
+              <a:spcAft>
+                <a:spcPts val="0"/>
+              </a:spcAft>
+              <a:buClr>
+                <a:schemeClr val="dk1"/>
+              </a:buClr>
+              <a:buSzPts val="1100"/>
+              <a:buFont typeface="Arial"/>
+              <a:buNone/>
+            </a:pPr>
+            <a:r>
+              <a:rPr lang="en" sz="1100">
+                <a:solidFill>
+                  <a:srgbClr val="1F2937"/>
+                </a:solidFill>
+                <a:highlight>
+                  <a:schemeClr val="lt1"/>
+                </a:highlight>
+                <a:latin typeface="Calibri"/>
+                <a:ea typeface="Calibri"/>
+                <a:cs typeface="Calibri"/>
+                <a:sym typeface="Calibri"/>
+              </a:rPr>
+              <a:t>Total #votes: 2,811,226</a:t>
+            </a:r>
+            <a:endParaRPr sz="1100">
+              <a:solidFill>
+                <a:srgbClr val="1F2937"/>
+              </a:solidFill>
+              <a:highlight>
+                <a:schemeClr val="lt1"/>
+              </a:highlight>
+              <a:latin typeface="Calibri"/>
+              <a:ea typeface="Calibri"/>
+              <a:cs typeface="Calibri"/>
+              <a:sym typeface="Calibri"/>
+            </a:endParaRPr>
+          </a:p>
+          <a:p>
+            <a:pPr marL="0" lvl="0" indent="0" algn="l" rtl="0">
+              <a:spcBef>
+                <a:spcPts val="0"/>
+              </a:spcBef>
+              <a:spcAft>
+                <a:spcPts val="0"/>
+              </a:spcAft>
+              <a:buClr>
+                <a:schemeClr val="dk1"/>
+              </a:buClr>
+              <a:buSzPts val="1100"/>
+              <a:buFont typeface="Arial"/>
+              <a:buNone/>
+            </a:pPr>
+            <a:r>
+              <a:rPr lang="en" sz="1100">
+                <a:solidFill>
+                  <a:srgbClr val="1F2937"/>
+                </a:solidFill>
+                <a:highlight>
+                  <a:schemeClr val="lt1"/>
+                </a:highlight>
+                <a:latin typeface="Calibri"/>
+                <a:ea typeface="Calibri"/>
+                <a:cs typeface="Calibri"/>
+                <a:sym typeface="Calibri"/>
+              </a:rPr>
+              <a:t>Last updated: 2025-03-24</a:t>
+            </a:r>
+            <a:endParaRPr sz="1100">
+              <a:solidFill>
+                <a:srgbClr val="1F2937"/>
+              </a:solidFill>
+              <a:highlight>
+                <a:schemeClr val="lt1"/>
+              </a:highlight>
+              <a:latin typeface="Calibri"/>
+              <a:ea typeface="Calibri"/>
+              <a:cs typeface="Calibri"/>
+              <a:sym typeface="Calibri"/>
+            </a:endParaRPr>
+          </a:p>
+        </p:txBody>
+      </p:sp>
+      <p:sp>
+        <p:nvSpPr>
+          <p:cNvPr id="246" name="Google Shape;246;p34"/>
+          <p:cNvSpPr txBox="1"/>
+          <p:nvPr/>
+        </p:nvSpPr>
+        <p:spPr>
+          <a:xfrm>
+            <a:off x="4024064" y="615259"/>
+            <a:ext cx="552300" cy="203100"/>
+          </a:xfrm>
+          <a:prstGeom prst="rect">
+            <a:avLst/>
+          </a:prstGeom>
+          <a:solidFill>
+            <a:srgbClr val="FFF2CC"/>
+          </a:solidFill>
+          <a:ln w="9525" cap="flat" cmpd="sng">
+            <a:solidFill>
+              <a:srgbClr val="FF0000"/>
+            </a:solidFill>
+            <a:prstDash val="solid"/>
+            <a:round/>
+            <a:headEnd type="none" w="sm" len="sm"/>
+            <a:tailEnd type="none" w="sm" len="sm"/>
+          </a:ln>
+        </p:spPr>
+        <p:txBody>
+          <a:bodyPr spcFirstLastPara="1" wrap="square" lIns="9125" tIns="9125" rIns="9125" bIns="9125" anchor="t" anchorCtr="0">
+            <a:spAutoFit/>
+          </a:bodyPr>
+          <a:lstStyle/>
+          <a:p>
+            <a:pPr marL="0" marR="0" lvl="0" indent="0" algn="ctr" rtl="0">
+              <a:lnSpc>
+                <a:spcPct val="100000"/>
+              </a:lnSpc>
+              <a:spcBef>
+                <a:spcPts val="0"/>
+              </a:spcBef>
+              <a:spcAft>
+                <a:spcPts val="0"/>
+              </a:spcAft>
+              <a:buClr>
+                <a:schemeClr val="dk1"/>
+              </a:buClr>
+              <a:buSzPts val="1100"/>
+              <a:buFont typeface="Arial"/>
+              <a:buNone/>
+            </a:pPr>
+            <a:r>
+              <a:rPr lang="en" sz="1200" b="1">
+                <a:solidFill>
+                  <a:srgbClr val="FF0000"/>
+                </a:solidFill>
+                <a:latin typeface="Calibri"/>
+                <a:ea typeface="Calibri"/>
+                <a:cs typeface="Calibri"/>
+                <a:sym typeface="Calibri"/>
+              </a:rPr>
+              <a:t>Coding</a:t>
+            </a:r>
+            <a:endParaRPr sz="1200">
+              <a:solidFill>
+                <a:schemeClr val="dk1"/>
+              </a:solidFill>
+              <a:latin typeface="Calibri"/>
+              <a:ea typeface="Calibri"/>
+              <a:cs typeface="Calibri"/>
+              <a:sym typeface="Calibri"/>
+            </a:endParaRPr>
+          </a:p>
+        </p:txBody>
+      </p:sp>
+      <p:sp>
+        <p:nvSpPr>
+          <p:cNvPr id="247" name="Google Shape;247;p34"/>
+          <p:cNvSpPr txBox="1"/>
+          <p:nvPr/>
+        </p:nvSpPr>
+        <p:spPr>
+          <a:xfrm>
+            <a:off x="366753" y="2332141"/>
+            <a:ext cx="287100" cy="141600"/>
+          </a:xfrm>
+          <a:prstGeom prst="rect">
+            <a:avLst/>
+          </a:prstGeom>
+          <a:noFill/>
+          <a:ln w="9525" cap="flat" cmpd="sng">
+            <a:solidFill>
+              <a:srgbClr val="FF0000"/>
+            </a:solidFill>
+            <a:prstDash val="solid"/>
+            <a:round/>
+            <a:headEnd type="none" w="sm" len="sm"/>
+            <a:tailEnd type="none" w="sm" len="sm"/>
+          </a:ln>
+        </p:spPr>
+        <p:txBody>
+          <a:bodyPr spcFirstLastPara="1" wrap="square" lIns="9125" tIns="9125" rIns="9125" bIns="9125" anchor="t" anchorCtr="0">
+            <a:spAutoFit/>
+          </a:bodyPr>
+          <a:lstStyle/>
+          <a:p>
+            <a:pPr marL="0" lvl="0" indent="0" algn="l" rtl="0">
+              <a:spcBef>
+                <a:spcPts val="0"/>
+              </a:spcBef>
+              <a:spcAft>
+                <a:spcPts val="0"/>
+              </a:spcAft>
+              <a:buClr>
+                <a:srgbClr val="000000"/>
+              </a:buClr>
+              <a:buSzPts val="1100"/>
+              <a:buFont typeface="Arial"/>
+              <a:buNone/>
+            </a:pPr>
+            <a:r>
+              <a:rPr lang="en" sz="800">
+                <a:solidFill>
+                  <a:srgbClr val="1F2937"/>
+                </a:solidFill>
+                <a:highlight>
+                  <a:srgbClr val="FFFFFF"/>
+                </a:highlight>
+                <a:latin typeface="Calibri"/>
+                <a:ea typeface="Calibri"/>
+                <a:cs typeface="Calibri"/>
+                <a:sym typeface="Calibri"/>
+              </a:rPr>
+              <a:t>China</a:t>
+            </a:r>
+            <a:endParaRPr sz="800">
+              <a:solidFill>
+                <a:srgbClr val="1F2937"/>
+              </a:solidFill>
+              <a:highlight>
+                <a:srgbClr val="FFFFFF"/>
+              </a:highlight>
+              <a:latin typeface="Calibri"/>
+              <a:ea typeface="Calibri"/>
+              <a:cs typeface="Calibri"/>
+              <a:sym typeface="Calibri"/>
+            </a:endParaRPr>
+          </a:p>
+        </p:txBody>
+      </p:sp>
+      <p:sp>
+        <p:nvSpPr>
+          <p:cNvPr id="248" name="Google Shape;248;p34"/>
+          <p:cNvSpPr/>
+          <p:nvPr/>
+        </p:nvSpPr>
+        <p:spPr>
+          <a:xfrm>
+            <a:off x="657622" y="1942029"/>
+            <a:ext cx="125400" cy="125400"/>
+          </a:xfrm>
+          <a:prstGeom prst="ellipse">
+            <a:avLst/>
+          </a:prstGeom>
+          <a:solidFill>
+            <a:srgbClr val="FF0000"/>
+          </a:solidFill>
+          <a:ln w="9525" cap="flat" cmpd="sng">
+            <a:solidFill>
+              <a:srgbClr val="595959"/>
+            </a:solidFill>
+            <a:prstDash val="solid"/>
+            <a:round/>
+            <a:headEnd type="none" w="sm" len="sm"/>
+            <a:tailEnd type="none" w="sm" len="sm"/>
+          </a:ln>
+        </p:spPr>
+        <p:txBody>
+          <a:bodyPr spcFirstLastPara="1" wrap="square" lIns="91425" tIns="91425" rIns="91425" bIns="91425" anchor="ctr" anchorCtr="0">
+            <a:noAutofit/>
+          </a:bodyPr>
+          <a:lstStyle/>
+          <a:p>
+            <a:pPr marL="0" lvl="0" indent="0" algn="ctr" rtl="0">
+              <a:spcBef>
+                <a:spcPts val="0"/>
+              </a:spcBef>
+              <a:spcAft>
+                <a:spcPts val="0"/>
+              </a:spcAft>
+              <a:buNone/>
+            </a:pPr>
+            <a:endParaRPr/>
+          </a:p>
+        </p:txBody>
+      </p:sp>
+      <p:sp>
+        <p:nvSpPr>
+          <p:cNvPr id="249" name="Google Shape;249;p34"/>
+          <p:cNvSpPr/>
+          <p:nvPr/>
+        </p:nvSpPr>
+        <p:spPr>
+          <a:xfrm>
+            <a:off x="657622" y="1760296"/>
+            <a:ext cx="125400" cy="125400"/>
+          </a:xfrm>
+          <a:prstGeom prst="ellipse">
+            <a:avLst/>
+          </a:prstGeom>
+          <a:solidFill>
+            <a:srgbClr val="FF0000"/>
+          </a:solidFill>
+          <a:ln w="9525" cap="flat" cmpd="sng">
+            <a:solidFill>
+              <a:srgbClr val="595959"/>
+            </a:solidFill>
+            <a:prstDash val="solid"/>
+            <a:round/>
+            <a:headEnd type="none" w="sm" len="sm"/>
+            <a:tailEnd type="none" w="sm" len="sm"/>
+          </a:ln>
+        </p:spPr>
+        <p:txBody>
+          <a:bodyPr spcFirstLastPara="1" wrap="square" lIns="91425" tIns="91425" rIns="91425" bIns="91425" anchor="ctr" anchorCtr="0">
+            <a:noAutofit/>
+          </a:bodyPr>
+          <a:lstStyle/>
+          <a:p>
+            <a:pPr marL="0" lvl="0" indent="0" algn="ctr" rtl="0">
+              <a:spcBef>
+                <a:spcPts val="0"/>
+              </a:spcBef>
+              <a:spcAft>
+                <a:spcPts val="0"/>
+              </a:spcAft>
+              <a:buNone/>
+            </a:pPr>
+            <a:endParaRPr/>
+          </a:p>
+        </p:txBody>
+      </p:sp>
+      <p:sp>
+        <p:nvSpPr>
+          <p:cNvPr id="250" name="Google Shape;250;p34"/>
+          <p:cNvSpPr txBox="1"/>
+          <p:nvPr/>
+        </p:nvSpPr>
+        <p:spPr>
+          <a:xfrm>
+            <a:off x="4374752" y="4469437"/>
+            <a:ext cx="288900" cy="141600"/>
+          </a:xfrm>
+          <a:prstGeom prst="rect">
+            <a:avLst/>
+          </a:prstGeom>
+          <a:noFill/>
+          <a:ln w="9525" cap="flat" cmpd="sng">
+            <a:solidFill>
+              <a:srgbClr val="FF0000"/>
+            </a:solidFill>
+            <a:prstDash val="solid"/>
+            <a:round/>
+            <a:headEnd type="none" w="sm" len="sm"/>
+            <a:tailEnd type="none" w="sm" len="sm"/>
+          </a:ln>
+        </p:spPr>
+        <p:txBody>
+          <a:bodyPr spcFirstLastPara="1" wrap="square" lIns="9125" tIns="9125" rIns="9125" bIns="9125" anchor="t" anchorCtr="0">
+            <a:spAutoFit/>
+          </a:bodyPr>
+          <a:lstStyle/>
+          <a:p>
+            <a:pPr marL="0" lvl="0" indent="0" algn="l" rtl="0">
+              <a:spcBef>
+                <a:spcPts val="0"/>
+              </a:spcBef>
+              <a:spcAft>
+                <a:spcPts val="0"/>
+              </a:spcAft>
+              <a:buClr>
+                <a:srgbClr val="000000"/>
+              </a:buClr>
+              <a:buSzPts val="1100"/>
+              <a:buFont typeface="Arial"/>
+              <a:buNone/>
+            </a:pPr>
+            <a:r>
+              <a:rPr lang="en" sz="800">
+                <a:solidFill>
+                  <a:srgbClr val="1F2937"/>
+                </a:solidFill>
+                <a:highlight>
+                  <a:srgbClr val="FFFFFF"/>
+                </a:highlight>
+                <a:latin typeface="Calibri"/>
+                <a:ea typeface="Calibri"/>
+                <a:cs typeface="Calibri"/>
+                <a:sym typeface="Calibri"/>
+              </a:rPr>
+              <a:t>China</a:t>
+            </a:r>
+            <a:endParaRPr sz="800">
+              <a:solidFill>
+                <a:srgbClr val="1F2937"/>
+              </a:solidFill>
+              <a:highlight>
+                <a:srgbClr val="FFFFFF"/>
+              </a:highlight>
+              <a:latin typeface="Calibri"/>
+              <a:ea typeface="Calibri"/>
+              <a:cs typeface="Calibri"/>
+              <a:sym typeface="Calibri"/>
+            </a:endParaRPr>
+          </a:p>
+        </p:txBody>
+      </p:sp>
+      <p:sp>
+        <p:nvSpPr>
+          <p:cNvPr id="251" name="Google Shape;251;p34"/>
+          <p:cNvSpPr/>
+          <p:nvPr/>
+        </p:nvSpPr>
+        <p:spPr>
+          <a:xfrm>
+            <a:off x="4667561" y="2519072"/>
+            <a:ext cx="125400" cy="125400"/>
+          </a:xfrm>
+          <a:prstGeom prst="ellipse">
+            <a:avLst/>
+          </a:prstGeom>
+          <a:solidFill>
+            <a:srgbClr val="FF0000"/>
+          </a:solidFill>
+          <a:ln w="9525" cap="flat" cmpd="sng">
+            <a:solidFill>
+              <a:srgbClr val="595959"/>
+            </a:solidFill>
+            <a:prstDash val="solid"/>
+            <a:round/>
+            <a:headEnd type="none" w="sm" len="sm"/>
+            <a:tailEnd type="none" w="sm" len="sm"/>
+          </a:ln>
+        </p:spPr>
+        <p:txBody>
+          <a:bodyPr spcFirstLastPara="1" wrap="square" lIns="91425" tIns="91425" rIns="91425" bIns="91425" anchor="ctr" anchorCtr="0">
+            <a:noAutofit/>
+          </a:bodyPr>
+          <a:lstStyle/>
+          <a:p>
+            <a:pPr marL="0" lvl="0" indent="0" algn="ctr" rtl="0">
+              <a:spcBef>
+                <a:spcPts val="0"/>
+              </a:spcBef>
+              <a:spcAft>
+                <a:spcPts val="0"/>
+              </a:spcAft>
+              <a:buNone/>
+            </a:pPr>
+            <a:endParaRPr/>
+          </a:p>
+        </p:txBody>
+      </p:sp>
+      <p:sp>
+        <p:nvSpPr>
+          <p:cNvPr id="252" name="Google Shape;252;p34"/>
+          <p:cNvSpPr/>
+          <p:nvPr/>
+        </p:nvSpPr>
+        <p:spPr>
+          <a:xfrm>
+            <a:off x="4667561" y="3293274"/>
+            <a:ext cx="125400" cy="125400"/>
+          </a:xfrm>
+          <a:prstGeom prst="ellipse">
+            <a:avLst/>
+          </a:prstGeom>
+          <a:solidFill>
+            <a:srgbClr val="FF0000"/>
+          </a:solidFill>
+          <a:ln w="9525" cap="flat" cmpd="sng">
+            <a:solidFill>
+              <a:srgbClr val="595959"/>
+            </a:solidFill>
+            <a:prstDash val="solid"/>
+            <a:round/>
+            <a:headEnd type="none" w="sm" len="sm"/>
+            <a:tailEnd type="none" w="sm" len="sm"/>
+          </a:ln>
+        </p:spPr>
+        <p:txBody>
+          <a:bodyPr spcFirstLastPara="1" wrap="square" lIns="91425" tIns="91425" rIns="91425" bIns="91425" anchor="ctr" anchorCtr="0">
+            <a:noAutofit/>
+          </a:bodyPr>
+          <a:lstStyle/>
+          <a:p>
+            <a:pPr marL="0" lvl="0" indent="0" algn="ctr" rtl="0">
+              <a:spcBef>
+                <a:spcPts val="0"/>
+              </a:spcBef>
+              <a:spcAft>
+                <a:spcPts val="0"/>
+              </a:spcAft>
+              <a:buNone/>
+            </a:pPr>
+            <a:endParaRPr/>
+          </a:p>
+        </p:txBody>
+      </p:sp>
+      <p:sp>
+        <p:nvSpPr>
+          <p:cNvPr id="253" name="Google Shape;253;p34"/>
+          <p:cNvSpPr/>
+          <p:nvPr/>
+        </p:nvSpPr>
+        <p:spPr>
+          <a:xfrm>
+            <a:off x="4667561" y="1735866"/>
+            <a:ext cx="125400" cy="125400"/>
+          </a:xfrm>
+          <a:prstGeom prst="ellipse">
+            <a:avLst/>
+          </a:prstGeom>
+          <a:solidFill>
+            <a:srgbClr val="FF0000"/>
+          </a:solidFill>
+          <a:ln w="9525" cap="flat" cmpd="sng">
+            <a:solidFill>
+              <a:srgbClr val="595959"/>
+            </a:solidFill>
+            <a:prstDash val="solid"/>
+            <a:round/>
+            <a:headEnd type="none" w="sm" len="sm"/>
+            <a:tailEnd type="none" w="sm" len="sm"/>
+          </a:ln>
+        </p:spPr>
+        <p:txBody>
+          <a:bodyPr spcFirstLastPara="1" wrap="square" lIns="91425" tIns="91425" rIns="91425" bIns="91425" anchor="ctr" anchorCtr="0">
+            <a:noAutofit/>
+          </a:bodyPr>
+          <a:lstStyle/>
+          <a:p>
+            <a:pPr marL="0" lvl="0" indent="0" algn="ctr" rtl="0">
+              <a:spcBef>
+                <a:spcPts val="0"/>
+              </a:spcBef>
+              <a:spcAft>
+                <a:spcPts val="0"/>
+              </a:spcAft>
+              <a:buNone/>
+            </a:pPr>
+            <a:endParaRPr/>
+          </a:p>
+        </p:txBody>
+      </p:sp>
+      <p:sp>
+        <p:nvSpPr>
+          <p:cNvPr id="254" name="Google Shape;254;p34"/>
+          <p:cNvSpPr txBox="1"/>
+          <p:nvPr/>
+        </p:nvSpPr>
+        <p:spPr>
+          <a:xfrm>
+            <a:off x="356993" y="4081382"/>
+            <a:ext cx="287100" cy="141600"/>
+          </a:xfrm>
+          <a:prstGeom prst="rect">
+            <a:avLst/>
+          </a:prstGeom>
+          <a:noFill/>
+          <a:ln w="9525" cap="flat" cmpd="sng">
+            <a:solidFill>
+              <a:srgbClr val="FF0000"/>
+            </a:solidFill>
+            <a:prstDash val="solid"/>
+            <a:round/>
+            <a:headEnd type="none" w="sm" len="sm"/>
+            <a:tailEnd type="none" w="sm" len="sm"/>
+          </a:ln>
+        </p:spPr>
+        <p:txBody>
+          <a:bodyPr spcFirstLastPara="1" wrap="square" lIns="9125" tIns="9125" rIns="9125" bIns="9125" anchor="t" anchorCtr="0">
+            <a:spAutoFit/>
+          </a:bodyPr>
+          <a:lstStyle/>
+          <a:p>
+            <a:pPr marL="0" lvl="0" indent="0" algn="l" rtl="0">
+              <a:spcBef>
+                <a:spcPts val="0"/>
+              </a:spcBef>
+              <a:spcAft>
+                <a:spcPts val="0"/>
+              </a:spcAft>
+              <a:buClr>
+                <a:srgbClr val="000000"/>
+              </a:buClr>
+              <a:buSzPts val="1100"/>
+              <a:buFont typeface="Arial"/>
+              <a:buNone/>
+            </a:pPr>
+            <a:r>
+              <a:rPr lang="en" sz="800">
+                <a:solidFill>
+                  <a:srgbClr val="1F2937"/>
+                </a:solidFill>
+                <a:highlight>
+                  <a:srgbClr val="FFFFFF"/>
+                </a:highlight>
+                <a:latin typeface="Calibri"/>
+                <a:ea typeface="Calibri"/>
+                <a:cs typeface="Calibri"/>
+                <a:sym typeface="Calibri"/>
+              </a:rPr>
+              <a:t>China</a:t>
+            </a:r>
+            <a:endParaRPr sz="800">
+              <a:solidFill>
+                <a:srgbClr val="1F2937"/>
+              </a:solidFill>
+              <a:highlight>
+                <a:srgbClr val="FFFFFF"/>
+              </a:highlight>
+              <a:latin typeface="Calibri"/>
+              <a:ea typeface="Calibri"/>
+              <a:cs typeface="Calibri"/>
+              <a:sym typeface="Calibri"/>
+            </a:endParaRPr>
+          </a:p>
+        </p:txBody>
+      </p:sp>
+      <p:sp>
+        <p:nvSpPr>
+          <p:cNvPr id="255" name="Google Shape;255;p34"/>
+          <p:cNvSpPr/>
+          <p:nvPr/>
+        </p:nvSpPr>
+        <p:spPr>
+          <a:xfrm>
+            <a:off x="651849" y="2141089"/>
+            <a:ext cx="125400" cy="125400"/>
+          </a:xfrm>
+          <a:prstGeom prst="ellipse">
+            <a:avLst/>
+          </a:prstGeom>
+          <a:solidFill>
+            <a:srgbClr val="FFFF00"/>
+          </a:solidFill>
+          <a:ln w="9525" cap="flat" cmpd="sng">
+            <a:solidFill>
+              <a:srgbClr val="595959"/>
+            </a:solidFill>
+            <a:prstDash val="solid"/>
+            <a:round/>
+            <a:headEnd type="none" w="sm" len="sm"/>
+            <a:tailEnd type="none" w="sm" len="sm"/>
+          </a:ln>
+        </p:spPr>
+        <p:txBody>
+          <a:bodyPr spcFirstLastPara="1" wrap="square" lIns="91425" tIns="91425" rIns="91425" bIns="91425" anchor="ctr" anchorCtr="0">
+            <a:noAutofit/>
+          </a:bodyPr>
+          <a:lstStyle/>
+          <a:p>
+            <a:pPr marL="0" lvl="0" indent="0" algn="ctr" rtl="0">
+              <a:spcBef>
+                <a:spcPts val="0"/>
+              </a:spcBef>
+              <a:spcAft>
+                <a:spcPts val="0"/>
+              </a:spcAft>
+              <a:buNone/>
+            </a:pPr>
+            <a:endParaRPr/>
+          </a:p>
+        </p:txBody>
+      </p:sp>
+      <p:sp>
+        <p:nvSpPr>
+          <p:cNvPr id="256" name="Google Shape;256;p34"/>
+          <p:cNvSpPr/>
+          <p:nvPr/>
+        </p:nvSpPr>
+        <p:spPr>
+          <a:xfrm>
+            <a:off x="657622" y="2731577"/>
+            <a:ext cx="125400" cy="125400"/>
+          </a:xfrm>
+          <a:prstGeom prst="ellipse">
+            <a:avLst/>
+          </a:prstGeom>
+          <a:solidFill>
+            <a:srgbClr val="FFFF00"/>
+          </a:solidFill>
+          <a:ln w="9525" cap="flat" cmpd="sng">
+            <a:solidFill>
+              <a:srgbClr val="595959"/>
+            </a:solidFill>
+            <a:prstDash val="solid"/>
+            <a:round/>
+            <a:headEnd type="none" w="sm" len="sm"/>
+            <a:tailEnd type="none" w="sm" len="sm"/>
+          </a:ln>
+        </p:spPr>
+        <p:txBody>
+          <a:bodyPr spcFirstLastPara="1" wrap="square" lIns="91425" tIns="91425" rIns="91425" bIns="91425" anchor="ctr" anchorCtr="0">
+            <a:noAutofit/>
+          </a:bodyPr>
+          <a:lstStyle/>
+          <a:p>
+            <a:pPr marL="0" lvl="0" indent="0" algn="ctr" rtl="0">
+              <a:spcBef>
+                <a:spcPts val="0"/>
+              </a:spcBef>
+              <a:spcAft>
+                <a:spcPts val="0"/>
+              </a:spcAft>
+              <a:buNone/>
+            </a:pPr>
+            <a:endParaRPr/>
+          </a:p>
+        </p:txBody>
+      </p:sp>
+      <p:sp>
+        <p:nvSpPr>
+          <p:cNvPr id="257" name="Google Shape;257;p34"/>
+          <p:cNvSpPr/>
+          <p:nvPr/>
+        </p:nvSpPr>
+        <p:spPr>
+          <a:xfrm>
+            <a:off x="4667561" y="3107594"/>
+            <a:ext cx="125400" cy="125400"/>
+          </a:xfrm>
+          <a:prstGeom prst="ellipse">
+            <a:avLst/>
+          </a:prstGeom>
+          <a:solidFill>
+            <a:srgbClr val="FFFF00"/>
+          </a:solidFill>
+          <a:ln w="9525" cap="flat" cmpd="sng">
+            <a:solidFill>
+              <a:srgbClr val="595959"/>
+            </a:solidFill>
+            <a:prstDash val="solid"/>
+            <a:round/>
+            <a:headEnd type="none" w="sm" len="sm"/>
+            <a:tailEnd type="none" w="sm" len="sm"/>
+          </a:ln>
+        </p:spPr>
+        <p:txBody>
+          <a:bodyPr spcFirstLastPara="1" wrap="square" lIns="91425" tIns="91425" rIns="91425" bIns="91425" anchor="ctr" anchorCtr="0">
+            <a:noAutofit/>
+          </a:bodyPr>
+          <a:lstStyle/>
+          <a:p>
+            <a:pPr marL="0" lvl="0" indent="0" algn="ctr" rtl="0">
+              <a:spcBef>
+                <a:spcPts val="0"/>
+              </a:spcBef>
+              <a:spcAft>
+                <a:spcPts val="0"/>
+              </a:spcAft>
+              <a:buNone/>
+            </a:pPr>
+            <a:endParaRPr/>
+          </a:p>
+        </p:txBody>
+      </p:sp>
+      <p:sp>
+        <p:nvSpPr>
+          <p:cNvPr id="258" name="Google Shape;258;p34"/>
+          <p:cNvSpPr/>
+          <p:nvPr/>
+        </p:nvSpPr>
+        <p:spPr>
+          <a:xfrm>
+            <a:off x="4667561" y="1541772"/>
+            <a:ext cx="125400" cy="125400"/>
+          </a:xfrm>
+          <a:prstGeom prst="ellipse">
+            <a:avLst/>
+          </a:prstGeom>
+          <a:solidFill>
+            <a:srgbClr val="FFFF00"/>
+          </a:solidFill>
+          <a:ln w="9525" cap="flat" cmpd="sng">
+            <a:solidFill>
+              <a:srgbClr val="595959"/>
+            </a:solidFill>
+            <a:prstDash val="solid"/>
+            <a:round/>
+            <a:headEnd type="none" w="sm" len="sm"/>
+            <a:tailEnd type="none" w="sm" len="sm"/>
+          </a:ln>
+        </p:spPr>
+        <p:txBody>
+          <a:bodyPr spcFirstLastPara="1" wrap="square" lIns="91425" tIns="91425" rIns="91425" bIns="91425" anchor="ctr" anchorCtr="0">
+            <a:noAutofit/>
+          </a:bodyPr>
+          <a:lstStyle/>
+          <a:p>
+            <a:pPr marL="0" lvl="0" indent="0" algn="ctr" rtl="0">
+              <a:spcBef>
+                <a:spcPts val="0"/>
+              </a:spcBef>
+              <a:spcAft>
+                <a:spcPts val="0"/>
+              </a:spcAft>
+              <a:buNone/>
+            </a:pPr>
+            <a:endParaRPr/>
+          </a:p>
+        </p:txBody>
+      </p:sp>
+      <p:sp>
+        <p:nvSpPr>
+          <p:cNvPr id="259" name="Google Shape;259;p34"/>
+          <p:cNvSpPr/>
+          <p:nvPr/>
+        </p:nvSpPr>
+        <p:spPr>
+          <a:xfrm>
+            <a:off x="4667561" y="2321930"/>
+            <a:ext cx="125400" cy="125400"/>
+          </a:xfrm>
+          <a:prstGeom prst="ellipse">
+            <a:avLst/>
+          </a:prstGeom>
+          <a:solidFill>
+            <a:srgbClr val="FFFF00"/>
+          </a:solidFill>
+          <a:ln w="9525" cap="flat" cmpd="sng">
+            <a:solidFill>
+              <a:srgbClr val="595959"/>
+            </a:solidFill>
+            <a:prstDash val="solid"/>
+            <a:round/>
+            <a:headEnd type="none" w="sm" len="sm"/>
+            <a:tailEnd type="none" w="sm" len="sm"/>
+          </a:ln>
+        </p:spPr>
+        <p:txBody>
+          <a:bodyPr spcFirstLastPara="1" wrap="square" lIns="91425" tIns="91425" rIns="91425" bIns="91425" anchor="ctr" anchorCtr="0">
+            <a:noAutofit/>
+          </a:bodyPr>
+          <a:lstStyle/>
+          <a:p>
+            <a:pPr marL="0" lvl="0" indent="0" algn="ctr" rtl="0">
+              <a:spcBef>
+                <a:spcPts val="0"/>
+              </a:spcBef>
+              <a:spcAft>
+                <a:spcPts val="0"/>
+              </a:spcAft>
+              <a:buNone/>
+            </a:pPr>
+            <a:endParaRPr/>
+          </a:p>
+        </p:txBody>
+      </p:sp>
+      <p:sp>
+        <p:nvSpPr>
+          <p:cNvPr id="260" name="Google Shape;260;p34"/>
+          <p:cNvSpPr/>
+          <p:nvPr/>
+        </p:nvSpPr>
+        <p:spPr>
+          <a:xfrm>
+            <a:off x="651849" y="3903321"/>
+            <a:ext cx="125400" cy="125400"/>
+          </a:xfrm>
+          <a:prstGeom prst="ellipse">
+            <a:avLst/>
+          </a:prstGeom>
+          <a:solidFill>
+            <a:srgbClr val="FFFF00"/>
+          </a:solidFill>
+          <a:ln w="9525" cap="flat" cmpd="sng">
+            <a:solidFill>
+              <a:srgbClr val="595959"/>
+            </a:solidFill>
+            <a:prstDash val="solid"/>
+            <a:round/>
+            <a:headEnd type="none" w="sm" len="sm"/>
+            <a:tailEnd type="none" w="sm" len="sm"/>
+          </a:ln>
+        </p:spPr>
+        <p:txBody>
+          <a:bodyPr spcFirstLastPara="1" wrap="square" lIns="91425" tIns="91425" rIns="91425" bIns="91425" anchor="ctr" anchorCtr="0">
+            <a:noAutofit/>
+          </a:bodyPr>
+          <a:lstStyle/>
+          <a:p>
+            <a:pPr marL="0" lvl="0" indent="0" algn="ctr" rtl="0">
+              <a:spcBef>
+                <a:spcPts val="0"/>
+              </a:spcBef>
+              <a:spcAft>
+                <a:spcPts val="0"/>
+              </a:spcAft>
+              <a:buNone/>
+            </a:pPr>
+            <a:endParaRPr/>
+          </a:p>
+        </p:txBody>
+      </p:sp>
+      <p:sp>
+        <p:nvSpPr>
+          <p:cNvPr id="261" name="Google Shape;261;p34"/>
+          <p:cNvSpPr/>
+          <p:nvPr/>
+        </p:nvSpPr>
+        <p:spPr>
+          <a:xfrm>
+            <a:off x="657622" y="2340536"/>
+            <a:ext cx="125400" cy="125400"/>
+          </a:xfrm>
+          <a:prstGeom prst="ellipse">
+            <a:avLst/>
+          </a:prstGeom>
+          <a:solidFill>
+            <a:srgbClr val="6AA84F"/>
+          </a:solidFill>
+          <a:ln w="9525" cap="flat" cmpd="sng">
+            <a:solidFill>
+              <a:srgbClr val="595959"/>
+            </a:solidFill>
+            <a:prstDash val="solid"/>
+            <a:round/>
+            <a:headEnd type="none" w="sm" len="sm"/>
+            <a:tailEnd type="none" w="sm" len="sm"/>
+          </a:ln>
+        </p:spPr>
+        <p:txBody>
+          <a:bodyPr spcFirstLastPara="1" wrap="square" lIns="91425" tIns="91425" rIns="91425" bIns="91425" anchor="ctr" anchorCtr="0">
+            <a:noAutofit/>
+          </a:bodyPr>
+          <a:lstStyle/>
+          <a:p>
+            <a:pPr marL="0" lvl="0" indent="0" algn="ctr" rtl="0">
+              <a:spcBef>
+                <a:spcPts val="0"/>
+              </a:spcBef>
+              <a:spcAft>
+                <a:spcPts val="0"/>
+              </a:spcAft>
+              <a:buNone/>
+            </a:pPr>
+            <a:endParaRPr/>
+          </a:p>
+        </p:txBody>
+      </p:sp>
+      <p:sp>
+        <p:nvSpPr>
+          <p:cNvPr id="262" name="Google Shape;262;p34"/>
+          <p:cNvSpPr/>
+          <p:nvPr/>
+        </p:nvSpPr>
+        <p:spPr>
+          <a:xfrm>
+            <a:off x="657622" y="2538871"/>
+            <a:ext cx="125400" cy="125400"/>
+          </a:xfrm>
+          <a:prstGeom prst="ellipse">
+            <a:avLst/>
+          </a:prstGeom>
+          <a:solidFill>
+            <a:srgbClr val="FF0000"/>
+          </a:solidFill>
+          <a:ln w="9525" cap="flat" cmpd="sng">
+            <a:solidFill>
+              <a:srgbClr val="595959"/>
+            </a:solidFill>
+            <a:prstDash val="solid"/>
+            <a:round/>
+            <a:headEnd type="none" w="sm" len="sm"/>
+            <a:tailEnd type="none" w="sm" len="sm"/>
+          </a:ln>
+        </p:spPr>
+        <p:txBody>
+          <a:bodyPr spcFirstLastPara="1" wrap="square" lIns="91425" tIns="91425" rIns="91425" bIns="91425" anchor="ctr" anchorCtr="0">
+            <a:noAutofit/>
+          </a:bodyPr>
+          <a:lstStyle/>
+          <a:p>
+            <a:pPr marL="0" lvl="0" indent="0" algn="ctr" rtl="0">
+              <a:spcBef>
+                <a:spcPts val="0"/>
+              </a:spcBef>
+              <a:spcAft>
+                <a:spcPts val="0"/>
+              </a:spcAft>
+              <a:buNone/>
+            </a:pPr>
+            <a:endParaRPr/>
+          </a:p>
+        </p:txBody>
+      </p:sp>
+      <p:sp>
+        <p:nvSpPr>
+          <p:cNvPr id="263" name="Google Shape;263;p34"/>
+          <p:cNvSpPr txBox="1"/>
+          <p:nvPr/>
+        </p:nvSpPr>
+        <p:spPr>
+          <a:xfrm>
+            <a:off x="349062" y="3703185"/>
+            <a:ext cx="288900" cy="141600"/>
+          </a:xfrm>
+          <a:prstGeom prst="rect">
+            <a:avLst/>
+          </a:prstGeom>
+          <a:noFill/>
+          <a:ln w="9525" cap="flat" cmpd="sng">
+            <a:solidFill>
+              <a:srgbClr val="FF0000"/>
+            </a:solidFill>
+            <a:prstDash val="solid"/>
+            <a:round/>
+            <a:headEnd type="none" w="sm" len="sm"/>
+            <a:tailEnd type="none" w="sm" len="sm"/>
+          </a:ln>
+        </p:spPr>
+        <p:txBody>
+          <a:bodyPr spcFirstLastPara="1" wrap="square" lIns="9125" tIns="9125" rIns="9125" bIns="9125" anchor="t" anchorCtr="0">
+            <a:spAutoFit/>
+          </a:bodyPr>
+          <a:lstStyle/>
+          <a:p>
+            <a:pPr marL="0" lvl="0" indent="0" algn="l" rtl="0">
+              <a:spcBef>
+                <a:spcPts val="0"/>
+              </a:spcBef>
+              <a:spcAft>
+                <a:spcPts val="0"/>
+              </a:spcAft>
+              <a:buClr>
+                <a:srgbClr val="000000"/>
+              </a:buClr>
+              <a:buSzPts val="1100"/>
+              <a:buFont typeface="Arial"/>
+              <a:buNone/>
+            </a:pPr>
+            <a:r>
+              <a:rPr lang="en" sz="800">
+                <a:solidFill>
+                  <a:srgbClr val="1F2937"/>
+                </a:solidFill>
+                <a:highlight>
+                  <a:srgbClr val="FFFFFF"/>
+                </a:highlight>
+                <a:latin typeface="Calibri"/>
+                <a:ea typeface="Calibri"/>
+                <a:cs typeface="Calibri"/>
+                <a:sym typeface="Calibri"/>
+              </a:rPr>
+              <a:t>China</a:t>
+            </a:r>
+            <a:endParaRPr sz="800">
+              <a:solidFill>
+                <a:srgbClr val="1F2937"/>
+              </a:solidFill>
+              <a:highlight>
+                <a:srgbClr val="FFFFFF"/>
+              </a:highlight>
+              <a:latin typeface="Calibri"/>
+              <a:ea typeface="Calibri"/>
+              <a:cs typeface="Calibri"/>
+              <a:sym typeface="Calibri"/>
+            </a:endParaRPr>
+          </a:p>
+        </p:txBody>
+      </p:sp>
+      <p:sp>
+        <p:nvSpPr>
+          <p:cNvPr id="264" name="Google Shape;264;p34"/>
+          <p:cNvSpPr txBox="1"/>
+          <p:nvPr/>
+        </p:nvSpPr>
+        <p:spPr>
+          <a:xfrm>
+            <a:off x="4504061" y="3677254"/>
+            <a:ext cx="288900" cy="141600"/>
+          </a:xfrm>
+          <a:prstGeom prst="rect">
+            <a:avLst/>
+          </a:prstGeom>
+          <a:noFill/>
+          <a:ln w="9525" cap="flat" cmpd="sng">
+            <a:solidFill>
+              <a:srgbClr val="FF0000"/>
+            </a:solidFill>
+            <a:prstDash val="solid"/>
+            <a:round/>
+            <a:headEnd type="none" w="sm" len="sm"/>
+            <a:tailEnd type="none" w="sm" len="sm"/>
+          </a:ln>
+        </p:spPr>
+        <p:txBody>
+          <a:bodyPr spcFirstLastPara="1" wrap="square" lIns="9125" tIns="9125" rIns="9125" bIns="9125" anchor="t" anchorCtr="0">
+            <a:spAutoFit/>
+          </a:bodyPr>
+          <a:lstStyle/>
+          <a:p>
+            <a:pPr marL="0" lvl="0" indent="0" algn="l" rtl="0">
+              <a:spcBef>
+                <a:spcPts val="0"/>
+              </a:spcBef>
+              <a:spcAft>
+                <a:spcPts val="0"/>
+              </a:spcAft>
+              <a:buClr>
+                <a:srgbClr val="000000"/>
+              </a:buClr>
+              <a:buSzPts val="1100"/>
+              <a:buFont typeface="Arial"/>
+              <a:buNone/>
+            </a:pPr>
+            <a:r>
+              <a:rPr lang="en" sz="800">
+                <a:solidFill>
+                  <a:srgbClr val="1F2937"/>
+                </a:solidFill>
+                <a:highlight>
+                  <a:srgbClr val="FFFFFF"/>
+                </a:highlight>
+                <a:latin typeface="Calibri"/>
+                <a:ea typeface="Calibri"/>
+                <a:cs typeface="Calibri"/>
+                <a:sym typeface="Calibri"/>
+              </a:rPr>
+              <a:t>China</a:t>
+            </a:r>
+            <a:endParaRPr sz="800">
+              <a:solidFill>
+                <a:srgbClr val="1F2937"/>
+              </a:solidFill>
+              <a:highlight>
+                <a:srgbClr val="FFFFFF"/>
+              </a:highlight>
+              <a:latin typeface="Calibri"/>
+              <a:ea typeface="Calibri"/>
+              <a:cs typeface="Calibri"/>
+              <a:sym typeface="Calibri"/>
+            </a:endParaRPr>
+          </a:p>
+        </p:txBody>
+      </p:sp>
+      <p:sp>
+        <p:nvSpPr>
+          <p:cNvPr id="265" name="Google Shape;265;p34"/>
+          <p:cNvSpPr/>
+          <p:nvPr/>
+        </p:nvSpPr>
+        <p:spPr>
+          <a:xfrm>
+            <a:off x="657622" y="4093075"/>
+            <a:ext cx="125400" cy="125400"/>
+          </a:xfrm>
+          <a:prstGeom prst="ellipse">
+            <a:avLst/>
+          </a:prstGeom>
+          <a:solidFill>
+            <a:srgbClr val="6AA84F"/>
+          </a:solidFill>
+          <a:ln w="9525" cap="flat" cmpd="sng">
+            <a:solidFill>
+              <a:srgbClr val="595959"/>
+            </a:solidFill>
+            <a:prstDash val="solid"/>
+            <a:round/>
+            <a:headEnd type="none" w="sm" len="sm"/>
+            <a:tailEnd type="none" w="sm" len="sm"/>
+          </a:ln>
+        </p:spPr>
+        <p:txBody>
+          <a:bodyPr spcFirstLastPara="1" wrap="square" lIns="91425" tIns="91425" rIns="91425" bIns="91425" anchor="ctr" anchorCtr="0">
+            <a:noAutofit/>
+          </a:bodyPr>
+          <a:lstStyle/>
+          <a:p>
+            <a:pPr marL="0" lvl="0" indent="0" algn="ctr" rtl="0">
+              <a:spcBef>
+                <a:spcPts val="0"/>
+              </a:spcBef>
+              <a:spcAft>
+                <a:spcPts val="0"/>
+              </a:spcAft>
+              <a:buNone/>
+            </a:pPr>
+            <a:endParaRPr/>
+          </a:p>
+        </p:txBody>
+      </p:sp>
+      <p:sp>
+        <p:nvSpPr>
+          <p:cNvPr id="266" name="Google Shape;266;p34"/>
+          <p:cNvSpPr txBox="1"/>
+          <p:nvPr/>
+        </p:nvSpPr>
+        <p:spPr>
+          <a:xfrm>
+            <a:off x="4367104" y="1924178"/>
+            <a:ext cx="288900" cy="141600"/>
+          </a:xfrm>
+          <a:prstGeom prst="rect">
+            <a:avLst/>
+          </a:prstGeom>
+          <a:noFill/>
+          <a:ln w="9525" cap="flat" cmpd="sng">
+            <a:solidFill>
+              <a:srgbClr val="FF0000"/>
+            </a:solidFill>
+            <a:prstDash val="solid"/>
+            <a:round/>
+            <a:headEnd type="none" w="sm" len="sm"/>
+            <a:tailEnd type="none" w="sm" len="sm"/>
+          </a:ln>
+        </p:spPr>
+        <p:txBody>
+          <a:bodyPr spcFirstLastPara="1" wrap="square" lIns="9125" tIns="9125" rIns="9125" bIns="9125" anchor="t" anchorCtr="0">
+            <a:spAutoFit/>
+          </a:bodyPr>
+          <a:lstStyle/>
+          <a:p>
+            <a:pPr marL="0" lvl="0" indent="0" algn="l" rtl="0">
+              <a:spcBef>
+                <a:spcPts val="0"/>
+              </a:spcBef>
+              <a:spcAft>
+                <a:spcPts val="0"/>
+              </a:spcAft>
+              <a:buClr>
+                <a:srgbClr val="000000"/>
+              </a:buClr>
+              <a:buSzPts val="1100"/>
+              <a:buFont typeface="Arial"/>
+              <a:buNone/>
+            </a:pPr>
+            <a:r>
+              <a:rPr lang="en" sz="800">
+                <a:solidFill>
+                  <a:srgbClr val="1F2937"/>
+                </a:solidFill>
+                <a:highlight>
+                  <a:srgbClr val="FFFFFF"/>
+                </a:highlight>
+                <a:latin typeface="Calibri"/>
+                <a:ea typeface="Calibri"/>
+                <a:cs typeface="Calibri"/>
+                <a:sym typeface="Calibri"/>
+              </a:rPr>
+              <a:t>China</a:t>
+            </a:r>
+            <a:endParaRPr sz="800">
+              <a:solidFill>
+                <a:srgbClr val="1F2937"/>
+              </a:solidFill>
+              <a:highlight>
+                <a:srgbClr val="FFFFFF"/>
+              </a:highlight>
+              <a:latin typeface="Calibri"/>
+              <a:ea typeface="Calibri"/>
+              <a:cs typeface="Calibri"/>
+              <a:sym typeface="Calibri"/>
+            </a:endParaRPr>
+          </a:p>
+        </p:txBody>
+      </p:sp>
+      <p:sp>
+        <p:nvSpPr>
+          <p:cNvPr id="267" name="Google Shape;267;p34"/>
+          <p:cNvSpPr/>
+          <p:nvPr/>
+        </p:nvSpPr>
+        <p:spPr>
+          <a:xfrm>
+            <a:off x="4667561" y="1935466"/>
+            <a:ext cx="125400" cy="125400"/>
+          </a:xfrm>
+          <a:prstGeom prst="ellipse">
+            <a:avLst/>
+          </a:prstGeom>
+          <a:solidFill>
+            <a:srgbClr val="6AA84F"/>
+          </a:solidFill>
+          <a:ln w="9525" cap="flat" cmpd="sng">
+            <a:solidFill>
+              <a:srgbClr val="595959"/>
+            </a:solidFill>
+            <a:prstDash val="solid"/>
+            <a:round/>
+            <a:headEnd type="none" w="sm" len="sm"/>
+            <a:tailEnd type="none" w="sm" len="sm"/>
+          </a:ln>
+        </p:spPr>
+        <p:txBody>
+          <a:bodyPr spcFirstLastPara="1" wrap="square" lIns="91425" tIns="91425" rIns="91425" bIns="91425" anchor="ctr" anchorCtr="0">
+            <a:noAutofit/>
+          </a:bodyPr>
+          <a:lstStyle/>
+          <a:p>
+            <a:pPr marL="0" lvl="0" indent="0" algn="ctr" rtl="0">
+              <a:spcBef>
+                <a:spcPts val="0"/>
+              </a:spcBef>
+              <a:spcAft>
+                <a:spcPts val="0"/>
+              </a:spcAft>
+              <a:buNone/>
+            </a:pPr>
+            <a:endParaRPr/>
+          </a:p>
+        </p:txBody>
+      </p:sp>
+      <p:sp>
+        <p:nvSpPr>
+          <p:cNvPr id="268" name="Google Shape;268;p34"/>
+          <p:cNvSpPr/>
+          <p:nvPr/>
+        </p:nvSpPr>
+        <p:spPr>
+          <a:xfrm>
+            <a:off x="4667561" y="2122358"/>
+            <a:ext cx="125400" cy="125400"/>
+          </a:xfrm>
+          <a:prstGeom prst="ellipse">
+            <a:avLst/>
+          </a:prstGeom>
+          <a:solidFill>
+            <a:srgbClr val="FFFF00"/>
+          </a:solidFill>
+          <a:ln w="9525" cap="flat" cmpd="sng">
+            <a:solidFill>
+              <a:srgbClr val="595959"/>
+            </a:solidFill>
+            <a:prstDash val="solid"/>
+            <a:round/>
+            <a:headEnd type="none" w="sm" len="sm"/>
+            <a:tailEnd type="none" w="sm" len="sm"/>
+          </a:ln>
+        </p:spPr>
+        <p:txBody>
+          <a:bodyPr spcFirstLastPara="1" wrap="square" lIns="91425" tIns="91425" rIns="91425" bIns="91425" anchor="ctr" anchorCtr="0">
+            <a:noAutofit/>
+          </a:bodyPr>
+          <a:lstStyle/>
+          <a:p>
+            <a:pPr marL="0" lvl="0" indent="0" algn="ctr" rtl="0">
+              <a:spcBef>
+                <a:spcPts val="0"/>
+              </a:spcBef>
+              <a:spcAft>
+                <a:spcPts val="0"/>
+              </a:spcAft>
+              <a:buNone/>
+            </a:pPr>
+            <a:endParaRPr/>
+          </a:p>
+        </p:txBody>
+      </p:sp>
+      <p:sp>
+        <p:nvSpPr>
+          <p:cNvPr id="269" name="Google Shape;269;p34"/>
+          <p:cNvSpPr txBox="1"/>
+          <p:nvPr/>
+        </p:nvSpPr>
+        <p:spPr>
+          <a:xfrm>
+            <a:off x="4504061" y="3876193"/>
+            <a:ext cx="288900" cy="141600"/>
+          </a:xfrm>
+          <a:prstGeom prst="rect">
+            <a:avLst/>
+          </a:prstGeom>
+          <a:noFill/>
+          <a:ln w="9525" cap="flat" cmpd="sng">
+            <a:solidFill>
+              <a:srgbClr val="FF0000"/>
+            </a:solidFill>
+            <a:prstDash val="solid"/>
+            <a:round/>
+            <a:headEnd type="none" w="sm" len="sm"/>
+            <a:tailEnd type="none" w="sm" len="sm"/>
+          </a:ln>
+        </p:spPr>
+        <p:txBody>
+          <a:bodyPr spcFirstLastPara="1" wrap="square" lIns="9125" tIns="9125" rIns="9125" bIns="9125" anchor="t" anchorCtr="0">
+            <a:spAutoFit/>
+          </a:bodyPr>
+          <a:lstStyle/>
+          <a:p>
+            <a:pPr marL="0" lvl="0" indent="0" algn="l" rtl="0">
+              <a:spcBef>
+                <a:spcPts val="0"/>
+              </a:spcBef>
+              <a:spcAft>
+                <a:spcPts val="0"/>
+              </a:spcAft>
+              <a:buClr>
+                <a:srgbClr val="000000"/>
+              </a:buClr>
+              <a:buSzPts val="1100"/>
+              <a:buFont typeface="Arial"/>
+              <a:buNone/>
+            </a:pPr>
+            <a:r>
+              <a:rPr lang="en" sz="800">
+                <a:solidFill>
+                  <a:srgbClr val="1F2937"/>
+                </a:solidFill>
+                <a:highlight>
+                  <a:srgbClr val="FFFFFF"/>
+                </a:highlight>
+                <a:latin typeface="Calibri"/>
+                <a:ea typeface="Calibri"/>
+                <a:cs typeface="Calibri"/>
+                <a:sym typeface="Calibri"/>
+              </a:rPr>
+              <a:t>China</a:t>
+            </a:r>
+            <a:endParaRPr sz="800">
+              <a:solidFill>
+                <a:srgbClr val="1F2937"/>
+              </a:solidFill>
+              <a:highlight>
+                <a:srgbClr val="FFFFFF"/>
+              </a:highlight>
+              <a:latin typeface="Calibri"/>
+              <a:ea typeface="Calibri"/>
+              <a:cs typeface="Calibri"/>
+              <a:sym typeface="Calibri"/>
+            </a:endParaRPr>
+          </a:p>
+        </p:txBody>
+      </p:sp>
+      <p:sp>
+        <p:nvSpPr>
+          <p:cNvPr id="270" name="Google Shape;270;p34"/>
+          <p:cNvSpPr/>
+          <p:nvPr/>
+        </p:nvSpPr>
+        <p:spPr>
+          <a:xfrm>
+            <a:off x="4667561" y="2705810"/>
+            <a:ext cx="125400" cy="125400"/>
+          </a:xfrm>
+          <a:prstGeom prst="ellipse">
+            <a:avLst/>
+          </a:prstGeom>
+          <a:solidFill>
+            <a:srgbClr val="FFFF00"/>
+          </a:solidFill>
+          <a:ln w="9525" cap="flat" cmpd="sng">
+            <a:solidFill>
+              <a:srgbClr val="595959"/>
+            </a:solidFill>
+            <a:prstDash val="solid"/>
+            <a:round/>
+            <a:headEnd type="none" w="sm" len="sm"/>
+            <a:tailEnd type="none" w="sm" len="sm"/>
+          </a:ln>
+        </p:spPr>
+        <p:txBody>
+          <a:bodyPr spcFirstLastPara="1" wrap="square" lIns="91425" tIns="91425" rIns="91425" bIns="91425" anchor="ctr" anchorCtr="0">
+            <a:noAutofit/>
+          </a:bodyPr>
+          <a:lstStyle/>
+          <a:p>
+            <a:pPr marL="0" lvl="0" indent="0" algn="ctr" rtl="0">
+              <a:spcBef>
+                <a:spcPts val="0"/>
+              </a:spcBef>
+              <a:spcAft>
+                <a:spcPts val="0"/>
+              </a:spcAft>
+              <a:buNone/>
+            </a:pPr>
+            <a:endParaRPr/>
+          </a:p>
+        </p:txBody>
+      </p:sp>
+      <p:sp>
+        <p:nvSpPr>
+          <p:cNvPr id="271" name="Google Shape;271;p34"/>
+          <p:cNvSpPr txBox="1"/>
+          <p:nvPr/>
+        </p:nvSpPr>
+        <p:spPr>
+          <a:xfrm>
+            <a:off x="495922" y="3304789"/>
+            <a:ext cx="287100" cy="141600"/>
+          </a:xfrm>
+          <a:prstGeom prst="rect">
+            <a:avLst/>
+          </a:prstGeom>
+          <a:noFill/>
+          <a:ln w="9525" cap="flat" cmpd="sng">
+            <a:solidFill>
+              <a:srgbClr val="FF0000"/>
+            </a:solidFill>
+            <a:prstDash val="solid"/>
+            <a:round/>
+            <a:headEnd type="none" w="sm" len="sm"/>
+            <a:tailEnd type="none" w="sm" len="sm"/>
+          </a:ln>
+        </p:spPr>
+        <p:txBody>
+          <a:bodyPr spcFirstLastPara="1" wrap="square" lIns="9125" tIns="9125" rIns="9125" bIns="9125" anchor="t" anchorCtr="0">
+            <a:spAutoFit/>
+          </a:bodyPr>
+          <a:lstStyle/>
+          <a:p>
+            <a:pPr marL="0" lvl="0" indent="0" algn="l" rtl="0">
+              <a:spcBef>
+                <a:spcPts val="0"/>
+              </a:spcBef>
+              <a:spcAft>
+                <a:spcPts val="0"/>
+              </a:spcAft>
+              <a:buClr>
+                <a:srgbClr val="000000"/>
+              </a:buClr>
+              <a:buSzPts val="1100"/>
+              <a:buFont typeface="Arial"/>
+              <a:buNone/>
+            </a:pPr>
+            <a:r>
+              <a:rPr lang="en" sz="800">
+                <a:solidFill>
+                  <a:srgbClr val="1F2937"/>
+                </a:solidFill>
+                <a:highlight>
+                  <a:srgbClr val="FFFFFF"/>
+                </a:highlight>
+                <a:latin typeface="Calibri"/>
+                <a:ea typeface="Calibri"/>
+                <a:cs typeface="Calibri"/>
+                <a:sym typeface="Calibri"/>
+              </a:rPr>
+              <a:t>China</a:t>
+            </a:r>
+            <a:endParaRPr sz="800">
+              <a:solidFill>
+                <a:srgbClr val="1F2937"/>
+              </a:solidFill>
+              <a:highlight>
+                <a:srgbClr val="FFFFFF"/>
+              </a:highlight>
+              <a:latin typeface="Calibri"/>
+              <a:ea typeface="Calibri"/>
+              <a:cs typeface="Calibri"/>
+              <a:sym typeface="Calibri"/>
+            </a:endParaRPr>
+          </a:p>
+        </p:txBody>
+      </p:sp>
+      <p:sp>
+        <p:nvSpPr>
+          <p:cNvPr id="272" name="Google Shape;272;p34"/>
+          <p:cNvSpPr txBox="1"/>
+          <p:nvPr/>
+        </p:nvSpPr>
+        <p:spPr>
+          <a:xfrm flipH="1">
+            <a:off x="582849" y="1363026"/>
+            <a:ext cx="194400" cy="141600"/>
+          </a:xfrm>
+          <a:prstGeom prst="rect">
+            <a:avLst/>
+          </a:prstGeom>
+          <a:solidFill>
+            <a:srgbClr val="FCE5CD"/>
+          </a:solidFill>
+          <a:ln w="9525" cap="flat" cmpd="sng">
+            <a:solidFill>
+              <a:srgbClr val="FF0000"/>
+            </a:solidFill>
+            <a:prstDash val="solid"/>
+            <a:round/>
+            <a:headEnd type="none" w="sm" len="sm"/>
+            <a:tailEnd type="none" w="sm" len="sm"/>
+          </a:ln>
+        </p:spPr>
+        <p:txBody>
+          <a:bodyPr spcFirstLastPara="1" wrap="square" lIns="9125" tIns="9125" rIns="9125" bIns="9125" anchor="t" anchorCtr="0">
+            <a:spAutoFit/>
+          </a:bodyPr>
+          <a:lstStyle/>
+          <a:p>
+            <a:pPr marL="0" lvl="0" indent="0" algn="l" rtl="0">
+              <a:spcBef>
+                <a:spcPts val="0"/>
+              </a:spcBef>
+              <a:spcAft>
+                <a:spcPts val="0"/>
+              </a:spcAft>
+              <a:buClr>
+                <a:srgbClr val="000000"/>
+              </a:buClr>
+              <a:buSzPts val="1100"/>
+              <a:buFont typeface="Arial"/>
+              <a:buNone/>
+            </a:pPr>
+            <a:r>
+              <a:rPr lang="en" sz="800">
+                <a:solidFill>
+                  <a:srgbClr val="1F2937"/>
+                </a:solidFill>
+                <a:latin typeface="Calibri"/>
+                <a:ea typeface="Calibri"/>
+                <a:cs typeface="Calibri"/>
+                <a:sym typeface="Calibri"/>
+              </a:rPr>
+              <a:t>x.ai</a:t>
+            </a:r>
+            <a:endParaRPr sz="800">
+              <a:solidFill>
+                <a:srgbClr val="1F2937"/>
+              </a:solidFill>
+              <a:latin typeface="Calibri"/>
+              <a:ea typeface="Calibri"/>
+              <a:cs typeface="Calibri"/>
+              <a:sym typeface="Calibri"/>
+            </a:endParaRPr>
+          </a:p>
+        </p:txBody>
+      </p:sp>
+      <p:sp>
+        <p:nvSpPr>
+          <p:cNvPr id="273" name="Google Shape;273;p34"/>
+          <p:cNvSpPr txBox="1"/>
+          <p:nvPr/>
+        </p:nvSpPr>
+        <p:spPr>
+          <a:xfrm>
+            <a:off x="494122" y="4669911"/>
+            <a:ext cx="288900" cy="141600"/>
+          </a:xfrm>
+          <a:prstGeom prst="rect">
+            <a:avLst/>
+          </a:prstGeom>
+          <a:noFill/>
+          <a:ln w="9525" cap="flat" cmpd="sng">
+            <a:solidFill>
+              <a:srgbClr val="FF0000"/>
+            </a:solidFill>
+            <a:prstDash val="solid"/>
+            <a:round/>
+            <a:headEnd type="none" w="sm" len="sm"/>
+            <a:tailEnd type="none" w="sm" len="sm"/>
+          </a:ln>
+        </p:spPr>
+        <p:txBody>
+          <a:bodyPr spcFirstLastPara="1" wrap="square" lIns="9125" tIns="9125" rIns="9125" bIns="9125" anchor="t" anchorCtr="0">
+            <a:spAutoFit/>
+          </a:bodyPr>
+          <a:lstStyle/>
+          <a:p>
+            <a:pPr marL="0" lvl="0" indent="0" algn="l" rtl="0">
+              <a:spcBef>
+                <a:spcPts val="0"/>
+              </a:spcBef>
+              <a:spcAft>
+                <a:spcPts val="0"/>
+              </a:spcAft>
+              <a:buClr>
+                <a:srgbClr val="000000"/>
+              </a:buClr>
+              <a:buSzPts val="1100"/>
+              <a:buFont typeface="Arial"/>
+              <a:buNone/>
+            </a:pPr>
+            <a:r>
+              <a:rPr lang="en" sz="800">
+                <a:solidFill>
+                  <a:srgbClr val="1F2937"/>
+                </a:solidFill>
+                <a:highlight>
+                  <a:srgbClr val="FFFFFF"/>
+                </a:highlight>
+                <a:latin typeface="Calibri"/>
+                <a:ea typeface="Calibri"/>
+                <a:cs typeface="Calibri"/>
+                <a:sym typeface="Calibri"/>
+              </a:rPr>
+              <a:t>China</a:t>
+            </a:r>
+            <a:endParaRPr sz="800">
+              <a:solidFill>
+                <a:srgbClr val="1F2937"/>
+              </a:solidFill>
+              <a:highlight>
+                <a:srgbClr val="FFFFFF"/>
+              </a:highlight>
+              <a:latin typeface="Calibri"/>
+              <a:ea typeface="Calibri"/>
+              <a:cs typeface="Calibri"/>
+              <a:sym typeface="Calibri"/>
+            </a:endParaRPr>
+          </a:p>
+        </p:txBody>
+      </p:sp>
+      <p:sp>
+        <p:nvSpPr>
+          <p:cNvPr id="274" name="Google Shape;274;p34"/>
+          <p:cNvSpPr txBox="1"/>
+          <p:nvPr/>
+        </p:nvSpPr>
+        <p:spPr>
+          <a:xfrm flipH="1">
+            <a:off x="4598561" y="1328356"/>
+            <a:ext cx="194400" cy="141600"/>
+          </a:xfrm>
+          <a:prstGeom prst="rect">
+            <a:avLst/>
+          </a:prstGeom>
+          <a:solidFill>
+            <a:srgbClr val="FCE5CD"/>
+          </a:solidFill>
+          <a:ln w="9525" cap="flat" cmpd="sng">
+            <a:solidFill>
+              <a:srgbClr val="FF0000"/>
+            </a:solidFill>
+            <a:prstDash val="solid"/>
+            <a:round/>
+            <a:headEnd type="none" w="sm" len="sm"/>
+            <a:tailEnd type="none" w="sm" len="sm"/>
+          </a:ln>
+        </p:spPr>
+        <p:txBody>
+          <a:bodyPr spcFirstLastPara="1" wrap="square" lIns="9125" tIns="9125" rIns="9125" bIns="9125" anchor="t" anchorCtr="0">
+            <a:spAutoFit/>
+          </a:bodyPr>
+          <a:lstStyle/>
+          <a:p>
+            <a:pPr marL="0" lvl="0" indent="0" algn="l" rtl="0">
+              <a:spcBef>
+                <a:spcPts val="0"/>
+              </a:spcBef>
+              <a:spcAft>
+                <a:spcPts val="0"/>
+              </a:spcAft>
+              <a:buClr>
+                <a:srgbClr val="000000"/>
+              </a:buClr>
+              <a:buSzPts val="1100"/>
+              <a:buFont typeface="Arial"/>
+              <a:buNone/>
+            </a:pPr>
+            <a:r>
+              <a:rPr lang="en" sz="800">
+                <a:solidFill>
+                  <a:srgbClr val="1F2937"/>
+                </a:solidFill>
+                <a:latin typeface="Calibri"/>
+                <a:ea typeface="Calibri"/>
+                <a:cs typeface="Calibri"/>
+                <a:sym typeface="Calibri"/>
+              </a:rPr>
+              <a:t>x.ai</a:t>
+            </a:r>
+            <a:endParaRPr sz="800">
+              <a:solidFill>
+                <a:srgbClr val="1F2937"/>
+              </a:solidFill>
+              <a:latin typeface="Calibri"/>
+              <a:ea typeface="Calibri"/>
+              <a:cs typeface="Calibri"/>
+              <a:sym typeface="Calibri"/>
+            </a:endParaRPr>
+          </a:p>
+        </p:txBody>
+      </p:sp>
+      <p:sp>
+        <p:nvSpPr>
+          <p:cNvPr id="275" name="Google Shape;275;p34"/>
+          <p:cNvSpPr/>
+          <p:nvPr/>
+        </p:nvSpPr>
+        <p:spPr>
+          <a:xfrm>
+            <a:off x="657622" y="3117963"/>
+            <a:ext cx="125400" cy="125400"/>
+          </a:xfrm>
+          <a:prstGeom prst="ellipse">
+            <a:avLst/>
+          </a:prstGeom>
+          <a:solidFill>
+            <a:srgbClr val="FFFF00"/>
+          </a:solidFill>
+          <a:ln w="9525" cap="flat" cmpd="sng">
+            <a:solidFill>
+              <a:srgbClr val="595959"/>
+            </a:solidFill>
+            <a:prstDash val="solid"/>
+            <a:round/>
+            <a:headEnd type="none" w="sm" len="sm"/>
+            <a:tailEnd type="none" w="sm" len="sm"/>
+          </a:ln>
+        </p:spPr>
+        <p:txBody>
+          <a:bodyPr spcFirstLastPara="1" wrap="square" lIns="91425" tIns="91425" rIns="91425" bIns="91425" anchor="ctr" anchorCtr="0">
+            <a:noAutofit/>
+          </a:bodyPr>
+          <a:lstStyle/>
+          <a:p>
+            <a:pPr marL="0" lvl="0" indent="0" algn="ctr" rtl="0">
+              <a:spcBef>
+                <a:spcPts val="0"/>
+              </a:spcBef>
+              <a:spcAft>
+                <a:spcPts val="0"/>
+              </a:spcAft>
+              <a:buNone/>
+            </a:pPr>
+            <a:endParaRPr/>
+          </a:p>
+        </p:txBody>
+      </p:sp>
+      <p:sp>
+        <p:nvSpPr>
+          <p:cNvPr id="276" name="Google Shape;276;p34"/>
+          <p:cNvSpPr/>
+          <p:nvPr/>
+        </p:nvSpPr>
+        <p:spPr>
+          <a:xfrm>
+            <a:off x="4667561" y="2907655"/>
+            <a:ext cx="125400" cy="125400"/>
+          </a:xfrm>
+          <a:prstGeom prst="ellipse">
+            <a:avLst/>
+          </a:prstGeom>
+          <a:solidFill>
+            <a:srgbClr val="FFFF00"/>
+          </a:solidFill>
+          <a:ln w="9525" cap="flat" cmpd="sng">
+            <a:solidFill>
+              <a:srgbClr val="595959"/>
+            </a:solidFill>
+            <a:prstDash val="solid"/>
+            <a:round/>
+            <a:headEnd type="none" w="sm" len="sm"/>
+            <a:tailEnd type="none" w="sm" len="sm"/>
+          </a:ln>
+        </p:spPr>
+        <p:txBody>
+          <a:bodyPr spcFirstLastPara="1" wrap="square" lIns="91425" tIns="91425" rIns="91425" bIns="91425" anchor="ctr" anchorCtr="0">
+            <a:noAutofit/>
+          </a:bodyPr>
+          <a:lstStyle/>
+          <a:p>
+            <a:pPr marL="0" lvl="0" indent="0" algn="ctr" rtl="0">
+              <a:spcBef>
+                <a:spcPts val="0"/>
+              </a:spcBef>
+              <a:spcAft>
+                <a:spcPts val="0"/>
+              </a:spcAft>
+              <a:buNone/>
+            </a:pPr>
+            <a:endParaRPr/>
+          </a:p>
+        </p:txBody>
+      </p:sp>
+      <p:sp>
+        <p:nvSpPr>
+          <p:cNvPr id="277" name="Google Shape;277;p34"/>
+          <p:cNvSpPr/>
+          <p:nvPr/>
+        </p:nvSpPr>
+        <p:spPr>
+          <a:xfrm>
+            <a:off x="4667561" y="4068662"/>
+            <a:ext cx="125400" cy="125400"/>
+          </a:xfrm>
+          <a:prstGeom prst="ellipse">
+            <a:avLst/>
+          </a:prstGeom>
+          <a:solidFill>
+            <a:srgbClr val="3C78D8"/>
+          </a:solidFill>
+          <a:ln w="9525" cap="flat" cmpd="sng">
+            <a:solidFill>
+              <a:srgbClr val="595959"/>
+            </a:solidFill>
+            <a:prstDash val="solid"/>
+            <a:round/>
+            <a:headEnd type="none" w="sm" len="sm"/>
+            <a:tailEnd type="none" w="sm" len="sm"/>
+          </a:ln>
+        </p:spPr>
+        <p:txBody>
+          <a:bodyPr spcFirstLastPara="1" wrap="square" lIns="91425" tIns="91425" rIns="91425" bIns="91425" anchor="ctr" anchorCtr="0">
+            <a:noAutofit/>
+          </a:bodyPr>
+          <a:lstStyle/>
+          <a:p>
+            <a:pPr marL="0" lvl="0" indent="0" algn="ctr" rtl="0">
+              <a:spcBef>
+                <a:spcPts val="0"/>
+              </a:spcBef>
+              <a:spcAft>
+                <a:spcPts val="0"/>
+              </a:spcAft>
+              <a:buNone/>
+            </a:pPr>
+            <a:endParaRPr/>
+          </a:p>
+        </p:txBody>
+      </p:sp>
+      <p:sp>
+        <p:nvSpPr>
+          <p:cNvPr id="278" name="Google Shape;278;p34"/>
+          <p:cNvSpPr/>
+          <p:nvPr/>
+        </p:nvSpPr>
+        <p:spPr>
+          <a:xfrm>
+            <a:off x="651849" y="1563989"/>
+            <a:ext cx="125400" cy="125400"/>
+          </a:xfrm>
+          <a:prstGeom prst="ellipse">
+            <a:avLst/>
+          </a:prstGeom>
+          <a:solidFill>
+            <a:srgbClr val="FFFF00"/>
+          </a:solidFill>
+          <a:ln w="9525" cap="flat" cmpd="sng">
+            <a:solidFill>
+              <a:srgbClr val="595959"/>
+            </a:solidFill>
+            <a:prstDash val="solid"/>
+            <a:round/>
+            <a:headEnd type="none" w="sm" len="sm"/>
+            <a:tailEnd type="none" w="sm" len="sm"/>
+          </a:ln>
+        </p:spPr>
+        <p:txBody>
+          <a:bodyPr spcFirstLastPara="1" wrap="square" lIns="91425" tIns="91425" rIns="91425" bIns="91425" anchor="ctr" anchorCtr="0">
+            <a:noAutofit/>
+          </a:bodyPr>
+          <a:lstStyle/>
+          <a:p>
+            <a:pPr marL="0" lvl="0" indent="0" algn="ctr" rtl="0">
+              <a:spcBef>
+                <a:spcPts val="0"/>
+              </a:spcBef>
+              <a:spcAft>
+                <a:spcPts val="0"/>
+              </a:spcAft>
+              <a:buNone/>
+            </a:pPr>
+            <a:endParaRPr/>
+          </a:p>
+        </p:txBody>
+      </p:sp>
+      <p:sp>
+        <p:nvSpPr>
+          <p:cNvPr id="279" name="Google Shape;279;p34"/>
+          <p:cNvSpPr/>
+          <p:nvPr/>
+        </p:nvSpPr>
+        <p:spPr>
+          <a:xfrm>
+            <a:off x="517870" y="2923947"/>
+            <a:ext cx="125400" cy="125400"/>
+          </a:xfrm>
+          <a:prstGeom prst="ellipse">
+            <a:avLst/>
+          </a:prstGeom>
+          <a:solidFill>
+            <a:srgbClr val="FF0000"/>
+          </a:solidFill>
+          <a:ln w="9525" cap="flat" cmpd="sng">
+            <a:solidFill>
+              <a:srgbClr val="595959"/>
+            </a:solidFill>
+            <a:prstDash val="solid"/>
+            <a:round/>
+            <a:headEnd type="none" w="sm" len="sm"/>
+            <a:tailEnd type="none" w="sm" len="sm"/>
+          </a:ln>
+        </p:spPr>
+        <p:txBody>
+          <a:bodyPr spcFirstLastPara="1" wrap="square" lIns="91425" tIns="91425" rIns="91425" bIns="91425" anchor="ctr" anchorCtr="0">
+            <a:noAutofit/>
+          </a:bodyPr>
+          <a:lstStyle/>
+          <a:p>
+            <a:pPr marL="0" lvl="0" indent="0" algn="ctr" rtl="0">
+              <a:spcBef>
+                <a:spcPts val="0"/>
+              </a:spcBef>
+              <a:spcAft>
+                <a:spcPts val="0"/>
+              </a:spcAft>
+              <a:buNone/>
+            </a:pPr>
+            <a:endParaRPr/>
+          </a:p>
+        </p:txBody>
+      </p:sp>
+      <p:sp>
+        <p:nvSpPr>
+          <p:cNvPr id="280" name="Google Shape;280;p34"/>
+          <p:cNvSpPr/>
+          <p:nvPr/>
+        </p:nvSpPr>
+        <p:spPr>
+          <a:xfrm>
+            <a:off x="4667561" y="3490574"/>
+            <a:ext cx="125400" cy="125400"/>
+          </a:xfrm>
+          <a:prstGeom prst="ellipse">
+            <a:avLst/>
+          </a:prstGeom>
+          <a:solidFill>
+            <a:srgbClr val="FFFF00"/>
+          </a:solidFill>
+          <a:ln w="9525" cap="flat" cmpd="sng">
+            <a:solidFill>
+              <a:srgbClr val="595959"/>
+            </a:solidFill>
+            <a:prstDash val="solid"/>
+            <a:round/>
+            <a:headEnd type="none" w="sm" len="sm"/>
+            <a:tailEnd type="none" w="sm" len="sm"/>
+          </a:ln>
+        </p:spPr>
+        <p:txBody>
+          <a:bodyPr spcFirstLastPara="1" wrap="square" lIns="91425" tIns="91425" rIns="91425" bIns="91425" anchor="ctr" anchorCtr="0">
+            <a:noAutofit/>
+          </a:bodyPr>
+          <a:lstStyle/>
+          <a:p>
+            <a:pPr marL="0" lvl="0" indent="0" algn="ctr" rtl="0">
+              <a:spcBef>
+                <a:spcPts val="0"/>
+              </a:spcBef>
+              <a:spcAft>
+                <a:spcPts val="0"/>
+              </a:spcAft>
+              <a:buNone/>
+            </a:pPr>
+            <a:endParaRPr/>
+          </a:p>
+        </p:txBody>
+      </p:sp>
+      <p:sp>
+        <p:nvSpPr>
+          <p:cNvPr id="281" name="Google Shape;281;p34"/>
+          <p:cNvSpPr/>
+          <p:nvPr/>
+        </p:nvSpPr>
+        <p:spPr>
+          <a:xfrm>
+            <a:off x="4667561" y="4852476"/>
+            <a:ext cx="125400" cy="125400"/>
+          </a:xfrm>
+          <a:prstGeom prst="ellipse">
+            <a:avLst/>
+          </a:prstGeom>
+          <a:solidFill>
+            <a:srgbClr val="3C78D8"/>
+          </a:solidFill>
+          <a:ln w="9525" cap="flat" cmpd="sng">
+            <a:solidFill>
+              <a:srgbClr val="595959"/>
+            </a:solidFill>
+            <a:prstDash val="solid"/>
+            <a:round/>
+            <a:headEnd type="none" w="sm" len="sm"/>
+            <a:tailEnd type="none" w="sm" len="sm"/>
+          </a:ln>
+        </p:spPr>
+        <p:txBody>
+          <a:bodyPr spcFirstLastPara="1" wrap="square" lIns="91425" tIns="91425" rIns="91425" bIns="91425" anchor="ctr" anchorCtr="0">
+            <a:noAutofit/>
+          </a:bodyPr>
+          <a:lstStyle/>
+          <a:p>
+            <a:pPr marL="0" lvl="0" indent="0" algn="ctr" rtl="0">
+              <a:spcBef>
+                <a:spcPts val="0"/>
+              </a:spcBef>
+              <a:spcAft>
+                <a:spcPts val="0"/>
+              </a:spcAft>
+              <a:buNone/>
+            </a:pPr>
+            <a:endParaRPr/>
+          </a:p>
+        </p:txBody>
+      </p:sp>
+      <p:sp>
+        <p:nvSpPr>
+          <p:cNvPr id="282" name="Google Shape;282;p34"/>
+          <p:cNvSpPr/>
+          <p:nvPr/>
+        </p:nvSpPr>
+        <p:spPr>
+          <a:xfrm>
+            <a:off x="657622" y="2930051"/>
+            <a:ext cx="125400" cy="125400"/>
+          </a:xfrm>
+          <a:prstGeom prst="ellipse">
+            <a:avLst/>
+          </a:prstGeom>
+          <a:solidFill>
+            <a:srgbClr val="6AA84F"/>
+          </a:solidFill>
+          <a:ln w="9525" cap="flat" cmpd="sng">
+            <a:solidFill>
+              <a:srgbClr val="595959"/>
+            </a:solidFill>
+            <a:prstDash val="solid"/>
+            <a:round/>
+            <a:headEnd type="none" w="sm" len="sm"/>
+            <a:tailEnd type="none" w="sm" len="sm"/>
+          </a:ln>
+        </p:spPr>
+        <p:txBody>
+          <a:bodyPr spcFirstLastPara="1" wrap="square" lIns="91425" tIns="91425" rIns="91425" bIns="91425" anchor="ctr" anchorCtr="0">
+            <a:noAutofit/>
+          </a:bodyPr>
+          <a:lstStyle/>
+          <a:p>
+            <a:pPr marL="0" lvl="0" indent="0" algn="ctr" rtl="0">
+              <a:spcBef>
+                <a:spcPts val="0"/>
+              </a:spcBef>
+              <a:spcAft>
+                <a:spcPts val="0"/>
+              </a:spcAft>
+              <a:buNone/>
+            </a:pPr>
+            <a:endParaRPr/>
+          </a:p>
+        </p:txBody>
+      </p:sp>
+      <p:sp>
+        <p:nvSpPr>
+          <p:cNvPr id="283" name="Google Shape;283;p34"/>
+          <p:cNvSpPr/>
+          <p:nvPr/>
+        </p:nvSpPr>
+        <p:spPr>
+          <a:xfrm>
+            <a:off x="657622" y="3713539"/>
+            <a:ext cx="125400" cy="125400"/>
+          </a:xfrm>
+          <a:prstGeom prst="ellipse">
+            <a:avLst/>
+          </a:prstGeom>
+          <a:solidFill>
+            <a:srgbClr val="6AA84F"/>
+          </a:solidFill>
+          <a:ln w="9525" cap="flat" cmpd="sng">
+            <a:solidFill>
+              <a:srgbClr val="595959"/>
+            </a:solidFill>
+            <a:prstDash val="solid"/>
+            <a:round/>
+            <a:headEnd type="none" w="sm" len="sm"/>
+            <a:tailEnd type="none" w="sm" len="sm"/>
+          </a:ln>
+        </p:spPr>
+        <p:txBody>
+          <a:bodyPr spcFirstLastPara="1" wrap="square" lIns="91425" tIns="91425" rIns="91425" bIns="91425" anchor="ctr" anchorCtr="0">
+            <a:noAutofit/>
+          </a:bodyPr>
+          <a:lstStyle/>
+          <a:p>
+            <a:pPr marL="0" lvl="0" indent="0" algn="ctr" rtl="0">
+              <a:spcBef>
+                <a:spcPts val="0"/>
+              </a:spcBef>
+              <a:spcAft>
+                <a:spcPts val="0"/>
+              </a:spcAft>
+              <a:buNone/>
+            </a:pPr>
+            <a:endParaRPr/>
+          </a:p>
+        </p:txBody>
+      </p:sp>
+      <p:sp>
+        <p:nvSpPr>
+          <p:cNvPr id="284" name="Google Shape;284;p34"/>
+          <p:cNvSpPr txBox="1"/>
+          <p:nvPr/>
+        </p:nvSpPr>
+        <p:spPr>
+          <a:xfrm>
+            <a:off x="495024" y="4292315"/>
+            <a:ext cx="288900" cy="141600"/>
+          </a:xfrm>
+          <a:prstGeom prst="rect">
+            <a:avLst/>
+          </a:prstGeom>
+          <a:noFill/>
+          <a:ln w="9525" cap="flat" cmpd="sng">
+            <a:solidFill>
+              <a:srgbClr val="FF0000"/>
+            </a:solidFill>
+            <a:prstDash val="solid"/>
+            <a:round/>
+            <a:headEnd type="none" w="sm" len="sm"/>
+            <a:tailEnd type="none" w="sm" len="sm"/>
+          </a:ln>
+        </p:spPr>
+        <p:txBody>
+          <a:bodyPr spcFirstLastPara="1" wrap="square" lIns="9125" tIns="9125" rIns="9125" bIns="9125" anchor="t" anchorCtr="0">
+            <a:spAutoFit/>
+          </a:bodyPr>
+          <a:lstStyle/>
+          <a:p>
+            <a:pPr marL="0" lvl="0" indent="0" algn="l" rtl="0">
+              <a:spcBef>
+                <a:spcPts val="0"/>
+              </a:spcBef>
+              <a:spcAft>
+                <a:spcPts val="0"/>
+              </a:spcAft>
+              <a:buClr>
+                <a:srgbClr val="000000"/>
+              </a:buClr>
+              <a:buSzPts val="1100"/>
+              <a:buFont typeface="Arial"/>
+              <a:buNone/>
+            </a:pPr>
+            <a:r>
+              <a:rPr lang="en" sz="800">
+                <a:solidFill>
+                  <a:srgbClr val="1F2937"/>
+                </a:solidFill>
+                <a:highlight>
+                  <a:srgbClr val="FFFFFF"/>
+                </a:highlight>
+                <a:latin typeface="Calibri"/>
+                <a:ea typeface="Calibri"/>
+                <a:cs typeface="Calibri"/>
+                <a:sym typeface="Calibri"/>
+              </a:rPr>
+              <a:t>China</a:t>
+            </a:r>
+            <a:endParaRPr sz="800">
+              <a:solidFill>
+                <a:srgbClr val="1F2937"/>
+              </a:solidFill>
+              <a:highlight>
+                <a:srgbClr val="FFFFFF"/>
+              </a:highlight>
+              <a:latin typeface="Calibri"/>
+              <a:ea typeface="Calibri"/>
+              <a:cs typeface="Calibri"/>
+              <a:sym typeface="Calibri"/>
+            </a:endParaRPr>
+          </a:p>
+        </p:txBody>
+      </p:sp>
+      <p:sp>
+        <p:nvSpPr>
+          <p:cNvPr id="285" name="Google Shape;285;p34"/>
+          <p:cNvSpPr txBox="1"/>
+          <p:nvPr/>
+        </p:nvSpPr>
+        <p:spPr>
+          <a:xfrm>
+            <a:off x="438738" y="4480138"/>
+            <a:ext cx="341400" cy="141600"/>
+          </a:xfrm>
+          <a:prstGeom prst="rect">
+            <a:avLst/>
+          </a:prstGeom>
+          <a:solidFill>
+            <a:srgbClr val="D9EAD3"/>
+          </a:solidFill>
+          <a:ln w="9525" cap="flat" cmpd="sng">
+            <a:solidFill>
+              <a:srgbClr val="6AA84F"/>
+            </a:solidFill>
+            <a:prstDash val="solid"/>
+            <a:round/>
+            <a:headEnd type="none" w="sm" len="sm"/>
+            <a:tailEnd type="none" w="sm" len="sm"/>
+          </a:ln>
+        </p:spPr>
+        <p:txBody>
+          <a:bodyPr spcFirstLastPara="1" wrap="square" lIns="9125" tIns="9125" rIns="9125" bIns="9125" anchor="t" anchorCtr="0">
+            <a:spAutoFit/>
+          </a:bodyPr>
+          <a:lstStyle/>
+          <a:p>
+            <a:pPr marL="0" lvl="0" indent="0" algn="l" rtl="0">
+              <a:spcBef>
+                <a:spcPts val="0"/>
+              </a:spcBef>
+              <a:spcAft>
+                <a:spcPts val="0"/>
+              </a:spcAft>
+              <a:buClr>
+                <a:srgbClr val="000000"/>
+              </a:buClr>
+              <a:buSzPts val="1100"/>
+              <a:buFont typeface="Arial"/>
+              <a:buNone/>
+            </a:pPr>
+            <a:r>
+              <a:rPr lang="en" sz="800">
+                <a:solidFill>
+                  <a:srgbClr val="1F2937"/>
+                </a:solidFill>
+                <a:latin typeface="Calibri"/>
+                <a:ea typeface="Calibri"/>
+                <a:cs typeface="Calibri"/>
+                <a:sym typeface="Calibri"/>
+              </a:rPr>
+              <a:t>Cohere</a:t>
+            </a:r>
+            <a:endParaRPr sz="800">
+              <a:solidFill>
+                <a:srgbClr val="1F2937"/>
+              </a:solidFill>
+              <a:latin typeface="Calibri"/>
+              <a:ea typeface="Calibri"/>
+              <a:cs typeface="Calibri"/>
+              <a:sym typeface="Calibri"/>
+            </a:endParaRPr>
+          </a:p>
+        </p:txBody>
+      </p:sp>
+      <p:sp>
+        <p:nvSpPr>
+          <p:cNvPr id="286" name="Google Shape;286;p34"/>
+          <p:cNvSpPr txBox="1"/>
+          <p:nvPr/>
+        </p:nvSpPr>
+        <p:spPr>
+          <a:xfrm>
+            <a:off x="4454720" y="4657595"/>
+            <a:ext cx="341400" cy="141600"/>
+          </a:xfrm>
+          <a:prstGeom prst="rect">
+            <a:avLst/>
+          </a:prstGeom>
+          <a:solidFill>
+            <a:srgbClr val="D9EAD3"/>
+          </a:solidFill>
+          <a:ln w="9525" cap="flat" cmpd="sng">
+            <a:solidFill>
+              <a:srgbClr val="6AA84F"/>
+            </a:solidFill>
+            <a:prstDash val="solid"/>
+            <a:round/>
+            <a:headEnd type="none" w="sm" len="sm"/>
+            <a:tailEnd type="none" w="sm" len="sm"/>
+          </a:ln>
+        </p:spPr>
+        <p:txBody>
+          <a:bodyPr spcFirstLastPara="1" wrap="square" lIns="9125" tIns="9125" rIns="9125" bIns="9125" anchor="t" anchorCtr="0">
+            <a:spAutoFit/>
+          </a:bodyPr>
+          <a:lstStyle/>
+          <a:p>
+            <a:pPr marL="0" lvl="0" indent="0" algn="l" rtl="0">
+              <a:spcBef>
+                <a:spcPts val="0"/>
+              </a:spcBef>
+              <a:spcAft>
+                <a:spcPts val="0"/>
+              </a:spcAft>
+              <a:buClr>
+                <a:srgbClr val="000000"/>
+              </a:buClr>
+              <a:buSzPts val="1100"/>
+              <a:buFont typeface="Arial"/>
+              <a:buNone/>
+            </a:pPr>
+            <a:r>
+              <a:rPr lang="en" sz="800">
+                <a:solidFill>
+                  <a:srgbClr val="1F2937"/>
+                </a:solidFill>
+                <a:latin typeface="Calibri"/>
+                <a:ea typeface="Calibri"/>
+                <a:cs typeface="Calibri"/>
+                <a:sym typeface="Calibri"/>
+              </a:rPr>
+              <a:t>Cohere</a:t>
+            </a:r>
+            <a:endParaRPr sz="800">
+              <a:solidFill>
+                <a:srgbClr val="1F2937"/>
+              </a:solidFill>
+              <a:latin typeface="Calibri"/>
+              <a:ea typeface="Calibri"/>
+              <a:cs typeface="Calibri"/>
+              <a:sym typeface="Calibri"/>
+            </a:endParaRPr>
+          </a:p>
+        </p:txBody>
+      </p:sp>
+      <p:sp>
+        <p:nvSpPr>
+          <p:cNvPr id="287" name="Google Shape;287;p34"/>
+          <p:cNvSpPr/>
+          <p:nvPr/>
+        </p:nvSpPr>
+        <p:spPr>
+          <a:xfrm>
+            <a:off x="657622" y="3519578"/>
+            <a:ext cx="125400" cy="125400"/>
+          </a:xfrm>
+          <a:prstGeom prst="ellipse">
+            <a:avLst/>
+          </a:prstGeom>
+          <a:solidFill>
+            <a:srgbClr val="6AA84F"/>
+          </a:solidFill>
+          <a:ln w="9525" cap="flat" cmpd="sng">
+            <a:solidFill>
+              <a:srgbClr val="595959"/>
+            </a:solidFill>
+            <a:prstDash val="solid"/>
+            <a:round/>
+            <a:headEnd type="none" w="sm" len="sm"/>
+            <a:tailEnd type="none" w="sm" len="sm"/>
+          </a:ln>
+        </p:spPr>
+        <p:txBody>
+          <a:bodyPr spcFirstLastPara="1" wrap="square" lIns="91425" tIns="91425" rIns="91425" bIns="91425" anchor="ctr" anchorCtr="0">
+            <a:noAutofit/>
+          </a:bodyPr>
+          <a:lstStyle/>
+          <a:p>
+            <a:pPr marL="0" lvl="0" indent="0" algn="ctr" rtl="0">
+              <a:spcBef>
+                <a:spcPts val="0"/>
+              </a:spcBef>
+              <a:spcAft>
+                <a:spcPts val="0"/>
+              </a:spcAft>
+              <a:buNone/>
+            </a:pPr>
+            <a:endParaRPr/>
+          </a:p>
+        </p:txBody>
+      </p:sp>
+      <p:sp>
+        <p:nvSpPr>
+          <p:cNvPr id="288" name="Google Shape;288;p34"/>
+          <p:cNvSpPr/>
+          <p:nvPr/>
+        </p:nvSpPr>
+        <p:spPr>
+          <a:xfrm>
+            <a:off x="4667561" y="4268784"/>
+            <a:ext cx="125400" cy="125400"/>
+          </a:xfrm>
+          <a:prstGeom prst="ellipse">
+            <a:avLst/>
+          </a:prstGeom>
+          <a:solidFill>
+            <a:srgbClr val="3C78D8"/>
+          </a:solidFill>
+          <a:ln w="9525" cap="flat" cmpd="sng">
+            <a:solidFill>
+              <a:srgbClr val="595959"/>
+            </a:solidFill>
+            <a:prstDash val="solid"/>
+            <a:round/>
+            <a:headEnd type="none" w="sm" len="sm"/>
+            <a:tailEnd type="none" w="sm" len="sm"/>
+          </a:ln>
+        </p:spPr>
+        <p:txBody>
+          <a:bodyPr spcFirstLastPara="1" wrap="square" lIns="91425" tIns="91425" rIns="91425" bIns="91425" anchor="ctr" anchorCtr="0">
+            <a:noAutofit/>
+          </a:bodyPr>
+          <a:lstStyle/>
+          <a:p>
+            <a:pPr marL="0" lvl="0" indent="0" algn="ctr" rtl="0">
+              <a:spcBef>
+                <a:spcPts val="0"/>
+              </a:spcBef>
+              <a:spcAft>
+                <a:spcPts val="0"/>
+              </a:spcAft>
+              <a:buNone/>
+            </a:pPr>
+            <a:endParaRPr/>
+          </a:p>
+        </p:txBody>
+      </p:sp>
+      <p:pic>
+        <p:nvPicPr>
+          <p:cNvPr id="289" name="Google Shape;289;p34"/>
+          <p:cNvPicPr preferRelativeResize="0"/>
+          <p:nvPr/>
+        </p:nvPicPr>
+        <p:blipFill>
+          <a:blip r:embed="rId6" cstate="email">
+            <a:alphaModFix/>
+            <a:extLst>
+              <a:ext uri="{28A0092B-C50C-407E-A947-70E740481C1C}">
+                <a14:useLocalDpi xmlns:a14="http://schemas.microsoft.com/office/drawing/2010/main"/>
+              </a:ext>
+            </a:extLst>
+          </a:blip>
+          <a:stretch>
+            <a:fillRect/>
+          </a:stretch>
+        </p:blipFill>
+        <p:spPr>
+          <a:xfrm>
+            <a:off x="801310" y="864825"/>
+            <a:ext cx="3126627" cy="4205876"/>
+          </a:xfrm>
+          <a:prstGeom prst="rect">
+            <a:avLst/>
+          </a:prstGeom>
+          <a:noFill/>
+          <a:ln w="9525" cap="flat" cmpd="sng">
+            <a:solidFill>
+              <a:srgbClr val="FF0000"/>
+            </a:solidFill>
+            <a:prstDash val="solid"/>
+            <a:round/>
+            <a:headEnd type="none" w="sm" len="sm"/>
+            <a:tailEnd type="none" w="sm" len="sm"/>
+          </a:ln>
+        </p:spPr>
+      </p:pic>
+      <p:pic>
+        <p:nvPicPr>
+          <p:cNvPr id="290" name="Google Shape;290;p34"/>
+          <p:cNvPicPr preferRelativeResize="0"/>
+          <p:nvPr/>
+        </p:nvPicPr>
+        <p:blipFill>
+          <a:blip r:embed="rId7" cstate="email">
+            <a:alphaModFix/>
+            <a:extLst>
+              <a:ext uri="{28A0092B-C50C-407E-A947-70E740481C1C}">
+                <a14:useLocalDpi xmlns:a14="http://schemas.microsoft.com/office/drawing/2010/main"/>
+              </a:ext>
+            </a:extLst>
+          </a:blip>
+          <a:stretch>
+            <a:fillRect/>
+          </a:stretch>
+        </p:blipFill>
+        <p:spPr>
+          <a:xfrm>
+            <a:off x="4810636" y="834772"/>
+            <a:ext cx="3126624" cy="4205879"/>
+          </a:xfrm>
+          <a:prstGeom prst="rect">
+            <a:avLst/>
+          </a:prstGeom>
+          <a:noFill/>
+          <a:ln w="9525" cap="flat" cmpd="sng">
+            <a:solidFill>
+              <a:srgbClr val="FF0000"/>
+            </a:solidFill>
+            <a:prstDash val="solid"/>
+            <a:round/>
+            <a:headEnd type="none" w="sm" len="sm"/>
+            <a:tailEnd type="none" w="sm" len="sm"/>
+          </a:ln>
+        </p:spPr>
+      </p:pic>
+      <p:sp>
+        <p:nvSpPr>
+          <p:cNvPr id="291" name="Google Shape;291;p34"/>
+          <p:cNvSpPr/>
+          <p:nvPr/>
+        </p:nvSpPr>
+        <p:spPr>
+          <a:xfrm>
+            <a:off x="651849" y="1183624"/>
+            <a:ext cx="125400" cy="125400"/>
+          </a:xfrm>
+          <a:prstGeom prst="ellipse">
+            <a:avLst/>
+          </a:prstGeom>
+          <a:solidFill>
+            <a:srgbClr val="FF0000"/>
+          </a:solidFill>
+          <a:ln w="9525" cap="flat" cmpd="sng">
+            <a:solidFill>
+              <a:srgbClr val="595959"/>
+            </a:solidFill>
+            <a:prstDash val="solid"/>
+            <a:round/>
+            <a:headEnd type="none" w="sm" len="sm"/>
+            <a:tailEnd type="none" w="sm" len="sm"/>
+          </a:ln>
+        </p:spPr>
+        <p:txBody>
+          <a:bodyPr spcFirstLastPara="1" wrap="square" lIns="91425" tIns="91425" rIns="91425" bIns="91425" anchor="ctr" anchorCtr="0">
+            <a:noAutofit/>
+          </a:bodyPr>
+          <a:lstStyle/>
+          <a:p>
+            <a:pPr marL="0" lvl="0" indent="0" algn="ctr" rtl="0">
+              <a:spcBef>
+                <a:spcPts val="0"/>
+              </a:spcBef>
+              <a:spcAft>
+                <a:spcPts val="0"/>
+              </a:spcAft>
+              <a:buNone/>
+            </a:pPr>
+            <a:endParaRPr/>
+          </a:p>
+        </p:txBody>
+      </p:sp>
+      <p:sp>
+        <p:nvSpPr>
+          <p:cNvPr id="292" name="Google Shape;292;p34"/>
+          <p:cNvSpPr/>
+          <p:nvPr/>
+        </p:nvSpPr>
+        <p:spPr>
+          <a:xfrm>
+            <a:off x="651861" y="4883426"/>
+            <a:ext cx="125400" cy="125400"/>
+          </a:xfrm>
+          <a:prstGeom prst="ellipse">
+            <a:avLst/>
+          </a:prstGeom>
+          <a:solidFill>
+            <a:srgbClr val="3C78D8"/>
+          </a:solidFill>
+          <a:ln w="9525" cap="flat" cmpd="sng">
+            <a:solidFill>
+              <a:srgbClr val="595959"/>
+            </a:solidFill>
+            <a:prstDash val="solid"/>
+            <a:round/>
+            <a:headEnd type="none" w="sm" len="sm"/>
+            <a:tailEnd type="none" w="sm" len="sm"/>
+          </a:ln>
+        </p:spPr>
+        <p:txBody>
+          <a:bodyPr spcFirstLastPara="1" wrap="square" lIns="91425" tIns="91425" rIns="91425" bIns="91425" anchor="ctr" anchorCtr="0">
+            <a:noAutofit/>
+          </a:bodyPr>
+          <a:lstStyle/>
+          <a:p>
+            <a:pPr marL="0" lvl="0" indent="0" algn="ctr" rtl="0">
+              <a:spcBef>
+                <a:spcPts val="0"/>
+              </a:spcBef>
+              <a:spcAft>
+                <a:spcPts val="0"/>
+              </a:spcAft>
+              <a:buNone/>
+            </a:pPr>
+            <a:endParaRPr/>
+          </a:p>
+        </p:txBody>
+      </p:sp>
+      <p:sp>
+        <p:nvSpPr>
+          <p:cNvPr id="293" name="Google Shape;293;p34"/>
+          <p:cNvSpPr/>
+          <p:nvPr/>
+        </p:nvSpPr>
+        <p:spPr>
+          <a:xfrm>
+            <a:off x="4667561" y="1155130"/>
+            <a:ext cx="125400" cy="125400"/>
+          </a:xfrm>
+          <a:prstGeom prst="ellipse">
+            <a:avLst/>
+          </a:prstGeom>
+          <a:solidFill>
+            <a:srgbClr val="FF0000"/>
+          </a:solidFill>
+          <a:ln w="9525" cap="flat" cmpd="sng">
+            <a:solidFill>
+              <a:srgbClr val="595959"/>
+            </a:solidFill>
+            <a:prstDash val="solid"/>
+            <a:round/>
+            <a:headEnd type="none" w="sm" len="sm"/>
+            <a:tailEnd type="none" w="sm" len="sm"/>
+          </a:ln>
+        </p:spPr>
+        <p:txBody>
+          <a:bodyPr spcFirstLastPara="1" wrap="square" lIns="91425" tIns="91425" rIns="91425" bIns="91425" anchor="ctr" anchorCtr="0">
+            <a:noAutofit/>
+          </a:bodyPr>
+          <a:lstStyle/>
+          <a:p>
+            <a:pPr marL="0" lvl="0" indent="0" algn="ctr" rtl="0">
+              <a:spcBef>
+                <a:spcPts val="0"/>
+              </a:spcBef>
+              <a:spcAft>
+                <a:spcPts val="0"/>
+              </a:spcAft>
+              <a:buNone/>
+            </a:pPr>
+            <a:endParaRPr/>
+          </a:p>
+        </p:txBody>
+      </p:sp>
+      <p:sp>
+        <p:nvSpPr>
+          <p:cNvPr id="294" name="Google Shape;294;p34"/>
+          <p:cNvSpPr/>
+          <p:nvPr/>
+        </p:nvSpPr>
+        <p:spPr>
+          <a:xfrm>
+            <a:off x="4667561" y="4478930"/>
+            <a:ext cx="125400" cy="125400"/>
+          </a:xfrm>
+          <a:prstGeom prst="ellipse">
+            <a:avLst/>
+          </a:prstGeom>
+          <a:solidFill>
+            <a:srgbClr val="6AA84F"/>
+          </a:solidFill>
+          <a:ln w="9525" cap="flat" cmpd="sng">
+            <a:solidFill>
+              <a:srgbClr val="595959"/>
+            </a:solidFill>
+            <a:prstDash val="solid"/>
+            <a:round/>
+            <a:headEnd type="none" w="sm" len="sm"/>
+            <a:tailEnd type="none" w="sm" len="sm"/>
+          </a:ln>
+        </p:spPr>
+        <p:txBody>
+          <a:bodyPr spcFirstLastPara="1" wrap="square" lIns="91425" tIns="91425" rIns="91425" bIns="91425" anchor="ctr" anchorCtr="0">
+            <a:noAutofit/>
+          </a:bodyPr>
+          <a:lstStyle/>
+          <a:p>
+            <a:pPr marL="0" lvl="0" indent="0" algn="ctr" rtl="0">
+              <a:spcBef>
+                <a:spcPts val="0"/>
+              </a:spcBef>
+              <a:spcAft>
+                <a:spcPts val="0"/>
+              </a:spcAft>
+              <a:buNone/>
+            </a:pPr>
+            <a:endParaRPr/>
+          </a:p>
+        </p:txBody>
+      </p:sp>
+    </p:spTree>
+  </p:cSld>
+  <p:clrMapOvr>
+    <a:masterClrMapping/>
+  </p:clrMapOvr>
+</p:sld>
+</file>
+
+<file path=ppt/slides/slide21.xml><?xml version="1.0" encoding="utf-8"?>
+<p:sld xmlns:a="http://schemas.openxmlformats.org/drawingml/2006/main" xmlns:r="http://schemas.openxmlformats.org/officeDocument/2006/relationships" xmlns:p="http://schemas.openxmlformats.org/presentationml/2006/main">
+  <p:cSld>
+    <p:spTree>
+      <p:nvGrpSpPr>
+        <p:cNvPr id="1" name="Shape 298"/>
         <p:cNvGrpSpPr/>
         <p:nvPr/>
       </p:nvGrpSpPr>
@@ -25677,7 +26674,7 @@
       </p:grpSpPr>
       <p:pic>
         <p:nvPicPr>
-          <p:cNvPr id="288" name="Google Shape;288;p34"/>
+          <p:cNvPr id="299" name="Google Shape;299;p35"/>
           <p:cNvPicPr preferRelativeResize="0"/>
           <p:nvPr/>
         </p:nvPicPr>
@@ -25709,7 +26706,7 @@
       </p:pic>
       <p:sp>
         <p:nvSpPr>
-          <p:cNvPr id="289" name="Google Shape;289;p34"/>
+          <p:cNvPr id="300" name="Google Shape;300;p35"/>
           <p:cNvSpPr txBox="1"/>
           <p:nvPr/>
         </p:nvSpPr>
@@ -25775,7 +26772,7 @@
       </p:sp>
       <p:sp>
         <p:nvSpPr>
-          <p:cNvPr id="290" name="Google Shape;290;p34"/>
+          <p:cNvPr id="301" name="Google Shape;301;p35"/>
           <p:cNvSpPr txBox="1"/>
           <p:nvPr/>
         </p:nvSpPr>
@@ -26205,7 +27202,7 @@
       </p:sp>
       <p:pic>
         <p:nvPicPr>
-          <p:cNvPr id="291" name="Google Shape;291;p34"/>
+          <p:cNvPr id="302" name="Google Shape;302;p35"/>
           <p:cNvPicPr preferRelativeResize="0"/>
           <p:nvPr/>
         </p:nvPicPr>
@@ -26237,7 +27234,7 @@
       </p:pic>
       <p:sp>
         <p:nvSpPr>
-          <p:cNvPr id="292" name="Google Shape;292;p34"/>
+          <p:cNvPr id="303" name="Google Shape;303;p35"/>
           <p:cNvSpPr txBox="1"/>
           <p:nvPr/>
         </p:nvSpPr>
@@ -26316,7 +27313,7 @@
       </p:sp>
       <p:sp>
         <p:nvSpPr>
-          <p:cNvPr id="293" name="Google Shape;293;p34"/>
+          <p:cNvPr id="304" name="Google Shape;304;p35"/>
           <p:cNvSpPr txBox="1"/>
           <p:nvPr/>
         </p:nvSpPr>
@@ -26388,12 +27385,12 @@
 </p:sld>
 </file>
 
-<file path=ppt/slides/slide21.xml><?xml version="1.0" encoding="utf-8"?>
+<file path=ppt/slides/slide22.xml><?xml version="1.0" encoding="utf-8"?>
 <p:sld xmlns:a="http://schemas.openxmlformats.org/drawingml/2006/main" xmlns:r="http://schemas.openxmlformats.org/officeDocument/2006/relationships" xmlns:p="http://schemas.openxmlformats.org/presentationml/2006/main">
   <p:cSld>
     <p:spTree>
       <p:nvGrpSpPr>
-        <p:cNvPr id="1" name="Shape 297"/>
+        <p:cNvPr id="1" name="Shape 308"/>
         <p:cNvGrpSpPr/>
         <p:nvPr/>
       </p:nvGrpSpPr>
@@ -26407,7 +27404,7 @@
       </p:grpSpPr>
       <p:sp>
         <p:nvSpPr>
-          <p:cNvPr id="298" name="Google Shape;298;p35"/>
+          <p:cNvPr id="309" name="Google Shape;309;p36"/>
           <p:cNvSpPr txBox="1"/>
           <p:nvPr/>
         </p:nvSpPr>

--- a/2025/2025-03-28-AI-Updates.pptx
+++ b/2025/2025-03-28-AI-Updates.pptx
@@ -5,7 +5,7 @@
     <p:sldMasterId id="2147483661" r:id="rId1"/>
   </p:sldMasterIdLst>
   <p:notesMasterIdLst>
-    <p:notesMasterId r:id="rId24"/>
+    <p:notesMasterId r:id="rId26"/>
   </p:notesMasterIdLst>
   <p:sldIdLst>
     <p:sldId id="256" r:id="rId2"/>
@@ -30,16 +30,18 @@
     <p:sldId id="275" r:id="rId21"/>
     <p:sldId id="276" r:id="rId22"/>
     <p:sldId id="277" r:id="rId23"/>
+    <p:sldId id="278" r:id="rId24"/>
+    <p:sldId id="279" r:id="rId25"/>
   </p:sldIdLst>
   <p:sldSz cx="9144000" cy="5143500" type="screen16x9"/>
   <p:notesSz cx="6858000" cy="9144000"/>
   <p:embeddedFontLst>
     <p:embeddedFont>
       <p:font typeface="Roboto Mono" pitchFamily="49" charset="0"/>
-      <p:regular r:id="rId25"/>
-      <p:bold r:id="rId26"/>
-      <p:italic r:id="rId27"/>
-      <p:boldItalic r:id="rId28"/>
+      <p:regular r:id="rId27"/>
+      <p:bold r:id="rId28"/>
+      <p:italic r:id="rId29"/>
+      <p:boldItalic r:id="rId30"/>
     </p:embeddedFont>
   </p:embeddedFontLst>
   <p:defaultTextStyle>
@@ -980,7 +982,7 @@
   <p:cSld>
     <p:spTree>
       <p:nvGrpSpPr>
-        <p:cNvPr id="1" name="Shape 132"/>
+        <p:cNvPr id="1" name="Shape 133"/>
         <p:cNvGrpSpPr/>
         <p:nvPr/>
       </p:nvGrpSpPr>
@@ -994,7 +996,7 @@
       </p:grpSpPr>
       <p:sp>
         <p:nvSpPr>
-          <p:cNvPr id="133" name="Google Shape;133;g342fb0f2d02_0_13:notes"/>
+          <p:cNvPr id="134" name="Google Shape;134;g342fb0f2d02_0_13:notes"/>
           <p:cNvSpPr>
             <a:spLocks noGrp="1" noRot="1" noChangeAspect="1"/>
           </p:cNvSpPr>
@@ -1045,7 +1047,7 @@
       </p:sp>
       <p:sp>
         <p:nvSpPr>
-          <p:cNvPr id="134" name="Google Shape;134;g342fb0f2d02_0_13:notes"/>
+          <p:cNvPr id="135" name="Google Shape;135;g342fb0f2d02_0_13:notes"/>
           <p:cNvSpPr txBox="1">
             <a:spLocks noGrp="1"/>
           </p:cNvSpPr>
@@ -1102,7 +1104,7 @@
   <p:cSld>
     <p:spTree>
       <p:nvGrpSpPr>
-        <p:cNvPr id="1" name="Shape 140"/>
+        <p:cNvPr id="1" name="Shape 141"/>
         <p:cNvGrpSpPr/>
         <p:nvPr/>
       </p:nvGrpSpPr>
@@ -1116,7 +1118,7 @@
       </p:grpSpPr>
       <p:sp>
         <p:nvSpPr>
-          <p:cNvPr id="141" name="Google Shape;141;g342fb0f2d02_0_25:notes"/>
+          <p:cNvPr id="142" name="Google Shape;142;g342fb0f2d02_0_25:notes"/>
           <p:cNvSpPr>
             <a:spLocks noGrp="1" noRot="1" noChangeAspect="1"/>
           </p:cNvSpPr>
@@ -1167,7 +1169,7 @@
       </p:sp>
       <p:sp>
         <p:nvSpPr>
-          <p:cNvPr id="142" name="Google Shape;142;g342fb0f2d02_0_25:notes"/>
+          <p:cNvPr id="143" name="Google Shape;143;g342fb0f2d02_0_25:notes"/>
           <p:cNvSpPr txBox="1">
             <a:spLocks noGrp="1"/>
           </p:cNvSpPr>
@@ -1224,7 +1226,7 @@
   <p:cSld>
     <p:spTree>
       <p:nvGrpSpPr>
-        <p:cNvPr id="1" name="Shape 154"/>
+        <p:cNvPr id="1" name="Shape 155"/>
         <p:cNvGrpSpPr/>
         <p:nvPr/>
       </p:nvGrpSpPr>
@@ -1238,7 +1240,7 @@
       </p:grpSpPr>
       <p:sp>
         <p:nvSpPr>
-          <p:cNvPr id="155" name="Google Shape;155;g3436fa7100a_1_0:notes"/>
+          <p:cNvPr id="156" name="Google Shape;156;g3436fa7100a_1_0:notes"/>
           <p:cNvSpPr>
             <a:spLocks noGrp="1" noRot="1" noChangeAspect="1"/>
           </p:cNvSpPr>
@@ -1289,7 +1291,7 @@
       </p:sp>
       <p:sp>
         <p:nvSpPr>
-          <p:cNvPr id="156" name="Google Shape;156;g3436fa7100a_1_0:notes"/>
+          <p:cNvPr id="157" name="Google Shape;157;g3436fa7100a_1_0:notes"/>
           <p:cNvSpPr txBox="1">
             <a:spLocks noGrp="1"/>
           </p:cNvSpPr>
@@ -1346,7 +1348,7 @@
   <p:cSld>
     <p:spTree>
       <p:nvGrpSpPr>
-        <p:cNvPr id="1" name="Shape 165"/>
+        <p:cNvPr id="1" name="Shape 166"/>
         <p:cNvGrpSpPr/>
         <p:nvPr/>
       </p:nvGrpSpPr>
@@ -1360,7 +1362,7 @@
       </p:grpSpPr>
       <p:sp>
         <p:nvSpPr>
-          <p:cNvPr id="166" name="Google Shape;166;g34389130ce5_2_1:notes"/>
+          <p:cNvPr id="167" name="Google Shape;167;g34389130ce5_2_1:notes"/>
           <p:cNvSpPr>
             <a:spLocks noGrp="1" noRot="1" noChangeAspect="1"/>
           </p:cNvSpPr>
@@ -1411,7 +1413,7 @@
       </p:sp>
       <p:sp>
         <p:nvSpPr>
-          <p:cNvPr id="167" name="Google Shape;167;g34389130ce5_2_1:notes"/>
+          <p:cNvPr id="168" name="Google Shape;168;g34389130ce5_2_1:notes"/>
           <p:cNvSpPr txBox="1">
             <a:spLocks noGrp="1"/>
           </p:cNvSpPr>
@@ -1468,7 +1470,7 @@
   <p:cSld>
     <p:spTree>
       <p:nvGrpSpPr>
-        <p:cNvPr id="1" name="Shape 174"/>
+        <p:cNvPr id="1" name="Shape 179"/>
         <p:cNvGrpSpPr/>
         <p:nvPr/>
       </p:nvGrpSpPr>
@@ -1482,7 +1484,7 @@
       </p:grpSpPr>
       <p:sp>
         <p:nvSpPr>
-          <p:cNvPr id="175" name="Google Shape;175;g3434e6f1a85_0_0:notes"/>
+          <p:cNvPr id="180" name="Google Shape;180;g343dd973e34_0_2:notes"/>
           <p:cNvSpPr>
             <a:spLocks noGrp="1" noRot="1" noChangeAspect="1"/>
           </p:cNvSpPr>
@@ -1533,7 +1535,7 @@
       </p:sp>
       <p:sp>
         <p:nvSpPr>
-          <p:cNvPr id="176" name="Google Shape;176;g3434e6f1a85_0_0:notes"/>
+          <p:cNvPr id="181" name="Google Shape;181;g343dd973e34_0_2:notes"/>
           <p:cNvSpPr txBox="1">
             <a:spLocks noGrp="1"/>
           </p:cNvSpPr>
@@ -1590,7 +1592,7 @@
   <p:cSld>
     <p:spTree>
       <p:nvGrpSpPr>
-        <p:cNvPr id="1" name="Shape 183"/>
+        <p:cNvPr id="1" name="Shape 187"/>
         <p:cNvGrpSpPr/>
         <p:nvPr/>
       </p:nvGrpSpPr>
@@ -1604,7 +1606,7 @@
       </p:grpSpPr>
       <p:sp>
         <p:nvSpPr>
-          <p:cNvPr id="184" name="Google Shape;184;g346923b93e7_2_0:notes"/>
+          <p:cNvPr id="188" name="Google Shape;188;g3434e6f1a85_0_0:notes"/>
           <p:cNvSpPr>
             <a:spLocks noGrp="1" noRot="1" noChangeAspect="1"/>
           </p:cNvSpPr>
@@ -1655,7 +1657,7 @@
       </p:sp>
       <p:sp>
         <p:nvSpPr>
-          <p:cNvPr id="185" name="Google Shape;185;g346923b93e7_2_0:notes"/>
+          <p:cNvPr id="189" name="Google Shape;189;g3434e6f1a85_0_0:notes"/>
           <p:cNvSpPr txBox="1">
             <a:spLocks noGrp="1"/>
           </p:cNvSpPr>
@@ -1712,7 +1714,7 @@
   <p:cSld>
     <p:spTree>
       <p:nvGrpSpPr>
-        <p:cNvPr id="1" name="Shape 190"/>
+        <p:cNvPr id="1" name="Shape 196"/>
         <p:cNvGrpSpPr/>
         <p:nvPr/>
       </p:nvGrpSpPr>
@@ -1726,7 +1728,7 @@
       </p:grpSpPr>
       <p:sp>
         <p:nvSpPr>
-          <p:cNvPr id="191" name="Google Shape;191;g34473ceb5ea_1_0:notes"/>
+          <p:cNvPr id="197" name="Google Shape;197;g346923b93e7_2_0:notes"/>
           <p:cNvSpPr>
             <a:spLocks noGrp="1" noRot="1" noChangeAspect="1"/>
           </p:cNvSpPr>
@@ -1777,7 +1779,7 @@
       </p:sp>
       <p:sp>
         <p:nvSpPr>
-          <p:cNvPr id="192" name="Google Shape;192;g34473ceb5ea_1_0:notes"/>
+          <p:cNvPr id="198" name="Google Shape;198;g346923b93e7_2_0:notes"/>
           <p:cNvSpPr txBox="1">
             <a:spLocks noGrp="1"/>
           </p:cNvSpPr>
@@ -1834,7 +1836,7 @@
   <p:cSld>
     <p:spTree>
       <p:nvGrpSpPr>
-        <p:cNvPr id="1" name="Shape 210"/>
+        <p:cNvPr id="1" name="Shape 203"/>
         <p:cNvGrpSpPr/>
         <p:nvPr/>
       </p:nvGrpSpPr>
@@ -1848,7 +1850,7 @@
       </p:grpSpPr>
       <p:sp>
         <p:nvSpPr>
-          <p:cNvPr id="211" name="Google Shape;211;g342fb0f2d02_0_0:notes"/>
+          <p:cNvPr id="204" name="Google Shape;204;g34473ceb5ea_1_0:notes"/>
           <p:cNvSpPr>
             <a:spLocks noGrp="1" noRot="1" noChangeAspect="1"/>
           </p:cNvSpPr>
@@ -1899,7 +1901,7 @@
       </p:sp>
       <p:sp>
         <p:nvSpPr>
-          <p:cNvPr id="212" name="Google Shape;212;g342fb0f2d02_0_0:notes"/>
+          <p:cNvPr id="205" name="Google Shape;205;g34473ceb5ea_1_0:notes"/>
           <p:cNvSpPr txBox="1">
             <a:spLocks noGrp="1"/>
           </p:cNvSpPr>
@@ -1956,7 +1958,7 @@
   <p:cSld>
     <p:spTree>
       <p:nvGrpSpPr>
-        <p:cNvPr id="1" name="Shape 219"/>
+        <p:cNvPr id="1" name="Shape 228"/>
         <p:cNvGrpSpPr/>
         <p:nvPr/>
       </p:nvGrpSpPr>
@@ -1970,7 +1972,7 @@
       </p:grpSpPr>
       <p:sp>
         <p:nvSpPr>
-          <p:cNvPr id="220" name="Google Shape;220;g342b150c69a_1_1:notes"/>
+          <p:cNvPr id="229" name="Google Shape;229;g342fb0f2d02_0_0:notes"/>
           <p:cNvSpPr>
             <a:spLocks noGrp="1" noRot="1" noChangeAspect="1"/>
           </p:cNvSpPr>
@@ -2021,7 +2023,7 @@
       </p:sp>
       <p:sp>
         <p:nvSpPr>
-          <p:cNvPr id="221" name="Google Shape;221;g342b150c69a_1_1:notes"/>
+          <p:cNvPr id="230" name="Google Shape;230;g342fb0f2d02_0_0:notes"/>
           <p:cNvSpPr txBox="1">
             <a:spLocks noGrp="1"/>
           </p:cNvSpPr>
@@ -2078,7 +2080,7 @@
   <p:cSld>
     <p:spTree>
       <p:nvGrpSpPr>
-        <p:cNvPr id="1" name="Shape 229"/>
+        <p:cNvPr id="1" name="Shape 237"/>
         <p:cNvGrpSpPr/>
         <p:nvPr/>
       </p:nvGrpSpPr>
@@ -2092,7 +2094,7 @@
       </p:grpSpPr>
       <p:sp>
         <p:nvSpPr>
-          <p:cNvPr id="230" name="Google Shape;230;g343c2922051_0_0:notes"/>
+          <p:cNvPr id="238" name="Google Shape;238;g342b150c69a_1_1:notes"/>
           <p:cNvSpPr>
             <a:spLocks noGrp="1" noRot="1" noChangeAspect="1"/>
           </p:cNvSpPr>
@@ -2143,7 +2145,7 @@
       </p:sp>
       <p:sp>
         <p:nvSpPr>
-          <p:cNvPr id="231" name="Google Shape;231;g343c2922051_0_0:notes"/>
+          <p:cNvPr id="239" name="Google Shape;239;g342b150c69a_1_1:notes"/>
           <p:cNvSpPr txBox="1">
             <a:spLocks noGrp="1"/>
           </p:cNvSpPr>
@@ -2322,7 +2324,7 @@
   <p:cSld>
     <p:spTree>
       <p:nvGrpSpPr>
-        <p:cNvPr id="1" name="Shape 237"/>
+        <p:cNvPr id="1" name="Shape 247"/>
         <p:cNvGrpSpPr/>
         <p:nvPr/>
       </p:nvGrpSpPr>
@@ -2336,7 +2338,251 @@
       </p:grpSpPr>
       <p:sp>
         <p:nvSpPr>
-          <p:cNvPr id="238" name="Google Shape;238;g2f03ac7ac9f_0_5:notes"/>
+          <p:cNvPr id="248" name="Google Shape;248;g343c2922051_0_0:notes"/>
+          <p:cNvSpPr>
+            <a:spLocks noGrp="1" noRot="1" noChangeAspect="1"/>
+          </p:cNvSpPr>
+          <p:nvPr>
+            <p:ph type="sldImg" idx="2"/>
+          </p:nvPr>
+        </p:nvSpPr>
+        <p:spPr>
+          <a:xfrm>
+            <a:off x="381000" y="685800"/>
+            <a:ext cx="6096000" cy="3429000"/>
+          </a:xfrm>
+          <a:custGeom>
+            <a:avLst/>
+            <a:gdLst/>
+            <a:ahLst/>
+            <a:cxnLst/>
+            <a:rect l="l" t="t" r="r" b="b"/>
+            <a:pathLst>
+              <a:path w="120000" h="120000" extrusionOk="0">
+                <a:moveTo>
+                  <a:pt x="0" y="0"/>
+                </a:moveTo>
+                <a:lnTo>
+                  <a:pt x="120000" y="0"/>
+                </a:lnTo>
+                <a:lnTo>
+                  <a:pt x="120000" y="120000"/>
+                </a:lnTo>
+                <a:lnTo>
+                  <a:pt x="0" y="120000"/>
+                </a:lnTo>
+                <a:close/>
+              </a:path>
+            </a:pathLst>
+          </a:custGeom>
+          <a:noFill/>
+          <a:ln w="9525" cap="flat" cmpd="sng">
+            <a:solidFill>
+              <a:srgbClr val="000000"/>
+            </a:solidFill>
+            <a:prstDash val="solid"/>
+            <a:round/>
+            <a:headEnd type="none" w="sm" len="sm"/>
+            <a:tailEnd type="none" w="sm" len="sm"/>
+          </a:ln>
+        </p:spPr>
+      </p:sp>
+      <p:sp>
+        <p:nvSpPr>
+          <p:cNvPr id="249" name="Google Shape;249;g343c2922051_0_0:notes"/>
+          <p:cNvSpPr txBox="1">
+            <a:spLocks noGrp="1"/>
+          </p:cNvSpPr>
+          <p:nvPr>
+            <p:ph type="body" idx="1"/>
+          </p:nvPr>
+        </p:nvSpPr>
+        <p:spPr>
+          <a:xfrm>
+            <a:off x="685800" y="4343400"/>
+            <a:ext cx="5486400" cy="4114800"/>
+          </a:xfrm>
+          <a:prstGeom prst="rect">
+            <a:avLst/>
+          </a:prstGeom>
+          <a:noFill/>
+          <a:ln>
+            <a:noFill/>
+          </a:ln>
+        </p:spPr>
+        <p:txBody>
+          <a:bodyPr spcFirstLastPara="1" wrap="square" lIns="91425" tIns="91425" rIns="91425" bIns="91425" anchor="t" anchorCtr="0">
+            <a:noAutofit/>
+          </a:bodyPr>
+          <a:lstStyle/>
+          <a:p>
+            <a:pPr marL="0" lvl="0" indent="0" algn="l" rtl="0">
+              <a:lnSpc>
+                <a:spcPct val="100000"/>
+              </a:lnSpc>
+              <a:spcBef>
+                <a:spcPts val="0"/>
+              </a:spcBef>
+              <a:spcAft>
+                <a:spcPts val="0"/>
+              </a:spcAft>
+              <a:buSzPts val="1100"/>
+              <a:buNone/>
+            </a:pPr>
+            <a:endParaRPr/>
+          </a:p>
+        </p:txBody>
+      </p:sp>
+    </p:spTree>
+  </p:cSld>
+  <p:clrMapOvr>
+    <a:masterClrMapping/>
+  </p:clrMapOvr>
+</p:notes>
+</file>
+
+<file path=ppt/notesSlides/notesSlide21.xml><?xml version="1.0" encoding="utf-8"?>
+<p:notes xmlns:a="http://schemas.openxmlformats.org/drawingml/2006/main" xmlns:r="http://schemas.openxmlformats.org/officeDocument/2006/relationships" xmlns:p="http://schemas.openxmlformats.org/presentationml/2006/main" showMasterSp="0" showMasterPhAnim="0">
+  <p:cSld>
+    <p:spTree>
+      <p:nvGrpSpPr>
+        <p:cNvPr id="1" name="Shape 255"/>
+        <p:cNvGrpSpPr/>
+        <p:nvPr/>
+      </p:nvGrpSpPr>
+      <p:grpSpPr>
+        <a:xfrm>
+          <a:off x="0" y="0"/>
+          <a:ext cx="0" cy="0"/>
+          <a:chOff x="0" y="0"/>
+          <a:chExt cx="0" cy="0"/>
+        </a:xfrm>
+      </p:grpSpPr>
+      <p:sp>
+        <p:nvSpPr>
+          <p:cNvPr id="256" name="Google Shape;256;g343de78a976_0_0:notes"/>
+          <p:cNvSpPr>
+            <a:spLocks noGrp="1" noRot="1" noChangeAspect="1"/>
+          </p:cNvSpPr>
+          <p:nvPr>
+            <p:ph type="sldImg" idx="2"/>
+          </p:nvPr>
+        </p:nvSpPr>
+        <p:spPr>
+          <a:xfrm>
+            <a:off x="381000" y="685800"/>
+            <a:ext cx="6096000" cy="3429000"/>
+          </a:xfrm>
+          <a:custGeom>
+            <a:avLst/>
+            <a:gdLst/>
+            <a:ahLst/>
+            <a:cxnLst/>
+            <a:rect l="l" t="t" r="r" b="b"/>
+            <a:pathLst>
+              <a:path w="120000" h="120000" extrusionOk="0">
+                <a:moveTo>
+                  <a:pt x="0" y="0"/>
+                </a:moveTo>
+                <a:lnTo>
+                  <a:pt x="120000" y="0"/>
+                </a:lnTo>
+                <a:lnTo>
+                  <a:pt x="120000" y="120000"/>
+                </a:lnTo>
+                <a:lnTo>
+                  <a:pt x="0" y="120000"/>
+                </a:lnTo>
+                <a:close/>
+              </a:path>
+            </a:pathLst>
+          </a:custGeom>
+          <a:noFill/>
+          <a:ln w="9525" cap="flat" cmpd="sng">
+            <a:solidFill>
+              <a:srgbClr val="000000"/>
+            </a:solidFill>
+            <a:prstDash val="solid"/>
+            <a:round/>
+            <a:headEnd type="none" w="sm" len="sm"/>
+            <a:tailEnd type="none" w="sm" len="sm"/>
+          </a:ln>
+        </p:spPr>
+      </p:sp>
+      <p:sp>
+        <p:nvSpPr>
+          <p:cNvPr id="257" name="Google Shape;257;g343de78a976_0_0:notes"/>
+          <p:cNvSpPr txBox="1">
+            <a:spLocks noGrp="1"/>
+          </p:cNvSpPr>
+          <p:nvPr>
+            <p:ph type="body" idx="1"/>
+          </p:nvPr>
+        </p:nvSpPr>
+        <p:spPr>
+          <a:xfrm>
+            <a:off x="685800" y="4343400"/>
+            <a:ext cx="5486400" cy="4114800"/>
+          </a:xfrm>
+          <a:prstGeom prst="rect">
+            <a:avLst/>
+          </a:prstGeom>
+          <a:noFill/>
+          <a:ln>
+            <a:noFill/>
+          </a:ln>
+        </p:spPr>
+        <p:txBody>
+          <a:bodyPr spcFirstLastPara="1" wrap="square" lIns="91425" tIns="91425" rIns="91425" bIns="91425" anchor="t" anchorCtr="0">
+            <a:noAutofit/>
+          </a:bodyPr>
+          <a:lstStyle/>
+          <a:p>
+            <a:pPr marL="0" lvl="0" indent="0" algn="l" rtl="0">
+              <a:lnSpc>
+                <a:spcPct val="100000"/>
+              </a:lnSpc>
+              <a:spcBef>
+                <a:spcPts val="0"/>
+              </a:spcBef>
+              <a:spcAft>
+                <a:spcPts val="0"/>
+              </a:spcAft>
+              <a:buSzPts val="1100"/>
+              <a:buNone/>
+            </a:pPr>
+            <a:endParaRPr/>
+          </a:p>
+        </p:txBody>
+      </p:sp>
+    </p:spTree>
+  </p:cSld>
+  <p:clrMapOvr>
+    <a:masterClrMapping/>
+  </p:clrMapOvr>
+</p:notes>
+</file>
+
+<file path=ppt/notesSlides/notesSlide22.xml><?xml version="1.0" encoding="utf-8"?>
+<p:notes xmlns:a="http://schemas.openxmlformats.org/drawingml/2006/main" xmlns:r="http://schemas.openxmlformats.org/officeDocument/2006/relationships" xmlns:p="http://schemas.openxmlformats.org/presentationml/2006/main" showMasterSp="0" showMasterPhAnim="0">
+  <p:cSld>
+    <p:spTree>
+      <p:nvGrpSpPr>
+        <p:cNvPr id="1" name="Shape 266"/>
+        <p:cNvGrpSpPr/>
+        <p:nvPr/>
+      </p:nvGrpSpPr>
+      <p:grpSpPr>
+        <a:xfrm>
+          <a:off x="0" y="0"/>
+          <a:ext cx="0" cy="0"/>
+          <a:chOff x="0" y="0"/>
+          <a:chExt cx="0" cy="0"/>
+        </a:xfrm>
+      </p:grpSpPr>
+      <p:sp>
+        <p:nvSpPr>
+          <p:cNvPr id="267" name="Google Shape;267;g2f03ac7ac9f_0_5:notes"/>
           <p:cNvSpPr>
             <a:spLocks noGrp="1" noRot="1" noChangeAspect="1"/>
           </p:cNvSpPr>
@@ -2387,7 +2633,7 @@
       </p:sp>
       <p:sp>
         <p:nvSpPr>
-          <p:cNvPr id="239" name="Google Shape;239;g2f03ac7ac9f_0_5:notes"/>
+          <p:cNvPr id="268" name="Google Shape;268;g2f03ac7ac9f_0_5:notes"/>
           <p:cNvSpPr txBox="1">
             <a:spLocks noGrp="1"/>
           </p:cNvSpPr>
@@ -2439,12 +2685,12 @@
 </p:notes>
 </file>
 
-<file path=ppt/notesSlides/notesSlide21.xml><?xml version="1.0" encoding="utf-8"?>
+<file path=ppt/notesSlides/notesSlide23.xml><?xml version="1.0" encoding="utf-8"?>
 <p:notes xmlns:a="http://schemas.openxmlformats.org/drawingml/2006/main" xmlns:r="http://schemas.openxmlformats.org/officeDocument/2006/relationships" xmlns:p="http://schemas.openxmlformats.org/presentationml/2006/main" showMasterSp="0" showMasterPhAnim="0">
   <p:cSld>
     <p:spTree>
       <p:nvGrpSpPr>
-        <p:cNvPr id="1" name="Shape 295"/>
+        <p:cNvPr id="1" name="Shape 324"/>
         <p:cNvGrpSpPr/>
         <p:nvPr/>
       </p:nvGrpSpPr>
@@ -2458,7 +2704,7 @@
       </p:grpSpPr>
       <p:sp>
         <p:nvSpPr>
-          <p:cNvPr id="296" name="Google Shape;296;p22:notes"/>
+          <p:cNvPr id="325" name="Google Shape;325;p22:notes"/>
           <p:cNvSpPr>
             <a:spLocks noGrp="1" noRot="1" noChangeAspect="1"/>
           </p:cNvSpPr>
@@ -2509,7 +2755,7 @@
       </p:sp>
       <p:sp>
         <p:nvSpPr>
-          <p:cNvPr id="297" name="Google Shape;297;p22:notes"/>
+          <p:cNvPr id="326" name="Google Shape;326;p22:notes"/>
           <p:cNvSpPr txBox="1">
             <a:spLocks noGrp="1"/>
           </p:cNvSpPr>
@@ -2561,12 +2807,12 @@
 </p:notes>
 </file>
 
-<file path=ppt/notesSlides/notesSlide22.xml><?xml version="1.0" encoding="utf-8"?>
+<file path=ppt/notesSlides/notesSlide24.xml><?xml version="1.0" encoding="utf-8"?>
 <p:notes xmlns:a="http://schemas.openxmlformats.org/drawingml/2006/main" xmlns:r="http://schemas.openxmlformats.org/officeDocument/2006/relationships" xmlns:p="http://schemas.openxmlformats.org/presentationml/2006/main" showMasterSp="0" showMasterPhAnim="0">
   <p:cSld>
     <p:spTree>
       <p:nvGrpSpPr>
-        <p:cNvPr id="1" name="Shape 305"/>
+        <p:cNvPr id="1" name="Shape 334"/>
         <p:cNvGrpSpPr/>
         <p:nvPr/>
       </p:nvGrpSpPr>
@@ -2580,7 +2826,7 @@
       </p:grpSpPr>
       <p:sp>
         <p:nvSpPr>
-          <p:cNvPr id="306" name="Google Shape;306;p23:notes"/>
+          <p:cNvPr id="335" name="Google Shape;335;p23:notes"/>
           <p:cNvSpPr>
             <a:spLocks noGrp="1" noRot="1" noChangeAspect="1"/>
           </p:cNvSpPr>
@@ -2631,7 +2877,7 @@
       </p:sp>
       <p:sp>
         <p:nvSpPr>
-          <p:cNvPr id="307" name="Google Shape;307;p23:notes"/>
+          <p:cNvPr id="336" name="Google Shape;336;p23:notes"/>
           <p:cNvSpPr txBox="1">
             <a:spLocks noGrp="1"/>
           </p:cNvSpPr>
@@ -12808,8 +13054,8 @@
         </p:nvSpPr>
         <p:spPr>
           <a:xfrm>
-            <a:off x="78651" y="966788"/>
-            <a:ext cx="4420200" cy="2096400"/>
+            <a:off x="78651" y="814388"/>
+            <a:ext cx="4420200" cy="2327400"/>
           </a:xfrm>
           <a:prstGeom prst="rect">
             <a:avLst/>
@@ -13079,6 +13325,43 @@
                 <a:cs typeface="Calibri"/>
                 <a:sym typeface="Calibri"/>
               </a:rPr>
+              <a:t>OpenAI raising $40 Bln at a $300 Bln valuation</a:t>
+            </a:r>
+            <a:endParaRPr sz="1500" b="1">
+              <a:solidFill>
+                <a:srgbClr val="3C78D8"/>
+              </a:solidFill>
+              <a:latin typeface="Calibri"/>
+              <a:ea typeface="Calibri"/>
+              <a:cs typeface="Calibri"/>
+              <a:sym typeface="Calibri"/>
+            </a:endParaRPr>
+          </a:p>
+          <a:p>
+            <a:pPr marL="228600" lvl="0" indent="-209550" algn="l" rtl="0">
+              <a:spcBef>
+                <a:spcPts val="0"/>
+              </a:spcBef>
+              <a:spcAft>
+                <a:spcPts val="0"/>
+              </a:spcAft>
+              <a:buClr>
+                <a:srgbClr val="3C78D8"/>
+              </a:buClr>
+              <a:buSzPts val="1500"/>
+              <a:buFont typeface="Calibri"/>
+              <a:buChar char="●"/>
+            </a:pPr>
+            <a:r>
+              <a:rPr lang="en" sz="1500" b="1">
+                <a:solidFill>
+                  <a:srgbClr val="3C78D8"/>
+                </a:solidFill>
+                <a:latin typeface="Calibri"/>
+                <a:ea typeface="Calibri"/>
+                <a:cs typeface="Calibri"/>
+                <a:sym typeface="Calibri"/>
+              </a:rPr>
               <a:t>Ollama Deep Research</a:t>
             </a:r>
             <a:endParaRPr sz="1500" b="1">
@@ -13175,8 +13458,8 @@
         </p:nvSpPr>
         <p:spPr>
           <a:xfrm>
-            <a:off x="1056500" y="52850"/>
-            <a:ext cx="2464500" cy="880500"/>
+            <a:off x="1244875" y="-23350"/>
+            <a:ext cx="2072400" cy="818700"/>
           </a:xfrm>
           <a:prstGeom prst="rect">
             <a:avLst/>
@@ -13210,7 +13493,7 @@
               <a:buNone/>
             </a:pPr>
             <a:r>
-              <a:rPr lang="en" sz="3400" b="1" i="0" u="none" strike="noStrike" cap="none">
+              <a:rPr lang="en" sz="3000" b="1" i="0" u="none" strike="noStrike" cap="none">
                 <a:solidFill>
                   <a:srgbClr val="3C78D8"/>
                 </a:solidFill>
@@ -13221,7 +13504,7 @@
               </a:rPr>
               <a:t>AI Updates</a:t>
             </a:r>
-            <a:endParaRPr sz="3400" b="1">
+            <a:endParaRPr sz="3000" b="1">
               <a:solidFill>
                 <a:srgbClr val="3C78D8"/>
               </a:solidFill>
@@ -13305,8 +13588,8 @@
         </p:nvSpPr>
         <p:spPr>
           <a:xfrm>
-            <a:off x="4659176" y="4605297"/>
-            <a:ext cx="4420200" cy="480300"/>
+            <a:off x="4576975" y="4596476"/>
+            <a:ext cx="4502400" cy="480300"/>
           </a:xfrm>
           <a:prstGeom prst="rect">
             <a:avLst/>
@@ -13743,8 +14026,8 @@
         </p:nvSpPr>
         <p:spPr>
           <a:xfrm>
-            <a:off x="4659176" y="966788"/>
-            <a:ext cx="4420200" cy="2558100"/>
+            <a:off x="4576975" y="814400"/>
+            <a:ext cx="4502400" cy="3712500"/>
           </a:xfrm>
           <a:prstGeom prst="rect">
             <a:avLst/>
@@ -13903,7 +14186,7 @@
                 <a:cs typeface="Calibri"/>
                 <a:sym typeface="Calibri"/>
               </a:rPr>
-              <a:t>Google Gemini real-time screen and camera</a:t>
+              <a:t>Qwen2.5-Omni - See, Hear, Talk, Write - open source</a:t>
             </a:r>
             <a:endParaRPr sz="1500" b="1">
               <a:solidFill>
@@ -13940,7 +14223,7 @@
                 <a:cs typeface="Calibri"/>
                 <a:sym typeface="Calibri"/>
               </a:rPr>
-              <a:t>Microsoft Copilot Researcher and Analyst</a:t>
+              <a:t>Google Gemini real-time screen and camera</a:t>
             </a:r>
             <a:endParaRPr sz="1500" b="1">
               <a:solidFill>
@@ -13977,7 +14260,7 @@
                 <a:cs typeface="Calibri"/>
                 <a:sym typeface="Calibri"/>
               </a:rPr>
-              <a:t>ARC-AGI-2</a:t>
+              <a:t>Microsoft Copilot Researcher and Analyst</a:t>
             </a:r>
             <a:endParaRPr sz="1500" b="1">
               <a:solidFill>
@@ -14014,7 +14297,7 @@
                 <a:cs typeface="Calibri"/>
                 <a:sym typeface="Calibri"/>
               </a:rPr>
-              <a:t>Chat2DB</a:t>
+              <a:t>Grok on Telegram</a:t>
             </a:r>
             <a:endParaRPr sz="1500" b="1">
               <a:solidFill>
@@ -14051,7 +14334,7 @@
                 <a:cs typeface="Calibri"/>
                 <a:sym typeface="Calibri"/>
               </a:rPr>
-              <a:t>Robots</a:t>
+              <a:t>Ideogram 3.0</a:t>
             </a:r>
             <a:endParaRPr sz="1500" b="1">
               <a:solidFill>
@@ -14088,7 +14371,7 @@
                 <a:cs typeface="Calibri"/>
                 <a:sym typeface="Calibri"/>
               </a:rPr>
-              <a:t>AI diagnose cancer with 99% accuracy</a:t>
+              <a:t>Microsoft Hyperlight Wasm</a:t>
             </a:r>
             <a:endParaRPr sz="1500" b="1">
               <a:solidFill>
@@ -14125,7 +14408,7 @@
                 <a:cs typeface="Calibri"/>
                 <a:sym typeface="Calibri"/>
               </a:rPr>
-              <a:t>Chain-Of-Draft - fast and cheap</a:t>
+              <a:t>ARC-AGI-2</a:t>
             </a:r>
             <a:endParaRPr sz="1500" b="1">
               <a:solidFill>
@@ -14162,7 +14445,192 @@
                 <a:cs typeface="Calibri"/>
                 <a:sym typeface="Calibri"/>
               </a:rPr>
+              <a:t>Chat2DB</a:t>
+            </a:r>
+            <a:endParaRPr sz="1500" b="1">
+              <a:solidFill>
+                <a:srgbClr val="3C78D8"/>
+              </a:solidFill>
+              <a:latin typeface="Calibri"/>
+              <a:ea typeface="Calibri"/>
+              <a:cs typeface="Calibri"/>
+              <a:sym typeface="Calibri"/>
+            </a:endParaRPr>
+          </a:p>
+          <a:p>
+            <a:pPr marL="228600" lvl="0" indent="-209550" algn="l" rtl="0">
+              <a:spcBef>
+                <a:spcPts val="0"/>
+              </a:spcBef>
+              <a:spcAft>
+                <a:spcPts val="0"/>
+              </a:spcAft>
+              <a:buClr>
+                <a:srgbClr val="3C78D8"/>
+              </a:buClr>
+              <a:buSzPts val="1500"/>
+              <a:buFont typeface="Calibri"/>
+              <a:buChar char="●"/>
+            </a:pPr>
+            <a:r>
+              <a:rPr lang="en" sz="1500" b="1">
+                <a:solidFill>
+                  <a:srgbClr val="3C78D8"/>
+                </a:solidFill>
+                <a:latin typeface="Calibri"/>
+                <a:ea typeface="Calibri"/>
+                <a:cs typeface="Calibri"/>
+                <a:sym typeface="Calibri"/>
+              </a:rPr>
+              <a:t>Robots</a:t>
+            </a:r>
+            <a:endParaRPr sz="1500" b="1">
+              <a:solidFill>
+                <a:srgbClr val="3C78D8"/>
+              </a:solidFill>
+              <a:latin typeface="Calibri"/>
+              <a:ea typeface="Calibri"/>
+              <a:cs typeface="Calibri"/>
+              <a:sym typeface="Calibri"/>
+            </a:endParaRPr>
+          </a:p>
+          <a:p>
+            <a:pPr marL="228600" lvl="0" indent="-209550" algn="l" rtl="0">
+              <a:spcBef>
+                <a:spcPts val="0"/>
+              </a:spcBef>
+              <a:spcAft>
+                <a:spcPts val="0"/>
+              </a:spcAft>
+              <a:buClr>
+                <a:srgbClr val="3C78D8"/>
+              </a:buClr>
+              <a:buSzPts val="1500"/>
+              <a:buFont typeface="Calibri"/>
+              <a:buChar char="●"/>
+            </a:pPr>
+            <a:r>
+              <a:rPr lang="en" sz="1500" b="1">
+                <a:solidFill>
+                  <a:srgbClr val="3C78D8"/>
+                </a:solidFill>
+                <a:latin typeface="Calibri"/>
+                <a:ea typeface="Calibri"/>
+                <a:cs typeface="Calibri"/>
+                <a:sym typeface="Calibri"/>
+              </a:rPr>
+              <a:t>AI diagnose cancer with 99% accuracy</a:t>
+            </a:r>
+            <a:endParaRPr sz="1500" b="1">
+              <a:solidFill>
+                <a:srgbClr val="3C78D8"/>
+              </a:solidFill>
+              <a:latin typeface="Calibri"/>
+              <a:ea typeface="Calibri"/>
+              <a:cs typeface="Calibri"/>
+              <a:sym typeface="Calibri"/>
+            </a:endParaRPr>
+          </a:p>
+          <a:p>
+            <a:pPr marL="228600" lvl="0" indent="-209550" algn="l" rtl="0">
+              <a:spcBef>
+                <a:spcPts val="0"/>
+              </a:spcBef>
+              <a:spcAft>
+                <a:spcPts val="0"/>
+              </a:spcAft>
+              <a:buClr>
+                <a:srgbClr val="3C78D8"/>
+              </a:buClr>
+              <a:buSzPts val="1500"/>
+              <a:buFont typeface="Calibri"/>
+              <a:buChar char="●"/>
+            </a:pPr>
+            <a:r>
+              <a:rPr lang="en" sz="1500" b="1">
+                <a:solidFill>
+                  <a:srgbClr val="3C78D8"/>
+                </a:solidFill>
+                <a:latin typeface="Calibri"/>
+                <a:ea typeface="Calibri"/>
+                <a:cs typeface="Calibri"/>
+                <a:sym typeface="Calibri"/>
+              </a:rPr>
+              <a:t>Chain-Of-Draft - fast and cheap</a:t>
+            </a:r>
+            <a:endParaRPr sz="1500" b="1">
+              <a:solidFill>
+                <a:srgbClr val="3C78D8"/>
+              </a:solidFill>
+              <a:latin typeface="Calibri"/>
+              <a:ea typeface="Calibri"/>
+              <a:cs typeface="Calibri"/>
+              <a:sym typeface="Calibri"/>
+            </a:endParaRPr>
+          </a:p>
+          <a:p>
+            <a:pPr marL="228600" lvl="0" indent="-209550" algn="l" rtl="0">
+              <a:spcBef>
+                <a:spcPts val="0"/>
+              </a:spcBef>
+              <a:spcAft>
+                <a:spcPts val="0"/>
+              </a:spcAft>
+              <a:buClr>
+                <a:srgbClr val="3C78D8"/>
+              </a:buClr>
+              <a:buSzPts val="1500"/>
+              <a:buFont typeface="Calibri"/>
+              <a:buChar char="●"/>
+            </a:pPr>
+            <a:r>
+              <a:rPr lang="en" sz="1500" b="1">
+                <a:solidFill>
+                  <a:srgbClr val="3C78D8"/>
+                </a:solidFill>
+                <a:latin typeface="Calibri"/>
+                <a:ea typeface="Calibri"/>
+                <a:cs typeface="Calibri"/>
+                <a:sym typeface="Calibri"/>
+              </a:rPr>
               <a:t>AlexNet source code released</a:t>
+            </a:r>
+            <a:endParaRPr sz="1500" b="1">
+              <a:solidFill>
+                <a:srgbClr val="3C78D8"/>
+              </a:solidFill>
+              <a:latin typeface="Calibri"/>
+              <a:ea typeface="Calibri"/>
+              <a:cs typeface="Calibri"/>
+              <a:sym typeface="Calibri"/>
+            </a:endParaRPr>
+          </a:p>
+          <a:p>
+            <a:pPr marL="228600" lvl="0" indent="-209550" algn="l" rtl="0">
+              <a:spcBef>
+                <a:spcPts val="0"/>
+              </a:spcBef>
+              <a:spcAft>
+                <a:spcPts val="0"/>
+              </a:spcAft>
+              <a:buClr>
+                <a:srgbClr val="3C78D8"/>
+              </a:buClr>
+              <a:buSzPts val="1500"/>
+              <a:buFont typeface="Calibri"/>
+              <a:buChar char="●"/>
+            </a:pPr>
+            <a:r>
+              <a:rPr lang="en" sz="1500" b="1">
+                <a:solidFill>
+                  <a:srgbClr val="3C78D8"/>
+                </a:solidFill>
+                <a:latin typeface="Calibri"/>
+                <a:ea typeface="Calibri"/>
+                <a:cs typeface="Calibri"/>
+                <a:sym typeface="Calibri"/>
+              </a:rPr>
+              <a:t>Vibe Coding</a:t>
             </a:r>
             <a:endParaRPr sz="1500" b="1">
               <a:solidFill>
@@ -14185,7 +14653,7 @@
         <p:spPr>
           <a:xfrm>
             <a:off x="4343400" y="52850"/>
-            <a:ext cx="4800600" cy="711000"/>
+            <a:ext cx="4736100" cy="711000"/>
           </a:xfrm>
           <a:prstGeom prst="rect">
             <a:avLst/>
@@ -14321,7 +14789,7 @@
   <p:cSld>
     <p:spTree>
       <p:nvGrpSpPr>
-        <p:cNvPr id="1" name="Shape 135"/>
+        <p:cNvPr id="1" name="Shape 136"/>
         <p:cNvGrpSpPr/>
         <p:nvPr/>
       </p:nvGrpSpPr>
@@ -14335,7 +14803,7 @@
       </p:grpSpPr>
       <p:sp>
         <p:nvSpPr>
-          <p:cNvPr id="136" name="Google Shape;136;p24"/>
+          <p:cNvPr id="137" name="Google Shape;137;p24"/>
           <p:cNvSpPr txBox="1"/>
           <p:nvPr/>
         </p:nvSpPr>
@@ -14398,7 +14866,7 @@
       </p:sp>
       <p:sp>
         <p:nvSpPr>
-          <p:cNvPr id="137" name="Google Shape;137;p24"/>
+          <p:cNvPr id="138" name="Google Shape;138;p24"/>
           <p:cNvSpPr txBox="1"/>
           <p:nvPr/>
         </p:nvSpPr>
@@ -14580,7 +15048,7 @@
       </p:sp>
       <p:sp>
         <p:nvSpPr>
-          <p:cNvPr id="138" name="Google Shape;138;p24"/>
+          <p:cNvPr id="139" name="Google Shape;139;p24"/>
           <p:cNvSpPr txBox="1"/>
           <p:nvPr/>
         </p:nvSpPr>
@@ -15023,7 +15491,7 @@
       </p:sp>
       <p:pic>
         <p:nvPicPr>
-          <p:cNvPr id="139" name="Google Shape;139;p24"/>
+          <p:cNvPr id="140" name="Google Shape;140;p24"/>
           <p:cNvPicPr preferRelativeResize="0"/>
           <p:nvPr/>
         </p:nvPicPr>
@@ -15073,7 +15541,7 @@
   <p:cSld>
     <p:spTree>
       <p:nvGrpSpPr>
-        <p:cNvPr id="1" name="Shape 143"/>
+        <p:cNvPr id="1" name="Shape 144"/>
         <p:cNvGrpSpPr/>
         <p:nvPr/>
       </p:nvGrpSpPr>
@@ -15087,7 +15555,7 @@
       </p:grpSpPr>
       <p:sp>
         <p:nvSpPr>
-          <p:cNvPr id="144" name="Google Shape;144;p25"/>
+          <p:cNvPr id="145" name="Google Shape;145;p25"/>
           <p:cNvSpPr txBox="1"/>
           <p:nvPr/>
         </p:nvSpPr>
@@ -15150,7 +15618,7 @@
       </p:sp>
       <p:sp>
         <p:nvSpPr>
-          <p:cNvPr id="145" name="Google Shape;145;p25"/>
+          <p:cNvPr id="146" name="Google Shape;146;p25"/>
           <p:cNvSpPr txBox="1"/>
           <p:nvPr/>
         </p:nvSpPr>
@@ -15394,7 +15862,7 @@
       </p:sp>
       <p:pic>
         <p:nvPicPr>
-          <p:cNvPr id="146" name="Google Shape;146;p25"/>
+          <p:cNvPr id="147" name="Google Shape;147;p25"/>
           <p:cNvPicPr preferRelativeResize="0"/>
           <p:nvPr/>
         </p:nvPicPr>
@@ -15432,7 +15900,7 @@
       </p:pic>
       <p:sp>
         <p:nvSpPr>
-          <p:cNvPr id="147" name="Google Shape;147;p25"/>
+          <p:cNvPr id="148" name="Google Shape;148;p25"/>
           <p:cNvSpPr txBox="1"/>
           <p:nvPr/>
         </p:nvSpPr>
@@ -15875,7 +16343,7 @@
       </p:sp>
       <p:sp>
         <p:nvSpPr>
-          <p:cNvPr id="148" name="Google Shape;148;p25"/>
+          <p:cNvPr id="149" name="Google Shape;149;p25"/>
           <p:cNvSpPr txBox="1"/>
           <p:nvPr/>
         </p:nvSpPr>
@@ -16028,7 +16496,7 @@
       </p:sp>
       <p:sp>
         <p:nvSpPr>
-          <p:cNvPr id="149" name="Google Shape;149;p25"/>
+          <p:cNvPr id="150" name="Google Shape;150;p25"/>
           <p:cNvSpPr txBox="1"/>
           <p:nvPr/>
         </p:nvSpPr>
@@ -16341,7 +16809,7 @@
       </p:sp>
       <p:sp>
         <p:nvSpPr>
-          <p:cNvPr id="150" name="Google Shape;150;p25"/>
+          <p:cNvPr id="151" name="Google Shape;151;p25"/>
           <p:cNvSpPr txBox="1"/>
           <p:nvPr/>
         </p:nvSpPr>
@@ -16481,7 +16949,7 @@
       </p:sp>
       <p:pic>
         <p:nvPicPr>
-          <p:cNvPr id="151" name="Google Shape;151;p25"/>
+          <p:cNvPr id="152" name="Google Shape;152;p25"/>
           <p:cNvPicPr preferRelativeResize="0"/>
           <p:nvPr/>
         </p:nvPicPr>
@@ -16520,7 +16988,7 @@
       </p:pic>
       <p:pic>
         <p:nvPicPr>
-          <p:cNvPr id="152" name="Google Shape;152;p25"/>
+          <p:cNvPr id="153" name="Google Shape;153;p25"/>
           <p:cNvPicPr preferRelativeResize="0"/>
           <p:nvPr/>
         </p:nvPicPr>
@@ -16559,7 +17027,7 @@
       </p:pic>
       <p:pic>
         <p:nvPicPr>
-          <p:cNvPr id="153" name="Google Shape;153;p25"/>
+          <p:cNvPr id="154" name="Google Shape;154;p25"/>
           <p:cNvPicPr preferRelativeResize="0"/>
           <p:nvPr/>
         </p:nvPicPr>
@@ -16609,7 +17077,7 @@
   <p:cSld>
     <p:spTree>
       <p:nvGrpSpPr>
-        <p:cNvPr id="1" name="Shape 157"/>
+        <p:cNvPr id="1" name="Shape 158"/>
         <p:cNvGrpSpPr/>
         <p:nvPr/>
       </p:nvGrpSpPr>
@@ -16623,7 +17091,7 @@
       </p:grpSpPr>
       <p:sp>
         <p:nvSpPr>
-          <p:cNvPr id="158" name="Google Shape;158;p26"/>
+          <p:cNvPr id="159" name="Google Shape;159;p26"/>
           <p:cNvSpPr txBox="1"/>
           <p:nvPr/>
         </p:nvSpPr>
@@ -16686,7 +17154,7 @@
       </p:sp>
       <p:sp>
         <p:nvSpPr>
-          <p:cNvPr id="159" name="Google Shape;159;p26"/>
+          <p:cNvPr id="160" name="Google Shape;160;p26"/>
           <p:cNvSpPr txBox="1"/>
           <p:nvPr/>
         </p:nvSpPr>
@@ -17004,7 +17472,7 @@
       </p:sp>
       <p:sp>
         <p:nvSpPr>
-          <p:cNvPr id="160" name="Google Shape;160;p26"/>
+          <p:cNvPr id="161" name="Google Shape;161;p26"/>
           <p:cNvSpPr txBox="1"/>
           <p:nvPr/>
         </p:nvSpPr>
@@ -17211,7 +17679,7 @@
       </p:sp>
       <p:pic>
         <p:nvPicPr>
-          <p:cNvPr id="161" name="Google Shape;161;p26"/>
+          <p:cNvPr id="162" name="Google Shape;162;p26"/>
           <p:cNvPicPr preferRelativeResize="0"/>
           <p:nvPr/>
         </p:nvPicPr>
@@ -17250,7 +17718,7 @@
       </p:pic>
       <p:sp>
         <p:nvSpPr>
-          <p:cNvPr id="162" name="Google Shape;162;p26"/>
+          <p:cNvPr id="163" name="Google Shape;163;p26"/>
           <p:cNvSpPr txBox="1"/>
           <p:nvPr/>
         </p:nvSpPr>
@@ -17352,7 +17820,7 @@
       </p:sp>
       <p:sp>
         <p:nvSpPr>
-          <p:cNvPr id="163" name="Google Shape;163;p26"/>
+          <p:cNvPr id="164" name="Google Shape;164;p26"/>
           <p:cNvSpPr txBox="1"/>
           <p:nvPr/>
         </p:nvSpPr>
@@ -17603,7 +18071,7 @@
       </p:sp>
       <p:pic>
         <p:nvPicPr>
-          <p:cNvPr id="164" name="Google Shape;164;p26"/>
+          <p:cNvPr id="165" name="Google Shape;165;p26"/>
           <p:cNvPicPr preferRelativeResize="0"/>
           <p:nvPr/>
         </p:nvPicPr>
@@ -17653,7 +18121,7 @@
   <p:cSld>
     <p:spTree>
       <p:nvGrpSpPr>
-        <p:cNvPr id="1" name="Shape 168"/>
+        <p:cNvPr id="1" name="Shape 169"/>
         <p:cNvGrpSpPr/>
         <p:nvPr/>
       </p:nvGrpSpPr>
@@ -17667,7 +18135,7 @@
       </p:grpSpPr>
       <p:sp>
         <p:nvSpPr>
-          <p:cNvPr id="169" name="Google Shape;169;p27"/>
+          <p:cNvPr id="170" name="Google Shape;170;p27"/>
           <p:cNvSpPr txBox="1"/>
           <p:nvPr/>
         </p:nvSpPr>
@@ -17730,13 +18198,266 @@
       </p:sp>
       <p:sp>
         <p:nvSpPr>
-          <p:cNvPr id="170" name="Google Shape;170;p27"/>
+          <p:cNvPr id="171" name="Google Shape;171;p27"/>
           <p:cNvSpPr txBox="1"/>
           <p:nvPr/>
         </p:nvSpPr>
         <p:spPr>
           <a:xfrm>
-            <a:off x="129100" y="609125"/>
+            <a:off x="52900" y="609125"/>
+            <a:ext cx="4456200" cy="341700"/>
+          </a:xfrm>
+          <a:prstGeom prst="rect">
+            <a:avLst/>
+          </a:prstGeom>
+          <a:solidFill>
+            <a:srgbClr val="FFF2CC"/>
+          </a:solidFill>
+          <a:ln w="9525" cap="flat" cmpd="sng">
+            <a:solidFill>
+              <a:srgbClr val="FF0000"/>
+            </a:solidFill>
+            <a:prstDash val="solid"/>
+            <a:round/>
+            <a:headEnd type="none" w="sm" len="sm"/>
+            <a:tailEnd type="none" w="sm" len="sm"/>
+          </a:ln>
+        </p:spPr>
+        <p:txBody>
+          <a:bodyPr spcFirstLastPara="1" wrap="square" lIns="9125" tIns="9125" rIns="9125" bIns="9125" anchor="t" anchorCtr="0">
+            <a:spAutoFit/>
+          </a:bodyPr>
+          <a:lstStyle/>
+          <a:p>
+            <a:pPr marL="171450" lvl="0" indent="-133350" algn="l" rtl="0">
+              <a:spcBef>
+                <a:spcPts val="0"/>
+              </a:spcBef>
+              <a:spcAft>
+                <a:spcPts val="0"/>
+              </a:spcAft>
+              <a:buClr>
+                <a:schemeClr val="dk1"/>
+              </a:buClr>
+              <a:buSzPts val="1200"/>
+              <a:buFont typeface="Calibri"/>
+              <a:buChar char="●"/>
+            </a:pPr>
+            <a:r>
+              <a:rPr lang="en" sz="1200" b="1">
+                <a:solidFill>
+                  <a:srgbClr val="FF0000"/>
+                </a:solidFill>
+                <a:latin typeface="Calibri"/>
+                <a:ea typeface="Calibri"/>
+                <a:cs typeface="Calibri"/>
+                <a:sym typeface="Calibri"/>
+              </a:rPr>
+              <a:t>Qwen2.5-VL-32B </a:t>
+            </a:r>
+            <a:r>
+              <a:rPr lang="en" sz="1200">
+                <a:solidFill>
+                  <a:schemeClr val="dk1"/>
+                </a:solidFill>
+                <a:latin typeface="Calibri"/>
+                <a:ea typeface="Calibri"/>
+                <a:cs typeface="Calibri"/>
+                <a:sym typeface="Calibri"/>
+              </a:rPr>
+              <a:t>- surpasses its 72B predecessor in multimodal tasks</a:t>
+            </a:r>
+            <a:endParaRPr sz="1200">
+              <a:solidFill>
+                <a:schemeClr val="dk1"/>
+              </a:solidFill>
+              <a:latin typeface="Calibri"/>
+              <a:ea typeface="Calibri"/>
+              <a:cs typeface="Calibri"/>
+              <a:sym typeface="Calibri"/>
+            </a:endParaRPr>
+          </a:p>
+          <a:p>
+            <a:pPr marL="171450" lvl="0" indent="-114300" algn="l" rtl="0">
+              <a:spcBef>
+                <a:spcPts val="0"/>
+              </a:spcBef>
+              <a:spcAft>
+                <a:spcPts val="0"/>
+              </a:spcAft>
+              <a:buClr>
+                <a:schemeClr val="dk1"/>
+              </a:buClr>
+              <a:buSzPts val="900"/>
+              <a:buFont typeface="Calibri"/>
+              <a:buChar char="●"/>
+            </a:pPr>
+            <a:r>
+              <a:rPr lang="en" sz="900" u="sng">
+                <a:solidFill>
+                  <a:schemeClr val="hlink"/>
+                </a:solidFill>
+                <a:latin typeface="Calibri"/>
+                <a:ea typeface="Calibri"/>
+                <a:cs typeface="Calibri"/>
+                <a:sym typeface="Calibri"/>
+                <a:hlinkClick r:id="rId3"/>
+              </a:rPr>
+              <a:t>https://qwenlm.github.io/blog/qwen2.5-vl-32b/</a:t>
+            </a:r>
+            <a:r>
+              <a:rPr lang="en" sz="900">
+                <a:solidFill>
+                  <a:schemeClr val="dk1"/>
+                </a:solidFill>
+                <a:latin typeface="Calibri"/>
+                <a:ea typeface="Calibri"/>
+                <a:cs typeface="Calibri"/>
+                <a:sym typeface="Calibri"/>
+              </a:rPr>
+              <a:t> </a:t>
+            </a:r>
+            <a:endParaRPr sz="900">
+              <a:solidFill>
+                <a:schemeClr val="dk1"/>
+              </a:solidFill>
+              <a:latin typeface="Calibri"/>
+              <a:ea typeface="Calibri"/>
+              <a:cs typeface="Calibri"/>
+              <a:sym typeface="Calibri"/>
+            </a:endParaRPr>
+          </a:p>
+        </p:txBody>
+      </p:sp>
+      <p:sp>
+        <p:nvSpPr>
+          <p:cNvPr id="172" name="Google Shape;172;p27"/>
+          <p:cNvSpPr txBox="1"/>
+          <p:nvPr/>
+        </p:nvSpPr>
+        <p:spPr>
+          <a:xfrm>
+            <a:off x="52900" y="1607750"/>
+            <a:ext cx="4456200" cy="942000"/>
+          </a:xfrm>
+          <a:prstGeom prst="rect">
+            <a:avLst/>
+          </a:prstGeom>
+          <a:solidFill>
+            <a:srgbClr val="FFF2CC"/>
+          </a:solidFill>
+          <a:ln w="9525" cap="flat" cmpd="sng">
+            <a:solidFill>
+              <a:srgbClr val="FF0000"/>
+            </a:solidFill>
+            <a:prstDash val="solid"/>
+            <a:round/>
+            <a:headEnd type="none" w="sm" len="sm"/>
+            <a:tailEnd type="none" w="sm" len="sm"/>
+          </a:ln>
+        </p:spPr>
+        <p:txBody>
+          <a:bodyPr spcFirstLastPara="1" wrap="square" lIns="9125" tIns="9125" rIns="9125" bIns="9125" anchor="t" anchorCtr="0">
+            <a:spAutoFit/>
+          </a:bodyPr>
+          <a:lstStyle/>
+          <a:p>
+            <a:pPr marL="171450" lvl="0" indent="-133350" algn="l" rtl="0">
+              <a:spcBef>
+                <a:spcPts val="0"/>
+              </a:spcBef>
+              <a:spcAft>
+                <a:spcPts val="0"/>
+              </a:spcAft>
+              <a:buClr>
+                <a:schemeClr val="dk1"/>
+              </a:buClr>
+              <a:buSzPts val="1200"/>
+              <a:buFont typeface="Calibri"/>
+              <a:buChar char="●"/>
+            </a:pPr>
+            <a:r>
+              <a:rPr lang="en" sz="1200" b="1">
+                <a:solidFill>
+                  <a:srgbClr val="FF0000"/>
+                </a:solidFill>
+                <a:latin typeface="Calibri"/>
+                <a:ea typeface="Calibri"/>
+                <a:cs typeface="Calibri"/>
+                <a:sym typeface="Calibri"/>
+              </a:rPr>
+              <a:t>Google’s Gemini now offers real-time screen and camera</a:t>
+            </a:r>
+            <a:r>
+              <a:rPr lang="en" sz="1200">
+                <a:solidFill>
+                  <a:schemeClr val="dk1"/>
+                </a:solidFill>
+                <a:latin typeface="Calibri"/>
+                <a:ea typeface="Calibri"/>
+                <a:cs typeface="Calibri"/>
+                <a:sym typeface="Calibri"/>
+              </a:rPr>
+              <a:t> analysis for select Google One AI Premium subscribers. </a:t>
+            </a:r>
+            <a:endParaRPr sz="1200">
+              <a:solidFill>
+                <a:schemeClr val="dk1"/>
+              </a:solidFill>
+              <a:latin typeface="Calibri"/>
+              <a:ea typeface="Calibri"/>
+              <a:cs typeface="Calibri"/>
+              <a:sym typeface="Calibri"/>
+            </a:endParaRPr>
+          </a:p>
+          <a:p>
+            <a:pPr marL="171450" lvl="0" indent="-133350" algn="l" rtl="0">
+              <a:spcBef>
+                <a:spcPts val="0"/>
+              </a:spcBef>
+              <a:spcAft>
+                <a:spcPts val="0"/>
+              </a:spcAft>
+              <a:buClr>
+                <a:schemeClr val="dk1"/>
+              </a:buClr>
+              <a:buSzPts val="1200"/>
+              <a:buFont typeface="Calibri"/>
+              <a:buChar char="●"/>
+            </a:pPr>
+            <a:r>
+              <a:rPr lang="en" sz="1200">
+                <a:solidFill>
+                  <a:schemeClr val="dk1"/>
+                </a:solidFill>
+                <a:latin typeface="Calibri"/>
+                <a:ea typeface="Calibri"/>
+                <a:cs typeface="Calibri"/>
+                <a:sym typeface="Calibri"/>
+              </a:rPr>
+              <a:t>Powered by “Project Astra,” the new features let Gemini read phone screens and interpret live camera feeds to answer questions instantly. </a:t>
+            </a:r>
+            <a:endParaRPr sz="1200">
+              <a:solidFill>
+                <a:schemeClr val="dk1"/>
+              </a:solidFill>
+              <a:latin typeface="Calibri"/>
+              <a:ea typeface="Calibri"/>
+              <a:cs typeface="Calibri"/>
+              <a:sym typeface="Calibri"/>
+            </a:endParaRPr>
+          </a:p>
+        </p:txBody>
+      </p:sp>
+      <p:sp>
+        <p:nvSpPr>
+          <p:cNvPr id="173" name="Google Shape;173;p27"/>
+          <p:cNvSpPr txBox="1"/>
+          <p:nvPr/>
+        </p:nvSpPr>
+        <p:spPr>
+          <a:xfrm>
+            <a:off x="52900" y="2631275"/>
             <a:ext cx="4456200" cy="387900"/>
           </a:xfrm>
           <a:prstGeom prst="rect">
@@ -17761,19 +18482,14 @@
           </a:bodyPr>
           <a:lstStyle/>
           <a:p>
-            <a:pPr marL="171450" lvl="0" indent="-133350" algn="l" rtl="0">
-              <a:spcBef>
-                <a:spcPts val="0"/>
-              </a:spcBef>
-              <a:spcAft>
-                <a:spcPts val="0"/>
-              </a:spcAft>
-              <a:buClr>
-                <a:schemeClr val="dk1"/>
-              </a:buClr>
-              <a:buSzPts val="1200"/>
-              <a:buFont typeface="Calibri"/>
-              <a:buChar char="●"/>
+            <a:pPr marL="0" lvl="0" indent="0" algn="l" rtl="0">
+              <a:spcBef>
+                <a:spcPts val="0"/>
+              </a:spcBef>
+              <a:spcAft>
+                <a:spcPts val="0"/>
+              </a:spcAft>
+              <a:buNone/>
             </a:pPr>
             <a:r>
               <a:rPr lang="en" sz="1200" b="1">
@@ -17785,23 +18501,11 @@
                 <a:cs typeface="Calibri"/>
                 <a:sym typeface="Calibri"/>
               </a:rPr>
-              <a:t>Qwen2.5-VL-32B </a:t>
-            </a:r>
-            <a:r>
-              <a:rPr lang="en" sz="1200">
-                <a:solidFill>
-                  <a:schemeClr val="dk1"/>
-                </a:solidFill>
-                <a:latin typeface="Calibri"/>
-                <a:ea typeface="Calibri"/>
-                <a:cs typeface="Calibri"/>
-                <a:sym typeface="Calibri"/>
-              </a:rPr>
-              <a:t>- surpasses its 72B predecessor in multimodal tasks</a:t>
-            </a:r>
-            <a:endParaRPr sz="1200">
-              <a:solidFill>
-                <a:schemeClr val="dk1"/>
+              <a:t>GitHub Copilot Serves 400 Million Completion Requests a Day</a:t>
+            </a:r>
+            <a:endParaRPr sz="1200" b="1">
+              <a:solidFill>
+                <a:srgbClr val="FF0000"/>
               </a:solidFill>
               <a:latin typeface="Calibri"/>
               <a:ea typeface="Calibri"/>
@@ -17810,19 +18514,14 @@
             </a:endParaRPr>
           </a:p>
           <a:p>
-            <a:pPr marL="171450" lvl="0" indent="-133350" algn="l" rtl="0">
-              <a:spcBef>
-                <a:spcPts val="0"/>
-              </a:spcBef>
-              <a:spcAft>
-                <a:spcPts val="0"/>
-              </a:spcAft>
-              <a:buClr>
-                <a:schemeClr val="dk1"/>
-              </a:buClr>
-              <a:buSzPts val="1200"/>
-              <a:buFont typeface="Calibri"/>
-              <a:buChar char="●"/>
+            <a:pPr marL="0" lvl="0" indent="0" algn="l" rtl="0">
+              <a:spcBef>
+                <a:spcPts val="0"/>
+              </a:spcBef>
+              <a:spcAft>
+                <a:spcPts val="0"/>
+              </a:spcAft>
+              <a:buNone/>
             </a:pPr>
             <a:r>
               <a:rPr lang="en" sz="1200" u="sng">
@@ -17833,9 +18532,9 @@
                 <a:ea typeface="Calibri"/>
                 <a:cs typeface="Calibri"/>
                 <a:sym typeface="Calibri"/>
-                <a:hlinkClick r:id="rId3"/>
-              </a:rPr>
-              <a:t>https://qwenlm.github.io/blog/qwen2.5-vl-32b/</a:t>
+                <a:hlinkClick r:id="rId4"/>
+              </a:rPr>
+              <a:t>https://www.infoq.com/presentations/github-copilot/</a:t>
             </a:r>
             <a:r>
               <a:rPr lang="en" sz="1200">
@@ -17863,244 +18562,13 @@
       </p:sp>
       <p:sp>
         <p:nvSpPr>
-          <p:cNvPr id="171" name="Google Shape;171;p27"/>
+          <p:cNvPr id="174" name="Google Shape;174;p27"/>
           <p:cNvSpPr txBox="1"/>
           <p:nvPr/>
         </p:nvSpPr>
         <p:spPr>
           <a:xfrm>
-            <a:off x="129100" y="1150550"/>
-            <a:ext cx="4456200" cy="942000"/>
-          </a:xfrm>
-          <a:prstGeom prst="rect">
-            <a:avLst/>
-          </a:prstGeom>
-          <a:solidFill>
-            <a:srgbClr val="FFF2CC"/>
-          </a:solidFill>
-          <a:ln w="9525" cap="flat" cmpd="sng">
-            <a:solidFill>
-              <a:srgbClr val="FF0000"/>
-            </a:solidFill>
-            <a:prstDash val="solid"/>
-            <a:round/>
-            <a:headEnd type="none" w="sm" len="sm"/>
-            <a:tailEnd type="none" w="sm" len="sm"/>
-          </a:ln>
-        </p:spPr>
-        <p:txBody>
-          <a:bodyPr spcFirstLastPara="1" wrap="square" lIns="9125" tIns="9125" rIns="9125" bIns="9125" anchor="t" anchorCtr="0">
-            <a:spAutoFit/>
-          </a:bodyPr>
-          <a:lstStyle/>
-          <a:p>
-            <a:pPr marL="171450" lvl="0" indent="-133350" algn="l" rtl="0">
-              <a:spcBef>
-                <a:spcPts val="0"/>
-              </a:spcBef>
-              <a:spcAft>
-                <a:spcPts val="0"/>
-              </a:spcAft>
-              <a:buClr>
-                <a:schemeClr val="dk1"/>
-              </a:buClr>
-              <a:buSzPts val="1200"/>
-              <a:buFont typeface="Calibri"/>
-              <a:buChar char="●"/>
-            </a:pPr>
-            <a:r>
-              <a:rPr lang="en" sz="1200" b="1">
-                <a:solidFill>
-                  <a:srgbClr val="FF0000"/>
-                </a:solidFill>
-                <a:latin typeface="Calibri"/>
-                <a:ea typeface="Calibri"/>
-                <a:cs typeface="Calibri"/>
-                <a:sym typeface="Calibri"/>
-              </a:rPr>
-              <a:t>Google’s Gemini now offers real-time screen and camera</a:t>
-            </a:r>
-            <a:r>
-              <a:rPr lang="en" sz="1200">
-                <a:solidFill>
-                  <a:schemeClr val="dk1"/>
-                </a:solidFill>
-                <a:latin typeface="Calibri"/>
-                <a:ea typeface="Calibri"/>
-                <a:cs typeface="Calibri"/>
-                <a:sym typeface="Calibri"/>
-              </a:rPr>
-              <a:t> analysis for select Google One AI Premium subscribers. </a:t>
-            </a:r>
-            <a:endParaRPr sz="1200">
-              <a:solidFill>
-                <a:schemeClr val="dk1"/>
-              </a:solidFill>
-              <a:latin typeface="Calibri"/>
-              <a:ea typeface="Calibri"/>
-              <a:cs typeface="Calibri"/>
-              <a:sym typeface="Calibri"/>
-            </a:endParaRPr>
-          </a:p>
-          <a:p>
-            <a:pPr marL="171450" lvl="0" indent="-133350" algn="l" rtl="0">
-              <a:spcBef>
-                <a:spcPts val="0"/>
-              </a:spcBef>
-              <a:spcAft>
-                <a:spcPts val="0"/>
-              </a:spcAft>
-              <a:buClr>
-                <a:schemeClr val="dk1"/>
-              </a:buClr>
-              <a:buSzPts val="1200"/>
-              <a:buFont typeface="Calibri"/>
-              <a:buChar char="●"/>
-            </a:pPr>
-            <a:r>
-              <a:rPr lang="en" sz="1200">
-                <a:solidFill>
-                  <a:schemeClr val="dk1"/>
-                </a:solidFill>
-                <a:latin typeface="Calibri"/>
-                <a:ea typeface="Calibri"/>
-                <a:cs typeface="Calibri"/>
-                <a:sym typeface="Calibri"/>
-              </a:rPr>
-              <a:t>Powered by “Project Astra,” the new features let Gemini read phone screens and interpret live camera feeds to answer questions instantly. </a:t>
-            </a:r>
-            <a:endParaRPr sz="1200">
-              <a:solidFill>
-                <a:schemeClr val="dk1"/>
-              </a:solidFill>
-              <a:latin typeface="Calibri"/>
-              <a:ea typeface="Calibri"/>
-              <a:cs typeface="Calibri"/>
-              <a:sym typeface="Calibri"/>
-            </a:endParaRPr>
-          </a:p>
-        </p:txBody>
-      </p:sp>
-      <p:sp>
-        <p:nvSpPr>
-          <p:cNvPr id="172" name="Google Shape;172;p27"/>
-          <p:cNvSpPr txBox="1"/>
-          <p:nvPr/>
-        </p:nvSpPr>
-        <p:spPr>
-          <a:xfrm>
-            <a:off x="129100" y="2174075"/>
-            <a:ext cx="4456200" cy="387900"/>
-          </a:xfrm>
-          <a:prstGeom prst="rect">
-            <a:avLst/>
-          </a:prstGeom>
-          <a:solidFill>
-            <a:srgbClr val="FFF2CC"/>
-          </a:solidFill>
-          <a:ln w="9525" cap="flat" cmpd="sng">
-            <a:solidFill>
-              <a:srgbClr val="FF0000"/>
-            </a:solidFill>
-            <a:prstDash val="solid"/>
-            <a:round/>
-            <a:headEnd type="none" w="sm" len="sm"/>
-            <a:tailEnd type="none" w="sm" len="sm"/>
-          </a:ln>
-        </p:spPr>
-        <p:txBody>
-          <a:bodyPr spcFirstLastPara="1" wrap="square" lIns="9125" tIns="9125" rIns="9125" bIns="9125" anchor="t" anchorCtr="0">
-            <a:spAutoFit/>
-          </a:bodyPr>
-          <a:lstStyle/>
-          <a:p>
-            <a:pPr marL="0" lvl="0" indent="0" algn="l" rtl="0">
-              <a:spcBef>
-                <a:spcPts val="0"/>
-              </a:spcBef>
-              <a:spcAft>
-                <a:spcPts val="0"/>
-              </a:spcAft>
-              <a:buNone/>
-            </a:pPr>
-            <a:r>
-              <a:rPr lang="en" sz="1200" b="1">
-                <a:solidFill>
-                  <a:srgbClr val="FF0000"/>
-                </a:solidFill>
-                <a:latin typeface="Calibri"/>
-                <a:ea typeface="Calibri"/>
-                <a:cs typeface="Calibri"/>
-                <a:sym typeface="Calibri"/>
-              </a:rPr>
-              <a:t>GitHub Copilot Serves 400 Million Completion Requests a Day</a:t>
-            </a:r>
-            <a:endParaRPr sz="1200" b="1">
-              <a:solidFill>
-                <a:srgbClr val="FF0000"/>
-              </a:solidFill>
-              <a:latin typeface="Calibri"/>
-              <a:ea typeface="Calibri"/>
-              <a:cs typeface="Calibri"/>
-              <a:sym typeface="Calibri"/>
-            </a:endParaRPr>
-          </a:p>
-          <a:p>
-            <a:pPr marL="0" lvl="0" indent="0" algn="l" rtl="0">
-              <a:spcBef>
-                <a:spcPts val="0"/>
-              </a:spcBef>
-              <a:spcAft>
-                <a:spcPts val="0"/>
-              </a:spcAft>
-              <a:buNone/>
-            </a:pPr>
-            <a:r>
-              <a:rPr lang="en" sz="1200" u="sng">
-                <a:solidFill>
-                  <a:schemeClr val="hlink"/>
-                </a:solidFill>
-                <a:latin typeface="Calibri"/>
-                <a:ea typeface="Calibri"/>
-                <a:cs typeface="Calibri"/>
-                <a:sym typeface="Calibri"/>
-                <a:hlinkClick r:id="rId4"/>
-              </a:rPr>
-              <a:t>https://www.infoq.com/presentations/github-copilot/</a:t>
-            </a:r>
-            <a:r>
-              <a:rPr lang="en" sz="1200">
-                <a:solidFill>
-                  <a:schemeClr val="dk1"/>
-                </a:solidFill>
-                <a:latin typeface="Calibri"/>
-                <a:ea typeface="Calibri"/>
-                <a:cs typeface="Calibri"/>
-                <a:sym typeface="Calibri"/>
-              </a:rPr>
-              <a:t> </a:t>
-            </a:r>
-            <a:endParaRPr sz="1200">
-              <a:solidFill>
-                <a:schemeClr val="dk1"/>
-              </a:solidFill>
-              <a:latin typeface="Calibri"/>
-              <a:ea typeface="Calibri"/>
-              <a:cs typeface="Calibri"/>
-              <a:sym typeface="Calibri"/>
-            </a:endParaRPr>
-          </a:p>
-        </p:txBody>
-      </p:sp>
-      <p:sp>
-        <p:nvSpPr>
-          <p:cNvPr id="173" name="Google Shape;173;p27"/>
-          <p:cNvSpPr txBox="1"/>
-          <p:nvPr/>
-        </p:nvSpPr>
-        <p:spPr>
-          <a:xfrm>
-            <a:off x="129100" y="2703650"/>
+            <a:off x="52900" y="3160850"/>
             <a:ext cx="4456200" cy="1865400"/>
           </a:xfrm>
           <a:prstGeom prst="rect">
@@ -18269,104 +18737,16 @@
           </a:p>
         </p:txBody>
       </p:sp>
-    </p:spTree>
-  </p:cSld>
-  <p:clrMapOvr>
-    <a:masterClrMapping/>
-  </p:clrMapOvr>
-</p:sld>
-</file>
-
-<file path=ppt/slides/slide14.xml><?xml version="1.0" encoding="utf-8"?>
-<p:sld xmlns:a="http://schemas.openxmlformats.org/drawingml/2006/main" xmlns:r="http://schemas.openxmlformats.org/officeDocument/2006/relationships" xmlns:p="http://schemas.openxmlformats.org/presentationml/2006/main">
-  <p:cSld>
-    <p:spTree>
-      <p:nvGrpSpPr>
-        <p:cNvPr id="1" name="Shape 177"/>
-        <p:cNvGrpSpPr/>
-        <p:nvPr/>
-      </p:nvGrpSpPr>
-      <p:grpSpPr>
-        <a:xfrm>
-          <a:off x="0" y="0"/>
-          <a:ext cx="0" cy="0"/>
-          <a:chOff x="0" y="0"/>
-          <a:chExt cx="0" cy="0"/>
-        </a:xfrm>
-      </p:grpSpPr>
       <p:sp>
         <p:nvSpPr>
-          <p:cNvPr id="178" name="Google Shape;178;p28"/>
+          <p:cNvPr id="175" name="Google Shape;175;p27"/>
           <p:cNvSpPr txBox="1"/>
           <p:nvPr/>
         </p:nvSpPr>
         <p:spPr>
           <a:xfrm>
-            <a:off x="55075" y="52750"/>
-            <a:ext cx="3483300" cy="326400"/>
-          </a:xfrm>
-          <a:prstGeom prst="rect">
-            <a:avLst/>
-          </a:prstGeom>
-          <a:noFill/>
-          <a:ln>
-            <a:noFill/>
-          </a:ln>
-        </p:spPr>
-        <p:txBody>
-          <a:bodyPr spcFirstLastPara="1" wrap="square" lIns="9125" tIns="9125" rIns="9125" bIns="9125" anchor="t" anchorCtr="0">
-            <a:spAutoFit/>
-          </a:bodyPr>
-          <a:lstStyle/>
-          <a:p>
-            <a:pPr marL="0" lvl="0" indent="0" algn="l" rtl="0">
-              <a:spcBef>
-                <a:spcPts val="0"/>
-              </a:spcBef>
-              <a:spcAft>
-                <a:spcPts val="0"/>
-              </a:spcAft>
-              <a:buClr>
-                <a:schemeClr val="dk1"/>
-              </a:buClr>
-              <a:buSzPts val="1100"/>
-              <a:buFont typeface="Arial"/>
-              <a:buNone/>
-            </a:pPr>
-            <a:r>
-              <a:rPr lang="en" sz="2000" b="1">
-                <a:solidFill>
-                  <a:schemeClr val="dk1"/>
-                </a:solidFill>
-                <a:latin typeface="Calibri"/>
-                <a:ea typeface="Calibri"/>
-                <a:cs typeface="Calibri"/>
-                <a:sym typeface="Calibri"/>
-              </a:rPr>
-              <a:t>ARC-AGI-2</a:t>
-            </a:r>
-            <a:endParaRPr sz="2000" b="1">
-              <a:solidFill>
-                <a:schemeClr val="dk1"/>
-              </a:solidFill>
-              <a:latin typeface="Calibri"/>
-              <a:ea typeface="Calibri"/>
-              <a:cs typeface="Calibri"/>
-              <a:sym typeface="Calibri"/>
-            </a:endParaRPr>
-          </a:p>
-        </p:txBody>
-      </p:sp>
-      <p:sp>
-        <p:nvSpPr>
-          <p:cNvPr id="179" name="Google Shape;179;p28"/>
-          <p:cNvSpPr txBox="1"/>
-          <p:nvPr/>
-        </p:nvSpPr>
-        <p:spPr>
-          <a:xfrm>
-            <a:off x="55075" y="545900"/>
-            <a:ext cx="4456200" cy="2789100"/>
+            <a:off x="52900" y="1108438"/>
+            <a:ext cx="4456200" cy="341700"/>
           </a:xfrm>
           <a:prstGeom prst="rect">
             <a:avLst/>
@@ -18414,23 +18794,23 @@
                 <a:cs typeface="Calibri"/>
                 <a:sym typeface="Calibri"/>
               </a:rPr>
-              <a:t>ARC-AGI-2</a:t>
+              <a:t>Qwen2.5-Omni </a:t>
             </a:r>
             <a:r>
               <a:rPr lang="en" sz="1200">
                 <a:solidFill>
-                  <a:srgbClr val="131313"/>
-                </a:solidFill>
-                <a:latin typeface="Calibri"/>
-                <a:ea typeface="Calibri"/>
-                <a:cs typeface="Calibri"/>
-                <a:sym typeface="Calibri"/>
-              </a:rPr>
-              <a:t> by Arc Prize Foundation</a:t>
+                  <a:schemeClr val="dk1"/>
+                </a:solidFill>
+                <a:latin typeface="Calibri"/>
+                <a:ea typeface="Calibri"/>
+                <a:cs typeface="Calibri"/>
+                <a:sym typeface="Calibri"/>
+              </a:rPr>
+              <a:t>- See, Hear, Talk, Write - open source</a:t>
             </a:r>
             <a:endParaRPr sz="1200">
               <a:solidFill>
-                <a:srgbClr val="131313"/>
+                <a:schemeClr val="dk1"/>
               </a:solidFill>
               <a:latin typeface="Calibri"/>
               <a:ea typeface="Calibri"/>
@@ -18439,22 +18819,22 @@
             </a:endParaRPr>
           </a:p>
           <a:p>
-            <a:pPr marL="171450" lvl="0" indent="-133350" algn="l" rtl="0">
-              <a:spcBef>
-                <a:spcPts val="0"/>
-              </a:spcBef>
-              <a:spcAft>
-                <a:spcPts val="0"/>
-              </a:spcAft>
-              <a:buClr>
-                <a:srgbClr val="131313"/>
-              </a:buClr>
-              <a:buSzPts val="1200"/>
+            <a:pPr marL="171450" lvl="0" indent="-114300" algn="l" rtl="0">
+              <a:spcBef>
+                <a:spcPts val="0"/>
+              </a:spcBef>
+              <a:spcAft>
+                <a:spcPts val="0"/>
+              </a:spcAft>
+              <a:buClr>
+                <a:schemeClr val="dk1"/>
+              </a:buClr>
+              <a:buSzPts val="900"/>
               <a:buFont typeface="Calibri"/>
               <a:buChar char="●"/>
             </a:pPr>
             <a:r>
-              <a:rPr lang="en" sz="1200" u="sng">
+              <a:rPr lang="en" sz="900" u="sng">
                 <a:solidFill>
                   <a:schemeClr val="hlink"/>
                 </a:solidFill>
@@ -18462,14 +18842,14 @@
                 <a:ea typeface="Calibri"/>
                 <a:cs typeface="Calibri"/>
                 <a:sym typeface="Calibri"/>
-                <a:hlinkClick r:id="rId3"/>
-              </a:rPr>
-              <a:t>https://arcprize.org/blog/announcing-arc-agi-2-and-arc-prize-2025</a:t>
-            </a:r>
-            <a:r>
-              <a:rPr lang="en" sz="1200">
-                <a:solidFill>
-                  <a:srgbClr val="131313"/>
+                <a:hlinkClick r:id="rId5"/>
+              </a:rPr>
+              <a:t>https://qwenlm.github.io/blog/qwen2.5-omni/</a:t>
+            </a:r>
+            <a:r>
+              <a:rPr lang="en" sz="900">
+                <a:solidFill>
+                  <a:schemeClr val="dk1"/>
                 </a:solidFill>
                 <a:latin typeface="Calibri"/>
                 <a:ea typeface="Calibri"/>
@@ -18478,9 +18858,9 @@
               </a:rPr>
               <a:t> </a:t>
             </a:r>
-            <a:endParaRPr sz="1200">
-              <a:solidFill>
-                <a:srgbClr val="131313"/>
+            <a:endParaRPr sz="900">
+              <a:solidFill>
+                <a:schemeClr val="dk1"/>
               </a:solidFill>
               <a:latin typeface="Calibri"/>
               <a:ea typeface="Calibri"/>
@@ -18488,49 +18868,65 @@
               <a:sym typeface="Calibri"/>
             </a:endParaRPr>
           </a:p>
-          <a:p>
-            <a:pPr marL="171450" lvl="0" indent="-133350" algn="l" rtl="0">
-              <a:spcBef>
-                <a:spcPts val="0"/>
-              </a:spcBef>
-              <a:spcAft>
-                <a:spcPts val="0"/>
-              </a:spcAft>
-              <a:buClr>
-                <a:schemeClr val="dk1"/>
-              </a:buClr>
-              <a:buSzPts val="1200"/>
-              <a:buFont typeface="Calibri"/>
-              <a:buChar char="●"/>
-            </a:pPr>
-            <a:r>
-              <a:rPr lang="en" sz="1200" u="sng">
-                <a:solidFill>
-                  <a:schemeClr val="hlink"/>
-                </a:solidFill>
-                <a:latin typeface="Calibri"/>
-                <a:ea typeface="Calibri"/>
-                <a:cs typeface="Calibri"/>
-                <a:sym typeface="Calibri"/>
-                <a:hlinkClick r:id="rId4"/>
-              </a:rPr>
-              <a:t>https://techcrunch.com/2025/03/24/a-new-challenging-agi-test-stumps-most-ai-models/</a:t>
-            </a:r>
-            <a:r>
-              <a:rPr lang="en" sz="1200">
-                <a:solidFill>
-                  <a:srgbClr val="131313"/>
-                </a:solidFill>
-                <a:latin typeface="Calibri"/>
-                <a:ea typeface="Calibri"/>
-                <a:cs typeface="Calibri"/>
-                <a:sym typeface="Calibri"/>
-              </a:rPr>
-              <a:t> </a:t>
-            </a:r>
-            <a:endParaRPr sz="1200">
-              <a:solidFill>
-                <a:srgbClr val="131313"/>
+        </p:txBody>
+      </p:sp>
+      <p:sp>
+        <p:nvSpPr>
+          <p:cNvPr id="176" name="Google Shape;176;p27"/>
+          <p:cNvSpPr txBox="1"/>
+          <p:nvPr/>
+        </p:nvSpPr>
+        <p:spPr>
+          <a:xfrm>
+            <a:off x="4609925" y="609125"/>
+            <a:ext cx="4456200" cy="572700"/>
+          </a:xfrm>
+          <a:prstGeom prst="rect">
+            <a:avLst/>
+          </a:prstGeom>
+          <a:solidFill>
+            <a:srgbClr val="FFF2CC"/>
+          </a:solidFill>
+          <a:ln w="9525" cap="flat" cmpd="sng">
+            <a:solidFill>
+              <a:srgbClr val="FF0000"/>
+            </a:solidFill>
+            <a:prstDash val="solid"/>
+            <a:round/>
+            <a:headEnd type="none" w="sm" len="sm"/>
+            <a:tailEnd type="none" w="sm" len="sm"/>
+          </a:ln>
+        </p:spPr>
+        <p:txBody>
+          <a:bodyPr spcFirstLastPara="1" wrap="square" lIns="9125" tIns="9125" rIns="9125" bIns="9125" anchor="t" anchorCtr="0">
+            <a:spAutoFit/>
+          </a:bodyPr>
+          <a:lstStyle/>
+          <a:p>
+            <a:pPr marL="0" lvl="0" indent="0" algn="l" rtl="0">
+              <a:spcBef>
+                <a:spcPts val="0"/>
+              </a:spcBef>
+              <a:spcAft>
+                <a:spcPts val="0"/>
+              </a:spcAft>
+              <a:buNone/>
+            </a:pPr>
+            <a:r>
+              <a:rPr lang="en" sz="1200" b="1">
+                <a:solidFill>
+                  <a:srgbClr val="FF0000"/>
+                </a:solidFill>
+                <a:latin typeface="Calibri"/>
+                <a:ea typeface="Calibri"/>
+                <a:cs typeface="Calibri"/>
+                <a:sym typeface="Calibri"/>
+              </a:rPr>
+              <a:t>Grok on Telegram</a:t>
+            </a:r>
+            <a:endParaRPr sz="1200" b="1">
+              <a:solidFill>
+                <a:srgbClr val="FF0000"/>
               </a:solidFill>
               <a:latin typeface="Calibri"/>
               <a:ea typeface="Calibri"/>
@@ -18547,7 +18943,7 @@
                 <a:spcPts val="0"/>
               </a:spcAft>
               <a:buClr>
-                <a:srgbClr val="131313"/>
+                <a:schemeClr val="dk1"/>
               </a:buClr>
               <a:buSzPts val="1200"/>
               <a:buFont typeface="Calibri"/>
@@ -18556,66 +18952,18 @@
             <a:r>
               <a:rPr lang="en" sz="1200">
                 <a:solidFill>
-                  <a:srgbClr val="131313"/>
-                </a:solidFill>
-                <a:latin typeface="Calibri"/>
-                <a:ea typeface="Calibri"/>
-                <a:cs typeface="Calibri"/>
-                <a:sym typeface="Calibri"/>
-              </a:rPr>
-              <a:t>In 2019, François Chollet - creator of Keras (front-end for TensorFlow used by 2.5 Mln developers), published "</a:t>
-            </a:r>
-            <a:r>
-              <a:rPr lang="en" sz="1200" b="1">
-                <a:solidFill>
-                  <a:srgbClr val="FF0000"/>
-                </a:solidFill>
-                <a:latin typeface="Calibri"/>
-                <a:ea typeface="Calibri"/>
-                <a:cs typeface="Calibri"/>
-                <a:sym typeface="Calibri"/>
-              </a:rPr>
-              <a:t>On the Measure of Intelligence</a:t>
-            </a:r>
-            <a:r>
-              <a:rPr lang="en" sz="1200">
-                <a:solidFill>
-                  <a:srgbClr val="131313"/>
-                </a:solidFill>
-                <a:latin typeface="Calibri"/>
-                <a:ea typeface="Calibri"/>
-                <a:cs typeface="Calibri"/>
-                <a:sym typeface="Calibri"/>
-              </a:rPr>
-              <a:t>" where he introduced the "</a:t>
-            </a:r>
-            <a:r>
-              <a:rPr lang="en" sz="1200" b="1">
-                <a:solidFill>
-                  <a:srgbClr val="3C78D8"/>
-                </a:solidFill>
-                <a:latin typeface="Calibri"/>
-                <a:ea typeface="Calibri"/>
-                <a:cs typeface="Calibri"/>
-                <a:sym typeface="Calibri"/>
-              </a:rPr>
-              <a:t>Abstract and Reasoning Corpus for Artificial General Intelligence</a:t>
-            </a:r>
-            <a:r>
-              <a:rPr lang="en" sz="1200">
-                <a:solidFill>
-                  <a:srgbClr val="131313"/>
-                </a:solidFill>
-                <a:latin typeface="Calibri"/>
-                <a:ea typeface="Calibri"/>
-                <a:cs typeface="Calibri"/>
-                <a:sym typeface="Calibri"/>
-              </a:rPr>
-              <a:t>" (ARC-AGI) benchmark to measure intelligence.</a:t>
+                  <a:schemeClr val="dk1"/>
+                </a:solidFill>
+                <a:latin typeface="Calibri"/>
+                <a:ea typeface="Calibri"/>
+                <a:cs typeface="Calibri"/>
+                <a:sym typeface="Calibri"/>
+              </a:rPr>
+              <a:t>Elon Musk's AI chatbot, Grok, is now available on Telegram Premium</a:t>
             </a:r>
             <a:endParaRPr sz="1200">
               <a:solidFill>
-                <a:srgbClr val="131313"/>
+                <a:schemeClr val="dk1"/>
               </a:solidFill>
               <a:latin typeface="Calibri"/>
               <a:ea typeface="Calibri"/>
@@ -18632,7 +18980,7 @@
                 <a:spcPts val="0"/>
               </a:spcAft>
               <a:buClr>
-                <a:srgbClr val="131313"/>
+                <a:schemeClr val="dk1"/>
               </a:buClr>
               <a:buSzPts val="1200"/>
               <a:buFont typeface="Calibri"/>
@@ -18641,42 +18989,18 @@
             <a:r>
               <a:rPr lang="en" sz="1200">
                 <a:solidFill>
-                  <a:srgbClr val="131313"/>
-                </a:solidFill>
-                <a:latin typeface="Calibri"/>
-                <a:ea typeface="Calibri"/>
-                <a:cs typeface="Calibri"/>
-                <a:sym typeface="Calibri"/>
-              </a:rPr>
-              <a:t>AGI (</a:t>
-            </a:r>
-            <a:r>
-              <a:rPr lang="en" sz="1200" b="1">
-                <a:solidFill>
-                  <a:srgbClr val="3C78D8"/>
-                </a:solidFill>
-                <a:latin typeface="Calibri"/>
-                <a:ea typeface="Calibri"/>
-                <a:cs typeface="Calibri"/>
-                <a:sym typeface="Calibri"/>
-              </a:rPr>
-              <a:t>Artificial General Intelligence</a:t>
-            </a:r>
-            <a:r>
-              <a:rPr lang="en" sz="1200">
-                <a:solidFill>
-                  <a:srgbClr val="131313"/>
-                </a:solidFill>
-                <a:latin typeface="Calibri"/>
-                <a:ea typeface="Calibri"/>
-                <a:cs typeface="Calibri"/>
-                <a:sym typeface="Calibri"/>
-              </a:rPr>
-              <a:t>) is a system that can efficiently acquire new skills outside of its training data.</a:t>
+                  <a:schemeClr val="dk1"/>
+                </a:solidFill>
+                <a:latin typeface="Calibri"/>
+                <a:ea typeface="Calibri"/>
+                <a:cs typeface="Calibri"/>
+                <a:sym typeface="Calibri"/>
+              </a:rPr>
+              <a:t>Offering its sarcastic assistant to over 1 billion users</a:t>
             </a:r>
             <a:endParaRPr sz="1200">
               <a:solidFill>
-                <a:srgbClr val="131313"/>
+                <a:schemeClr val="dk1"/>
               </a:solidFill>
               <a:latin typeface="Calibri"/>
               <a:ea typeface="Calibri"/>
@@ -18684,36 +19008,65 @@
               <a:sym typeface="Calibri"/>
             </a:endParaRPr>
           </a:p>
-          <a:p>
-            <a:pPr marL="171450" lvl="0" indent="-133350" algn="l" rtl="0">
-              <a:spcBef>
-                <a:spcPts val="0"/>
-              </a:spcBef>
-              <a:spcAft>
-                <a:spcPts val="0"/>
-              </a:spcAft>
-              <a:buClr>
-                <a:srgbClr val="131313"/>
-              </a:buClr>
-              <a:buSzPts val="1200"/>
-              <a:buFont typeface="Calibri"/>
-              <a:buChar char="●"/>
-            </a:pPr>
-            <a:r>
-              <a:rPr lang="en" sz="1200">
-                <a:solidFill>
-                  <a:srgbClr val="131313"/>
-                </a:solidFill>
-                <a:latin typeface="Calibri"/>
-                <a:ea typeface="Calibri"/>
-                <a:cs typeface="Calibri"/>
-                <a:sym typeface="Calibri"/>
-              </a:rPr>
-              <a:t>Intelligence is measured by the efficiency of skill-acquisition on unknown tasks. Simply, how quickly can you learn new skills?</a:t>
-            </a:r>
-            <a:endParaRPr sz="1200">
-              <a:solidFill>
-                <a:srgbClr val="131313"/>
+        </p:txBody>
+      </p:sp>
+      <p:sp>
+        <p:nvSpPr>
+          <p:cNvPr id="177" name="Google Shape;177;p27"/>
+          <p:cNvSpPr txBox="1"/>
+          <p:nvPr/>
+        </p:nvSpPr>
+        <p:spPr>
+          <a:xfrm>
+            <a:off x="4609925" y="1249525"/>
+            <a:ext cx="4456200" cy="1311300"/>
+          </a:xfrm>
+          <a:prstGeom prst="rect">
+            <a:avLst/>
+          </a:prstGeom>
+          <a:solidFill>
+            <a:srgbClr val="FFF2CC"/>
+          </a:solidFill>
+          <a:ln w="9525" cap="flat" cmpd="sng">
+            <a:solidFill>
+              <a:srgbClr val="FF0000"/>
+            </a:solidFill>
+            <a:prstDash val="solid"/>
+            <a:round/>
+            <a:headEnd type="none" w="sm" len="sm"/>
+            <a:tailEnd type="none" w="sm" len="sm"/>
+          </a:ln>
+        </p:spPr>
+        <p:txBody>
+          <a:bodyPr spcFirstLastPara="1" wrap="square" lIns="9125" tIns="9125" rIns="9125" bIns="9125" anchor="t" anchorCtr="0">
+            <a:spAutoFit/>
+          </a:bodyPr>
+          <a:lstStyle/>
+          <a:p>
+            <a:pPr marL="0" lvl="0" indent="0" algn="l" rtl="0">
+              <a:spcBef>
+                <a:spcPts val="0"/>
+              </a:spcBef>
+              <a:spcAft>
+                <a:spcPts val="0"/>
+              </a:spcAft>
+              <a:buNone/>
+            </a:pPr>
+            <a:r>
+              <a:rPr lang="en" sz="1200" b="1">
+                <a:solidFill>
+                  <a:srgbClr val="FF0000"/>
+                </a:solidFill>
+                <a:latin typeface="Calibri"/>
+                <a:ea typeface="Calibri"/>
+                <a:cs typeface="Calibri"/>
+                <a:sym typeface="Calibri"/>
+              </a:rPr>
+              <a:t>Ideogram 3.0</a:t>
+            </a:r>
+            <a:endParaRPr sz="1200" b="1">
+              <a:solidFill>
+                <a:srgbClr val="FF0000"/>
               </a:solidFill>
               <a:latin typeface="Calibri"/>
               <a:ea typeface="Calibri"/>
@@ -18730,7 +19083,7 @@
                 <a:spcPts val="0"/>
               </a:spcAft>
               <a:buClr>
-                <a:srgbClr val="131313"/>
+                <a:schemeClr val="dk1"/>
               </a:buClr>
               <a:buSzPts val="1200"/>
               <a:buFont typeface="Calibri"/>
@@ -18739,18 +19092,18 @@
             <a:r>
               <a:rPr lang="en" sz="1200">
                 <a:solidFill>
-                  <a:srgbClr val="131313"/>
-                </a:solidFill>
-                <a:latin typeface="Calibri"/>
-                <a:ea typeface="Calibri"/>
-                <a:cs typeface="Calibri"/>
-                <a:sym typeface="Calibri"/>
-              </a:rPr>
-              <a:t>ARC  when scores</a:t>
+                  <a:schemeClr val="dk1"/>
+                </a:solidFill>
+                <a:latin typeface="Calibri"/>
+                <a:ea typeface="Calibri"/>
+                <a:cs typeface="Calibri"/>
+                <a:sym typeface="Calibri"/>
+              </a:rPr>
+              <a:t>ideogram.ai - text-to-image tool, high-quality images</a:t>
             </a:r>
             <a:endParaRPr sz="1200">
               <a:solidFill>
-                <a:srgbClr val="131313"/>
+                <a:schemeClr val="dk1"/>
               </a:solidFill>
               <a:latin typeface="Calibri"/>
               <a:ea typeface="Calibri"/>
@@ -18767,7 +19120,7 @@
                 <a:spcPts val="0"/>
               </a:spcAft>
               <a:buClr>
-                <a:srgbClr val="131313"/>
+                <a:schemeClr val="dk1"/>
               </a:buClr>
               <a:buSzPts val="1200"/>
               <a:buFont typeface="Calibri"/>
@@ -18776,18 +19129,18 @@
             <a:r>
               <a:rPr lang="en" sz="1200">
                 <a:solidFill>
-                  <a:srgbClr val="131313"/>
-                </a:solidFill>
-                <a:latin typeface="Calibri"/>
-                <a:ea typeface="Calibri"/>
-                <a:cs typeface="Calibri"/>
-                <a:sym typeface="Calibri"/>
-              </a:rPr>
-              <a:t>ARC2 - now, scores, ! Mln prize</a:t>
+                  <a:schemeClr val="dk1"/>
+                </a:solidFill>
+                <a:latin typeface="Calibri"/>
+                <a:ea typeface="Calibri"/>
+                <a:cs typeface="Calibri"/>
+                <a:sym typeface="Calibri"/>
+              </a:rPr>
+              <a:t>artwork, diagrams, and realistic photos</a:t>
             </a:r>
             <a:endParaRPr sz="1200">
               <a:solidFill>
-                <a:srgbClr val="131313"/>
+                <a:schemeClr val="dk1"/>
               </a:solidFill>
               <a:latin typeface="Calibri"/>
               <a:ea typeface="Calibri"/>
@@ -18795,11 +19148,1306 @@
               <a:sym typeface="Calibri"/>
             </a:endParaRPr>
           </a:p>
+          <a:p>
+            <a:pPr marL="171450" lvl="0" indent="-133350" algn="l" rtl="0">
+              <a:spcBef>
+                <a:spcPts val="0"/>
+              </a:spcBef>
+              <a:spcAft>
+                <a:spcPts val="0"/>
+              </a:spcAft>
+              <a:buClr>
+                <a:schemeClr val="dk1"/>
+              </a:buClr>
+              <a:buSzPts val="1200"/>
+              <a:buFont typeface="Calibri"/>
+              <a:buChar char="●"/>
+            </a:pPr>
+            <a:r>
+              <a:rPr lang="en" sz="1200">
+                <a:solidFill>
+                  <a:schemeClr val="dk1"/>
+                </a:solidFill>
+                <a:latin typeface="Calibri"/>
+                <a:ea typeface="Calibri"/>
+                <a:cs typeface="Calibri"/>
+                <a:sym typeface="Calibri"/>
+              </a:rPr>
+              <a:t>ideal for artists, marketers, designers, and content creators</a:t>
+            </a:r>
+            <a:endParaRPr sz="1200">
+              <a:solidFill>
+                <a:schemeClr val="dk1"/>
+              </a:solidFill>
+              <a:latin typeface="Calibri"/>
+              <a:ea typeface="Calibri"/>
+              <a:cs typeface="Calibri"/>
+              <a:sym typeface="Calibri"/>
+            </a:endParaRPr>
+          </a:p>
+          <a:p>
+            <a:pPr marL="171450" lvl="0" indent="-133350" algn="l" rtl="0">
+              <a:spcBef>
+                <a:spcPts val="0"/>
+              </a:spcBef>
+              <a:spcAft>
+                <a:spcPts val="0"/>
+              </a:spcAft>
+              <a:buClr>
+                <a:schemeClr val="dk1"/>
+              </a:buClr>
+              <a:buSzPts val="1200"/>
+              <a:buFont typeface="Calibri"/>
+              <a:buChar char="●"/>
+            </a:pPr>
+            <a:r>
+              <a:rPr lang="en" sz="1200">
+                <a:solidFill>
+                  <a:schemeClr val="dk1"/>
+                </a:solidFill>
+                <a:latin typeface="Calibri"/>
+                <a:ea typeface="Calibri"/>
+                <a:cs typeface="Calibri"/>
+                <a:sym typeface="Calibri"/>
+              </a:rPr>
+              <a:t>stunning realism, creative designs, and consistent styles</a:t>
+            </a:r>
+            <a:endParaRPr sz="1200">
+              <a:solidFill>
+                <a:schemeClr val="dk1"/>
+              </a:solidFill>
+              <a:latin typeface="Calibri"/>
+              <a:ea typeface="Calibri"/>
+              <a:cs typeface="Calibri"/>
+              <a:sym typeface="Calibri"/>
+            </a:endParaRPr>
+          </a:p>
+          <a:p>
+            <a:pPr marL="171450" lvl="0" indent="-133350" algn="l" rtl="0">
+              <a:spcBef>
+                <a:spcPts val="0"/>
+              </a:spcBef>
+              <a:spcAft>
+                <a:spcPts val="0"/>
+              </a:spcAft>
+              <a:buClr>
+                <a:schemeClr val="dk1"/>
+              </a:buClr>
+              <a:buSzPts val="1200"/>
+              <a:buFont typeface="Calibri"/>
+              <a:buChar char="●"/>
+            </a:pPr>
+            <a:r>
+              <a:rPr lang="en" sz="1200" u="sng">
+                <a:solidFill>
+                  <a:schemeClr val="hlink"/>
+                </a:solidFill>
+                <a:latin typeface="Calibri"/>
+                <a:ea typeface="Calibri"/>
+                <a:cs typeface="Calibri"/>
+                <a:sym typeface="Calibri"/>
+                <a:hlinkClick r:id="rId6"/>
+              </a:rPr>
+              <a:t>https://about.ideogram.ai/3.0</a:t>
+            </a:r>
+            <a:r>
+              <a:rPr lang="en" sz="1200">
+                <a:solidFill>
+                  <a:schemeClr val="dk1"/>
+                </a:solidFill>
+                <a:latin typeface="Calibri"/>
+                <a:ea typeface="Calibri"/>
+                <a:cs typeface="Calibri"/>
+                <a:sym typeface="Calibri"/>
+              </a:rPr>
+              <a:t> </a:t>
+            </a:r>
+            <a:endParaRPr sz="1200">
+              <a:solidFill>
+                <a:schemeClr val="dk1"/>
+              </a:solidFill>
+              <a:latin typeface="Calibri"/>
+              <a:ea typeface="Calibri"/>
+              <a:cs typeface="Calibri"/>
+              <a:sym typeface="Calibri"/>
+            </a:endParaRPr>
+          </a:p>
+          <a:p>
+            <a:pPr marL="171450" lvl="0" indent="-133350" algn="l" rtl="0">
+              <a:spcBef>
+                <a:spcPts val="0"/>
+              </a:spcBef>
+              <a:spcAft>
+                <a:spcPts val="0"/>
+              </a:spcAft>
+              <a:buClr>
+                <a:schemeClr val="dk1"/>
+              </a:buClr>
+              <a:buSzPts val="1200"/>
+              <a:buFont typeface="Calibri"/>
+              <a:buChar char="●"/>
+            </a:pPr>
+            <a:r>
+              <a:rPr lang="en" sz="1200" u="sng">
+                <a:solidFill>
+                  <a:schemeClr val="hlink"/>
+                </a:solidFill>
+                <a:latin typeface="Calibri"/>
+                <a:ea typeface="Calibri"/>
+                <a:cs typeface="Calibri"/>
+                <a:sym typeface="Calibri"/>
+                <a:hlinkClick r:id="rId7"/>
+              </a:rPr>
+              <a:t>https://artificialanalysis.ai/text-to-image/arena?tab=Leaderboard</a:t>
+            </a:r>
+            <a:r>
+              <a:rPr lang="en" sz="1200">
+                <a:solidFill>
+                  <a:schemeClr val="dk1"/>
+                </a:solidFill>
+                <a:latin typeface="Calibri"/>
+                <a:ea typeface="Calibri"/>
+                <a:cs typeface="Calibri"/>
+                <a:sym typeface="Calibri"/>
+              </a:rPr>
+              <a:t> </a:t>
+            </a:r>
+            <a:endParaRPr sz="1200">
+              <a:solidFill>
+                <a:schemeClr val="dk1"/>
+              </a:solidFill>
+              <a:latin typeface="Calibri"/>
+              <a:ea typeface="Calibri"/>
+              <a:cs typeface="Calibri"/>
+              <a:sym typeface="Calibri"/>
+            </a:endParaRPr>
+          </a:p>
         </p:txBody>
       </p:sp>
       <p:pic>
         <p:nvPicPr>
-          <p:cNvPr id="180" name="Google Shape;180;p28"/>
+          <p:cNvPr id="178" name="Google Shape;178;p27"/>
+          <p:cNvPicPr preferRelativeResize="0"/>
+          <p:nvPr/>
+        </p:nvPicPr>
+        <p:blipFill>
+          <a:blip r:embed="rId8" cstate="email">
+            <a:alphaModFix/>
+            <a:extLst>
+              <a:ext uri="{28A0092B-C50C-407E-A947-70E740481C1C}">
+                <a14:useLocalDpi xmlns:a14="http://schemas.microsoft.com/office/drawing/2010/main"/>
+              </a:ext>
+            </a:extLst>
+          </a:blip>
+          <a:stretch>
+            <a:fillRect/>
+          </a:stretch>
+        </p:blipFill>
+        <p:spPr>
+          <a:xfrm>
+            <a:off x="5160126" y="2718925"/>
+            <a:ext cx="3905998" cy="2307325"/>
+          </a:xfrm>
+          <a:prstGeom prst="rect">
+            <a:avLst/>
+          </a:prstGeom>
+          <a:noFill/>
+          <a:ln w="9525" cap="flat" cmpd="sng">
+            <a:solidFill>
+              <a:srgbClr val="FF0000"/>
+            </a:solidFill>
+            <a:prstDash val="solid"/>
+            <a:round/>
+            <a:headEnd type="none" w="sm" len="sm"/>
+            <a:tailEnd type="none" w="sm" len="sm"/>
+          </a:ln>
+        </p:spPr>
+      </p:pic>
+    </p:spTree>
+  </p:cSld>
+  <p:clrMapOvr>
+    <a:masterClrMapping/>
+  </p:clrMapOvr>
+</p:sld>
+</file>
+
+<file path=ppt/slides/slide14.xml><?xml version="1.0" encoding="utf-8"?>
+<p:sld xmlns:a="http://schemas.openxmlformats.org/drawingml/2006/main" xmlns:r="http://schemas.openxmlformats.org/officeDocument/2006/relationships" xmlns:p="http://schemas.openxmlformats.org/presentationml/2006/main">
+  <p:cSld>
+    <p:spTree>
+      <p:nvGrpSpPr>
+        <p:cNvPr id="1" name="Shape 182"/>
+        <p:cNvGrpSpPr/>
+        <p:nvPr/>
+      </p:nvGrpSpPr>
+      <p:grpSpPr>
+        <a:xfrm>
+          <a:off x="0" y="0"/>
+          <a:ext cx="0" cy="0"/>
+          <a:chOff x="0" y="0"/>
+          <a:chExt cx="0" cy="0"/>
+        </a:xfrm>
+      </p:grpSpPr>
+      <p:sp>
+        <p:nvSpPr>
+          <p:cNvPr id="183" name="Google Shape;183;p28"/>
+          <p:cNvSpPr txBox="1"/>
+          <p:nvPr/>
+        </p:nvSpPr>
+        <p:spPr>
+          <a:xfrm>
+            <a:off x="55075" y="52750"/>
+            <a:ext cx="3087000" cy="326400"/>
+          </a:xfrm>
+          <a:prstGeom prst="rect">
+            <a:avLst/>
+          </a:prstGeom>
+          <a:noFill/>
+          <a:ln>
+            <a:noFill/>
+          </a:ln>
+        </p:spPr>
+        <p:txBody>
+          <a:bodyPr spcFirstLastPara="1" wrap="square" lIns="9125" tIns="9125" rIns="9125" bIns="9125" anchor="t" anchorCtr="0">
+            <a:spAutoFit/>
+          </a:bodyPr>
+          <a:lstStyle/>
+          <a:p>
+            <a:pPr marL="0" lvl="0" indent="0" algn="l" rtl="0">
+              <a:spcBef>
+                <a:spcPts val="0"/>
+              </a:spcBef>
+              <a:spcAft>
+                <a:spcPts val="0"/>
+              </a:spcAft>
+              <a:buClr>
+                <a:schemeClr val="dk1"/>
+              </a:buClr>
+              <a:buSzPts val="1100"/>
+              <a:buFont typeface="Arial"/>
+              <a:buNone/>
+            </a:pPr>
+            <a:r>
+              <a:rPr lang="en" sz="2000" b="1">
+                <a:solidFill>
+                  <a:schemeClr val="dk1"/>
+                </a:solidFill>
+                <a:latin typeface="Calibri"/>
+                <a:ea typeface="Calibri"/>
+                <a:cs typeface="Calibri"/>
+                <a:sym typeface="Calibri"/>
+              </a:rPr>
+              <a:t>Microsoft Hyperlight Wasm</a:t>
+            </a:r>
+            <a:endParaRPr sz="2000" b="1">
+              <a:solidFill>
+                <a:schemeClr val="dk1"/>
+              </a:solidFill>
+              <a:latin typeface="Calibri"/>
+              <a:ea typeface="Calibri"/>
+              <a:cs typeface="Calibri"/>
+              <a:sym typeface="Calibri"/>
+            </a:endParaRPr>
+          </a:p>
+        </p:txBody>
+      </p:sp>
+      <p:sp>
+        <p:nvSpPr>
+          <p:cNvPr id="184" name="Google Shape;184;p28"/>
+          <p:cNvSpPr txBox="1"/>
+          <p:nvPr/>
+        </p:nvSpPr>
+        <p:spPr>
+          <a:xfrm>
+            <a:off x="85370" y="476725"/>
+            <a:ext cx="4456200" cy="1680900"/>
+          </a:xfrm>
+          <a:prstGeom prst="rect">
+            <a:avLst/>
+          </a:prstGeom>
+          <a:solidFill>
+            <a:srgbClr val="FFF2CC"/>
+          </a:solidFill>
+          <a:ln w="9525" cap="flat" cmpd="sng">
+            <a:solidFill>
+              <a:srgbClr val="FF0000"/>
+            </a:solidFill>
+            <a:prstDash val="solid"/>
+            <a:round/>
+            <a:headEnd type="none" w="sm" len="sm"/>
+            <a:tailEnd type="none" w="sm" len="sm"/>
+          </a:ln>
+        </p:spPr>
+        <p:txBody>
+          <a:bodyPr spcFirstLastPara="1" wrap="square" lIns="9125" tIns="9125" rIns="9125" bIns="9125" anchor="t" anchorCtr="0">
+            <a:spAutoFit/>
+          </a:bodyPr>
+          <a:lstStyle/>
+          <a:p>
+            <a:pPr marL="0" lvl="0" indent="0" algn="l" rtl="0">
+              <a:spcBef>
+                <a:spcPts val="0"/>
+              </a:spcBef>
+              <a:spcAft>
+                <a:spcPts val="0"/>
+              </a:spcAft>
+              <a:buNone/>
+            </a:pPr>
+            <a:r>
+              <a:rPr lang="en" sz="1200" b="1">
+                <a:solidFill>
+                  <a:srgbClr val="FF0000"/>
+                </a:solidFill>
+                <a:latin typeface="Calibri"/>
+                <a:ea typeface="Calibri"/>
+                <a:cs typeface="Calibri"/>
+                <a:sym typeface="Calibri"/>
+              </a:rPr>
+              <a:t>Microsoft open-sourced Hyperlight Wasm</a:t>
+            </a:r>
+            <a:endParaRPr sz="1200">
+              <a:solidFill>
+                <a:schemeClr val="dk1"/>
+              </a:solidFill>
+              <a:latin typeface="Calibri"/>
+              <a:ea typeface="Calibri"/>
+              <a:cs typeface="Calibri"/>
+              <a:sym typeface="Calibri"/>
+            </a:endParaRPr>
+          </a:p>
+          <a:p>
+            <a:pPr marL="171450" lvl="0" indent="-133350" algn="l" rtl="0">
+              <a:spcBef>
+                <a:spcPts val="0"/>
+              </a:spcBef>
+              <a:spcAft>
+                <a:spcPts val="0"/>
+              </a:spcAft>
+              <a:buClr>
+                <a:schemeClr val="dk1"/>
+              </a:buClr>
+              <a:buSzPts val="1200"/>
+              <a:buFont typeface="Calibri"/>
+              <a:buChar char="●"/>
+            </a:pPr>
+            <a:r>
+              <a:rPr lang="en" sz="1200">
+                <a:solidFill>
+                  <a:schemeClr val="dk1"/>
+                </a:solidFill>
+                <a:latin typeface="Calibri"/>
+                <a:ea typeface="Calibri"/>
+                <a:cs typeface="Calibri"/>
+                <a:sym typeface="Calibri"/>
+              </a:rPr>
+              <a:t>Hyperlight Wasm is a micro VM for running WebAssembly apps</a:t>
+            </a:r>
+            <a:endParaRPr sz="1200">
+              <a:solidFill>
+                <a:schemeClr val="dk1"/>
+              </a:solidFill>
+              <a:latin typeface="Calibri"/>
+              <a:ea typeface="Calibri"/>
+              <a:cs typeface="Calibri"/>
+              <a:sym typeface="Calibri"/>
+            </a:endParaRPr>
+          </a:p>
+          <a:p>
+            <a:pPr marL="171450" lvl="0" indent="-133350" algn="l" rtl="0">
+              <a:spcBef>
+                <a:spcPts val="0"/>
+              </a:spcBef>
+              <a:spcAft>
+                <a:spcPts val="0"/>
+              </a:spcAft>
+              <a:buClr>
+                <a:schemeClr val="dk1"/>
+              </a:buClr>
+              <a:buSzPts val="1200"/>
+              <a:buFont typeface="Calibri"/>
+              <a:buChar char="●"/>
+            </a:pPr>
+            <a:r>
+              <a:rPr lang="en" sz="1200">
+                <a:solidFill>
+                  <a:schemeClr val="dk1"/>
+                </a:solidFill>
+                <a:latin typeface="Calibri"/>
+                <a:ea typeface="Calibri"/>
+                <a:cs typeface="Calibri"/>
+                <a:sym typeface="Calibri"/>
+              </a:rPr>
+              <a:t>Written in Rust</a:t>
+            </a:r>
+            <a:endParaRPr sz="1200">
+              <a:solidFill>
+                <a:schemeClr val="dk1"/>
+              </a:solidFill>
+              <a:latin typeface="Calibri"/>
+              <a:ea typeface="Calibri"/>
+              <a:cs typeface="Calibri"/>
+              <a:sym typeface="Calibri"/>
+            </a:endParaRPr>
+          </a:p>
+          <a:p>
+            <a:pPr marL="171450" lvl="0" indent="-133350" algn="l" rtl="0">
+              <a:spcBef>
+                <a:spcPts val="0"/>
+              </a:spcBef>
+              <a:spcAft>
+                <a:spcPts val="0"/>
+              </a:spcAft>
+              <a:buClr>
+                <a:schemeClr val="dk1"/>
+              </a:buClr>
+              <a:buSzPts val="1200"/>
+              <a:buFont typeface="Calibri"/>
+              <a:buChar char="●"/>
+            </a:pPr>
+            <a:r>
+              <a:rPr lang="en" sz="1200">
+                <a:solidFill>
+                  <a:schemeClr val="dk1"/>
+                </a:solidFill>
+                <a:latin typeface="Calibri"/>
+                <a:ea typeface="Calibri"/>
+                <a:cs typeface="Calibri"/>
+                <a:sym typeface="Calibri"/>
+              </a:rPr>
+              <a:t>Open source, Apache 2.0 license</a:t>
+            </a:r>
+            <a:endParaRPr sz="1200">
+              <a:solidFill>
+                <a:schemeClr val="dk1"/>
+              </a:solidFill>
+              <a:latin typeface="Calibri"/>
+              <a:ea typeface="Calibri"/>
+              <a:cs typeface="Calibri"/>
+              <a:sym typeface="Calibri"/>
+            </a:endParaRPr>
+          </a:p>
+          <a:p>
+            <a:pPr marL="171450" lvl="0" indent="-133350" algn="l" rtl="0">
+              <a:spcBef>
+                <a:spcPts val="0"/>
+              </a:spcBef>
+              <a:spcAft>
+                <a:spcPts val="0"/>
+              </a:spcAft>
+              <a:buClr>
+                <a:schemeClr val="dk1"/>
+              </a:buClr>
+              <a:buSzPts val="1200"/>
+              <a:buFont typeface="Calibri"/>
+              <a:buChar char="●"/>
+            </a:pPr>
+            <a:r>
+              <a:rPr lang="en" sz="1200">
+                <a:solidFill>
+                  <a:schemeClr val="dk1"/>
+                </a:solidFill>
+                <a:latin typeface="Calibri"/>
+                <a:ea typeface="Calibri"/>
+                <a:cs typeface="Calibri"/>
+                <a:sym typeface="Calibri"/>
+              </a:rPr>
+              <a:t>Various programming languages can target WASM. </a:t>
+            </a:r>
+            <a:endParaRPr sz="1200">
+              <a:solidFill>
+                <a:schemeClr val="dk1"/>
+              </a:solidFill>
+              <a:latin typeface="Calibri"/>
+              <a:ea typeface="Calibri"/>
+              <a:cs typeface="Calibri"/>
+              <a:sym typeface="Calibri"/>
+            </a:endParaRPr>
+          </a:p>
+          <a:p>
+            <a:pPr marL="171450" lvl="0" indent="-133350" algn="l" rtl="0">
+              <a:spcBef>
+                <a:spcPts val="0"/>
+              </a:spcBef>
+              <a:spcAft>
+                <a:spcPts val="0"/>
+              </a:spcAft>
+              <a:buClr>
+                <a:schemeClr val="dk1"/>
+              </a:buClr>
+              <a:buSzPts val="1200"/>
+              <a:buFont typeface="Calibri"/>
+              <a:buChar char="●"/>
+            </a:pPr>
+            <a:r>
+              <a:rPr lang="en" sz="1200">
+                <a:solidFill>
+                  <a:schemeClr val="dk1"/>
+                </a:solidFill>
+                <a:latin typeface="Calibri"/>
+                <a:ea typeface="Calibri"/>
+                <a:cs typeface="Calibri"/>
+                <a:sym typeface="Calibri"/>
+              </a:rPr>
+              <a:t>Hyperlight Wasm can run on Linux, Windows, and macOS.</a:t>
+            </a:r>
+            <a:endParaRPr sz="1200">
+              <a:solidFill>
+                <a:schemeClr val="dk1"/>
+              </a:solidFill>
+              <a:latin typeface="Calibri"/>
+              <a:ea typeface="Calibri"/>
+              <a:cs typeface="Calibri"/>
+              <a:sym typeface="Calibri"/>
+            </a:endParaRPr>
+          </a:p>
+          <a:p>
+            <a:pPr marL="171450" lvl="0" indent="-114300" algn="l" rtl="0">
+              <a:spcBef>
+                <a:spcPts val="0"/>
+              </a:spcBef>
+              <a:spcAft>
+                <a:spcPts val="0"/>
+              </a:spcAft>
+              <a:buClr>
+                <a:schemeClr val="dk1"/>
+              </a:buClr>
+              <a:buSzPts val="900"/>
+              <a:buFont typeface="Calibri"/>
+              <a:buChar char="●"/>
+            </a:pPr>
+            <a:r>
+              <a:rPr lang="en" sz="900" u="sng">
+                <a:solidFill>
+                  <a:schemeClr val="hlink"/>
+                </a:solidFill>
+                <a:latin typeface="Calibri"/>
+                <a:ea typeface="Calibri"/>
+                <a:cs typeface="Calibri"/>
+                <a:sym typeface="Calibri"/>
+                <a:hlinkClick r:id="rId3"/>
+              </a:rPr>
+              <a:t>https://www.phoronix.com/news/Microsoft-Hyperlight-Wasm</a:t>
+            </a:r>
+            <a:endParaRPr sz="900">
+              <a:solidFill>
+                <a:schemeClr val="dk1"/>
+              </a:solidFill>
+              <a:latin typeface="Calibri"/>
+              <a:ea typeface="Calibri"/>
+              <a:cs typeface="Calibri"/>
+              <a:sym typeface="Calibri"/>
+            </a:endParaRPr>
+          </a:p>
+          <a:p>
+            <a:pPr marL="171450" lvl="0" indent="-114300" algn="l" rtl="0">
+              <a:spcBef>
+                <a:spcPts val="0"/>
+              </a:spcBef>
+              <a:spcAft>
+                <a:spcPts val="0"/>
+              </a:spcAft>
+              <a:buClr>
+                <a:schemeClr val="dk1"/>
+              </a:buClr>
+              <a:buSzPts val="900"/>
+              <a:buFont typeface="Calibri"/>
+              <a:buChar char="●"/>
+            </a:pPr>
+            <a:r>
+              <a:rPr lang="en" sz="900" u="sng">
+                <a:solidFill>
+                  <a:schemeClr val="hlink"/>
+                </a:solidFill>
+                <a:latin typeface="Calibri"/>
+                <a:ea typeface="Calibri"/>
+                <a:cs typeface="Calibri"/>
+                <a:sym typeface="Calibri"/>
+                <a:hlinkClick r:id="rId4"/>
+              </a:rPr>
+              <a:t>https://github.com/hyperlight-dev/hyperlight</a:t>
+            </a:r>
+            <a:r>
+              <a:rPr lang="en" sz="900">
+                <a:solidFill>
+                  <a:schemeClr val="dk1"/>
+                </a:solidFill>
+                <a:latin typeface="Calibri"/>
+                <a:ea typeface="Calibri"/>
+                <a:cs typeface="Calibri"/>
+                <a:sym typeface="Calibri"/>
+              </a:rPr>
+              <a:t> </a:t>
+            </a:r>
+            <a:endParaRPr sz="900">
+              <a:solidFill>
+                <a:schemeClr val="dk1"/>
+              </a:solidFill>
+              <a:latin typeface="Calibri"/>
+              <a:ea typeface="Calibri"/>
+              <a:cs typeface="Calibri"/>
+              <a:sym typeface="Calibri"/>
+            </a:endParaRPr>
+          </a:p>
+          <a:p>
+            <a:pPr marL="171450" lvl="0" indent="-114300" algn="l" rtl="0">
+              <a:spcBef>
+                <a:spcPts val="0"/>
+              </a:spcBef>
+              <a:spcAft>
+                <a:spcPts val="0"/>
+              </a:spcAft>
+              <a:buClr>
+                <a:schemeClr val="dk1"/>
+              </a:buClr>
+              <a:buSzPts val="900"/>
+              <a:buFont typeface="Calibri"/>
+              <a:buChar char="●"/>
+            </a:pPr>
+            <a:r>
+              <a:rPr lang="en" sz="900" u="sng">
+                <a:solidFill>
+                  <a:schemeClr val="hlink"/>
+                </a:solidFill>
+                <a:latin typeface="Calibri"/>
+                <a:ea typeface="Calibri"/>
+                <a:cs typeface="Calibri"/>
+                <a:sym typeface="Calibri"/>
+                <a:hlinkClick r:id="rId5"/>
+              </a:rPr>
+              <a:t>https://opensource.microsoft.com/blog/2024/11/07/introducing-hyperlight-virtual-machine-based-security-for-functions-at-scale/</a:t>
+            </a:r>
+            <a:r>
+              <a:rPr lang="en" sz="900">
+                <a:solidFill>
+                  <a:schemeClr val="dk1"/>
+                </a:solidFill>
+                <a:latin typeface="Calibri"/>
+                <a:ea typeface="Calibri"/>
+                <a:cs typeface="Calibri"/>
+                <a:sym typeface="Calibri"/>
+              </a:rPr>
+              <a:t> </a:t>
+            </a:r>
+            <a:endParaRPr sz="900">
+              <a:solidFill>
+                <a:schemeClr val="dk1"/>
+              </a:solidFill>
+              <a:latin typeface="Calibri"/>
+              <a:ea typeface="Calibri"/>
+              <a:cs typeface="Calibri"/>
+              <a:sym typeface="Calibri"/>
+            </a:endParaRPr>
+          </a:p>
+        </p:txBody>
+      </p:sp>
+      <p:pic>
+        <p:nvPicPr>
+          <p:cNvPr id="185" name="Google Shape;185;p28"/>
+          <p:cNvPicPr preferRelativeResize="0"/>
+          <p:nvPr/>
+        </p:nvPicPr>
+        <p:blipFill>
+          <a:blip r:embed="rId6" cstate="email">
+            <a:alphaModFix/>
+            <a:extLst>
+              <a:ext uri="{28A0092B-C50C-407E-A947-70E740481C1C}">
+                <a14:useLocalDpi xmlns:a14="http://schemas.microsoft.com/office/drawing/2010/main"/>
+              </a:ext>
+            </a:extLst>
+          </a:blip>
+          <a:stretch>
+            <a:fillRect/>
+          </a:stretch>
+        </p:blipFill>
+        <p:spPr>
+          <a:xfrm>
+            <a:off x="85375" y="2386900"/>
+            <a:ext cx="4456199" cy="2411310"/>
+          </a:xfrm>
+          <a:prstGeom prst="rect">
+            <a:avLst/>
+          </a:prstGeom>
+          <a:noFill/>
+          <a:ln w="9525" cap="flat" cmpd="sng">
+            <a:solidFill>
+              <a:srgbClr val="FF0000"/>
+            </a:solidFill>
+            <a:prstDash val="solid"/>
+            <a:round/>
+            <a:headEnd type="none" w="sm" len="sm"/>
+            <a:tailEnd type="none" w="sm" len="sm"/>
+          </a:ln>
+        </p:spPr>
+      </p:pic>
+      <p:pic>
+        <p:nvPicPr>
+          <p:cNvPr id="186" name="Google Shape;186;p28"/>
+          <p:cNvPicPr preferRelativeResize="0"/>
+          <p:nvPr/>
+        </p:nvPicPr>
+        <p:blipFill rotWithShape="1">
+          <a:blip r:embed="rId7" cstate="email">
+            <a:alphaModFix/>
+            <a:extLst>
+              <a:ext uri="{28A0092B-C50C-407E-A947-70E740481C1C}">
+                <a14:useLocalDpi xmlns:a14="http://schemas.microsoft.com/office/drawing/2010/main"/>
+              </a:ext>
+            </a:extLst>
+          </a:blip>
+          <a:srcRect/>
+          <a:stretch/>
+        </p:blipFill>
+        <p:spPr>
+          <a:xfrm>
+            <a:off x="5154525" y="800838"/>
+            <a:ext cx="3403175" cy="1032675"/>
+          </a:xfrm>
+          <a:prstGeom prst="rect">
+            <a:avLst/>
+          </a:prstGeom>
+          <a:noFill/>
+          <a:ln w="9525" cap="flat" cmpd="sng">
+            <a:solidFill>
+              <a:srgbClr val="FF0000"/>
+            </a:solidFill>
+            <a:prstDash val="solid"/>
+            <a:round/>
+            <a:headEnd type="none" w="sm" len="sm"/>
+            <a:tailEnd type="none" w="sm" len="sm"/>
+          </a:ln>
+        </p:spPr>
+      </p:pic>
+    </p:spTree>
+  </p:cSld>
+  <p:clrMapOvr>
+    <a:masterClrMapping/>
+  </p:clrMapOvr>
+</p:sld>
+</file>
+
+<file path=ppt/slides/slide15.xml><?xml version="1.0" encoding="utf-8"?>
+<p:sld xmlns:a="http://schemas.openxmlformats.org/drawingml/2006/main" xmlns:r="http://schemas.openxmlformats.org/officeDocument/2006/relationships" xmlns:p="http://schemas.openxmlformats.org/presentationml/2006/main">
+  <p:cSld>
+    <p:spTree>
+      <p:nvGrpSpPr>
+        <p:cNvPr id="1" name="Shape 190"/>
+        <p:cNvGrpSpPr/>
+        <p:nvPr/>
+      </p:nvGrpSpPr>
+      <p:grpSpPr>
+        <a:xfrm>
+          <a:off x="0" y="0"/>
+          <a:ext cx="0" cy="0"/>
+          <a:chOff x="0" y="0"/>
+          <a:chExt cx="0" cy="0"/>
+        </a:xfrm>
+      </p:grpSpPr>
+      <p:sp>
+        <p:nvSpPr>
+          <p:cNvPr id="191" name="Google Shape;191;p29"/>
+          <p:cNvSpPr txBox="1"/>
+          <p:nvPr/>
+        </p:nvSpPr>
+        <p:spPr>
+          <a:xfrm>
+            <a:off x="55075" y="52750"/>
+            <a:ext cx="3483300" cy="326400"/>
+          </a:xfrm>
+          <a:prstGeom prst="rect">
+            <a:avLst/>
+          </a:prstGeom>
+          <a:noFill/>
+          <a:ln>
+            <a:noFill/>
+          </a:ln>
+        </p:spPr>
+        <p:txBody>
+          <a:bodyPr spcFirstLastPara="1" wrap="square" lIns="9125" tIns="9125" rIns="9125" bIns="9125" anchor="t" anchorCtr="0">
+            <a:spAutoFit/>
+          </a:bodyPr>
+          <a:lstStyle/>
+          <a:p>
+            <a:pPr marL="0" lvl="0" indent="0" algn="l" rtl="0">
+              <a:spcBef>
+                <a:spcPts val="0"/>
+              </a:spcBef>
+              <a:spcAft>
+                <a:spcPts val="0"/>
+              </a:spcAft>
+              <a:buClr>
+                <a:schemeClr val="dk1"/>
+              </a:buClr>
+              <a:buSzPts val="1100"/>
+              <a:buFont typeface="Arial"/>
+              <a:buNone/>
+            </a:pPr>
+            <a:r>
+              <a:rPr lang="en" sz="2000" b="1">
+                <a:solidFill>
+                  <a:schemeClr val="dk1"/>
+                </a:solidFill>
+                <a:latin typeface="Calibri"/>
+                <a:ea typeface="Calibri"/>
+                <a:cs typeface="Calibri"/>
+                <a:sym typeface="Calibri"/>
+              </a:rPr>
+              <a:t>ARC-AGI-2</a:t>
+            </a:r>
+            <a:endParaRPr sz="2000" b="1">
+              <a:solidFill>
+                <a:schemeClr val="dk1"/>
+              </a:solidFill>
+              <a:latin typeface="Calibri"/>
+              <a:ea typeface="Calibri"/>
+              <a:cs typeface="Calibri"/>
+              <a:sym typeface="Calibri"/>
+            </a:endParaRPr>
+          </a:p>
+        </p:txBody>
+      </p:sp>
+      <p:sp>
+        <p:nvSpPr>
+          <p:cNvPr id="192" name="Google Shape;192;p29"/>
+          <p:cNvSpPr txBox="1"/>
+          <p:nvPr/>
+        </p:nvSpPr>
+        <p:spPr>
+          <a:xfrm>
+            <a:off x="55075" y="545900"/>
+            <a:ext cx="3825000" cy="3343200"/>
+          </a:xfrm>
+          <a:prstGeom prst="rect">
+            <a:avLst/>
+          </a:prstGeom>
+          <a:solidFill>
+            <a:srgbClr val="FFF2CC"/>
+          </a:solidFill>
+          <a:ln w="9525" cap="flat" cmpd="sng">
+            <a:solidFill>
+              <a:srgbClr val="FF0000"/>
+            </a:solidFill>
+            <a:prstDash val="solid"/>
+            <a:round/>
+            <a:headEnd type="none" w="sm" len="sm"/>
+            <a:tailEnd type="none" w="sm" len="sm"/>
+          </a:ln>
+        </p:spPr>
+        <p:txBody>
+          <a:bodyPr spcFirstLastPara="1" wrap="square" lIns="9125" tIns="9125" rIns="9125" bIns="9125" anchor="t" anchorCtr="0">
+            <a:spAutoFit/>
+          </a:bodyPr>
+          <a:lstStyle/>
+          <a:p>
+            <a:pPr marL="171450" lvl="0" indent="-133350" algn="l" rtl="0">
+              <a:spcBef>
+                <a:spcPts val="0"/>
+              </a:spcBef>
+              <a:spcAft>
+                <a:spcPts val="0"/>
+              </a:spcAft>
+              <a:buClr>
+                <a:schemeClr val="dk1"/>
+              </a:buClr>
+              <a:buSzPts val="1200"/>
+              <a:buFont typeface="Calibri"/>
+              <a:buChar char="●"/>
+            </a:pPr>
+            <a:r>
+              <a:rPr lang="en" sz="1200" b="1">
+                <a:solidFill>
+                  <a:srgbClr val="FF0000"/>
+                </a:solidFill>
+                <a:latin typeface="Calibri"/>
+                <a:ea typeface="Calibri"/>
+                <a:cs typeface="Calibri"/>
+                <a:sym typeface="Calibri"/>
+              </a:rPr>
+              <a:t>ARC-AGI-2</a:t>
+            </a:r>
+            <a:r>
+              <a:rPr lang="en" sz="1200">
+                <a:solidFill>
+                  <a:srgbClr val="131313"/>
+                </a:solidFill>
+                <a:latin typeface="Calibri"/>
+                <a:ea typeface="Calibri"/>
+                <a:cs typeface="Calibri"/>
+                <a:sym typeface="Calibri"/>
+              </a:rPr>
+              <a:t> by Arc Prize Foundation</a:t>
+            </a:r>
+            <a:endParaRPr sz="1200">
+              <a:solidFill>
+                <a:srgbClr val="131313"/>
+              </a:solidFill>
+              <a:latin typeface="Calibri"/>
+              <a:ea typeface="Calibri"/>
+              <a:cs typeface="Calibri"/>
+              <a:sym typeface="Calibri"/>
+            </a:endParaRPr>
+          </a:p>
+          <a:p>
+            <a:pPr marL="171450" lvl="0" indent="-133350" algn="l" rtl="0">
+              <a:spcBef>
+                <a:spcPts val="0"/>
+              </a:spcBef>
+              <a:spcAft>
+                <a:spcPts val="0"/>
+              </a:spcAft>
+              <a:buClr>
+                <a:srgbClr val="131313"/>
+              </a:buClr>
+              <a:buSzPts val="1200"/>
+              <a:buFont typeface="Calibri"/>
+              <a:buChar char="●"/>
+            </a:pPr>
+            <a:r>
+              <a:rPr lang="en" sz="1200" u="sng">
+                <a:solidFill>
+                  <a:schemeClr val="hlink"/>
+                </a:solidFill>
+                <a:latin typeface="Calibri"/>
+                <a:ea typeface="Calibri"/>
+                <a:cs typeface="Calibri"/>
+                <a:sym typeface="Calibri"/>
+                <a:hlinkClick r:id="rId3"/>
+              </a:rPr>
+              <a:t>https://arcprize.org/blog/announcing-arc-agi-2-and-arc-prize-2025</a:t>
+            </a:r>
+            <a:r>
+              <a:rPr lang="en" sz="1200">
+                <a:solidFill>
+                  <a:srgbClr val="131313"/>
+                </a:solidFill>
+                <a:latin typeface="Calibri"/>
+                <a:ea typeface="Calibri"/>
+                <a:cs typeface="Calibri"/>
+                <a:sym typeface="Calibri"/>
+              </a:rPr>
+              <a:t> </a:t>
+            </a:r>
+            <a:endParaRPr sz="1200">
+              <a:solidFill>
+                <a:srgbClr val="131313"/>
+              </a:solidFill>
+              <a:latin typeface="Calibri"/>
+              <a:ea typeface="Calibri"/>
+              <a:cs typeface="Calibri"/>
+              <a:sym typeface="Calibri"/>
+            </a:endParaRPr>
+          </a:p>
+          <a:p>
+            <a:pPr marL="171450" lvl="0" indent="-133350" algn="l" rtl="0">
+              <a:spcBef>
+                <a:spcPts val="0"/>
+              </a:spcBef>
+              <a:spcAft>
+                <a:spcPts val="0"/>
+              </a:spcAft>
+              <a:buClr>
+                <a:schemeClr val="dk1"/>
+              </a:buClr>
+              <a:buSzPts val="1200"/>
+              <a:buFont typeface="Calibri"/>
+              <a:buChar char="●"/>
+            </a:pPr>
+            <a:r>
+              <a:rPr lang="en" sz="1200" u="sng">
+                <a:solidFill>
+                  <a:schemeClr val="hlink"/>
+                </a:solidFill>
+                <a:latin typeface="Calibri"/>
+                <a:ea typeface="Calibri"/>
+                <a:cs typeface="Calibri"/>
+                <a:sym typeface="Calibri"/>
+                <a:hlinkClick r:id="rId4"/>
+              </a:rPr>
+              <a:t>https://techcrunch.com/2025/03/24/a-new-challenging-agi-test-stumps-most-ai-models/</a:t>
+            </a:r>
+            <a:r>
+              <a:rPr lang="en" sz="1200">
+                <a:solidFill>
+                  <a:srgbClr val="131313"/>
+                </a:solidFill>
+                <a:latin typeface="Calibri"/>
+                <a:ea typeface="Calibri"/>
+                <a:cs typeface="Calibri"/>
+                <a:sym typeface="Calibri"/>
+              </a:rPr>
+              <a:t> </a:t>
+            </a:r>
+            <a:endParaRPr sz="1200">
+              <a:solidFill>
+                <a:srgbClr val="131313"/>
+              </a:solidFill>
+              <a:latin typeface="Calibri"/>
+              <a:ea typeface="Calibri"/>
+              <a:cs typeface="Calibri"/>
+              <a:sym typeface="Calibri"/>
+            </a:endParaRPr>
+          </a:p>
+          <a:p>
+            <a:pPr marL="171450" lvl="0" indent="-133350" algn="l" rtl="0">
+              <a:spcBef>
+                <a:spcPts val="0"/>
+              </a:spcBef>
+              <a:spcAft>
+                <a:spcPts val="0"/>
+              </a:spcAft>
+              <a:buClr>
+                <a:srgbClr val="131313"/>
+              </a:buClr>
+              <a:buSzPts val="1200"/>
+              <a:buFont typeface="Calibri"/>
+              <a:buChar char="●"/>
+            </a:pPr>
+            <a:r>
+              <a:rPr lang="en" sz="1200">
+                <a:solidFill>
+                  <a:srgbClr val="131313"/>
+                </a:solidFill>
+                <a:latin typeface="Calibri"/>
+                <a:ea typeface="Calibri"/>
+                <a:cs typeface="Calibri"/>
+                <a:sym typeface="Calibri"/>
+              </a:rPr>
+              <a:t>In 2019, François Chollet - creator of Keras (front-end for TensorFlow used by 2.5 Mln developers), published "</a:t>
+            </a:r>
+            <a:r>
+              <a:rPr lang="en" sz="1200" b="1">
+                <a:solidFill>
+                  <a:srgbClr val="FF0000"/>
+                </a:solidFill>
+                <a:latin typeface="Calibri"/>
+                <a:ea typeface="Calibri"/>
+                <a:cs typeface="Calibri"/>
+                <a:sym typeface="Calibri"/>
+              </a:rPr>
+              <a:t>On the Measure of Intelligence</a:t>
+            </a:r>
+            <a:r>
+              <a:rPr lang="en" sz="1200">
+                <a:solidFill>
+                  <a:srgbClr val="131313"/>
+                </a:solidFill>
+                <a:latin typeface="Calibri"/>
+                <a:ea typeface="Calibri"/>
+                <a:cs typeface="Calibri"/>
+                <a:sym typeface="Calibri"/>
+              </a:rPr>
+              <a:t>" where he introduced the "</a:t>
+            </a:r>
+            <a:r>
+              <a:rPr lang="en" sz="1200" b="1">
+                <a:solidFill>
+                  <a:srgbClr val="3C78D8"/>
+                </a:solidFill>
+                <a:latin typeface="Calibri"/>
+                <a:ea typeface="Calibri"/>
+                <a:cs typeface="Calibri"/>
+                <a:sym typeface="Calibri"/>
+              </a:rPr>
+              <a:t>Abstract and Reasoning Corpus for Artificial General Intelligence</a:t>
+            </a:r>
+            <a:r>
+              <a:rPr lang="en" sz="1200">
+                <a:solidFill>
+                  <a:srgbClr val="131313"/>
+                </a:solidFill>
+                <a:latin typeface="Calibri"/>
+                <a:ea typeface="Calibri"/>
+                <a:cs typeface="Calibri"/>
+                <a:sym typeface="Calibri"/>
+              </a:rPr>
+              <a:t>" (ARC-AGI) benchmark to measure intelligence.</a:t>
+            </a:r>
+            <a:endParaRPr sz="1200">
+              <a:solidFill>
+                <a:srgbClr val="131313"/>
+              </a:solidFill>
+              <a:latin typeface="Calibri"/>
+              <a:ea typeface="Calibri"/>
+              <a:cs typeface="Calibri"/>
+              <a:sym typeface="Calibri"/>
+            </a:endParaRPr>
+          </a:p>
+          <a:p>
+            <a:pPr marL="171450" lvl="0" indent="-133350" algn="l" rtl="0">
+              <a:spcBef>
+                <a:spcPts val="0"/>
+              </a:spcBef>
+              <a:spcAft>
+                <a:spcPts val="0"/>
+              </a:spcAft>
+              <a:buClr>
+                <a:srgbClr val="131313"/>
+              </a:buClr>
+              <a:buSzPts val="1200"/>
+              <a:buFont typeface="Calibri"/>
+              <a:buChar char="●"/>
+            </a:pPr>
+            <a:r>
+              <a:rPr lang="en" sz="1200">
+                <a:solidFill>
+                  <a:srgbClr val="131313"/>
+                </a:solidFill>
+                <a:latin typeface="Calibri"/>
+                <a:ea typeface="Calibri"/>
+                <a:cs typeface="Calibri"/>
+                <a:sym typeface="Calibri"/>
+              </a:rPr>
+              <a:t>AGI (</a:t>
+            </a:r>
+            <a:r>
+              <a:rPr lang="en" sz="1200" b="1">
+                <a:solidFill>
+                  <a:srgbClr val="3C78D8"/>
+                </a:solidFill>
+                <a:latin typeface="Calibri"/>
+                <a:ea typeface="Calibri"/>
+                <a:cs typeface="Calibri"/>
+                <a:sym typeface="Calibri"/>
+              </a:rPr>
+              <a:t>Artificial General Intelligence</a:t>
+            </a:r>
+            <a:r>
+              <a:rPr lang="en" sz="1200">
+                <a:solidFill>
+                  <a:srgbClr val="131313"/>
+                </a:solidFill>
+                <a:latin typeface="Calibri"/>
+                <a:ea typeface="Calibri"/>
+                <a:cs typeface="Calibri"/>
+                <a:sym typeface="Calibri"/>
+              </a:rPr>
+              <a:t>) is a system that can efficiently acquire new skills outside of its training data.</a:t>
+            </a:r>
+            <a:endParaRPr sz="1200">
+              <a:solidFill>
+                <a:srgbClr val="131313"/>
+              </a:solidFill>
+              <a:latin typeface="Calibri"/>
+              <a:ea typeface="Calibri"/>
+              <a:cs typeface="Calibri"/>
+              <a:sym typeface="Calibri"/>
+            </a:endParaRPr>
+          </a:p>
+          <a:p>
+            <a:pPr marL="171450" lvl="0" indent="-133350" algn="l" rtl="0">
+              <a:spcBef>
+                <a:spcPts val="0"/>
+              </a:spcBef>
+              <a:spcAft>
+                <a:spcPts val="0"/>
+              </a:spcAft>
+              <a:buClr>
+                <a:srgbClr val="131313"/>
+              </a:buClr>
+              <a:buSzPts val="1200"/>
+              <a:buFont typeface="Calibri"/>
+              <a:buChar char="●"/>
+            </a:pPr>
+            <a:r>
+              <a:rPr lang="en" sz="1200">
+                <a:solidFill>
+                  <a:srgbClr val="131313"/>
+                </a:solidFill>
+                <a:latin typeface="Calibri"/>
+                <a:ea typeface="Calibri"/>
+                <a:cs typeface="Calibri"/>
+                <a:sym typeface="Calibri"/>
+              </a:rPr>
+              <a:t>Intelligence is measured by the efficiency of skill-acquisition on unknown tasks. Simply, how quickly can you learn new skills?</a:t>
+            </a:r>
+            <a:endParaRPr sz="1200">
+              <a:solidFill>
+                <a:srgbClr val="131313"/>
+              </a:solidFill>
+              <a:latin typeface="Calibri"/>
+              <a:ea typeface="Calibri"/>
+              <a:cs typeface="Calibri"/>
+              <a:sym typeface="Calibri"/>
+            </a:endParaRPr>
+          </a:p>
+          <a:p>
+            <a:pPr marL="171450" lvl="0" indent="-133350" algn="l" rtl="0">
+              <a:spcBef>
+                <a:spcPts val="0"/>
+              </a:spcBef>
+              <a:spcAft>
+                <a:spcPts val="0"/>
+              </a:spcAft>
+              <a:buClr>
+                <a:srgbClr val="131313"/>
+              </a:buClr>
+              <a:buSzPts val="1200"/>
+              <a:buFont typeface="Calibri"/>
+              <a:buChar char="●"/>
+            </a:pPr>
+            <a:r>
+              <a:rPr lang="en" sz="1200">
+                <a:solidFill>
+                  <a:srgbClr val="131313"/>
+                </a:solidFill>
+                <a:latin typeface="Calibri"/>
+                <a:ea typeface="Calibri"/>
+                <a:cs typeface="Calibri"/>
+                <a:sym typeface="Calibri"/>
+              </a:rPr>
+              <a:t>ARC  when scores</a:t>
+            </a:r>
+            <a:endParaRPr sz="1200">
+              <a:solidFill>
+                <a:srgbClr val="131313"/>
+              </a:solidFill>
+              <a:latin typeface="Calibri"/>
+              <a:ea typeface="Calibri"/>
+              <a:cs typeface="Calibri"/>
+              <a:sym typeface="Calibri"/>
+            </a:endParaRPr>
+          </a:p>
+          <a:p>
+            <a:pPr marL="171450" lvl="0" indent="-133350" algn="l" rtl="0">
+              <a:spcBef>
+                <a:spcPts val="0"/>
+              </a:spcBef>
+              <a:spcAft>
+                <a:spcPts val="0"/>
+              </a:spcAft>
+              <a:buClr>
+                <a:srgbClr val="131313"/>
+              </a:buClr>
+              <a:buSzPts val="1200"/>
+              <a:buFont typeface="Calibri"/>
+              <a:buChar char="●"/>
+            </a:pPr>
+            <a:r>
+              <a:rPr lang="en" sz="1200">
+                <a:solidFill>
+                  <a:srgbClr val="131313"/>
+                </a:solidFill>
+                <a:latin typeface="Calibri"/>
+                <a:ea typeface="Calibri"/>
+                <a:cs typeface="Calibri"/>
+                <a:sym typeface="Calibri"/>
+              </a:rPr>
+              <a:t>ARC2 - now, scores, ! Mln prize</a:t>
+            </a:r>
+            <a:endParaRPr sz="1200">
+              <a:solidFill>
+                <a:srgbClr val="131313"/>
+              </a:solidFill>
+              <a:latin typeface="Calibri"/>
+              <a:ea typeface="Calibri"/>
+              <a:cs typeface="Calibri"/>
+              <a:sym typeface="Calibri"/>
+            </a:endParaRPr>
+          </a:p>
+        </p:txBody>
+      </p:sp>
+      <p:pic>
+        <p:nvPicPr>
+          <p:cNvPr id="193" name="Google Shape;193;p29"/>
           <p:cNvPicPr preferRelativeResize="0"/>
           <p:nvPr/>
         </p:nvPicPr>
@@ -18818,8 +20466,8 @@
         </p:blipFill>
         <p:spPr>
           <a:xfrm>
-            <a:off x="6355600" y="208650"/>
-            <a:ext cx="1205799" cy="572893"/>
+            <a:off x="172375" y="3889100"/>
+            <a:ext cx="1205800" cy="1205800"/>
           </a:xfrm>
           <a:prstGeom prst="rect">
             <a:avLst/>
@@ -18832,7 +20480,7 @@
       </p:pic>
       <p:pic>
         <p:nvPicPr>
-          <p:cNvPr id="181" name="Google Shape;181;p28"/>
+          <p:cNvPr id="194" name="Google Shape;194;p29"/>
           <p:cNvPicPr preferRelativeResize="0"/>
           <p:nvPr/>
         </p:nvPicPr>
@@ -18851,8 +20499,8 @@
         </p:blipFill>
         <p:spPr>
           <a:xfrm>
-            <a:off x="4797625" y="208650"/>
-            <a:ext cx="1205800" cy="1205800"/>
+            <a:off x="4571750" y="2828526"/>
+            <a:ext cx="3990600" cy="2244724"/>
           </a:xfrm>
           <a:prstGeom prst="rect">
             <a:avLst/>
@@ -18865,7 +20513,7 @@
       </p:pic>
       <p:pic>
         <p:nvPicPr>
-          <p:cNvPr id="182" name="Google Shape;182;p28"/>
+          <p:cNvPr id="195" name="Google Shape;195;p29"/>
           <p:cNvPicPr preferRelativeResize="0"/>
           <p:nvPr/>
         </p:nvPicPr>
@@ -18884,8 +20532,8 @@
         </p:blipFill>
         <p:spPr>
           <a:xfrm>
-            <a:off x="4571750" y="2566618"/>
-            <a:ext cx="4456200" cy="2506633"/>
+            <a:off x="4045675" y="-1"/>
+            <a:ext cx="5156396" cy="2789101"/>
           </a:xfrm>
           <a:prstGeom prst="rect">
             <a:avLst/>
@@ -18904,12 +20552,12 @@
 </p:sld>
 </file>
 
-<file path=ppt/slides/slide15.xml><?xml version="1.0" encoding="utf-8"?>
+<file path=ppt/slides/slide16.xml><?xml version="1.0" encoding="utf-8"?>
 <p:sld xmlns:a="http://schemas.openxmlformats.org/drawingml/2006/main" xmlns:r="http://schemas.openxmlformats.org/officeDocument/2006/relationships" xmlns:p="http://schemas.openxmlformats.org/presentationml/2006/main">
   <p:cSld>
     <p:spTree>
       <p:nvGrpSpPr>
-        <p:cNvPr id="1" name="Shape 186"/>
+        <p:cNvPr id="1" name="Shape 199"/>
         <p:cNvGrpSpPr/>
         <p:nvPr/>
       </p:nvGrpSpPr>
@@ -18923,7 +20571,7 @@
       </p:grpSpPr>
       <p:sp>
         <p:nvSpPr>
-          <p:cNvPr id="187" name="Google Shape;187;p29"/>
+          <p:cNvPr id="200" name="Google Shape;200;p30"/>
           <p:cNvSpPr txBox="1"/>
           <p:nvPr/>
         </p:nvSpPr>
@@ -18986,7 +20634,7 @@
       </p:sp>
       <p:sp>
         <p:nvSpPr>
-          <p:cNvPr id="188" name="Google Shape;188;p29"/>
+          <p:cNvPr id="201" name="Google Shape;201;p30"/>
           <p:cNvSpPr txBox="1"/>
           <p:nvPr/>
         </p:nvSpPr>
@@ -19653,7 +21301,7 @@
       </p:sp>
       <p:pic>
         <p:nvPicPr>
-          <p:cNvPr id="189" name="Google Shape;189;p29"/>
+          <p:cNvPr id="202" name="Google Shape;202;p30"/>
           <p:cNvPicPr preferRelativeResize="0"/>
           <p:nvPr/>
         </p:nvPicPr>
@@ -19698,12 +21346,12 @@
 </p:sld>
 </file>
 
-<file path=ppt/slides/slide16.xml><?xml version="1.0" encoding="utf-8"?>
+<file path=ppt/slides/slide17.xml><?xml version="1.0" encoding="utf-8"?>
 <p:sld xmlns:a="http://schemas.openxmlformats.org/drawingml/2006/main" xmlns:r="http://schemas.openxmlformats.org/officeDocument/2006/relationships" xmlns:p="http://schemas.openxmlformats.org/presentationml/2006/main">
   <p:cSld>
     <p:spTree>
       <p:nvGrpSpPr>
-        <p:cNvPr id="1" name="Shape 193"/>
+        <p:cNvPr id="1" name="Shape 206"/>
         <p:cNvGrpSpPr/>
         <p:nvPr/>
       </p:nvGrpSpPr>
@@ -19717,14 +21365,14 @@
       </p:grpSpPr>
       <p:sp>
         <p:nvSpPr>
-          <p:cNvPr id="194" name="Google Shape;194;p30"/>
+          <p:cNvPr id="207" name="Google Shape;207;p31"/>
           <p:cNvSpPr txBox="1"/>
           <p:nvPr/>
         </p:nvSpPr>
         <p:spPr>
           <a:xfrm>
             <a:off x="55075" y="52750"/>
-            <a:ext cx="3483300" cy="326400"/>
+            <a:ext cx="966300" cy="326400"/>
           </a:xfrm>
           <a:prstGeom prst="rect">
             <a:avLst/>
@@ -19780,14 +21428,14 @@
       </p:sp>
       <p:sp>
         <p:nvSpPr>
-          <p:cNvPr id="195" name="Google Shape;195;p30"/>
+          <p:cNvPr id="208" name="Google Shape;208;p31"/>
           <p:cNvSpPr txBox="1"/>
           <p:nvPr/>
         </p:nvSpPr>
         <p:spPr>
           <a:xfrm>
-            <a:off x="55075" y="393500"/>
-            <a:ext cx="3742500" cy="2973900"/>
+            <a:off x="55075" y="469700"/>
+            <a:ext cx="3483300" cy="2604300"/>
           </a:xfrm>
           <a:prstGeom prst="rect">
             <a:avLst/>
@@ -19838,7 +21486,7 @@
               <a:t>Review of several robots:</a:t>
             </a:r>
             <a:br>
-              <a:rPr lang="en" sz="1200">
+              <a:rPr lang="en" sz="900">
                 <a:solidFill>
                   <a:srgbClr val="131313"/>
                 </a:solidFill>
@@ -19849,7 +21497,7 @@
               </a:rPr>
             </a:br>
             <a:r>
-              <a:rPr lang="en" sz="1200" u="sng">
+              <a:rPr lang="en" sz="900" u="sng">
                 <a:solidFill>
                   <a:schemeClr val="hlink"/>
                 </a:solidFill>
@@ -19862,7 +21510,7 @@
               <a:t>https://www.youtube.com/watch?v=vT-NyxPUrJw</a:t>
             </a:r>
             <a:r>
-              <a:rPr lang="en" sz="1200">
+              <a:rPr lang="en" sz="900">
                 <a:solidFill>
                   <a:srgbClr val="131313"/>
                 </a:solidFill>
@@ -19873,7 +21521,7 @@
               </a:rPr>
               <a:t> </a:t>
             </a:r>
-            <a:endParaRPr sz="1200">
+            <a:endParaRPr sz="900">
               <a:solidFill>
                 <a:srgbClr val="131313"/>
               </a:solidFill>
@@ -19911,7 +21559,7 @@
               <a:t>Atlas Robot (can do flips)</a:t>
             </a:r>
             <a:br>
-              <a:rPr lang="en" sz="1200">
+              <a:rPr lang="en" sz="900">
                 <a:solidFill>
                   <a:srgbClr val="131313"/>
                 </a:solidFill>
@@ -19922,7 +21570,7 @@
               </a:rPr>
             </a:br>
             <a:r>
-              <a:rPr lang="en" sz="1200" u="sng">
+              <a:rPr lang="en" sz="900" u="sng">
                 <a:solidFill>
                   <a:schemeClr val="hlink"/>
                 </a:solidFill>
@@ -19935,7 +21583,7 @@
               <a:t>https://www.youtube.com/watch?v=I44_zbEwz_w</a:t>
             </a:r>
             <a:r>
-              <a:rPr lang="en" sz="1200">
+              <a:rPr lang="en" sz="900">
                 <a:solidFill>
                   <a:srgbClr val="131313"/>
                 </a:solidFill>
@@ -19947,7 +21595,7 @@
               <a:t> </a:t>
             </a:r>
             <a:br>
-              <a:rPr lang="en" sz="1200">
+              <a:rPr lang="en" sz="900">
                 <a:solidFill>
                   <a:srgbClr val="131313"/>
                 </a:solidFill>
@@ -19958,7 +21606,7 @@
               </a:rPr>
             </a:br>
             <a:r>
-              <a:rPr lang="en" sz="1200" u="sng">
+              <a:rPr lang="en" sz="900" u="sng">
                 <a:solidFill>
                   <a:schemeClr val="hlink"/>
                 </a:solidFill>
@@ -19971,7 +21619,7 @@
               <a:t>https://www.youtube.com/shorts/0QqXQuCd2P0</a:t>
             </a:r>
             <a:r>
-              <a:rPr lang="en" sz="1200">
+              <a:rPr lang="en" sz="900">
                 <a:solidFill>
                   <a:srgbClr val="131313"/>
                 </a:solidFill>
@@ -19982,7 +21630,7 @@
               </a:rPr>
               <a:t> </a:t>
             </a:r>
-            <a:endParaRPr sz="1200">
+            <a:endParaRPr sz="900">
               <a:solidFill>
                 <a:srgbClr val="131313"/>
               </a:solidFill>
@@ -20020,7 +21668,7 @@
               <a:t>Apollo Robot working at Mercedes</a:t>
             </a:r>
             <a:br>
-              <a:rPr lang="en" sz="1200">
+              <a:rPr lang="en" sz="900">
                 <a:solidFill>
                   <a:srgbClr val="131313"/>
                 </a:solidFill>
@@ -20031,7 +21679,7 @@
               </a:rPr>
             </a:br>
             <a:r>
-              <a:rPr lang="en" sz="1200" u="sng">
+              <a:rPr lang="en" sz="900" u="sng">
                 <a:solidFill>
                   <a:schemeClr val="hlink"/>
                 </a:solidFill>
@@ -20044,7 +21692,7 @@
               <a:t>https://www.youtube.com/watch?v=lGugiWNYFVk</a:t>
             </a:r>
             <a:r>
-              <a:rPr lang="en" sz="1200">
+              <a:rPr lang="en" sz="900">
                 <a:solidFill>
                   <a:srgbClr val="131313"/>
                 </a:solidFill>
@@ -20055,7 +21703,7 @@
               </a:rPr>
               <a:t> </a:t>
             </a:r>
-            <a:endParaRPr sz="1200">
+            <a:endParaRPr sz="900">
               <a:solidFill>
                 <a:srgbClr val="131313"/>
               </a:solidFill>
@@ -20093,7 +21741,7 @@
               <a:t>Neo Gamma Humanoid Robot by by 1X Technologies, a Norwegian robotics company</a:t>
             </a:r>
             <a:br>
-              <a:rPr lang="en" sz="1200">
+              <a:rPr lang="en" sz="900">
                 <a:solidFill>
                   <a:srgbClr val="131313"/>
                 </a:solidFill>
@@ -20104,7 +21752,7 @@
               </a:rPr>
             </a:br>
             <a:r>
-              <a:rPr lang="en" sz="1200" u="sng">
+              <a:rPr lang="en" sz="900" u="sng">
                 <a:solidFill>
                   <a:schemeClr val="hlink"/>
                 </a:solidFill>
@@ -20117,7 +21765,7 @@
               <a:t>https://www.youtube.com/shorts/EdIAA1zROiA</a:t>
             </a:r>
             <a:r>
-              <a:rPr lang="en" sz="1200">
+              <a:rPr lang="en" sz="900">
                 <a:solidFill>
                   <a:srgbClr val="131313"/>
                 </a:solidFill>
@@ -20128,7 +21776,7 @@
               </a:rPr>
               <a:t> </a:t>
             </a:r>
-            <a:endParaRPr sz="1200">
+            <a:endParaRPr sz="900">
               <a:solidFill>
                 <a:srgbClr val="131313"/>
               </a:solidFill>
@@ -20163,10 +21811,10 @@
                 <a:cs typeface="Calibri"/>
                 <a:sym typeface="Calibri"/>
               </a:rPr>
-              <a:t>Unitree G1 Chinese Kungfu Robot (can do flips, kick-up)</a:t>
+              <a:t>Unitree G1 Robot (Chinese Kungfu, flips, kick-up, ...)</a:t>
             </a:r>
             <a:br>
-              <a:rPr lang="en" sz="1200">
+              <a:rPr lang="en" sz="900">
                 <a:solidFill>
                   <a:srgbClr val="131313"/>
                 </a:solidFill>
@@ -20177,7 +21825,7 @@
               </a:rPr>
             </a:br>
             <a:r>
-              <a:rPr lang="en" sz="1200" u="sng">
+              <a:rPr lang="en" sz="900" u="sng">
                 <a:solidFill>
                   <a:schemeClr val="hlink"/>
                 </a:solidFill>
@@ -20189,7 +21837,7 @@
               </a:rPr>
               <a:t>https://www.youtube.com/watch?v=0C-LU0cnqB8</a:t>
             </a:r>
-            <a:endParaRPr sz="1200">
+            <a:endParaRPr sz="900">
               <a:solidFill>
                 <a:srgbClr val="131313"/>
               </a:solidFill>
@@ -20227,7 +21875,7 @@
               <a:t>Tesla Bot gen 3 ($2,579 !)</a:t>
             </a:r>
             <a:br>
-              <a:rPr lang="en" sz="1200">
+              <a:rPr lang="en" sz="900">
                 <a:solidFill>
                   <a:srgbClr val="131313"/>
                 </a:solidFill>
@@ -20238,7 +21886,7 @@
               </a:rPr>
             </a:br>
             <a:r>
-              <a:rPr lang="en" sz="1200" u="sng">
+              <a:rPr lang="en" sz="900" u="sng">
                 <a:solidFill>
                   <a:schemeClr val="hlink"/>
                 </a:solidFill>
@@ -20250,7 +21898,7 @@
               </a:rPr>
               <a:t>https://www.youtube.com/watch?v=KTLAHRoH82A</a:t>
             </a:r>
-            <a:endParaRPr sz="1200">
+            <a:endParaRPr sz="900">
               <a:solidFill>
                 <a:srgbClr val="131313"/>
               </a:solidFill>
@@ -20288,7 +21936,7 @@
               <a:t> Nvidia Isaac GROOT N1</a:t>
             </a:r>
             <a:br>
-              <a:rPr lang="en" sz="1200">
+              <a:rPr lang="en" sz="900">
                 <a:solidFill>
                   <a:srgbClr val="131313"/>
                 </a:solidFill>
@@ -20299,7 +21947,7 @@
               </a:rPr>
             </a:br>
             <a:r>
-              <a:rPr lang="en" sz="1200" u="sng">
+              <a:rPr lang="en" sz="900" u="sng">
                 <a:solidFill>
                   <a:schemeClr val="hlink"/>
                 </a:solidFill>
@@ -20312,7 +21960,7 @@
               <a:t>https://www.youtube.com/watch?v=BFiBZI3nqhQ</a:t>
             </a:r>
             <a:r>
-              <a:rPr lang="en" sz="1200">
+              <a:rPr lang="en" sz="900">
                 <a:solidFill>
                   <a:srgbClr val="131313"/>
                 </a:solidFill>
@@ -20323,7 +21971,7 @@
               </a:rPr>
               <a:t> </a:t>
             </a:r>
-            <a:endParaRPr sz="1200">
+            <a:endParaRPr sz="900">
               <a:solidFill>
                 <a:srgbClr val="131313"/>
               </a:solidFill>
@@ -20337,7 +21985,7 @@
       </p:sp>
       <p:pic>
         <p:nvPicPr>
-          <p:cNvPr id="196" name="Google Shape;196;p30"/>
+          <p:cNvPr id="209" name="Google Shape;209;p31"/>
           <p:cNvPicPr preferRelativeResize="0"/>
           <p:nvPr/>
         </p:nvPicPr>
@@ -20356,7 +22004,7 @@
         </p:blipFill>
         <p:spPr>
           <a:xfrm>
-            <a:off x="4099000" y="52750"/>
+            <a:off x="3641800" y="52750"/>
             <a:ext cx="2411425" cy="1354923"/>
           </a:xfrm>
           <a:prstGeom prst="rect">
@@ -20376,7 +22024,7 @@
       </p:pic>
       <p:pic>
         <p:nvPicPr>
-          <p:cNvPr id="197" name="Google Shape;197;p30"/>
+          <p:cNvPr id="210" name="Google Shape;210;p31"/>
           <p:cNvPicPr preferRelativeResize="0"/>
           <p:nvPr/>
         </p:nvPicPr>
@@ -20415,7 +22063,7 @@
       </p:pic>
       <p:pic>
         <p:nvPicPr>
-          <p:cNvPr id="198" name="Google Shape;198;p30"/>
+          <p:cNvPr id="211" name="Google Shape;211;p31"/>
           <p:cNvPicPr preferRelativeResize="0"/>
           <p:nvPr/>
         </p:nvPicPr>
@@ -20434,8 +22082,8 @@
         </p:blipFill>
         <p:spPr>
           <a:xfrm>
-            <a:off x="6844800" y="1369750"/>
-            <a:ext cx="1618875" cy="1752425"/>
+            <a:off x="7740150" y="52750"/>
+            <a:ext cx="1357650" cy="1469650"/>
           </a:xfrm>
           <a:prstGeom prst="rect">
             <a:avLst/>
@@ -20454,11 +22102,11 @@
       </p:pic>
       <p:pic>
         <p:nvPicPr>
-          <p:cNvPr id="199" name="Google Shape;199;p30"/>
+          <p:cNvPr id="212" name="Google Shape;212;p31"/>
           <p:cNvPicPr preferRelativeResize="0"/>
           <p:nvPr/>
         </p:nvPicPr>
-        <p:blipFill>
+        <p:blipFill rotWithShape="1">
           <a:blip r:embed="rId14" cstate="email">
             <a:alphaModFix/>
             <a:extLst>
@@ -20467,14 +22115,13 @@
               </a:ext>
             </a:extLst>
           </a:blip>
-          <a:stretch>
-            <a:fillRect/>
-          </a:stretch>
+          <a:srcRect/>
+          <a:stretch/>
         </p:blipFill>
         <p:spPr>
           <a:xfrm>
-            <a:off x="6649000" y="3476125"/>
-            <a:ext cx="2411425" cy="1350400"/>
+            <a:off x="7696925" y="2064003"/>
+            <a:ext cx="931200" cy="1350400"/>
           </a:xfrm>
           <a:prstGeom prst="rect">
             <a:avLst/>
@@ -20493,13 +22140,13 @@
       </p:pic>
       <p:sp>
         <p:nvSpPr>
-          <p:cNvPr id="200" name="Google Shape;200;p30"/>
+          <p:cNvPr id="213" name="Google Shape;213;p31"/>
           <p:cNvSpPr txBox="1"/>
           <p:nvPr/>
         </p:nvSpPr>
         <p:spPr>
           <a:xfrm>
-            <a:off x="4930763" y="1449425"/>
+            <a:off x="5079863" y="1456875"/>
             <a:ext cx="747900" cy="203100"/>
           </a:xfrm>
           <a:prstGeom prst="rect">
@@ -20559,13 +22206,13 @@
       </p:sp>
       <p:sp>
         <p:nvSpPr>
-          <p:cNvPr id="201" name="Google Shape;201;p30"/>
+          <p:cNvPr id="214" name="Google Shape;214;p31"/>
           <p:cNvSpPr txBox="1"/>
           <p:nvPr/>
         </p:nvSpPr>
         <p:spPr>
           <a:xfrm>
-            <a:off x="7280275" y="3174307"/>
+            <a:off x="8045025" y="1568015"/>
             <a:ext cx="747900" cy="203100"/>
           </a:xfrm>
           <a:prstGeom prst="rect">
@@ -20625,7 +22272,7 @@
       </p:sp>
       <p:sp>
         <p:nvSpPr>
-          <p:cNvPr id="202" name="Google Shape;202;p30"/>
+          <p:cNvPr id="215" name="Google Shape;215;p31"/>
           <p:cNvSpPr txBox="1"/>
           <p:nvPr/>
         </p:nvSpPr>
@@ -20691,13 +22338,13 @@
       </p:sp>
       <p:sp>
         <p:nvSpPr>
-          <p:cNvPr id="203" name="Google Shape;203;p30"/>
+          <p:cNvPr id="216" name="Google Shape;216;p31"/>
           <p:cNvSpPr txBox="1"/>
           <p:nvPr/>
         </p:nvSpPr>
         <p:spPr>
           <a:xfrm>
-            <a:off x="7480750" y="4881975"/>
+            <a:off x="7696925" y="3441292"/>
             <a:ext cx="931200" cy="203100"/>
           </a:xfrm>
           <a:prstGeom prst="rect">
@@ -20757,7 +22404,7 @@
       </p:sp>
       <p:pic>
         <p:nvPicPr>
-          <p:cNvPr id="204" name="Google Shape;204;p30"/>
+          <p:cNvPr id="217" name="Google Shape;217;p31"/>
           <p:cNvPicPr preferRelativeResize="0"/>
           <p:nvPr/>
         </p:nvPicPr>
@@ -20776,7 +22423,7 @@
         </p:blipFill>
         <p:spPr>
           <a:xfrm>
-            <a:off x="55075" y="3487677"/>
+            <a:off x="55075" y="3472768"/>
             <a:ext cx="1700724" cy="1350399"/>
           </a:xfrm>
           <a:prstGeom prst="rect">
@@ -20796,7 +22443,7 @@
       </p:pic>
       <p:sp>
         <p:nvSpPr>
-          <p:cNvPr id="205" name="Google Shape;205;p30"/>
+          <p:cNvPr id="218" name="Google Shape;218;p31"/>
           <p:cNvSpPr txBox="1"/>
           <p:nvPr/>
         </p:nvSpPr>
@@ -20862,7 +22509,7 @@
       </p:sp>
       <p:pic>
         <p:nvPicPr>
-          <p:cNvPr id="206" name="Google Shape;206;p30"/>
+          <p:cNvPr id="219" name="Google Shape;219;p31"/>
           <p:cNvPicPr preferRelativeResize="0"/>
           <p:nvPr/>
         </p:nvPicPr>
@@ -20881,7 +22528,7 @@
         </p:blipFill>
         <p:spPr>
           <a:xfrm>
-            <a:off x="2147752" y="3471600"/>
+            <a:off x="1842952" y="3471600"/>
             <a:ext cx="1431197" cy="1354925"/>
           </a:xfrm>
           <a:prstGeom prst="rect">
@@ -20901,13 +22548,13 @@
       </p:pic>
       <p:sp>
         <p:nvSpPr>
-          <p:cNvPr id="207" name="Google Shape;207;p30"/>
+          <p:cNvPr id="220" name="Google Shape;220;p31"/>
           <p:cNvSpPr txBox="1"/>
           <p:nvPr/>
         </p:nvSpPr>
         <p:spPr>
           <a:xfrm>
-            <a:off x="2147750" y="4881975"/>
+            <a:off x="1842950" y="4881975"/>
             <a:ext cx="1431300" cy="187800"/>
           </a:xfrm>
           <a:prstGeom prst="rect">
@@ -20967,7 +22614,7 @@
       </p:sp>
       <p:pic>
         <p:nvPicPr>
-          <p:cNvPr id="208" name="Google Shape;208;p30"/>
+          <p:cNvPr id="221" name="Google Shape;221;p31"/>
           <p:cNvPicPr preferRelativeResize="0"/>
           <p:nvPr/>
         </p:nvPicPr>
@@ -20986,28 +22633,34 @@
         </p:blipFill>
         <p:spPr>
           <a:xfrm>
-            <a:off x="6639144" y="52750"/>
-            <a:ext cx="1007725" cy="1227750"/>
+            <a:off x="6065542" y="51050"/>
+            <a:ext cx="1108394" cy="1350400"/>
           </a:xfrm>
           <a:prstGeom prst="rect">
             <a:avLst/>
           </a:prstGeom>
           <a:noFill/>
-          <a:ln>
-            <a:noFill/>
+          <a:ln w="9525" cap="flat" cmpd="sng">
+            <a:solidFill>
+              <a:srgbClr val="FF0000"/>
+            </a:solidFill>
+            <a:prstDash val="solid"/>
+            <a:round/>
+            <a:headEnd type="none" w="sm" len="sm"/>
+            <a:tailEnd type="none" w="sm" len="sm"/>
           </a:ln>
         </p:spPr>
       </p:pic>
       <p:sp>
         <p:nvSpPr>
-          <p:cNvPr id="209" name="Google Shape;209;p30"/>
+          <p:cNvPr id="222" name="Google Shape;222;p31"/>
           <p:cNvSpPr txBox="1"/>
           <p:nvPr/>
         </p:nvSpPr>
         <p:spPr>
           <a:xfrm>
-            <a:off x="3672875" y="3779275"/>
-            <a:ext cx="2883900" cy="341700"/>
+            <a:off x="3361300" y="3910025"/>
+            <a:ext cx="1881300" cy="664800"/>
           </a:xfrm>
           <a:prstGeom prst="rect">
             <a:avLst/>
@@ -21055,7 +22708,30 @@
                 <a:cs typeface="Calibri"/>
                 <a:sym typeface="Calibri"/>
               </a:rPr>
-              <a:t>Chinese Robots, short robots, back-flips, ...</a:t>
+              <a:t>Chinese Robots, </a:t>
+            </a:r>
+            <a:br>
+              <a:rPr lang="en" sz="1200">
+                <a:solidFill>
+                  <a:srgbClr val="131313"/>
+                </a:solidFill>
+                <a:latin typeface="Calibri"/>
+                <a:ea typeface="Calibri"/>
+                <a:cs typeface="Calibri"/>
+                <a:sym typeface="Calibri"/>
+              </a:rPr>
+            </a:br>
+            <a:r>
+              <a:rPr lang="en" sz="1200">
+                <a:solidFill>
+                  <a:srgbClr val="131313"/>
+                </a:solidFill>
+                <a:latin typeface="Calibri"/>
+                <a:ea typeface="Calibri"/>
+                <a:cs typeface="Calibri"/>
+                <a:sym typeface="Calibri"/>
+              </a:rPr>
+              <a:t>short robots, back-flips, ...</a:t>
             </a:r>
             <a:endParaRPr sz="1200">
               <a:solidFill>
@@ -21108,6 +22784,248 @@
               <a:t> </a:t>
             </a:r>
             <a:endParaRPr sz="900">
+              <a:solidFill>
+                <a:srgbClr val="131313"/>
+              </a:solidFill>
+              <a:latin typeface="Calibri"/>
+              <a:ea typeface="Calibri"/>
+              <a:cs typeface="Calibri"/>
+              <a:sym typeface="Calibri"/>
+            </a:endParaRPr>
+          </a:p>
+        </p:txBody>
+      </p:sp>
+      <p:pic>
+        <p:nvPicPr>
+          <p:cNvPr id="223" name="Google Shape;223;p31"/>
+          <p:cNvPicPr preferRelativeResize="0"/>
+          <p:nvPr/>
+        </p:nvPicPr>
+        <p:blipFill>
+          <a:blip r:embed="rId19" cstate="email">
+            <a:alphaModFix/>
+            <a:extLst>
+              <a:ext uri="{28A0092B-C50C-407E-A947-70E740481C1C}">
+                <a14:useLocalDpi xmlns:a14="http://schemas.microsoft.com/office/drawing/2010/main"/>
+              </a:ext>
+            </a:extLst>
+          </a:blip>
+          <a:stretch>
+            <a:fillRect/>
+          </a:stretch>
+        </p:blipFill>
+        <p:spPr>
+          <a:xfrm>
+            <a:off x="8681112" y="87389"/>
+            <a:ext cx="382300" cy="382300"/>
+          </a:xfrm>
+          <a:prstGeom prst="rect">
+            <a:avLst/>
+          </a:prstGeom>
+          <a:noFill/>
+          <a:ln>
+            <a:noFill/>
+          </a:ln>
+        </p:spPr>
+      </p:pic>
+      <p:pic>
+        <p:nvPicPr>
+          <p:cNvPr id="224" name="Google Shape;224;p31"/>
+          <p:cNvPicPr preferRelativeResize="0"/>
+          <p:nvPr/>
+        </p:nvPicPr>
+        <p:blipFill>
+          <a:blip r:embed="rId20" cstate="email">
+            <a:alphaModFix/>
+            <a:extLst>
+              <a:ext uri="{28A0092B-C50C-407E-A947-70E740481C1C}">
+                <a14:useLocalDpi xmlns:a14="http://schemas.microsoft.com/office/drawing/2010/main"/>
+              </a:ext>
+            </a:extLst>
+          </a:blip>
+          <a:stretch>
+            <a:fillRect/>
+          </a:stretch>
+        </p:blipFill>
+        <p:spPr>
+          <a:xfrm>
+            <a:off x="7230725" y="3781818"/>
+            <a:ext cx="1791525" cy="1003250"/>
+          </a:xfrm>
+          <a:prstGeom prst="rect">
+            <a:avLst/>
+          </a:prstGeom>
+          <a:noFill/>
+          <a:ln w="9525" cap="flat" cmpd="sng">
+            <a:solidFill>
+              <a:srgbClr val="FF0000"/>
+            </a:solidFill>
+            <a:prstDash val="solid"/>
+            <a:round/>
+            <a:headEnd type="none" w="sm" len="sm"/>
+            <a:tailEnd type="none" w="sm" len="sm"/>
+          </a:ln>
+        </p:spPr>
+      </p:pic>
+      <p:pic>
+        <p:nvPicPr>
+          <p:cNvPr id="225" name="Google Shape;225;p31"/>
+          <p:cNvPicPr preferRelativeResize="0"/>
+          <p:nvPr/>
+        </p:nvPicPr>
+        <p:blipFill rotWithShape="1">
+          <a:blip r:embed="rId21" cstate="email">
+            <a:alphaModFix/>
+            <a:extLst>
+              <a:ext uri="{28A0092B-C50C-407E-A947-70E740481C1C}">
+                <a14:useLocalDpi xmlns:a14="http://schemas.microsoft.com/office/drawing/2010/main"/>
+              </a:ext>
+            </a:extLst>
+          </a:blip>
+          <a:srcRect/>
+          <a:stretch/>
+        </p:blipFill>
+        <p:spPr>
+          <a:xfrm>
+            <a:off x="6476946" y="3662918"/>
+            <a:ext cx="675458" cy="1124125"/>
+          </a:xfrm>
+          <a:prstGeom prst="rect">
+            <a:avLst/>
+          </a:prstGeom>
+          <a:noFill/>
+          <a:ln w="9525" cap="flat" cmpd="sng">
+            <a:solidFill>
+              <a:srgbClr val="FF0000"/>
+            </a:solidFill>
+            <a:prstDash val="solid"/>
+            <a:round/>
+            <a:headEnd type="none" w="sm" len="sm"/>
+            <a:tailEnd type="none" w="sm" len="sm"/>
+          </a:ln>
+        </p:spPr>
+      </p:pic>
+      <p:sp>
+        <p:nvSpPr>
+          <p:cNvPr id="226" name="Google Shape;226;p31"/>
+          <p:cNvSpPr txBox="1"/>
+          <p:nvPr/>
+        </p:nvSpPr>
+        <p:spPr>
+          <a:xfrm>
+            <a:off x="7696925" y="4826928"/>
+            <a:ext cx="931200" cy="203100"/>
+          </a:xfrm>
+          <a:prstGeom prst="rect">
+            <a:avLst/>
+          </a:prstGeom>
+          <a:solidFill>
+            <a:srgbClr val="FFF2CC"/>
+          </a:solidFill>
+          <a:ln w="9525" cap="flat" cmpd="sng">
+            <a:solidFill>
+              <a:srgbClr val="FF0000"/>
+            </a:solidFill>
+            <a:prstDash val="solid"/>
+            <a:round/>
+            <a:headEnd type="none" w="sm" len="sm"/>
+            <a:tailEnd type="none" w="sm" len="sm"/>
+          </a:ln>
+        </p:spPr>
+        <p:txBody>
+          <a:bodyPr spcFirstLastPara="1" wrap="square" lIns="9125" tIns="9125" rIns="9125" bIns="9125" anchor="t" anchorCtr="0">
+            <a:spAutoFit/>
+          </a:bodyPr>
+          <a:lstStyle/>
+          <a:p>
+            <a:pPr marL="0" lvl="0" indent="0" algn="ctr" rtl="0">
+              <a:spcBef>
+                <a:spcPts val="0"/>
+              </a:spcBef>
+              <a:spcAft>
+                <a:spcPts val="0"/>
+              </a:spcAft>
+              <a:buNone/>
+            </a:pPr>
+            <a:r>
+              <a:rPr lang="en" sz="1200">
+                <a:solidFill>
+                  <a:srgbClr val="131313"/>
+                </a:solidFill>
+                <a:latin typeface="Calibri"/>
+                <a:ea typeface="Calibri"/>
+                <a:cs typeface="Calibri"/>
+                <a:sym typeface="Calibri"/>
+              </a:rPr>
+              <a:t>side flip</a:t>
+            </a:r>
+            <a:endParaRPr sz="1200">
+              <a:solidFill>
+                <a:srgbClr val="131313"/>
+              </a:solidFill>
+              <a:latin typeface="Calibri"/>
+              <a:ea typeface="Calibri"/>
+              <a:cs typeface="Calibri"/>
+              <a:sym typeface="Calibri"/>
+            </a:endParaRPr>
+          </a:p>
+        </p:txBody>
+      </p:sp>
+      <p:sp>
+        <p:nvSpPr>
+          <p:cNvPr id="227" name="Google Shape;227;p31"/>
+          <p:cNvSpPr txBox="1"/>
+          <p:nvPr/>
+        </p:nvSpPr>
+        <p:spPr>
+          <a:xfrm>
+            <a:off x="6476975" y="4826937"/>
+            <a:ext cx="675600" cy="203100"/>
+          </a:xfrm>
+          <a:prstGeom prst="rect">
+            <a:avLst/>
+          </a:prstGeom>
+          <a:solidFill>
+            <a:srgbClr val="FFF2CC"/>
+          </a:solidFill>
+          <a:ln w="9525" cap="flat" cmpd="sng">
+            <a:solidFill>
+              <a:srgbClr val="FF0000"/>
+            </a:solidFill>
+            <a:prstDash val="solid"/>
+            <a:round/>
+            <a:headEnd type="none" w="sm" len="sm"/>
+            <a:tailEnd type="none" w="sm" len="sm"/>
+          </a:ln>
+        </p:spPr>
+        <p:txBody>
+          <a:bodyPr spcFirstLastPara="1" wrap="square" lIns="9125" tIns="9125" rIns="9125" bIns="9125" anchor="t" anchorCtr="0">
+            <a:spAutoFit/>
+          </a:bodyPr>
+          <a:lstStyle/>
+          <a:p>
+            <a:pPr marL="0" lvl="0" indent="0" algn="ctr" rtl="0">
+              <a:spcBef>
+                <a:spcPts val="0"/>
+              </a:spcBef>
+              <a:spcAft>
+                <a:spcPts val="0"/>
+              </a:spcAft>
+              <a:buNone/>
+            </a:pPr>
+            <a:r>
+              <a:rPr lang="en" sz="1200">
+                <a:solidFill>
+                  <a:srgbClr val="131313"/>
+                </a:solidFill>
+                <a:latin typeface="Calibri"/>
+                <a:ea typeface="Calibri"/>
+                <a:cs typeface="Calibri"/>
+                <a:sym typeface="Calibri"/>
+              </a:rPr>
+              <a:t>dancing</a:t>
+            </a:r>
+            <a:endParaRPr sz="1200">
               <a:solidFill>
                 <a:srgbClr val="131313"/>
               </a:solidFill>
@@ -21127,12 +23045,12 @@
 </p:sld>
 </file>
 
-<file path=ppt/slides/slide17.xml><?xml version="1.0" encoding="utf-8"?>
+<file path=ppt/slides/slide18.xml><?xml version="1.0" encoding="utf-8"?>
 <p:sld xmlns:a="http://schemas.openxmlformats.org/drawingml/2006/main" xmlns:r="http://schemas.openxmlformats.org/officeDocument/2006/relationships" xmlns:p="http://schemas.openxmlformats.org/presentationml/2006/main">
   <p:cSld>
     <p:spTree>
       <p:nvGrpSpPr>
-        <p:cNvPr id="1" name="Shape 213"/>
+        <p:cNvPr id="1" name="Shape 231"/>
         <p:cNvGrpSpPr/>
         <p:nvPr/>
       </p:nvGrpSpPr>
@@ -21146,7 +23064,7 @@
       </p:grpSpPr>
       <p:sp>
         <p:nvSpPr>
-          <p:cNvPr id="214" name="Google Shape;214;p31"/>
+          <p:cNvPr id="232" name="Google Shape;232;p32"/>
           <p:cNvSpPr txBox="1"/>
           <p:nvPr/>
         </p:nvSpPr>
@@ -21209,7 +23127,7 @@
       </p:sp>
       <p:sp>
         <p:nvSpPr>
-          <p:cNvPr id="215" name="Google Shape;215;p31"/>
+          <p:cNvPr id="233" name="Google Shape;233;p32"/>
           <p:cNvSpPr txBox="1"/>
           <p:nvPr/>
         </p:nvSpPr>
@@ -21490,7 +23408,7 @@
       </p:sp>
       <p:pic>
         <p:nvPicPr>
-          <p:cNvPr id="216" name="Google Shape;216;p31"/>
+          <p:cNvPr id="234" name="Google Shape;234;p32"/>
           <p:cNvPicPr preferRelativeResize="0"/>
           <p:nvPr/>
         </p:nvPicPr>
@@ -21529,7 +23447,7 @@
       </p:pic>
       <p:sp>
         <p:nvSpPr>
-          <p:cNvPr id="217" name="Google Shape;217;p31"/>
+          <p:cNvPr id="235" name="Google Shape;235;p32"/>
           <p:cNvSpPr txBox="1"/>
           <p:nvPr/>
         </p:nvSpPr>
@@ -21765,7 +23683,7 @@
       </p:sp>
       <p:pic>
         <p:nvPicPr>
-          <p:cNvPr id="218" name="Google Shape;218;p31"/>
+          <p:cNvPr id="236" name="Google Shape;236;p32"/>
           <p:cNvPicPr preferRelativeResize="0"/>
           <p:nvPr/>
         </p:nvPicPr>
@@ -21810,12 +23728,12 @@
 </p:sld>
 </file>
 
-<file path=ppt/slides/slide18.xml><?xml version="1.0" encoding="utf-8"?>
+<file path=ppt/slides/slide19.xml><?xml version="1.0" encoding="utf-8"?>
 <p:sld xmlns:a="http://schemas.openxmlformats.org/drawingml/2006/main" xmlns:r="http://schemas.openxmlformats.org/officeDocument/2006/relationships" xmlns:p="http://schemas.openxmlformats.org/presentationml/2006/main">
   <p:cSld>
     <p:spTree>
       <p:nvGrpSpPr>
-        <p:cNvPr id="1" name="Shape 222"/>
+        <p:cNvPr id="1" name="Shape 240"/>
         <p:cNvGrpSpPr/>
         <p:nvPr/>
       </p:nvGrpSpPr>
@@ -21829,7 +23747,7 @@
       </p:grpSpPr>
       <p:sp>
         <p:nvSpPr>
-          <p:cNvPr id="223" name="Google Shape;223;p32"/>
+          <p:cNvPr id="241" name="Google Shape;241;p33"/>
           <p:cNvSpPr txBox="1"/>
           <p:nvPr/>
         </p:nvSpPr>
@@ -21892,7 +23810,7 @@
       </p:sp>
       <p:sp>
         <p:nvSpPr>
-          <p:cNvPr id="224" name="Google Shape;224;p32"/>
+          <p:cNvPr id="242" name="Google Shape;242;p33"/>
           <p:cNvSpPr txBox="1"/>
           <p:nvPr/>
         </p:nvSpPr>
@@ -22111,7 +24029,7 @@
       </p:sp>
       <p:pic>
         <p:nvPicPr>
-          <p:cNvPr id="225" name="Google Shape;225;p32"/>
+          <p:cNvPr id="243" name="Google Shape;243;p33"/>
           <p:cNvPicPr preferRelativeResize="0"/>
           <p:nvPr/>
         </p:nvPicPr>
@@ -22149,7 +24067,7 @@
       </p:pic>
       <p:pic>
         <p:nvPicPr>
-          <p:cNvPr id="226" name="Google Shape;226;p32"/>
+          <p:cNvPr id="244" name="Google Shape;244;p33"/>
           <p:cNvPicPr preferRelativeResize="0"/>
           <p:nvPr/>
         </p:nvPicPr>
@@ -22188,7 +24106,7 @@
       </p:pic>
       <p:pic>
         <p:nvPicPr>
-          <p:cNvPr id="227" name="Google Shape;227;p32"/>
+          <p:cNvPr id="245" name="Google Shape;245;p33"/>
           <p:cNvPicPr preferRelativeResize="0"/>
           <p:nvPr/>
         </p:nvPicPr>
@@ -22226,7 +24144,7 @@
       </p:pic>
       <p:pic>
         <p:nvPicPr>
-          <p:cNvPr id="228" name="Google Shape;228;p32"/>
+          <p:cNvPr id="246" name="Google Shape;246;p33"/>
           <p:cNvPicPr preferRelativeResize="0"/>
           <p:nvPr/>
         </p:nvPicPr>
@@ -22263,577 +24181,6 @@
           </a:ln>
         </p:spPr>
       </p:pic>
-    </p:spTree>
-  </p:cSld>
-  <p:clrMapOvr>
-    <a:masterClrMapping/>
-  </p:clrMapOvr>
-</p:sld>
-</file>
-
-<file path=ppt/slides/slide19.xml><?xml version="1.0" encoding="utf-8"?>
-<p:sld xmlns:a="http://schemas.openxmlformats.org/drawingml/2006/main" xmlns:r="http://schemas.openxmlformats.org/officeDocument/2006/relationships" xmlns:p="http://schemas.openxmlformats.org/presentationml/2006/main">
-  <p:cSld>
-    <p:spTree>
-      <p:nvGrpSpPr>
-        <p:cNvPr id="1" name="Shape 232"/>
-        <p:cNvGrpSpPr/>
-        <p:nvPr/>
-      </p:nvGrpSpPr>
-      <p:grpSpPr>
-        <a:xfrm>
-          <a:off x="0" y="0"/>
-          <a:ext cx="0" cy="0"/>
-          <a:chOff x="0" y="0"/>
-          <a:chExt cx="0" cy="0"/>
-        </a:xfrm>
-      </p:grpSpPr>
-      <p:sp>
-        <p:nvSpPr>
-          <p:cNvPr id="233" name="Google Shape;233;p33"/>
-          <p:cNvSpPr txBox="1"/>
-          <p:nvPr/>
-        </p:nvSpPr>
-        <p:spPr>
-          <a:xfrm>
-            <a:off x="55075" y="52750"/>
-            <a:ext cx="3483300" cy="326400"/>
-          </a:xfrm>
-          <a:prstGeom prst="rect">
-            <a:avLst/>
-          </a:prstGeom>
-          <a:noFill/>
-          <a:ln>
-            <a:noFill/>
-          </a:ln>
-        </p:spPr>
-        <p:txBody>
-          <a:bodyPr spcFirstLastPara="1" wrap="square" lIns="9125" tIns="9125" rIns="9125" bIns="9125" anchor="t" anchorCtr="0">
-            <a:spAutoFit/>
-          </a:bodyPr>
-          <a:lstStyle/>
-          <a:p>
-            <a:pPr marL="0" lvl="0" indent="0" algn="l" rtl="0">
-              <a:spcBef>
-                <a:spcPts val="0"/>
-              </a:spcBef>
-              <a:spcAft>
-                <a:spcPts val="0"/>
-              </a:spcAft>
-              <a:buClr>
-                <a:schemeClr val="dk1"/>
-              </a:buClr>
-              <a:buSzPts val="1100"/>
-              <a:buFont typeface="Arial"/>
-              <a:buNone/>
-            </a:pPr>
-            <a:r>
-              <a:rPr lang="en" sz="2000" b="1">
-                <a:solidFill>
-                  <a:schemeClr val="dk1"/>
-                </a:solidFill>
-                <a:latin typeface="Calibri"/>
-                <a:ea typeface="Calibri"/>
-                <a:cs typeface="Calibri"/>
-                <a:sym typeface="Calibri"/>
-              </a:rPr>
-              <a:t>AlexNet source code released</a:t>
-            </a:r>
-            <a:endParaRPr sz="2000" b="1">
-              <a:solidFill>
-                <a:schemeClr val="dk1"/>
-              </a:solidFill>
-              <a:latin typeface="Calibri"/>
-              <a:ea typeface="Calibri"/>
-              <a:cs typeface="Calibri"/>
-              <a:sym typeface="Calibri"/>
-            </a:endParaRPr>
-          </a:p>
-        </p:txBody>
-      </p:sp>
-      <p:sp>
-        <p:nvSpPr>
-          <p:cNvPr id="234" name="Google Shape;234;p33"/>
-          <p:cNvSpPr txBox="1"/>
-          <p:nvPr/>
-        </p:nvSpPr>
-        <p:spPr>
-          <a:xfrm>
-            <a:off x="55075" y="545900"/>
-            <a:ext cx="3175200" cy="2188800"/>
-          </a:xfrm>
-          <a:prstGeom prst="rect">
-            <a:avLst/>
-          </a:prstGeom>
-          <a:solidFill>
-            <a:srgbClr val="FFF2CC"/>
-          </a:solidFill>
-          <a:ln w="9525" cap="flat" cmpd="sng">
-            <a:solidFill>
-              <a:srgbClr val="FF0000"/>
-            </a:solidFill>
-            <a:prstDash val="solid"/>
-            <a:round/>
-            <a:headEnd type="none" w="sm" len="sm"/>
-            <a:tailEnd type="none" w="sm" len="sm"/>
-          </a:ln>
-        </p:spPr>
-        <p:txBody>
-          <a:bodyPr spcFirstLastPara="1" wrap="square" lIns="9125" tIns="9125" rIns="9125" bIns="9125" anchor="t" anchorCtr="0">
-            <a:spAutoFit/>
-          </a:bodyPr>
-          <a:lstStyle/>
-          <a:p>
-            <a:pPr marL="171450" lvl="0" indent="-133350" algn="l" rtl="0">
-              <a:spcBef>
-                <a:spcPts val="0"/>
-              </a:spcBef>
-              <a:spcAft>
-                <a:spcPts val="0"/>
-              </a:spcAft>
-              <a:buClr>
-                <a:schemeClr val="dk1"/>
-              </a:buClr>
-              <a:buSzPts val="1200"/>
-              <a:buFont typeface="Calibri"/>
-              <a:buChar char="●"/>
-            </a:pPr>
-            <a:r>
-              <a:rPr lang="en" sz="1200" b="1">
-                <a:solidFill>
-                  <a:srgbClr val="FF0000"/>
-                </a:solidFill>
-                <a:latin typeface="Calibri"/>
-                <a:ea typeface="Calibri"/>
-                <a:cs typeface="Calibri"/>
-                <a:sym typeface="Calibri"/>
-              </a:rPr>
-              <a:t>AlexNet source code released</a:t>
-            </a:r>
-            <a:r>
-              <a:rPr lang="en" sz="1200">
-                <a:solidFill>
-                  <a:srgbClr val="131313"/>
-                </a:solidFill>
-                <a:latin typeface="Calibri"/>
-                <a:ea typeface="Calibri"/>
-                <a:cs typeface="Calibri"/>
-                <a:sym typeface="Calibri"/>
-              </a:rPr>
-              <a:t> </a:t>
-            </a:r>
-            <a:endParaRPr sz="1200">
-              <a:solidFill>
-                <a:srgbClr val="131313"/>
-              </a:solidFill>
-              <a:latin typeface="Calibri"/>
-              <a:ea typeface="Calibri"/>
-              <a:cs typeface="Calibri"/>
-              <a:sym typeface="Calibri"/>
-            </a:endParaRPr>
-          </a:p>
-          <a:p>
-            <a:pPr marL="171450" lvl="0" indent="-133350" algn="l" rtl="0">
-              <a:spcBef>
-                <a:spcPts val="0"/>
-              </a:spcBef>
-              <a:spcAft>
-                <a:spcPts val="0"/>
-              </a:spcAft>
-              <a:buClr>
-                <a:schemeClr val="dk1"/>
-              </a:buClr>
-              <a:buSzPts val="1200"/>
-              <a:buFont typeface="Calibri"/>
-              <a:buChar char="●"/>
-            </a:pPr>
-            <a:r>
-              <a:rPr lang="en" sz="1200">
-                <a:solidFill>
-                  <a:srgbClr val="131313"/>
-                </a:solidFill>
-                <a:latin typeface="Calibri"/>
-                <a:ea typeface="Calibri"/>
-                <a:cs typeface="Calibri"/>
-                <a:sym typeface="Calibri"/>
-              </a:rPr>
-              <a:t>Computer History Museum (CHM) &amp; Google released the AlexNet source code written by University of Toronto graduate student Alex Krizhevsky in 2012 (and sold to Google)</a:t>
-            </a:r>
-            <a:endParaRPr sz="1200">
-              <a:solidFill>
-                <a:srgbClr val="131313"/>
-              </a:solidFill>
-              <a:latin typeface="Calibri"/>
-              <a:ea typeface="Calibri"/>
-              <a:cs typeface="Calibri"/>
-              <a:sym typeface="Calibri"/>
-            </a:endParaRPr>
-          </a:p>
-          <a:p>
-            <a:pPr marL="171450" lvl="0" indent="-133350" algn="l" rtl="0">
-              <a:spcBef>
-                <a:spcPts val="0"/>
-              </a:spcBef>
-              <a:spcAft>
-                <a:spcPts val="0"/>
-              </a:spcAft>
-              <a:buClr>
-                <a:schemeClr val="dk1"/>
-              </a:buClr>
-              <a:buSzPts val="1200"/>
-              <a:buFont typeface="Calibri"/>
-              <a:buChar char="●"/>
-            </a:pPr>
-            <a:r>
-              <a:rPr lang="en" sz="1200">
-                <a:solidFill>
-                  <a:srgbClr val="131313"/>
-                </a:solidFill>
-                <a:latin typeface="Calibri"/>
-                <a:ea typeface="Calibri"/>
-                <a:cs typeface="Calibri"/>
-                <a:sym typeface="Calibri"/>
-              </a:rPr>
-              <a:t>Code is now on GitHub. </a:t>
-            </a:r>
-            <a:endParaRPr sz="1200">
-              <a:solidFill>
-                <a:srgbClr val="131313"/>
-              </a:solidFill>
-              <a:latin typeface="Calibri"/>
-              <a:ea typeface="Calibri"/>
-              <a:cs typeface="Calibri"/>
-              <a:sym typeface="Calibri"/>
-            </a:endParaRPr>
-          </a:p>
-          <a:p>
-            <a:pPr marL="171450" lvl="0" indent="-133350" algn="l" rtl="0">
-              <a:spcBef>
-                <a:spcPts val="0"/>
-              </a:spcBef>
-              <a:spcAft>
-                <a:spcPts val="0"/>
-              </a:spcAft>
-              <a:buClr>
-                <a:schemeClr val="dk1"/>
-              </a:buClr>
-              <a:buSzPts val="1200"/>
-              <a:buFont typeface="Calibri"/>
-              <a:buChar char="●"/>
-            </a:pPr>
-            <a:r>
-              <a:rPr lang="en" sz="1200">
-                <a:solidFill>
-                  <a:srgbClr val="131313"/>
-                </a:solidFill>
-                <a:latin typeface="Calibri"/>
-                <a:ea typeface="Calibri"/>
-                <a:cs typeface="Calibri"/>
-                <a:sym typeface="Calibri"/>
-              </a:rPr>
-              <a:t>It is C++ with CUDA extensions. </a:t>
-            </a:r>
-            <a:br>
-              <a:rPr lang="en" sz="1200">
-                <a:solidFill>
-                  <a:srgbClr val="131313"/>
-                </a:solidFill>
-                <a:latin typeface="Calibri"/>
-                <a:ea typeface="Calibri"/>
-                <a:cs typeface="Calibri"/>
-                <a:sym typeface="Calibri"/>
-              </a:rPr>
-            </a:br>
-            <a:r>
-              <a:rPr lang="en" sz="1200">
-                <a:solidFill>
-                  <a:srgbClr val="131313"/>
-                </a:solidFill>
-                <a:latin typeface="Calibri"/>
-                <a:ea typeface="Calibri"/>
-                <a:cs typeface="Calibri"/>
-                <a:sym typeface="Calibri"/>
-              </a:rPr>
-              <a:t>Also multiple python scripts.</a:t>
-            </a:r>
-            <a:endParaRPr sz="1200">
-              <a:solidFill>
-                <a:srgbClr val="131313"/>
-              </a:solidFill>
-              <a:latin typeface="Calibri"/>
-              <a:ea typeface="Calibri"/>
-              <a:cs typeface="Calibri"/>
-              <a:sym typeface="Calibri"/>
-            </a:endParaRPr>
-          </a:p>
-          <a:p>
-            <a:pPr marL="171450" lvl="0" indent="-114300" algn="l" rtl="0">
-              <a:spcBef>
-                <a:spcPts val="0"/>
-              </a:spcBef>
-              <a:spcAft>
-                <a:spcPts val="0"/>
-              </a:spcAft>
-              <a:buClr>
-                <a:schemeClr val="dk1"/>
-              </a:buClr>
-              <a:buSzPts val="900"/>
-              <a:buFont typeface="Calibri"/>
-              <a:buChar char="●"/>
-            </a:pPr>
-            <a:r>
-              <a:rPr lang="en" sz="900" u="sng">
-                <a:solidFill>
-                  <a:schemeClr val="hlink"/>
-                </a:solidFill>
-                <a:latin typeface="Calibri"/>
-                <a:ea typeface="Calibri"/>
-                <a:cs typeface="Calibri"/>
-                <a:sym typeface="Calibri"/>
-                <a:hlinkClick r:id="rId3"/>
-              </a:rPr>
-              <a:t>https://github.com/computerhistory/AlexNet-Source-Code</a:t>
-            </a:r>
-            <a:endParaRPr sz="900">
-              <a:solidFill>
-                <a:srgbClr val="131313"/>
-              </a:solidFill>
-              <a:latin typeface="Calibri"/>
-              <a:ea typeface="Calibri"/>
-              <a:cs typeface="Calibri"/>
-              <a:sym typeface="Calibri"/>
-            </a:endParaRPr>
-          </a:p>
-          <a:p>
-            <a:pPr marL="171450" lvl="0" indent="-114300" algn="l" rtl="0">
-              <a:spcBef>
-                <a:spcPts val="0"/>
-              </a:spcBef>
-              <a:spcAft>
-                <a:spcPts val="0"/>
-              </a:spcAft>
-              <a:buClr>
-                <a:srgbClr val="131313"/>
-              </a:buClr>
-              <a:buSzPts val="900"/>
-              <a:buFont typeface="Calibri"/>
-              <a:buChar char="●"/>
-            </a:pPr>
-            <a:r>
-              <a:rPr lang="en" sz="900" u="sng">
-                <a:solidFill>
-                  <a:schemeClr val="accent5"/>
-                </a:solidFill>
-                <a:latin typeface="Calibri"/>
-                <a:ea typeface="Calibri"/>
-                <a:cs typeface="Calibri"/>
-                <a:sym typeface="Calibri"/>
-                <a:hlinkClick r:id="rId4">
-                  <a:extLst>
-                    <a:ext uri="{A12FA001-AC4F-418D-AE19-62706E023703}">
-                      <ahyp:hlinkClr xmlns:ahyp="http://schemas.microsoft.com/office/drawing/2018/hyperlinkcolor" val="tx"/>
-                    </a:ext>
-                  </a:extLst>
-                </a:hlinkClick>
-              </a:rPr>
-              <a:t>https://github.com/computerhistory/AlexNet-Source-Code/blob/main/README.md</a:t>
-            </a:r>
-            <a:endParaRPr sz="900">
-              <a:latin typeface="Calibri"/>
-              <a:ea typeface="Calibri"/>
-              <a:cs typeface="Calibri"/>
-              <a:sym typeface="Calibri"/>
-            </a:endParaRPr>
-          </a:p>
-          <a:p>
-            <a:pPr marL="171450" lvl="0" indent="-114300" algn="l" rtl="0">
-              <a:spcBef>
-                <a:spcPts val="0"/>
-              </a:spcBef>
-              <a:spcAft>
-                <a:spcPts val="0"/>
-              </a:spcAft>
-              <a:buClr>
-                <a:srgbClr val="131313"/>
-              </a:buClr>
-              <a:buSzPts val="900"/>
-              <a:buFont typeface="Calibri"/>
-              <a:buChar char="●"/>
-            </a:pPr>
-            <a:r>
-              <a:rPr lang="en" sz="900" u="sng">
-                <a:solidFill>
-                  <a:schemeClr val="hlink"/>
-                </a:solidFill>
-                <a:latin typeface="Calibri"/>
-                <a:ea typeface="Calibri"/>
-                <a:cs typeface="Calibri"/>
-                <a:sym typeface="Calibri"/>
-                <a:hlinkClick r:id="rId5"/>
-              </a:rPr>
-              <a:t>https://www.zdnet.com/article/alexnet-the-ai-model-that-started-it-all-released-in-source-code-form-for-all-to-download/</a:t>
-            </a:r>
-            <a:r>
-              <a:rPr lang="en" sz="900">
-                <a:solidFill>
-                  <a:srgbClr val="131313"/>
-                </a:solidFill>
-                <a:latin typeface="Calibri"/>
-                <a:ea typeface="Calibri"/>
-                <a:cs typeface="Calibri"/>
-                <a:sym typeface="Calibri"/>
-              </a:rPr>
-              <a:t> </a:t>
-            </a:r>
-            <a:endParaRPr sz="900">
-              <a:solidFill>
-                <a:srgbClr val="131313"/>
-              </a:solidFill>
-              <a:latin typeface="Calibri"/>
-              <a:ea typeface="Calibri"/>
-              <a:cs typeface="Calibri"/>
-              <a:sym typeface="Calibri"/>
-            </a:endParaRPr>
-          </a:p>
-        </p:txBody>
-      </p:sp>
-      <p:pic>
-        <p:nvPicPr>
-          <p:cNvPr id="235" name="Google Shape;235;p33"/>
-          <p:cNvPicPr preferRelativeResize="0"/>
-          <p:nvPr/>
-        </p:nvPicPr>
-        <p:blipFill>
-          <a:blip r:embed="rId6" cstate="email">
-            <a:alphaModFix/>
-            <a:extLst>
-              <a:ext uri="{28A0092B-C50C-407E-A947-70E740481C1C}">
-                <a14:useLocalDpi xmlns:a14="http://schemas.microsoft.com/office/drawing/2010/main"/>
-              </a:ext>
-            </a:extLst>
-          </a:blip>
-          <a:stretch>
-            <a:fillRect/>
-          </a:stretch>
-        </p:blipFill>
-        <p:spPr>
-          <a:xfrm>
-            <a:off x="3671727" y="322125"/>
-            <a:ext cx="5287699" cy="3523749"/>
-          </a:xfrm>
-          <a:prstGeom prst="rect">
-            <a:avLst/>
-          </a:prstGeom>
-          <a:noFill/>
-          <a:ln w="9525" cap="flat" cmpd="sng">
-            <a:solidFill>
-              <a:srgbClr val="FF0000"/>
-            </a:solidFill>
-            <a:prstDash val="solid"/>
-            <a:round/>
-            <a:headEnd type="none" w="sm" len="sm"/>
-            <a:tailEnd type="none" w="sm" len="sm"/>
-          </a:ln>
-        </p:spPr>
-      </p:pic>
-      <p:sp>
-        <p:nvSpPr>
-          <p:cNvPr id="236" name="Google Shape;236;p33"/>
-          <p:cNvSpPr txBox="1"/>
-          <p:nvPr/>
-        </p:nvSpPr>
-        <p:spPr>
-          <a:xfrm>
-            <a:off x="4364975" y="3922075"/>
-            <a:ext cx="3901200" cy="449400"/>
-          </a:xfrm>
-          <a:prstGeom prst="rect">
-            <a:avLst/>
-          </a:prstGeom>
-          <a:solidFill>
-            <a:srgbClr val="FFF2CC"/>
-          </a:solidFill>
-          <a:ln w="9525" cap="flat" cmpd="sng">
-            <a:solidFill>
-              <a:srgbClr val="FF0000"/>
-            </a:solidFill>
-            <a:prstDash val="solid"/>
-            <a:round/>
-            <a:headEnd type="none" w="sm" len="sm"/>
-            <a:tailEnd type="none" w="sm" len="sm"/>
-          </a:ln>
-        </p:spPr>
-        <p:txBody>
-          <a:bodyPr spcFirstLastPara="1" wrap="square" lIns="9125" tIns="9125" rIns="9125" bIns="9125" anchor="ctr" anchorCtr="0">
-            <a:spAutoFit/>
-          </a:bodyPr>
-          <a:lstStyle/>
-          <a:p>
-            <a:pPr marL="0" lvl="0" indent="0" algn="ctr" rtl="0">
-              <a:spcBef>
-                <a:spcPts val="0"/>
-              </a:spcBef>
-              <a:spcAft>
-                <a:spcPts val="0"/>
-              </a:spcAft>
-              <a:buNone/>
-            </a:pPr>
-            <a:r>
-              <a:rPr lang="en">
-                <a:solidFill>
-                  <a:srgbClr val="131313"/>
-                </a:solidFill>
-                <a:latin typeface="Calibri"/>
-                <a:ea typeface="Calibri"/>
-                <a:cs typeface="Calibri"/>
-                <a:sym typeface="Calibri"/>
-              </a:rPr>
-              <a:t>Ilya Sutskever, Geoffrey Hinton, Alex Krizhevsky</a:t>
-            </a:r>
-            <a:endParaRPr>
-              <a:solidFill>
-                <a:srgbClr val="131313"/>
-              </a:solidFill>
-              <a:latin typeface="Calibri"/>
-              <a:ea typeface="Calibri"/>
-              <a:cs typeface="Calibri"/>
-              <a:sym typeface="Calibri"/>
-            </a:endParaRPr>
-          </a:p>
-          <a:p>
-            <a:pPr marL="0" lvl="0" indent="0" algn="ctr" rtl="0">
-              <a:spcBef>
-                <a:spcPts val="0"/>
-              </a:spcBef>
-              <a:spcAft>
-                <a:spcPts val="0"/>
-              </a:spcAft>
-              <a:buNone/>
-            </a:pPr>
-            <a:r>
-              <a:rPr lang="en">
-                <a:solidFill>
-                  <a:srgbClr val="131313"/>
-                </a:solidFill>
-                <a:latin typeface="Calibri"/>
-                <a:ea typeface="Calibri"/>
-                <a:cs typeface="Calibri"/>
-                <a:sym typeface="Calibri"/>
-              </a:rPr>
-              <a:t>2013</a:t>
-            </a:r>
-            <a:endParaRPr>
-              <a:solidFill>
-                <a:srgbClr val="131313"/>
-              </a:solidFill>
-              <a:latin typeface="Calibri"/>
-              <a:ea typeface="Calibri"/>
-              <a:cs typeface="Calibri"/>
-              <a:sym typeface="Calibri"/>
-            </a:endParaRPr>
-          </a:p>
-        </p:txBody>
-      </p:sp>
     </p:spTree>
   </p:cSld>
   <p:clrMapOvr>
@@ -23383,7 +24730,7 @@
   <p:cSld>
     <p:spTree>
       <p:nvGrpSpPr>
-        <p:cNvPr id="1" name="Shape 240"/>
+        <p:cNvPr id="1" name="Shape 250"/>
         <p:cNvGrpSpPr/>
         <p:nvPr/>
       </p:nvGrpSpPr>
@@ -23397,7 +24744,1698 @@
       </p:grpSpPr>
       <p:sp>
         <p:nvSpPr>
-          <p:cNvPr id="241" name="Google Shape;241;p34"/>
+          <p:cNvPr id="251" name="Google Shape;251;p34"/>
+          <p:cNvSpPr txBox="1"/>
+          <p:nvPr/>
+        </p:nvSpPr>
+        <p:spPr>
+          <a:xfrm>
+            <a:off x="55075" y="52750"/>
+            <a:ext cx="3483300" cy="326400"/>
+          </a:xfrm>
+          <a:prstGeom prst="rect">
+            <a:avLst/>
+          </a:prstGeom>
+          <a:noFill/>
+          <a:ln>
+            <a:noFill/>
+          </a:ln>
+        </p:spPr>
+        <p:txBody>
+          <a:bodyPr spcFirstLastPara="1" wrap="square" lIns="9125" tIns="9125" rIns="9125" bIns="9125" anchor="t" anchorCtr="0">
+            <a:spAutoFit/>
+          </a:bodyPr>
+          <a:lstStyle/>
+          <a:p>
+            <a:pPr marL="0" lvl="0" indent="0" algn="l" rtl="0">
+              <a:spcBef>
+                <a:spcPts val="0"/>
+              </a:spcBef>
+              <a:spcAft>
+                <a:spcPts val="0"/>
+              </a:spcAft>
+              <a:buClr>
+                <a:schemeClr val="dk1"/>
+              </a:buClr>
+              <a:buSzPts val="1100"/>
+              <a:buFont typeface="Arial"/>
+              <a:buNone/>
+            </a:pPr>
+            <a:r>
+              <a:rPr lang="en" sz="2000" b="1">
+                <a:solidFill>
+                  <a:schemeClr val="dk1"/>
+                </a:solidFill>
+                <a:latin typeface="Calibri"/>
+                <a:ea typeface="Calibri"/>
+                <a:cs typeface="Calibri"/>
+                <a:sym typeface="Calibri"/>
+              </a:rPr>
+              <a:t>AlexNet source code released</a:t>
+            </a:r>
+            <a:endParaRPr sz="2000" b="1">
+              <a:solidFill>
+                <a:schemeClr val="dk1"/>
+              </a:solidFill>
+              <a:latin typeface="Calibri"/>
+              <a:ea typeface="Calibri"/>
+              <a:cs typeface="Calibri"/>
+              <a:sym typeface="Calibri"/>
+            </a:endParaRPr>
+          </a:p>
+        </p:txBody>
+      </p:sp>
+      <p:sp>
+        <p:nvSpPr>
+          <p:cNvPr id="252" name="Google Shape;252;p34"/>
+          <p:cNvSpPr txBox="1"/>
+          <p:nvPr/>
+        </p:nvSpPr>
+        <p:spPr>
+          <a:xfrm>
+            <a:off x="55075" y="545900"/>
+            <a:ext cx="3175200" cy="2188800"/>
+          </a:xfrm>
+          <a:prstGeom prst="rect">
+            <a:avLst/>
+          </a:prstGeom>
+          <a:solidFill>
+            <a:srgbClr val="FFF2CC"/>
+          </a:solidFill>
+          <a:ln w="9525" cap="flat" cmpd="sng">
+            <a:solidFill>
+              <a:srgbClr val="FF0000"/>
+            </a:solidFill>
+            <a:prstDash val="solid"/>
+            <a:round/>
+            <a:headEnd type="none" w="sm" len="sm"/>
+            <a:tailEnd type="none" w="sm" len="sm"/>
+          </a:ln>
+        </p:spPr>
+        <p:txBody>
+          <a:bodyPr spcFirstLastPara="1" wrap="square" lIns="9125" tIns="9125" rIns="9125" bIns="9125" anchor="t" anchorCtr="0">
+            <a:spAutoFit/>
+          </a:bodyPr>
+          <a:lstStyle/>
+          <a:p>
+            <a:pPr marL="171450" lvl="0" indent="-133350" algn="l" rtl="0">
+              <a:spcBef>
+                <a:spcPts val="0"/>
+              </a:spcBef>
+              <a:spcAft>
+                <a:spcPts val="0"/>
+              </a:spcAft>
+              <a:buClr>
+                <a:schemeClr val="dk1"/>
+              </a:buClr>
+              <a:buSzPts val="1200"/>
+              <a:buFont typeface="Calibri"/>
+              <a:buChar char="●"/>
+            </a:pPr>
+            <a:r>
+              <a:rPr lang="en" sz="1200" b="1">
+                <a:solidFill>
+                  <a:srgbClr val="FF0000"/>
+                </a:solidFill>
+                <a:latin typeface="Calibri"/>
+                <a:ea typeface="Calibri"/>
+                <a:cs typeface="Calibri"/>
+                <a:sym typeface="Calibri"/>
+              </a:rPr>
+              <a:t>AlexNet source code released</a:t>
+            </a:r>
+            <a:r>
+              <a:rPr lang="en" sz="1200">
+                <a:solidFill>
+                  <a:srgbClr val="131313"/>
+                </a:solidFill>
+                <a:latin typeface="Calibri"/>
+                <a:ea typeface="Calibri"/>
+                <a:cs typeface="Calibri"/>
+                <a:sym typeface="Calibri"/>
+              </a:rPr>
+              <a:t> </a:t>
+            </a:r>
+            <a:endParaRPr sz="1200">
+              <a:solidFill>
+                <a:srgbClr val="131313"/>
+              </a:solidFill>
+              <a:latin typeface="Calibri"/>
+              <a:ea typeface="Calibri"/>
+              <a:cs typeface="Calibri"/>
+              <a:sym typeface="Calibri"/>
+            </a:endParaRPr>
+          </a:p>
+          <a:p>
+            <a:pPr marL="171450" lvl="0" indent="-133350" algn="l" rtl="0">
+              <a:spcBef>
+                <a:spcPts val="0"/>
+              </a:spcBef>
+              <a:spcAft>
+                <a:spcPts val="0"/>
+              </a:spcAft>
+              <a:buClr>
+                <a:schemeClr val="dk1"/>
+              </a:buClr>
+              <a:buSzPts val="1200"/>
+              <a:buFont typeface="Calibri"/>
+              <a:buChar char="●"/>
+            </a:pPr>
+            <a:r>
+              <a:rPr lang="en" sz="1200">
+                <a:solidFill>
+                  <a:srgbClr val="131313"/>
+                </a:solidFill>
+                <a:latin typeface="Calibri"/>
+                <a:ea typeface="Calibri"/>
+                <a:cs typeface="Calibri"/>
+                <a:sym typeface="Calibri"/>
+              </a:rPr>
+              <a:t>Computer History Museum (CHM) &amp; Google released the AlexNet source code written by University of Toronto graduate student Alex Krizhevsky in 2012 (and sold to Google)</a:t>
+            </a:r>
+            <a:endParaRPr sz="1200">
+              <a:solidFill>
+                <a:srgbClr val="131313"/>
+              </a:solidFill>
+              <a:latin typeface="Calibri"/>
+              <a:ea typeface="Calibri"/>
+              <a:cs typeface="Calibri"/>
+              <a:sym typeface="Calibri"/>
+            </a:endParaRPr>
+          </a:p>
+          <a:p>
+            <a:pPr marL="171450" lvl="0" indent="-133350" algn="l" rtl="0">
+              <a:spcBef>
+                <a:spcPts val="0"/>
+              </a:spcBef>
+              <a:spcAft>
+                <a:spcPts val="0"/>
+              </a:spcAft>
+              <a:buClr>
+                <a:schemeClr val="dk1"/>
+              </a:buClr>
+              <a:buSzPts val="1200"/>
+              <a:buFont typeface="Calibri"/>
+              <a:buChar char="●"/>
+            </a:pPr>
+            <a:r>
+              <a:rPr lang="en" sz="1200">
+                <a:solidFill>
+                  <a:srgbClr val="131313"/>
+                </a:solidFill>
+                <a:latin typeface="Calibri"/>
+                <a:ea typeface="Calibri"/>
+                <a:cs typeface="Calibri"/>
+                <a:sym typeface="Calibri"/>
+              </a:rPr>
+              <a:t>Code is now on GitHub. </a:t>
+            </a:r>
+            <a:endParaRPr sz="1200">
+              <a:solidFill>
+                <a:srgbClr val="131313"/>
+              </a:solidFill>
+              <a:latin typeface="Calibri"/>
+              <a:ea typeface="Calibri"/>
+              <a:cs typeface="Calibri"/>
+              <a:sym typeface="Calibri"/>
+            </a:endParaRPr>
+          </a:p>
+          <a:p>
+            <a:pPr marL="171450" lvl="0" indent="-133350" algn="l" rtl="0">
+              <a:spcBef>
+                <a:spcPts val="0"/>
+              </a:spcBef>
+              <a:spcAft>
+                <a:spcPts val="0"/>
+              </a:spcAft>
+              <a:buClr>
+                <a:schemeClr val="dk1"/>
+              </a:buClr>
+              <a:buSzPts val="1200"/>
+              <a:buFont typeface="Calibri"/>
+              <a:buChar char="●"/>
+            </a:pPr>
+            <a:r>
+              <a:rPr lang="en" sz="1200">
+                <a:solidFill>
+                  <a:srgbClr val="131313"/>
+                </a:solidFill>
+                <a:latin typeface="Calibri"/>
+                <a:ea typeface="Calibri"/>
+                <a:cs typeface="Calibri"/>
+                <a:sym typeface="Calibri"/>
+              </a:rPr>
+              <a:t>It is C++ with CUDA extensions. </a:t>
+            </a:r>
+            <a:br>
+              <a:rPr lang="en" sz="1200">
+                <a:solidFill>
+                  <a:srgbClr val="131313"/>
+                </a:solidFill>
+                <a:latin typeface="Calibri"/>
+                <a:ea typeface="Calibri"/>
+                <a:cs typeface="Calibri"/>
+                <a:sym typeface="Calibri"/>
+              </a:rPr>
+            </a:br>
+            <a:r>
+              <a:rPr lang="en" sz="1200">
+                <a:solidFill>
+                  <a:srgbClr val="131313"/>
+                </a:solidFill>
+                <a:latin typeface="Calibri"/>
+                <a:ea typeface="Calibri"/>
+                <a:cs typeface="Calibri"/>
+                <a:sym typeface="Calibri"/>
+              </a:rPr>
+              <a:t>Also multiple python scripts.</a:t>
+            </a:r>
+            <a:endParaRPr sz="1200">
+              <a:solidFill>
+                <a:srgbClr val="131313"/>
+              </a:solidFill>
+              <a:latin typeface="Calibri"/>
+              <a:ea typeface="Calibri"/>
+              <a:cs typeface="Calibri"/>
+              <a:sym typeface="Calibri"/>
+            </a:endParaRPr>
+          </a:p>
+          <a:p>
+            <a:pPr marL="171450" lvl="0" indent="-114300" algn="l" rtl="0">
+              <a:spcBef>
+                <a:spcPts val="0"/>
+              </a:spcBef>
+              <a:spcAft>
+                <a:spcPts val="0"/>
+              </a:spcAft>
+              <a:buClr>
+                <a:schemeClr val="dk1"/>
+              </a:buClr>
+              <a:buSzPts val="900"/>
+              <a:buFont typeface="Calibri"/>
+              <a:buChar char="●"/>
+            </a:pPr>
+            <a:r>
+              <a:rPr lang="en" sz="900" u="sng">
+                <a:solidFill>
+                  <a:schemeClr val="hlink"/>
+                </a:solidFill>
+                <a:latin typeface="Calibri"/>
+                <a:ea typeface="Calibri"/>
+                <a:cs typeface="Calibri"/>
+                <a:sym typeface="Calibri"/>
+                <a:hlinkClick r:id="rId3"/>
+              </a:rPr>
+              <a:t>https://github.com/computerhistory/AlexNet-Source-Code</a:t>
+            </a:r>
+            <a:endParaRPr sz="900">
+              <a:solidFill>
+                <a:srgbClr val="131313"/>
+              </a:solidFill>
+              <a:latin typeface="Calibri"/>
+              <a:ea typeface="Calibri"/>
+              <a:cs typeface="Calibri"/>
+              <a:sym typeface="Calibri"/>
+            </a:endParaRPr>
+          </a:p>
+          <a:p>
+            <a:pPr marL="171450" lvl="0" indent="-114300" algn="l" rtl="0">
+              <a:spcBef>
+                <a:spcPts val="0"/>
+              </a:spcBef>
+              <a:spcAft>
+                <a:spcPts val="0"/>
+              </a:spcAft>
+              <a:buClr>
+                <a:srgbClr val="131313"/>
+              </a:buClr>
+              <a:buSzPts val="900"/>
+              <a:buFont typeface="Calibri"/>
+              <a:buChar char="●"/>
+            </a:pPr>
+            <a:r>
+              <a:rPr lang="en" sz="900" u="sng">
+                <a:solidFill>
+                  <a:schemeClr val="accent5"/>
+                </a:solidFill>
+                <a:latin typeface="Calibri"/>
+                <a:ea typeface="Calibri"/>
+                <a:cs typeface="Calibri"/>
+                <a:sym typeface="Calibri"/>
+                <a:hlinkClick r:id="rId4">
+                  <a:extLst>
+                    <a:ext uri="{A12FA001-AC4F-418D-AE19-62706E023703}">
+                      <ahyp:hlinkClr xmlns:ahyp="http://schemas.microsoft.com/office/drawing/2018/hyperlinkcolor" val="tx"/>
+                    </a:ext>
+                  </a:extLst>
+                </a:hlinkClick>
+              </a:rPr>
+              <a:t>https://github.com/computerhistory/AlexNet-Source-Code/blob/main/README.md</a:t>
+            </a:r>
+            <a:endParaRPr sz="900">
+              <a:latin typeface="Calibri"/>
+              <a:ea typeface="Calibri"/>
+              <a:cs typeface="Calibri"/>
+              <a:sym typeface="Calibri"/>
+            </a:endParaRPr>
+          </a:p>
+          <a:p>
+            <a:pPr marL="171450" lvl="0" indent="-114300" algn="l" rtl="0">
+              <a:spcBef>
+                <a:spcPts val="0"/>
+              </a:spcBef>
+              <a:spcAft>
+                <a:spcPts val="0"/>
+              </a:spcAft>
+              <a:buClr>
+                <a:srgbClr val="131313"/>
+              </a:buClr>
+              <a:buSzPts val="900"/>
+              <a:buFont typeface="Calibri"/>
+              <a:buChar char="●"/>
+            </a:pPr>
+            <a:r>
+              <a:rPr lang="en" sz="900" u="sng">
+                <a:solidFill>
+                  <a:schemeClr val="hlink"/>
+                </a:solidFill>
+                <a:latin typeface="Calibri"/>
+                <a:ea typeface="Calibri"/>
+                <a:cs typeface="Calibri"/>
+                <a:sym typeface="Calibri"/>
+                <a:hlinkClick r:id="rId5"/>
+              </a:rPr>
+              <a:t>https://www.zdnet.com/article/alexnet-the-ai-model-that-started-it-all-released-in-source-code-form-for-all-to-download/</a:t>
+            </a:r>
+            <a:r>
+              <a:rPr lang="en" sz="900">
+                <a:solidFill>
+                  <a:srgbClr val="131313"/>
+                </a:solidFill>
+                <a:latin typeface="Calibri"/>
+                <a:ea typeface="Calibri"/>
+                <a:cs typeface="Calibri"/>
+                <a:sym typeface="Calibri"/>
+              </a:rPr>
+              <a:t> </a:t>
+            </a:r>
+            <a:endParaRPr sz="900">
+              <a:solidFill>
+                <a:srgbClr val="131313"/>
+              </a:solidFill>
+              <a:latin typeface="Calibri"/>
+              <a:ea typeface="Calibri"/>
+              <a:cs typeface="Calibri"/>
+              <a:sym typeface="Calibri"/>
+            </a:endParaRPr>
+          </a:p>
+        </p:txBody>
+      </p:sp>
+      <p:pic>
+        <p:nvPicPr>
+          <p:cNvPr id="253" name="Google Shape;253;p34"/>
+          <p:cNvPicPr preferRelativeResize="0"/>
+          <p:nvPr/>
+        </p:nvPicPr>
+        <p:blipFill>
+          <a:blip r:embed="rId6" cstate="email">
+            <a:alphaModFix/>
+            <a:extLst>
+              <a:ext uri="{28A0092B-C50C-407E-A947-70E740481C1C}">
+                <a14:useLocalDpi xmlns:a14="http://schemas.microsoft.com/office/drawing/2010/main"/>
+              </a:ext>
+            </a:extLst>
+          </a:blip>
+          <a:stretch>
+            <a:fillRect/>
+          </a:stretch>
+        </p:blipFill>
+        <p:spPr>
+          <a:xfrm>
+            <a:off x="3671727" y="322125"/>
+            <a:ext cx="5287699" cy="3523749"/>
+          </a:xfrm>
+          <a:prstGeom prst="rect">
+            <a:avLst/>
+          </a:prstGeom>
+          <a:noFill/>
+          <a:ln w="9525" cap="flat" cmpd="sng">
+            <a:solidFill>
+              <a:srgbClr val="FF0000"/>
+            </a:solidFill>
+            <a:prstDash val="solid"/>
+            <a:round/>
+            <a:headEnd type="none" w="sm" len="sm"/>
+            <a:tailEnd type="none" w="sm" len="sm"/>
+          </a:ln>
+        </p:spPr>
+      </p:pic>
+      <p:sp>
+        <p:nvSpPr>
+          <p:cNvPr id="254" name="Google Shape;254;p34"/>
+          <p:cNvSpPr txBox="1"/>
+          <p:nvPr/>
+        </p:nvSpPr>
+        <p:spPr>
+          <a:xfrm>
+            <a:off x="4364975" y="3922075"/>
+            <a:ext cx="3901200" cy="449400"/>
+          </a:xfrm>
+          <a:prstGeom prst="rect">
+            <a:avLst/>
+          </a:prstGeom>
+          <a:solidFill>
+            <a:srgbClr val="FFF2CC"/>
+          </a:solidFill>
+          <a:ln w="9525" cap="flat" cmpd="sng">
+            <a:solidFill>
+              <a:srgbClr val="FF0000"/>
+            </a:solidFill>
+            <a:prstDash val="solid"/>
+            <a:round/>
+            <a:headEnd type="none" w="sm" len="sm"/>
+            <a:tailEnd type="none" w="sm" len="sm"/>
+          </a:ln>
+        </p:spPr>
+        <p:txBody>
+          <a:bodyPr spcFirstLastPara="1" wrap="square" lIns="9125" tIns="9125" rIns="9125" bIns="9125" anchor="ctr" anchorCtr="0">
+            <a:spAutoFit/>
+          </a:bodyPr>
+          <a:lstStyle/>
+          <a:p>
+            <a:pPr marL="0" lvl="0" indent="0" algn="ctr" rtl="0">
+              <a:spcBef>
+                <a:spcPts val="0"/>
+              </a:spcBef>
+              <a:spcAft>
+                <a:spcPts val="0"/>
+              </a:spcAft>
+              <a:buNone/>
+            </a:pPr>
+            <a:r>
+              <a:rPr lang="en">
+                <a:solidFill>
+                  <a:srgbClr val="131313"/>
+                </a:solidFill>
+                <a:latin typeface="Calibri"/>
+                <a:ea typeface="Calibri"/>
+                <a:cs typeface="Calibri"/>
+                <a:sym typeface="Calibri"/>
+              </a:rPr>
+              <a:t>Ilya Sutskever, Geoffrey Hinton, Alex Krizhevsky</a:t>
+            </a:r>
+            <a:endParaRPr>
+              <a:solidFill>
+                <a:srgbClr val="131313"/>
+              </a:solidFill>
+              <a:latin typeface="Calibri"/>
+              <a:ea typeface="Calibri"/>
+              <a:cs typeface="Calibri"/>
+              <a:sym typeface="Calibri"/>
+            </a:endParaRPr>
+          </a:p>
+          <a:p>
+            <a:pPr marL="0" lvl="0" indent="0" algn="ctr" rtl="0">
+              <a:spcBef>
+                <a:spcPts val="0"/>
+              </a:spcBef>
+              <a:spcAft>
+                <a:spcPts val="0"/>
+              </a:spcAft>
+              <a:buNone/>
+            </a:pPr>
+            <a:r>
+              <a:rPr lang="en">
+                <a:solidFill>
+                  <a:srgbClr val="131313"/>
+                </a:solidFill>
+                <a:latin typeface="Calibri"/>
+                <a:ea typeface="Calibri"/>
+                <a:cs typeface="Calibri"/>
+                <a:sym typeface="Calibri"/>
+              </a:rPr>
+              <a:t>2013</a:t>
+            </a:r>
+            <a:endParaRPr>
+              <a:solidFill>
+                <a:srgbClr val="131313"/>
+              </a:solidFill>
+              <a:latin typeface="Calibri"/>
+              <a:ea typeface="Calibri"/>
+              <a:cs typeface="Calibri"/>
+              <a:sym typeface="Calibri"/>
+            </a:endParaRPr>
+          </a:p>
+        </p:txBody>
+      </p:sp>
+    </p:spTree>
+  </p:cSld>
+  <p:clrMapOvr>
+    <a:masterClrMapping/>
+  </p:clrMapOvr>
+</p:sld>
+</file>
+
+<file path=ppt/slides/slide21.xml><?xml version="1.0" encoding="utf-8"?>
+<p:sld xmlns:a="http://schemas.openxmlformats.org/drawingml/2006/main" xmlns:r="http://schemas.openxmlformats.org/officeDocument/2006/relationships" xmlns:p="http://schemas.openxmlformats.org/presentationml/2006/main">
+  <p:cSld>
+    <p:spTree>
+      <p:nvGrpSpPr>
+        <p:cNvPr id="1" name="Shape 258"/>
+        <p:cNvGrpSpPr/>
+        <p:nvPr/>
+      </p:nvGrpSpPr>
+      <p:grpSpPr>
+        <a:xfrm>
+          <a:off x="0" y="0"/>
+          <a:ext cx="0" cy="0"/>
+          <a:chOff x="0" y="0"/>
+          <a:chExt cx="0" cy="0"/>
+        </a:xfrm>
+      </p:grpSpPr>
+      <p:sp>
+        <p:nvSpPr>
+          <p:cNvPr id="259" name="Google Shape;259;p35"/>
+          <p:cNvSpPr txBox="1"/>
+          <p:nvPr/>
+        </p:nvSpPr>
+        <p:spPr>
+          <a:xfrm>
+            <a:off x="55075" y="52750"/>
+            <a:ext cx="1595400" cy="326400"/>
+          </a:xfrm>
+          <a:prstGeom prst="rect">
+            <a:avLst/>
+          </a:prstGeom>
+          <a:noFill/>
+          <a:ln>
+            <a:noFill/>
+          </a:ln>
+        </p:spPr>
+        <p:txBody>
+          <a:bodyPr spcFirstLastPara="1" wrap="square" lIns="9125" tIns="9125" rIns="9125" bIns="9125" anchor="t" anchorCtr="0">
+            <a:spAutoFit/>
+          </a:bodyPr>
+          <a:lstStyle/>
+          <a:p>
+            <a:pPr marL="0" lvl="0" indent="0" algn="l" rtl="0">
+              <a:spcBef>
+                <a:spcPts val="0"/>
+              </a:spcBef>
+              <a:spcAft>
+                <a:spcPts val="0"/>
+              </a:spcAft>
+              <a:buClr>
+                <a:schemeClr val="dk1"/>
+              </a:buClr>
+              <a:buSzPts val="1100"/>
+              <a:buFont typeface="Arial"/>
+              <a:buNone/>
+            </a:pPr>
+            <a:r>
+              <a:rPr lang="en" sz="2000" b="1">
+                <a:solidFill>
+                  <a:schemeClr val="dk1"/>
+                </a:solidFill>
+                <a:latin typeface="Calibri"/>
+                <a:ea typeface="Calibri"/>
+                <a:cs typeface="Calibri"/>
+                <a:sym typeface="Calibri"/>
+              </a:rPr>
+              <a:t>Vibe Coding</a:t>
+            </a:r>
+            <a:endParaRPr sz="2000" b="1">
+              <a:solidFill>
+                <a:schemeClr val="dk1"/>
+              </a:solidFill>
+              <a:latin typeface="Calibri"/>
+              <a:ea typeface="Calibri"/>
+              <a:cs typeface="Calibri"/>
+              <a:sym typeface="Calibri"/>
+            </a:endParaRPr>
+          </a:p>
+        </p:txBody>
+      </p:sp>
+      <p:sp>
+        <p:nvSpPr>
+          <p:cNvPr id="260" name="Google Shape;260;p35"/>
+          <p:cNvSpPr txBox="1"/>
+          <p:nvPr/>
+        </p:nvSpPr>
+        <p:spPr>
+          <a:xfrm>
+            <a:off x="55081" y="450156"/>
+            <a:ext cx="4472700" cy="4359000"/>
+          </a:xfrm>
+          <a:prstGeom prst="rect">
+            <a:avLst/>
+          </a:prstGeom>
+          <a:solidFill>
+            <a:srgbClr val="FFF2CC"/>
+          </a:solidFill>
+          <a:ln w="9525" cap="flat" cmpd="sng">
+            <a:solidFill>
+              <a:srgbClr val="FF0000"/>
+            </a:solidFill>
+            <a:prstDash val="solid"/>
+            <a:round/>
+            <a:headEnd type="none" w="sm" len="sm"/>
+            <a:tailEnd type="none" w="sm" len="sm"/>
+          </a:ln>
+        </p:spPr>
+        <p:txBody>
+          <a:bodyPr spcFirstLastPara="1" wrap="square" lIns="9125" tIns="9125" rIns="9125" bIns="9125" anchor="t" anchorCtr="0">
+            <a:spAutoFit/>
+          </a:bodyPr>
+          <a:lstStyle/>
+          <a:p>
+            <a:pPr marL="0" lvl="0" indent="0" algn="l" rtl="0">
+              <a:spcBef>
+                <a:spcPts val="0"/>
+              </a:spcBef>
+              <a:spcAft>
+                <a:spcPts val="0"/>
+              </a:spcAft>
+              <a:buNone/>
+            </a:pPr>
+            <a:r>
+              <a:rPr lang="en" sz="1200" b="1">
+                <a:solidFill>
+                  <a:srgbClr val="FF0000"/>
+                </a:solidFill>
+                <a:latin typeface="Calibri"/>
+                <a:ea typeface="Calibri"/>
+                <a:cs typeface="Calibri"/>
+                <a:sym typeface="Calibri"/>
+              </a:rPr>
+              <a:t>Vibe Coding - Revolution and Risks in AI-Assisted Software Development - by José Gregorio Argomedo</a:t>
+            </a:r>
+            <a:endParaRPr sz="1200" b="1">
+              <a:solidFill>
+                <a:srgbClr val="FF0000"/>
+              </a:solidFill>
+              <a:latin typeface="Calibri"/>
+              <a:ea typeface="Calibri"/>
+              <a:cs typeface="Calibri"/>
+              <a:sym typeface="Calibri"/>
+            </a:endParaRPr>
+          </a:p>
+          <a:p>
+            <a:pPr marL="171450" lvl="0" indent="-95250" algn="l" rtl="0">
+              <a:spcBef>
+                <a:spcPts val="0"/>
+              </a:spcBef>
+              <a:spcAft>
+                <a:spcPts val="0"/>
+              </a:spcAft>
+              <a:buClr>
+                <a:schemeClr val="dk1"/>
+              </a:buClr>
+              <a:buSzPts val="600"/>
+              <a:buFont typeface="Calibri"/>
+              <a:buChar char="●"/>
+            </a:pPr>
+            <a:r>
+              <a:rPr lang="en" sz="900" u="sng">
+                <a:solidFill>
+                  <a:schemeClr val="hlink"/>
+                </a:solidFill>
+                <a:latin typeface="Calibri"/>
+                <a:ea typeface="Calibri"/>
+                <a:cs typeface="Calibri"/>
+                <a:sym typeface="Calibri"/>
+                <a:hlinkClick r:id="rId3"/>
+              </a:rPr>
+              <a:t>https://www.linkedin.com/pulse/vibe-coding-revolutionizing-software-development-what-argomedo-5vt6e/</a:t>
+            </a:r>
+            <a:endParaRPr sz="900">
+              <a:solidFill>
+                <a:schemeClr val="dk1"/>
+              </a:solidFill>
+              <a:latin typeface="Calibri"/>
+              <a:ea typeface="Calibri"/>
+              <a:cs typeface="Calibri"/>
+              <a:sym typeface="Calibri"/>
+            </a:endParaRPr>
+          </a:p>
+          <a:p>
+            <a:pPr marL="171450" lvl="0" indent="-114300" algn="l" rtl="0">
+              <a:spcBef>
+                <a:spcPts val="0"/>
+              </a:spcBef>
+              <a:spcAft>
+                <a:spcPts val="0"/>
+              </a:spcAft>
+              <a:buClr>
+                <a:schemeClr val="dk1"/>
+              </a:buClr>
+              <a:buSzPts val="900"/>
+              <a:buFont typeface="Calibri"/>
+              <a:buChar char="●"/>
+            </a:pPr>
+            <a:r>
+              <a:rPr lang="en" sz="1200">
+                <a:solidFill>
+                  <a:schemeClr val="dk1"/>
+                </a:solidFill>
+                <a:latin typeface="Calibri"/>
+                <a:ea typeface="Calibri"/>
+                <a:cs typeface="Calibri"/>
+                <a:sym typeface="Calibri"/>
+              </a:rPr>
+              <a:t>"vibe coding" - provide natural language high-level instructions to AI models instead of writing code manually. </a:t>
+            </a:r>
+            <a:endParaRPr sz="1200">
+              <a:solidFill>
+                <a:schemeClr val="dk1"/>
+              </a:solidFill>
+              <a:latin typeface="Calibri"/>
+              <a:ea typeface="Calibri"/>
+              <a:cs typeface="Calibri"/>
+              <a:sym typeface="Calibri"/>
+            </a:endParaRPr>
+          </a:p>
+          <a:p>
+            <a:pPr marL="171450" lvl="0" indent="-114300" algn="l" rtl="0">
+              <a:spcBef>
+                <a:spcPts val="0"/>
+              </a:spcBef>
+              <a:spcAft>
+                <a:spcPts val="0"/>
+              </a:spcAft>
+              <a:buClr>
+                <a:schemeClr val="dk1"/>
+              </a:buClr>
+              <a:buSzPts val="900"/>
+              <a:buFont typeface="Calibri"/>
+              <a:buChar char="●"/>
+            </a:pPr>
+            <a:r>
+              <a:rPr lang="en" sz="1200">
+                <a:solidFill>
+                  <a:schemeClr val="dk1"/>
+                </a:solidFill>
+                <a:latin typeface="Calibri"/>
+                <a:ea typeface="Calibri"/>
+                <a:cs typeface="Calibri"/>
+                <a:sym typeface="Calibri"/>
+              </a:rPr>
+              <a:t>This term was recently coined by </a:t>
+            </a:r>
+            <a:r>
+              <a:rPr lang="en" sz="1200" b="1">
+                <a:solidFill>
+                  <a:srgbClr val="FF0000"/>
+                </a:solidFill>
+                <a:latin typeface="Calibri"/>
+                <a:ea typeface="Calibri"/>
+                <a:cs typeface="Calibri"/>
+                <a:sym typeface="Calibri"/>
+              </a:rPr>
+              <a:t>Andrej Karpathy</a:t>
+            </a:r>
+            <a:endParaRPr sz="1200" b="1">
+              <a:solidFill>
+                <a:srgbClr val="FF0000"/>
+              </a:solidFill>
+              <a:latin typeface="Calibri"/>
+              <a:ea typeface="Calibri"/>
+              <a:cs typeface="Calibri"/>
+              <a:sym typeface="Calibri"/>
+            </a:endParaRPr>
+          </a:p>
+          <a:p>
+            <a:pPr marL="171450" lvl="0" indent="-114300" algn="l" rtl="0">
+              <a:spcBef>
+                <a:spcPts val="0"/>
+              </a:spcBef>
+              <a:spcAft>
+                <a:spcPts val="0"/>
+              </a:spcAft>
+              <a:buClr>
+                <a:schemeClr val="dk1"/>
+              </a:buClr>
+              <a:buSzPts val="900"/>
+              <a:buFont typeface="Calibri"/>
+              <a:buChar char="●"/>
+            </a:pPr>
+            <a:r>
+              <a:rPr lang="en" sz="1200">
+                <a:solidFill>
+                  <a:schemeClr val="dk1"/>
+                </a:solidFill>
+                <a:latin typeface="Calibri"/>
+                <a:ea typeface="Calibri"/>
+                <a:cs typeface="Calibri"/>
+                <a:sym typeface="Calibri"/>
+              </a:rPr>
+              <a:t>The workflow becomes conversational, with humans guiding the process through prompts; It allows rapid development, reducing repetitive tasks, easy prototyping, democratizes programming for non-developers; This approach follows the historical trend of raising abstraction levels in programming</a:t>
+            </a:r>
+            <a:endParaRPr sz="1200">
+              <a:solidFill>
+                <a:schemeClr val="dk1"/>
+              </a:solidFill>
+              <a:latin typeface="Calibri"/>
+              <a:ea typeface="Calibri"/>
+              <a:cs typeface="Calibri"/>
+              <a:sym typeface="Calibri"/>
+            </a:endParaRPr>
+          </a:p>
+          <a:p>
+            <a:pPr marL="171450" lvl="0" indent="-114300" algn="l" rtl="0">
+              <a:spcBef>
+                <a:spcPts val="0"/>
+              </a:spcBef>
+              <a:spcAft>
+                <a:spcPts val="0"/>
+              </a:spcAft>
+              <a:buClr>
+                <a:schemeClr val="dk1"/>
+              </a:buClr>
+              <a:buSzPts val="900"/>
+              <a:buFont typeface="Calibri"/>
+              <a:buChar char="●"/>
+            </a:pPr>
+            <a:r>
+              <a:rPr lang="en" sz="1200">
+                <a:solidFill>
+                  <a:schemeClr val="dk1"/>
+                </a:solidFill>
+                <a:latin typeface="Calibri"/>
+                <a:ea typeface="Calibri"/>
+                <a:cs typeface="Calibri"/>
+                <a:sym typeface="Calibri"/>
+              </a:rPr>
+              <a:t>Risks: AI hallucinations producing plausible but incorrect code; Security vulnerabilities that novices won't catch; Poor architecture and maintainability leading to technical debt; Potential loss of debugging skills and fundamental programming knowledge; Domain knowledge gaps creating "invisible complexity" issues</a:t>
+            </a:r>
+            <a:endParaRPr sz="1200">
+              <a:solidFill>
+                <a:schemeClr val="dk1"/>
+              </a:solidFill>
+              <a:latin typeface="Calibri"/>
+              <a:ea typeface="Calibri"/>
+              <a:cs typeface="Calibri"/>
+              <a:sym typeface="Calibri"/>
+            </a:endParaRPr>
+          </a:p>
+          <a:p>
+            <a:pPr marL="171450" lvl="0" indent="-133350" algn="l" rtl="0">
+              <a:spcBef>
+                <a:spcPts val="0"/>
+              </a:spcBef>
+              <a:spcAft>
+                <a:spcPts val="0"/>
+              </a:spcAft>
+              <a:buClr>
+                <a:schemeClr val="dk1"/>
+              </a:buClr>
+              <a:buSzPts val="1200"/>
+              <a:buFont typeface="Calibri"/>
+              <a:buChar char="●"/>
+            </a:pPr>
+            <a:r>
+              <a:rPr lang="en" sz="1200">
+                <a:solidFill>
+                  <a:schemeClr val="dk1"/>
+                </a:solidFill>
+                <a:latin typeface="Calibri"/>
+                <a:ea typeface="Calibri"/>
+                <a:cs typeface="Calibri"/>
+                <a:sym typeface="Calibri"/>
+              </a:rPr>
+              <a:t>Experienced developers benefit  - while maintaining oversight</a:t>
+            </a:r>
+            <a:endParaRPr sz="1200">
+              <a:solidFill>
+                <a:schemeClr val="dk1"/>
+              </a:solidFill>
+              <a:latin typeface="Calibri"/>
+              <a:ea typeface="Calibri"/>
+              <a:cs typeface="Calibri"/>
+              <a:sym typeface="Calibri"/>
+            </a:endParaRPr>
+          </a:p>
+          <a:p>
+            <a:pPr marL="171450" lvl="0" indent="-133350" algn="l" rtl="0">
+              <a:spcBef>
+                <a:spcPts val="0"/>
+              </a:spcBef>
+              <a:spcAft>
+                <a:spcPts val="0"/>
+              </a:spcAft>
+              <a:buClr>
+                <a:schemeClr val="dk1"/>
+              </a:buClr>
+              <a:buSzPts val="1200"/>
+              <a:buFont typeface="Calibri"/>
+              <a:buChar char="●"/>
+            </a:pPr>
+            <a:r>
+              <a:rPr lang="en" sz="1200">
+                <a:solidFill>
+                  <a:schemeClr val="dk1"/>
+                </a:solidFill>
+                <a:latin typeface="Calibri"/>
+                <a:ea typeface="Calibri"/>
+                <a:cs typeface="Calibri"/>
+                <a:sym typeface="Calibri"/>
+              </a:rPr>
+              <a:t>Organizations with strong engineering practices can benefit, while novices are most vulnerable. Teams may become overly dependent on AI, leading to potential loss of skills</a:t>
+            </a:r>
+            <a:endParaRPr sz="1200">
+              <a:solidFill>
+                <a:schemeClr val="dk1"/>
+              </a:solidFill>
+              <a:latin typeface="Calibri"/>
+              <a:ea typeface="Calibri"/>
+              <a:cs typeface="Calibri"/>
+              <a:sym typeface="Calibri"/>
+            </a:endParaRPr>
+          </a:p>
+          <a:p>
+            <a:pPr marL="171450" lvl="0" indent="-133350" algn="l" rtl="0">
+              <a:spcBef>
+                <a:spcPts val="0"/>
+              </a:spcBef>
+              <a:spcAft>
+                <a:spcPts val="0"/>
+              </a:spcAft>
+              <a:buClr>
+                <a:schemeClr val="dk1"/>
+              </a:buClr>
+              <a:buSzPts val="1200"/>
+              <a:buFont typeface="Calibri"/>
+              <a:buChar char="●"/>
+            </a:pPr>
+            <a:r>
+              <a:rPr lang="en" sz="1200">
+                <a:solidFill>
+                  <a:schemeClr val="dk1"/>
+                </a:solidFill>
+                <a:latin typeface="Calibri"/>
+                <a:ea typeface="Calibri"/>
+                <a:cs typeface="Calibri"/>
+                <a:sym typeface="Calibri"/>
+              </a:rPr>
+              <a:t>Solution - balanced "vibes plus knowledge" approach that combines AI's speed with human expertise and rigorous software engineering practices.</a:t>
+            </a:r>
+            <a:endParaRPr sz="1200">
+              <a:solidFill>
+                <a:schemeClr val="dk1"/>
+              </a:solidFill>
+              <a:latin typeface="Calibri"/>
+              <a:ea typeface="Calibri"/>
+              <a:cs typeface="Calibri"/>
+              <a:sym typeface="Calibri"/>
+            </a:endParaRPr>
+          </a:p>
+        </p:txBody>
+      </p:sp>
+      <p:sp>
+        <p:nvSpPr>
+          <p:cNvPr id="261" name="Google Shape;261;p35"/>
+          <p:cNvSpPr txBox="1"/>
+          <p:nvPr/>
+        </p:nvSpPr>
+        <p:spPr>
+          <a:xfrm>
+            <a:off x="4663300" y="2819123"/>
+            <a:ext cx="4407000" cy="803400"/>
+          </a:xfrm>
+          <a:prstGeom prst="rect">
+            <a:avLst/>
+          </a:prstGeom>
+          <a:solidFill>
+            <a:srgbClr val="FFF2CC"/>
+          </a:solidFill>
+          <a:ln w="9525" cap="flat" cmpd="sng">
+            <a:solidFill>
+              <a:srgbClr val="FF0000"/>
+            </a:solidFill>
+            <a:prstDash val="solid"/>
+            <a:round/>
+            <a:headEnd type="none" w="sm" len="sm"/>
+            <a:tailEnd type="none" w="sm" len="sm"/>
+          </a:ln>
+        </p:spPr>
+        <p:txBody>
+          <a:bodyPr spcFirstLastPara="1" wrap="square" lIns="9125" tIns="9125" rIns="9125" bIns="9125" anchor="t" anchorCtr="0">
+            <a:spAutoFit/>
+          </a:bodyPr>
+          <a:lstStyle/>
+          <a:p>
+            <a:pPr marL="0" lvl="0" indent="0" algn="l" rtl="0">
+              <a:spcBef>
+                <a:spcPts val="0"/>
+              </a:spcBef>
+              <a:spcAft>
+                <a:spcPts val="0"/>
+              </a:spcAft>
+              <a:buNone/>
+            </a:pPr>
+            <a:r>
+              <a:rPr lang="en" sz="1200" b="1">
+                <a:solidFill>
+                  <a:srgbClr val="FF0000"/>
+                </a:solidFill>
+                <a:latin typeface="Calibri"/>
+                <a:ea typeface="Calibri"/>
+                <a:cs typeface="Calibri"/>
+                <a:sym typeface="Calibri"/>
+              </a:rPr>
+              <a:t>The paradox of vibe coding: It works best for those </a:t>
+            </a:r>
+            <a:endParaRPr sz="1200" b="1">
+              <a:solidFill>
+                <a:srgbClr val="FF0000"/>
+              </a:solidFill>
+              <a:latin typeface="Calibri"/>
+              <a:ea typeface="Calibri"/>
+              <a:cs typeface="Calibri"/>
+              <a:sym typeface="Calibri"/>
+            </a:endParaRPr>
+          </a:p>
+          <a:p>
+            <a:pPr marL="0" lvl="0" indent="0" algn="l" rtl="0">
+              <a:spcBef>
+                <a:spcPts val="0"/>
+              </a:spcBef>
+              <a:spcAft>
+                <a:spcPts val="0"/>
+              </a:spcAft>
+              <a:buNone/>
+            </a:pPr>
+            <a:r>
+              <a:rPr lang="en" sz="1200" b="1">
+                <a:solidFill>
+                  <a:srgbClr val="FF0000"/>
+                </a:solidFill>
+                <a:latin typeface="Calibri"/>
+                <a:ea typeface="Calibri"/>
+                <a:cs typeface="Calibri"/>
+                <a:sym typeface="Calibri"/>
+              </a:rPr>
+              <a:t>who do not need it - By Tim Anderson</a:t>
+            </a:r>
+            <a:endParaRPr sz="1200" b="1">
+              <a:solidFill>
+                <a:srgbClr val="FF0000"/>
+              </a:solidFill>
+              <a:latin typeface="Calibri"/>
+              <a:ea typeface="Calibri"/>
+              <a:cs typeface="Calibri"/>
+              <a:sym typeface="Calibri"/>
+            </a:endParaRPr>
+          </a:p>
+          <a:p>
+            <a:pPr marL="171450" lvl="0" indent="-114300" algn="l" rtl="0">
+              <a:spcBef>
+                <a:spcPts val="0"/>
+              </a:spcBef>
+              <a:spcAft>
+                <a:spcPts val="0"/>
+              </a:spcAft>
+              <a:buClr>
+                <a:schemeClr val="dk1"/>
+              </a:buClr>
+              <a:buSzPts val="900"/>
+              <a:buFont typeface="Calibri"/>
+              <a:buChar char="●"/>
+            </a:pPr>
+            <a:r>
+              <a:rPr lang="en" sz="900" u="sng">
+                <a:solidFill>
+                  <a:schemeClr val="hlink"/>
+                </a:solidFill>
+                <a:latin typeface="Calibri"/>
+                <a:ea typeface="Calibri"/>
+                <a:cs typeface="Calibri"/>
+                <a:sym typeface="Calibri"/>
+                <a:hlinkClick r:id="rId4"/>
+              </a:rPr>
+              <a:t>https://devclass.com/2025/03/26/the-paradox-of-vibe-coding-it-works-best-for-those-who-do-not-need-it/</a:t>
+            </a:r>
+            <a:r>
+              <a:rPr lang="en" sz="900">
+                <a:solidFill>
+                  <a:schemeClr val="dk1"/>
+                </a:solidFill>
+                <a:latin typeface="Calibri"/>
+                <a:ea typeface="Calibri"/>
+                <a:cs typeface="Calibri"/>
+                <a:sym typeface="Calibri"/>
+              </a:rPr>
+              <a:t> </a:t>
+            </a:r>
+            <a:endParaRPr sz="900">
+              <a:solidFill>
+                <a:schemeClr val="dk1"/>
+              </a:solidFill>
+              <a:latin typeface="Calibri"/>
+              <a:ea typeface="Calibri"/>
+              <a:cs typeface="Calibri"/>
+              <a:sym typeface="Calibri"/>
+            </a:endParaRPr>
+          </a:p>
+          <a:p>
+            <a:pPr marL="171450" lvl="0" indent="-114300" algn="l" rtl="0">
+              <a:spcBef>
+                <a:spcPts val="0"/>
+              </a:spcBef>
+              <a:spcAft>
+                <a:spcPts val="0"/>
+              </a:spcAft>
+              <a:buClr>
+                <a:schemeClr val="dk1"/>
+              </a:buClr>
+              <a:buSzPts val="900"/>
+              <a:buFont typeface="Calibri"/>
+              <a:buChar char="●"/>
+            </a:pPr>
+            <a:r>
+              <a:rPr lang="en" sz="900" u="sng">
+                <a:solidFill>
+                  <a:schemeClr val="hlink"/>
+                </a:solidFill>
+                <a:latin typeface="Calibri"/>
+                <a:ea typeface="Calibri"/>
+                <a:cs typeface="Calibri"/>
+                <a:sym typeface="Calibri"/>
+                <a:hlinkClick r:id="rId5"/>
+              </a:rPr>
+              <a:t>https://en.wikipedia.org/wiki/Vibe_coding</a:t>
+            </a:r>
+            <a:r>
+              <a:rPr lang="en" sz="900">
+                <a:solidFill>
+                  <a:schemeClr val="dk1"/>
+                </a:solidFill>
+                <a:latin typeface="Calibri"/>
+                <a:ea typeface="Calibri"/>
+                <a:cs typeface="Calibri"/>
+                <a:sym typeface="Calibri"/>
+              </a:rPr>
+              <a:t> - wikipedia page</a:t>
+            </a:r>
+            <a:endParaRPr sz="900">
+              <a:solidFill>
+                <a:schemeClr val="dk1"/>
+              </a:solidFill>
+              <a:latin typeface="Calibri"/>
+              <a:ea typeface="Calibri"/>
+              <a:cs typeface="Calibri"/>
+              <a:sym typeface="Calibri"/>
+            </a:endParaRPr>
+          </a:p>
+        </p:txBody>
+      </p:sp>
+      <p:pic>
+        <p:nvPicPr>
+          <p:cNvPr id="262" name="Google Shape;262;p35"/>
+          <p:cNvPicPr preferRelativeResize="0"/>
+          <p:nvPr/>
+        </p:nvPicPr>
+        <p:blipFill rotWithShape="1">
+          <a:blip r:embed="rId6" cstate="email">
+            <a:alphaModFix/>
+            <a:extLst>
+              <a:ext uri="{28A0092B-C50C-407E-A947-70E740481C1C}">
+                <a14:useLocalDpi xmlns:a14="http://schemas.microsoft.com/office/drawing/2010/main"/>
+              </a:ext>
+            </a:extLst>
+          </a:blip>
+          <a:srcRect/>
+          <a:stretch/>
+        </p:blipFill>
+        <p:spPr>
+          <a:xfrm>
+            <a:off x="4931080" y="379200"/>
+            <a:ext cx="1143446" cy="1403700"/>
+          </a:xfrm>
+          <a:prstGeom prst="rect">
+            <a:avLst/>
+          </a:prstGeom>
+          <a:noFill/>
+          <a:ln w="9525" cap="flat" cmpd="sng">
+            <a:solidFill>
+              <a:srgbClr val="FF0000"/>
+            </a:solidFill>
+            <a:prstDash val="solid"/>
+            <a:round/>
+            <a:headEnd type="none" w="sm" len="sm"/>
+            <a:tailEnd type="none" w="sm" len="sm"/>
+          </a:ln>
+        </p:spPr>
+      </p:pic>
+      <p:sp>
+        <p:nvSpPr>
+          <p:cNvPr id="263" name="Google Shape;263;p35"/>
+          <p:cNvSpPr txBox="1"/>
+          <p:nvPr/>
+        </p:nvSpPr>
+        <p:spPr>
+          <a:xfrm>
+            <a:off x="4663350" y="1828525"/>
+            <a:ext cx="1736700" cy="203100"/>
+          </a:xfrm>
+          <a:prstGeom prst="rect">
+            <a:avLst/>
+          </a:prstGeom>
+          <a:solidFill>
+            <a:srgbClr val="FFF2CC"/>
+          </a:solidFill>
+          <a:ln w="9525" cap="flat" cmpd="sng">
+            <a:solidFill>
+              <a:srgbClr val="FF0000"/>
+            </a:solidFill>
+            <a:prstDash val="solid"/>
+            <a:round/>
+            <a:headEnd type="none" w="sm" len="sm"/>
+            <a:tailEnd type="none" w="sm" len="sm"/>
+          </a:ln>
+        </p:spPr>
+        <p:txBody>
+          <a:bodyPr spcFirstLastPara="1" wrap="square" lIns="9125" tIns="9125" rIns="9125" bIns="9125" anchor="t" anchorCtr="0">
+            <a:spAutoFit/>
+          </a:bodyPr>
+          <a:lstStyle/>
+          <a:p>
+            <a:pPr marL="0" lvl="0" indent="0" algn="ctr" rtl="0">
+              <a:spcBef>
+                <a:spcPts val="0"/>
+              </a:spcBef>
+              <a:spcAft>
+                <a:spcPts val="0"/>
+              </a:spcAft>
+              <a:buNone/>
+            </a:pPr>
+            <a:r>
+              <a:rPr lang="en" sz="1200" b="1">
+                <a:solidFill>
+                  <a:srgbClr val="FF0000"/>
+                </a:solidFill>
+                <a:latin typeface="Calibri"/>
+                <a:ea typeface="Calibri"/>
+                <a:cs typeface="Calibri"/>
+                <a:sym typeface="Calibri"/>
+              </a:rPr>
+              <a:t>José Gregorio Argomedo</a:t>
+            </a:r>
+            <a:endParaRPr sz="900">
+              <a:solidFill>
+                <a:schemeClr val="dk1"/>
+              </a:solidFill>
+              <a:latin typeface="Calibri"/>
+              <a:ea typeface="Calibri"/>
+              <a:cs typeface="Calibri"/>
+              <a:sym typeface="Calibri"/>
+            </a:endParaRPr>
+          </a:p>
+        </p:txBody>
+      </p:sp>
+      <p:sp>
+        <p:nvSpPr>
+          <p:cNvPr id="264" name="Google Shape;264;p35"/>
+          <p:cNvSpPr txBox="1"/>
+          <p:nvPr/>
+        </p:nvSpPr>
+        <p:spPr>
+          <a:xfrm>
+            <a:off x="6274300" y="384675"/>
+            <a:ext cx="2796000" cy="1403700"/>
+          </a:xfrm>
+          <a:prstGeom prst="rect">
+            <a:avLst/>
+          </a:prstGeom>
+          <a:solidFill>
+            <a:srgbClr val="FFF2CC"/>
+          </a:solidFill>
+          <a:ln w="9525" cap="flat" cmpd="sng">
+            <a:solidFill>
+              <a:srgbClr val="FF0000"/>
+            </a:solidFill>
+            <a:prstDash val="solid"/>
+            <a:round/>
+            <a:headEnd type="none" w="sm" len="sm"/>
+            <a:tailEnd type="none" w="sm" len="sm"/>
+          </a:ln>
+        </p:spPr>
+        <p:txBody>
+          <a:bodyPr spcFirstLastPara="1" wrap="square" lIns="9125" tIns="9125" rIns="9125" bIns="9125" anchor="t" anchorCtr="0">
+            <a:spAutoFit/>
+          </a:bodyPr>
+          <a:lstStyle/>
+          <a:p>
+            <a:pPr marL="0" lvl="0" indent="0" algn="l" rtl="0">
+              <a:spcBef>
+                <a:spcPts val="0"/>
+              </a:spcBef>
+              <a:spcAft>
+                <a:spcPts val="0"/>
+              </a:spcAft>
+              <a:buNone/>
+            </a:pPr>
+            <a:r>
+              <a:rPr lang="en" sz="1200" b="1">
+                <a:solidFill>
+                  <a:srgbClr val="FF0000"/>
+                </a:solidFill>
+                <a:latin typeface="Calibri"/>
+                <a:ea typeface="Calibri"/>
+                <a:cs typeface="Calibri"/>
+                <a:sym typeface="Calibri"/>
+              </a:rPr>
+              <a:t>Repo Prompt - app for Mac (Linux/Windows coming)</a:t>
+            </a:r>
+            <a:endParaRPr sz="1200">
+              <a:solidFill>
+                <a:schemeClr val="dk1"/>
+              </a:solidFill>
+              <a:latin typeface="Calibri"/>
+              <a:ea typeface="Calibri"/>
+              <a:cs typeface="Calibri"/>
+              <a:sym typeface="Calibri"/>
+            </a:endParaRPr>
+          </a:p>
+          <a:p>
+            <a:pPr marL="0" lvl="0" indent="0" algn="l" rtl="0">
+              <a:spcBef>
+                <a:spcPts val="0"/>
+              </a:spcBef>
+              <a:spcAft>
+                <a:spcPts val="0"/>
+              </a:spcAft>
+              <a:buNone/>
+            </a:pPr>
+            <a:r>
+              <a:rPr lang="en" sz="1200" b="1">
+                <a:solidFill>
+                  <a:srgbClr val="3C78D8"/>
+                </a:solidFill>
+                <a:latin typeface="Calibri"/>
+                <a:ea typeface="Calibri"/>
+                <a:cs typeface="Calibri"/>
+                <a:sym typeface="Calibri"/>
+              </a:rPr>
+              <a:t>Repo Prompt</a:t>
+            </a:r>
+            <a:r>
+              <a:rPr lang="en" sz="1200">
+                <a:solidFill>
+                  <a:schemeClr val="dk1"/>
+                </a:solidFill>
+                <a:latin typeface="Calibri"/>
+                <a:ea typeface="Calibri"/>
+                <a:cs typeface="Calibri"/>
+                <a:sym typeface="Calibri"/>
+              </a:rPr>
+              <a:t> can help structure your prompts and apply AI changes for you; send only what’s needed; Select just the files that matter; Cut the noise for sharper answers; </a:t>
+            </a:r>
+            <a:endParaRPr sz="900">
+              <a:solidFill>
+                <a:schemeClr val="dk1"/>
+              </a:solidFill>
+              <a:latin typeface="Calibri"/>
+              <a:ea typeface="Calibri"/>
+              <a:cs typeface="Calibri"/>
+              <a:sym typeface="Calibri"/>
+            </a:endParaRPr>
+          </a:p>
+          <a:p>
+            <a:pPr marL="228600" lvl="0" indent="-114300" algn="l" rtl="0">
+              <a:spcBef>
+                <a:spcPts val="0"/>
+              </a:spcBef>
+              <a:spcAft>
+                <a:spcPts val="0"/>
+              </a:spcAft>
+              <a:buClr>
+                <a:schemeClr val="dk1"/>
+              </a:buClr>
+              <a:buSzPts val="900"/>
+              <a:buFont typeface="Calibri"/>
+              <a:buChar char="●"/>
+            </a:pPr>
+            <a:r>
+              <a:rPr lang="en" sz="900" u="sng">
+                <a:solidFill>
+                  <a:schemeClr val="hlink"/>
+                </a:solidFill>
+                <a:latin typeface="Calibri"/>
+                <a:ea typeface="Calibri"/>
+                <a:cs typeface="Calibri"/>
+                <a:sym typeface="Calibri"/>
+                <a:hlinkClick r:id="rId7"/>
+              </a:rPr>
+              <a:t>https://repoprompt.com/#pricing</a:t>
+            </a:r>
+            <a:r>
+              <a:rPr lang="en" sz="900">
+                <a:solidFill>
+                  <a:schemeClr val="dk1"/>
+                </a:solidFill>
+                <a:latin typeface="Calibri"/>
+                <a:ea typeface="Calibri"/>
+                <a:cs typeface="Calibri"/>
+                <a:sym typeface="Calibri"/>
+              </a:rPr>
+              <a:t>  </a:t>
+            </a:r>
+            <a:endParaRPr sz="900">
+              <a:solidFill>
+                <a:schemeClr val="dk1"/>
+              </a:solidFill>
+              <a:latin typeface="Calibri"/>
+              <a:ea typeface="Calibri"/>
+              <a:cs typeface="Calibri"/>
+              <a:sym typeface="Calibri"/>
+            </a:endParaRPr>
+          </a:p>
+          <a:p>
+            <a:pPr marL="228600" lvl="0" indent="-114300" algn="l" rtl="0">
+              <a:spcBef>
+                <a:spcPts val="0"/>
+              </a:spcBef>
+              <a:spcAft>
+                <a:spcPts val="0"/>
+              </a:spcAft>
+              <a:buClr>
+                <a:schemeClr val="dk1"/>
+              </a:buClr>
+              <a:buSzPts val="900"/>
+              <a:buFont typeface="Calibri"/>
+              <a:buChar char="●"/>
+            </a:pPr>
+            <a:r>
+              <a:rPr lang="en" sz="900" u="sng">
+                <a:solidFill>
+                  <a:schemeClr val="hlink"/>
+                </a:solidFill>
+                <a:latin typeface="Calibri"/>
+                <a:ea typeface="Calibri"/>
+                <a:cs typeface="Calibri"/>
+                <a:sym typeface="Calibri"/>
+                <a:hlinkClick r:id="rId8"/>
+              </a:rPr>
+              <a:t>https://www.youtube.com/watch?v=ubWQx8ev4Rw</a:t>
+            </a:r>
+            <a:r>
+              <a:rPr lang="en" sz="900">
+                <a:solidFill>
+                  <a:schemeClr val="dk1"/>
+                </a:solidFill>
+                <a:latin typeface="Calibri"/>
+                <a:ea typeface="Calibri"/>
+                <a:cs typeface="Calibri"/>
+                <a:sym typeface="Calibri"/>
+              </a:rPr>
+              <a:t> </a:t>
+            </a:r>
+            <a:endParaRPr sz="900" b="1">
+              <a:solidFill>
+                <a:srgbClr val="FF0000"/>
+              </a:solidFill>
+              <a:latin typeface="Calibri"/>
+              <a:ea typeface="Calibri"/>
+              <a:cs typeface="Calibri"/>
+              <a:sym typeface="Calibri"/>
+            </a:endParaRPr>
+          </a:p>
+        </p:txBody>
+      </p:sp>
+      <p:sp>
+        <p:nvSpPr>
+          <p:cNvPr id="265" name="Google Shape;265;p35"/>
+          <p:cNvSpPr txBox="1"/>
+          <p:nvPr/>
+        </p:nvSpPr>
+        <p:spPr>
+          <a:xfrm>
+            <a:off x="4663350" y="3751323"/>
+            <a:ext cx="4407000" cy="1311300"/>
+          </a:xfrm>
+          <a:prstGeom prst="rect">
+            <a:avLst/>
+          </a:prstGeom>
+          <a:solidFill>
+            <a:srgbClr val="FFF2CC"/>
+          </a:solidFill>
+          <a:ln w="9525" cap="flat" cmpd="sng">
+            <a:solidFill>
+              <a:srgbClr val="FF0000"/>
+            </a:solidFill>
+            <a:prstDash val="solid"/>
+            <a:round/>
+            <a:headEnd type="none" w="sm" len="sm"/>
+            <a:tailEnd type="none" w="sm" len="sm"/>
+          </a:ln>
+        </p:spPr>
+        <p:txBody>
+          <a:bodyPr spcFirstLastPara="1" wrap="square" lIns="9125" tIns="9125" rIns="9125" bIns="9125" anchor="t" anchorCtr="0">
+            <a:spAutoFit/>
+          </a:bodyPr>
+          <a:lstStyle/>
+          <a:p>
+            <a:pPr marL="171450" lvl="0" indent="-133350" algn="l" rtl="0">
+              <a:spcBef>
+                <a:spcPts val="0"/>
+              </a:spcBef>
+              <a:spcAft>
+                <a:spcPts val="0"/>
+              </a:spcAft>
+              <a:buClr>
+                <a:schemeClr val="dk1"/>
+              </a:buClr>
+              <a:buSzPts val="1200"/>
+              <a:buFont typeface="Calibri"/>
+              <a:buChar char="●"/>
+            </a:pPr>
+            <a:r>
+              <a:rPr lang="en" sz="1200">
+                <a:solidFill>
+                  <a:schemeClr val="dk1"/>
+                </a:solidFill>
+                <a:latin typeface="Calibri"/>
+                <a:ea typeface="Calibri"/>
+                <a:cs typeface="Calibri"/>
+                <a:sym typeface="Calibri"/>
+              </a:rPr>
+              <a:t>Models are great at speeding up software engineering work, but they still make a lot of mistakes. </a:t>
+            </a:r>
+            <a:endParaRPr sz="1200">
+              <a:solidFill>
+                <a:schemeClr val="dk1"/>
+              </a:solidFill>
+              <a:latin typeface="Calibri"/>
+              <a:ea typeface="Calibri"/>
+              <a:cs typeface="Calibri"/>
+              <a:sym typeface="Calibri"/>
+            </a:endParaRPr>
+          </a:p>
+          <a:p>
+            <a:pPr marL="171450" lvl="0" indent="-133350" algn="l" rtl="0">
+              <a:spcBef>
+                <a:spcPts val="0"/>
+              </a:spcBef>
+              <a:spcAft>
+                <a:spcPts val="0"/>
+              </a:spcAft>
+              <a:buClr>
+                <a:schemeClr val="dk1"/>
+              </a:buClr>
+              <a:buSzPts val="1200"/>
+              <a:buFont typeface="Calibri"/>
+              <a:buChar char="●"/>
+            </a:pPr>
+            <a:r>
+              <a:rPr lang="en" sz="1200">
+                <a:solidFill>
+                  <a:schemeClr val="dk1"/>
+                </a:solidFill>
+                <a:latin typeface="Calibri"/>
+                <a:ea typeface="Calibri"/>
+                <a:cs typeface="Calibri"/>
+                <a:sym typeface="Calibri"/>
+              </a:rPr>
+              <a:t>When debugging, the model can rewrite (damage) the good working code.</a:t>
+            </a:r>
+            <a:endParaRPr sz="1200">
+              <a:solidFill>
+                <a:schemeClr val="dk1"/>
+              </a:solidFill>
+              <a:latin typeface="Calibri"/>
+              <a:ea typeface="Calibri"/>
+              <a:cs typeface="Calibri"/>
+              <a:sym typeface="Calibri"/>
+            </a:endParaRPr>
+          </a:p>
+          <a:p>
+            <a:pPr marL="171450" lvl="0" indent="-133350" algn="l" rtl="0">
+              <a:spcBef>
+                <a:spcPts val="0"/>
+              </a:spcBef>
+              <a:spcAft>
+                <a:spcPts val="0"/>
+              </a:spcAft>
+              <a:buClr>
+                <a:schemeClr val="dk1"/>
+              </a:buClr>
+              <a:buSzPts val="1200"/>
+              <a:buFont typeface="Calibri"/>
+              <a:buChar char="●"/>
+            </a:pPr>
+            <a:r>
+              <a:rPr lang="en" sz="1200">
+                <a:solidFill>
+                  <a:schemeClr val="dk1"/>
+                </a:solidFill>
+                <a:latin typeface="Calibri"/>
+                <a:ea typeface="Calibri"/>
+                <a:cs typeface="Calibri"/>
+                <a:sym typeface="Calibri"/>
+              </a:rPr>
+              <a:t>When code base grows (~3,000 lines of code or more), the models tend to "fall apart" without targeted guidance by a human who understands the code.</a:t>
+            </a:r>
+            <a:endParaRPr sz="1200">
+              <a:solidFill>
+                <a:schemeClr val="dk1"/>
+              </a:solidFill>
+              <a:latin typeface="Calibri"/>
+              <a:ea typeface="Calibri"/>
+              <a:cs typeface="Calibri"/>
+              <a:sym typeface="Calibri"/>
+            </a:endParaRPr>
+          </a:p>
+        </p:txBody>
+      </p:sp>
+    </p:spTree>
+  </p:cSld>
+  <p:clrMapOvr>
+    <a:masterClrMapping/>
+  </p:clrMapOvr>
+</p:sld>
+</file>
+
+<file path=ppt/slides/slide22.xml><?xml version="1.0" encoding="utf-8"?>
+<p:sld xmlns:a="http://schemas.openxmlformats.org/drawingml/2006/main" xmlns:r="http://schemas.openxmlformats.org/officeDocument/2006/relationships" xmlns:p="http://schemas.openxmlformats.org/presentationml/2006/main">
+  <p:cSld>
+    <p:spTree>
+      <p:nvGrpSpPr>
+        <p:cNvPr id="1" name="Shape 269"/>
+        <p:cNvGrpSpPr/>
+        <p:nvPr/>
+      </p:nvGrpSpPr>
+      <p:grpSpPr>
+        <a:xfrm>
+          <a:off x="0" y="0"/>
+          <a:ext cx="0" cy="0"/>
+          <a:chOff x="0" y="0"/>
+          <a:chExt cx="0" cy="0"/>
+        </a:xfrm>
+      </p:grpSpPr>
+      <p:sp>
+        <p:nvSpPr>
+          <p:cNvPr id="270" name="Google Shape;270;p36"/>
           <p:cNvSpPr txBox="1"/>
           <p:nvPr/>
         </p:nvSpPr>
@@ -23564,7 +26602,7 @@
       </p:sp>
       <p:sp>
         <p:nvSpPr>
-          <p:cNvPr id="242" name="Google Shape;242;p34"/>
+          <p:cNvPr id="271" name="Google Shape;271;p36"/>
           <p:cNvSpPr txBox="1"/>
           <p:nvPr/>
         </p:nvSpPr>
@@ -23630,7 +26668,7 @@
       </p:sp>
       <p:sp>
         <p:nvSpPr>
-          <p:cNvPr id="243" name="Google Shape;243;p34"/>
+          <p:cNvPr id="272" name="Google Shape;272;p36"/>
           <p:cNvSpPr txBox="1"/>
           <p:nvPr/>
         </p:nvSpPr>
@@ -23756,7 +26794,7 @@
       </p:sp>
       <p:sp>
         <p:nvSpPr>
-          <p:cNvPr id="244" name="Google Shape;244;p34"/>
+          <p:cNvPr id="273" name="Google Shape;273;p36"/>
           <p:cNvSpPr txBox="1"/>
           <p:nvPr/>
         </p:nvSpPr>
@@ -23830,7 +26868,7 @@
       </p:sp>
       <p:sp>
         <p:nvSpPr>
-          <p:cNvPr id="245" name="Google Shape;245;p34"/>
+          <p:cNvPr id="274" name="Google Shape;274;p36"/>
           <p:cNvSpPr txBox="1"/>
           <p:nvPr/>
         </p:nvSpPr>
@@ -23886,7 +26924,7 @@
                 <a:cs typeface="Calibri"/>
                 <a:sym typeface="Calibri"/>
               </a:rPr>
-              <a:t>Total #models: 219</a:t>
+              <a:t>Total #models: 220</a:t>
             </a:r>
             <a:endParaRPr sz="1100">
               <a:solidFill>
@@ -23929,7 +26967,7 @@
                 <a:cs typeface="Calibri"/>
                 <a:sym typeface="Calibri"/>
               </a:rPr>
-              <a:t>Total #votes: 2,811,226</a:t>
+              <a:t>Total #votes: 2,816,680</a:t>
             </a:r>
             <a:endParaRPr sz="1100">
               <a:solidFill>
@@ -23972,7 +27010,7 @@
                 <a:cs typeface="Calibri"/>
                 <a:sym typeface="Calibri"/>
               </a:rPr>
-              <a:t>Last updated: 2025-03-24</a:t>
+              <a:t>Last updated: 2025-03-25</a:t>
             </a:r>
             <a:endParaRPr sz="1100">
               <a:solidFill>
@@ -23991,13 +27029,13 @@
       </p:sp>
       <p:sp>
         <p:nvSpPr>
-          <p:cNvPr id="246" name="Google Shape;246;p34"/>
+          <p:cNvPr id="275" name="Google Shape;275;p36"/>
           <p:cNvSpPr txBox="1"/>
           <p:nvPr/>
         </p:nvSpPr>
         <p:spPr>
           <a:xfrm>
-            <a:off x="4024064" y="615259"/>
+            <a:off x="4405064" y="615259"/>
             <a:ext cx="552300" cy="203100"/>
           </a:xfrm>
           <a:prstGeom prst="rect">
@@ -24065,7 +27103,7 @@
       </p:sp>
       <p:sp>
         <p:nvSpPr>
-          <p:cNvPr id="247" name="Google Shape;247;p34"/>
+          <p:cNvPr id="276" name="Google Shape;276;p36"/>
           <p:cNvSpPr txBox="1"/>
           <p:nvPr/>
         </p:nvSpPr>
@@ -24140,7 +27178,7 @@
       </p:sp>
       <p:sp>
         <p:nvSpPr>
-          <p:cNvPr id="248" name="Google Shape;248;p34"/>
+          <p:cNvPr id="277" name="Google Shape;277;p36"/>
           <p:cNvSpPr/>
           <p:nvPr/>
         </p:nvSpPr>
@@ -24186,7 +27224,7 @@
       </p:sp>
       <p:sp>
         <p:nvSpPr>
-          <p:cNvPr id="249" name="Google Shape;249;p34"/>
+          <p:cNvPr id="278" name="Google Shape;278;p36"/>
           <p:cNvSpPr/>
           <p:nvPr/>
         </p:nvSpPr>
@@ -24232,13 +27270,13 @@
       </p:sp>
       <p:sp>
         <p:nvSpPr>
-          <p:cNvPr id="250" name="Google Shape;250;p34"/>
+          <p:cNvPr id="279" name="Google Shape;279;p36"/>
           <p:cNvSpPr txBox="1"/>
           <p:nvPr/>
         </p:nvSpPr>
         <p:spPr>
           <a:xfrm>
-            <a:off x="4374752" y="4469437"/>
+            <a:off x="4374752" y="4496401"/>
             <a:ext cx="288900" cy="141600"/>
           </a:xfrm>
           <a:prstGeom prst="rect">
@@ -24307,13 +27345,13 @@
       </p:sp>
       <p:sp>
         <p:nvSpPr>
-          <p:cNvPr id="251" name="Google Shape;251;p34"/>
+          <p:cNvPr id="280" name="Google Shape;280;p36"/>
           <p:cNvSpPr/>
           <p:nvPr/>
         </p:nvSpPr>
         <p:spPr>
           <a:xfrm>
-            <a:off x="4667561" y="2519072"/>
+            <a:off x="4667561" y="2552777"/>
             <a:ext cx="125400" cy="125400"/>
           </a:xfrm>
           <a:prstGeom prst="ellipse">
@@ -24353,13 +27391,13 @@
       </p:sp>
       <p:sp>
         <p:nvSpPr>
-          <p:cNvPr id="252" name="Google Shape;252;p34"/>
+          <p:cNvPr id="281" name="Google Shape;281;p36"/>
           <p:cNvSpPr/>
           <p:nvPr/>
         </p:nvSpPr>
         <p:spPr>
           <a:xfrm>
-            <a:off x="4667561" y="3293274"/>
+            <a:off x="4667561" y="3333721"/>
             <a:ext cx="125400" cy="125400"/>
           </a:xfrm>
           <a:prstGeom prst="ellipse">
@@ -24399,13 +27437,13 @@
       </p:sp>
       <p:sp>
         <p:nvSpPr>
-          <p:cNvPr id="253" name="Google Shape;253;p34"/>
+          <p:cNvPr id="282" name="Google Shape;282;p36"/>
           <p:cNvSpPr/>
           <p:nvPr/>
         </p:nvSpPr>
         <p:spPr>
           <a:xfrm>
-            <a:off x="4667561" y="1735866"/>
+            <a:off x="4667561" y="1776313"/>
             <a:ext cx="125400" cy="125400"/>
           </a:xfrm>
           <a:prstGeom prst="ellipse">
@@ -24445,13 +27483,13 @@
       </p:sp>
       <p:sp>
         <p:nvSpPr>
-          <p:cNvPr id="254" name="Google Shape;254;p34"/>
+          <p:cNvPr id="283" name="Google Shape;283;p36"/>
           <p:cNvSpPr txBox="1"/>
           <p:nvPr/>
         </p:nvSpPr>
         <p:spPr>
           <a:xfrm>
-            <a:off x="356993" y="4081382"/>
+            <a:off x="356993" y="4094864"/>
             <a:ext cx="287100" cy="141600"/>
           </a:xfrm>
           <a:prstGeom prst="rect">
@@ -24520,7 +27558,7 @@
       </p:sp>
       <p:sp>
         <p:nvSpPr>
-          <p:cNvPr id="255" name="Google Shape;255;p34"/>
+          <p:cNvPr id="284" name="Google Shape;284;p36"/>
           <p:cNvSpPr/>
           <p:nvPr/>
         </p:nvSpPr>
@@ -24566,7 +27604,7 @@
       </p:sp>
       <p:sp>
         <p:nvSpPr>
-          <p:cNvPr id="256" name="Google Shape;256;p34"/>
+          <p:cNvPr id="285" name="Google Shape;285;p36"/>
           <p:cNvSpPr/>
           <p:nvPr/>
         </p:nvSpPr>
@@ -24612,13 +27650,13 @@
       </p:sp>
       <p:sp>
         <p:nvSpPr>
-          <p:cNvPr id="257" name="Google Shape;257;p34"/>
+          <p:cNvPr id="286" name="Google Shape;286;p36"/>
           <p:cNvSpPr/>
           <p:nvPr/>
         </p:nvSpPr>
         <p:spPr>
           <a:xfrm>
-            <a:off x="4667561" y="3107594"/>
+            <a:off x="4667561" y="3141300"/>
             <a:ext cx="125400" cy="125400"/>
           </a:xfrm>
           <a:prstGeom prst="ellipse">
@@ -24658,13 +27696,13 @@
       </p:sp>
       <p:sp>
         <p:nvSpPr>
-          <p:cNvPr id="258" name="Google Shape;258;p34"/>
+          <p:cNvPr id="287" name="Google Shape;287;p36"/>
           <p:cNvSpPr/>
           <p:nvPr/>
         </p:nvSpPr>
         <p:spPr>
           <a:xfrm>
-            <a:off x="4667561" y="1541772"/>
+            <a:off x="4667561" y="1575478"/>
             <a:ext cx="125400" cy="125400"/>
           </a:xfrm>
           <a:prstGeom prst="ellipse">
@@ -24704,13 +27742,13 @@
       </p:sp>
       <p:sp>
         <p:nvSpPr>
-          <p:cNvPr id="259" name="Google Shape;259;p34"/>
+          <p:cNvPr id="288" name="Google Shape;288;p36"/>
           <p:cNvSpPr/>
           <p:nvPr/>
         </p:nvSpPr>
         <p:spPr>
           <a:xfrm>
-            <a:off x="4667561" y="2321930"/>
+            <a:off x="4667561" y="2362377"/>
             <a:ext cx="125400" cy="125400"/>
           </a:xfrm>
           <a:prstGeom prst="ellipse">
@@ -24750,13 +27788,13 @@
       </p:sp>
       <p:sp>
         <p:nvSpPr>
-          <p:cNvPr id="260" name="Google Shape;260;p34"/>
+          <p:cNvPr id="289" name="Google Shape;289;p36"/>
           <p:cNvSpPr/>
           <p:nvPr/>
         </p:nvSpPr>
         <p:spPr>
           <a:xfrm>
-            <a:off x="651849" y="3903321"/>
+            <a:off x="658590" y="3916803"/>
             <a:ext cx="125400" cy="125400"/>
           </a:xfrm>
           <a:prstGeom prst="ellipse">
@@ -24796,7 +27834,7 @@
       </p:sp>
       <p:sp>
         <p:nvSpPr>
-          <p:cNvPr id="261" name="Google Shape;261;p34"/>
+          <p:cNvPr id="290" name="Google Shape;290;p36"/>
           <p:cNvSpPr/>
           <p:nvPr/>
         </p:nvSpPr>
@@ -24842,7 +27880,7 @@
       </p:sp>
       <p:sp>
         <p:nvSpPr>
-          <p:cNvPr id="262" name="Google Shape;262;p34"/>
+          <p:cNvPr id="291" name="Google Shape;291;p36"/>
           <p:cNvSpPr/>
           <p:nvPr/>
         </p:nvSpPr>
@@ -24888,7 +27926,7 @@
       </p:sp>
       <p:sp>
         <p:nvSpPr>
-          <p:cNvPr id="263" name="Google Shape;263;p34"/>
+          <p:cNvPr id="292" name="Google Shape;292;p36"/>
           <p:cNvSpPr txBox="1"/>
           <p:nvPr/>
         </p:nvSpPr>
@@ -24963,13 +28001,13 @@
       </p:sp>
       <p:sp>
         <p:nvSpPr>
-          <p:cNvPr id="264" name="Google Shape;264;p34"/>
+          <p:cNvPr id="293" name="Google Shape;293;p36"/>
           <p:cNvSpPr txBox="1"/>
           <p:nvPr/>
         </p:nvSpPr>
         <p:spPr>
           <a:xfrm>
-            <a:off x="4504061" y="3677254"/>
+            <a:off x="4504061" y="3710960"/>
             <a:ext cx="288900" cy="141600"/>
           </a:xfrm>
           <a:prstGeom prst="rect">
@@ -25038,13 +28076,13 @@
       </p:sp>
       <p:sp>
         <p:nvSpPr>
-          <p:cNvPr id="265" name="Google Shape;265;p34"/>
+          <p:cNvPr id="294" name="Google Shape;294;p36"/>
           <p:cNvSpPr/>
           <p:nvPr/>
         </p:nvSpPr>
         <p:spPr>
           <a:xfrm>
-            <a:off x="657622" y="4093075"/>
+            <a:off x="657622" y="4106557"/>
             <a:ext cx="125400" cy="125400"/>
           </a:xfrm>
           <a:prstGeom prst="ellipse">
@@ -25084,13 +28122,13 @@
       </p:sp>
       <p:sp>
         <p:nvSpPr>
-          <p:cNvPr id="266" name="Google Shape;266;p34"/>
+          <p:cNvPr id="295" name="Google Shape;295;p36"/>
           <p:cNvSpPr txBox="1"/>
           <p:nvPr/>
         </p:nvSpPr>
         <p:spPr>
           <a:xfrm>
-            <a:off x="4367104" y="1924178"/>
+            <a:off x="4367104" y="1964625"/>
             <a:ext cx="288900" cy="141600"/>
           </a:xfrm>
           <a:prstGeom prst="rect">
@@ -25159,13 +28197,13 @@
       </p:sp>
       <p:sp>
         <p:nvSpPr>
-          <p:cNvPr id="267" name="Google Shape;267;p34"/>
+          <p:cNvPr id="296" name="Google Shape;296;p36"/>
           <p:cNvSpPr/>
           <p:nvPr/>
         </p:nvSpPr>
         <p:spPr>
           <a:xfrm>
-            <a:off x="4667561" y="1935466"/>
+            <a:off x="4667561" y="1975913"/>
             <a:ext cx="125400" cy="125400"/>
           </a:xfrm>
           <a:prstGeom prst="ellipse">
@@ -25205,13 +28243,13 @@
       </p:sp>
       <p:sp>
         <p:nvSpPr>
-          <p:cNvPr id="268" name="Google Shape;268;p34"/>
+          <p:cNvPr id="297" name="Google Shape;297;p36"/>
           <p:cNvSpPr/>
           <p:nvPr/>
         </p:nvSpPr>
         <p:spPr>
           <a:xfrm>
-            <a:off x="4667561" y="2122358"/>
+            <a:off x="4667561" y="2158111"/>
             <a:ext cx="125400" cy="125400"/>
           </a:xfrm>
           <a:prstGeom prst="ellipse">
@@ -25251,13 +28289,13 @@
       </p:sp>
       <p:sp>
         <p:nvSpPr>
-          <p:cNvPr id="269" name="Google Shape;269;p34"/>
+          <p:cNvPr id="298" name="Google Shape;298;p36"/>
           <p:cNvSpPr txBox="1"/>
           <p:nvPr/>
         </p:nvSpPr>
         <p:spPr>
           <a:xfrm>
-            <a:off x="4504061" y="3876193"/>
+            <a:off x="4504061" y="4304381"/>
             <a:ext cx="288900" cy="141600"/>
           </a:xfrm>
           <a:prstGeom prst="rect">
@@ -25326,13 +28364,13 @@
       </p:sp>
       <p:sp>
         <p:nvSpPr>
-          <p:cNvPr id="270" name="Google Shape;270;p34"/>
+          <p:cNvPr id="299" name="Google Shape;299;p36"/>
           <p:cNvSpPr/>
           <p:nvPr/>
         </p:nvSpPr>
         <p:spPr>
           <a:xfrm>
-            <a:off x="4667561" y="2705810"/>
+            <a:off x="4667561" y="2752998"/>
             <a:ext cx="125400" cy="125400"/>
           </a:xfrm>
           <a:prstGeom prst="ellipse">
@@ -25372,13 +28410,13 @@
       </p:sp>
       <p:sp>
         <p:nvSpPr>
-          <p:cNvPr id="271" name="Google Shape;271;p34"/>
+          <p:cNvPr id="300" name="Google Shape;300;p36"/>
           <p:cNvSpPr txBox="1"/>
           <p:nvPr/>
         </p:nvSpPr>
         <p:spPr>
           <a:xfrm>
-            <a:off x="495922" y="3304789"/>
+            <a:off x="495922" y="3325013"/>
             <a:ext cx="287100" cy="141600"/>
           </a:xfrm>
           <a:prstGeom prst="rect">
@@ -25447,7 +28485,7 @@
       </p:sp>
       <p:sp>
         <p:nvSpPr>
-          <p:cNvPr id="272" name="Google Shape;272;p34"/>
+          <p:cNvPr id="301" name="Google Shape;301;p36"/>
           <p:cNvSpPr txBox="1"/>
           <p:nvPr/>
         </p:nvSpPr>
@@ -25518,88 +28556,13 @@
       </p:sp>
       <p:sp>
         <p:nvSpPr>
-          <p:cNvPr id="273" name="Google Shape;273;p34"/>
-          <p:cNvSpPr txBox="1"/>
-          <p:nvPr/>
-        </p:nvSpPr>
-        <p:spPr>
-          <a:xfrm>
-            <a:off x="494122" y="4669911"/>
-            <a:ext cx="288900" cy="141600"/>
-          </a:xfrm>
-          <a:prstGeom prst="rect">
-            <a:avLst/>
-          </a:prstGeom>
-          <a:noFill/>
-          <a:ln w="9525" cap="flat" cmpd="sng">
-            <a:solidFill>
-              <a:srgbClr val="FF0000"/>
-            </a:solidFill>
-            <a:prstDash val="solid"/>
-            <a:round/>
-            <a:headEnd type="none" w="sm" len="sm"/>
-            <a:tailEnd type="none" w="sm" len="sm"/>
-          </a:ln>
-        </p:spPr>
-        <p:txBody>
-          <a:bodyPr spcFirstLastPara="1" wrap="square" lIns="9125" tIns="9125" rIns="9125" bIns="9125" anchor="t" anchorCtr="0">
-            <a:spAutoFit/>
-          </a:bodyPr>
-          <a:lstStyle/>
-          <a:p>
-            <a:pPr marL="0" lvl="0" indent="0" algn="l" rtl="0">
-              <a:spcBef>
-                <a:spcPts val="0"/>
-              </a:spcBef>
-              <a:spcAft>
-                <a:spcPts val="0"/>
-              </a:spcAft>
-              <a:buClr>
-                <a:srgbClr val="000000"/>
-              </a:buClr>
-              <a:buSzPts val="1100"/>
-              <a:buFont typeface="Arial"/>
-              <a:buNone/>
-            </a:pPr>
-            <a:r>
-              <a:rPr lang="en" sz="800">
-                <a:solidFill>
-                  <a:srgbClr val="1F2937"/>
-                </a:solidFill>
-                <a:highlight>
-                  <a:srgbClr val="FFFFFF"/>
-                </a:highlight>
-                <a:latin typeface="Calibri"/>
-                <a:ea typeface="Calibri"/>
-                <a:cs typeface="Calibri"/>
-                <a:sym typeface="Calibri"/>
-              </a:rPr>
-              <a:t>China</a:t>
-            </a:r>
-            <a:endParaRPr sz="800">
-              <a:solidFill>
-                <a:srgbClr val="1F2937"/>
-              </a:solidFill>
-              <a:highlight>
-                <a:srgbClr val="FFFFFF"/>
-              </a:highlight>
-              <a:latin typeface="Calibri"/>
-              <a:ea typeface="Calibri"/>
-              <a:cs typeface="Calibri"/>
-              <a:sym typeface="Calibri"/>
-            </a:endParaRPr>
-          </a:p>
-        </p:txBody>
-      </p:sp>
-      <p:sp>
-        <p:nvSpPr>
-          <p:cNvPr id="274" name="Google Shape;274;p34"/>
+          <p:cNvPr id="302" name="Google Shape;302;p36"/>
           <p:cNvSpPr txBox="1"/>
           <p:nvPr/>
         </p:nvSpPr>
         <p:spPr>
           <a:xfrm flipH="1">
-            <a:off x="4598561" y="1328356"/>
+            <a:off x="4598561" y="1382285"/>
             <a:ext cx="194400" cy="141600"/>
           </a:xfrm>
           <a:prstGeom prst="rect">
@@ -25664,13 +28627,13 @@
       </p:sp>
       <p:sp>
         <p:nvSpPr>
-          <p:cNvPr id="275" name="Google Shape;275;p34"/>
+          <p:cNvPr id="303" name="Google Shape;303;p36"/>
           <p:cNvSpPr/>
           <p:nvPr/>
         </p:nvSpPr>
         <p:spPr>
           <a:xfrm>
-            <a:off x="657622" y="3117963"/>
+            <a:off x="657622" y="2952081"/>
             <a:ext cx="125400" cy="125400"/>
           </a:xfrm>
           <a:prstGeom prst="ellipse">
@@ -25710,13 +28673,13 @@
       </p:sp>
       <p:sp>
         <p:nvSpPr>
-          <p:cNvPr id="276" name="Google Shape;276;p34"/>
+          <p:cNvPr id="304" name="Google Shape;304;p36"/>
           <p:cNvSpPr/>
           <p:nvPr/>
         </p:nvSpPr>
         <p:spPr>
           <a:xfrm>
-            <a:off x="4667561" y="2907655"/>
+            <a:off x="4667561" y="2954843"/>
             <a:ext cx="125400" cy="125400"/>
           </a:xfrm>
           <a:prstGeom prst="ellipse">
@@ -25756,13 +28719,13 @@
       </p:sp>
       <p:sp>
         <p:nvSpPr>
-          <p:cNvPr id="277" name="Google Shape;277;p34"/>
+          <p:cNvPr id="305" name="Google Shape;305;p36"/>
           <p:cNvSpPr/>
           <p:nvPr/>
         </p:nvSpPr>
         <p:spPr>
           <a:xfrm>
-            <a:off x="4667561" y="4068662"/>
+            <a:off x="4667561" y="3916262"/>
             <a:ext cx="125400" cy="125400"/>
           </a:xfrm>
           <a:prstGeom prst="ellipse">
@@ -25802,7 +28765,7 @@
       </p:sp>
       <p:sp>
         <p:nvSpPr>
-          <p:cNvPr id="278" name="Google Shape;278;p34"/>
+          <p:cNvPr id="306" name="Google Shape;306;p36"/>
           <p:cNvSpPr/>
           <p:nvPr/>
         </p:nvSpPr>
@@ -25848,13 +28811,13 @@
       </p:sp>
       <p:sp>
         <p:nvSpPr>
-          <p:cNvPr id="279" name="Google Shape;279;p34"/>
+          <p:cNvPr id="307" name="Google Shape;307;p36"/>
           <p:cNvSpPr/>
           <p:nvPr/>
         </p:nvSpPr>
         <p:spPr>
           <a:xfrm>
-            <a:off x="517870" y="2923947"/>
+            <a:off x="517870" y="3137017"/>
             <a:ext cx="125400" cy="125400"/>
           </a:xfrm>
           <a:prstGeom prst="ellipse">
@@ -25894,13 +28857,13 @@
       </p:sp>
       <p:sp>
         <p:nvSpPr>
-          <p:cNvPr id="280" name="Google Shape;280;p34"/>
+          <p:cNvPr id="308" name="Google Shape;308;p36"/>
           <p:cNvSpPr/>
           <p:nvPr/>
         </p:nvSpPr>
         <p:spPr>
           <a:xfrm>
-            <a:off x="4667561" y="3490574"/>
+            <a:off x="4667561" y="3524279"/>
             <a:ext cx="125400" cy="125400"/>
           </a:xfrm>
           <a:prstGeom prst="ellipse">
@@ -25940,59 +28903,13 @@
       </p:sp>
       <p:sp>
         <p:nvSpPr>
-          <p:cNvPr id="281" name="Google Shape;281;p34"/>
+          <p:cNvPr id="309" name="Google Shape;309;p36"/>
           <p:cNvSpPr/>
           <p:nvPr/>
         </p:nvSpPr>
         <p:spPr>
           <a:xfrm>
-            <a:off x="4667561" y="4852476"/>
-            <a:ext cx="125400" cy="125400"/>
-          </a:xfrm>
-          <a:prstGeom prst="ellipse">
-            <a:avLst/>
-          </a:prstGeom>
-          <a:solidFill>
-            <a:srgbClr val="3C78D8"/>
-          </a:solidFill>
-          <a:ln w="9525" cap="flat" cmpd="sng">
-            <a:solidFill>
-              <a:srgbClr val="595959"/>
-            </a:solidFill>
-            <a:prstDash val="solid"/>
-            <a:round/>
-            <a:headEnd type="none" w="sm" len="sm"/>
-            <a:tailEnd type="none" w="sm" len="sm"/>
-          </a:ln>
-        </p:spPr>
-        <p:txBody>
-          <a:bodyPr spcFirstLastPara="1" wrap="square" lIns="91425" tIns="91425" rIns="91425" bIns="91425" anchor="ctr" anchorCtr="0">
-            <a:noAutofit/>
-          </a:bodyPr>
-          <a:lstStyle/>
-          <a:p>
-            <a:pPr marL="0" lvl="0" indent="0" algn="ctr" rtl="0">
-              <a:spcBef>
-                <a:spcPts val="0"/>
-              </a:spcBef>
-              <a:spcAft>
-                <a:spcPts val="0"/>
-              </a:spcAft>
-              <a:buNone/>
-            </a:pPr>
-            <a:endParaRPr/>
-          </a:p>
-        </p:txBody>
-      </p:sp>
-      <p:sp>
-        <p:nvSpPr>
-          <p:cNvPr id="282" name="Google Shape;282;p34"/>
-          <p:cNvSpPr/>
-          <p:nvPr/>
-        </p:nvSpPr>
-        <p:spPr>
-          <a:xfrm>
-            <a:off x="657622" y="2930051"/>
+            <a:off x="657622" y="3143121"/>
             <a:ext cx="125400" cy="125400"/>
           </a:xfrm>
           <a:prstGeom prst="ellipse">
@@ -26032,7 +28949,7 @@
       </p:sp>
       <p:sp>
         <p:nvSpPr>
-          <p:cNvPr id="283" name="Google Shape;283;p34"/>
+          <p:cNvPr id="310" name="Google Shape;310;p36"/>
           <p:cNvSpPr/>
           <p:nvPr/>
         </p:nvSpPr>
@@ -26078,7 +28995,7 @@
       </p:sp>
       <p:sp>
         <p:nvSpPr>
-          <p:cNvPr id="284" name="Google Shape;284;p34"/>
+          <p:cNvPr id="311" name="Google Shape;311;p36"/>
           <p:cNvSpPr txBox="1"/>
           <p:nvPr/>
         </p:nvSpPr>
@@ -26153,7 +29070,7 @@
       </p:sp>
       <p:sp>
         <p:nvSpPr>
-          <p:cNvPr id="285" name="Google Shape;285;p34"/>
+          <p:cNvPr id="312" name="Google Shape;312;p36"/>
           <p:cNvSpPr txBox="1"/>
           <p:nvPr/>
         </p:nvSpPr>
@@ -26224,13 +29141,13 @@
       </p:sp>
       <p:sp>
         <p:nvSpPr>
-          <p:cNvPr id="286" name="Google Shape;286;p34"/>
+          <p:cNvPr id="313" name="Google Shape;313;p36"/>
           <p:cNvSpPr txBox="1"/>
           <p:nvPr/>
         </p:nvSpPr>
         <p:spPr>
           <a:xfrm>
-            <a:off x="4454720" y="4657595"/>
+            <a:off x="4454720" y="4698042"/>
             <a:ext cx="341400" cy="141600"/>
           </a:xfrm>
           <a:prstGeom prst="rect">
@@ -26295,7 +29212,7 @@
       </p:sp>
       <p:sp>
         <p:nvSpPr>
-          <p:cNvPr id="287" name="Google Shape;287;p34"/>
+          <p:cNvPr id="314" name="Google Shape;314;p36"/>
           <p:cNvSpPr/>
           <p:nvPr/>
         </p:nvSpPr>
@@ -26341,13 +29258,13 @@
       </p:sp>
       <p:sp>
         <p:nvSpPr>
-          <p:cNvPr id="288" name="Google Shape;288;p34"/>
+          <p:cNvPr id="315" name="Google Shape;315;p36"/>
           <p:cNvSpPr/>
           <p:nvPr/>
         </p:nvSpPr>
         <p:spPr>
           <a:xfrm>
-            <a:off x="4667561" y="4268784"/>
+            <a:off x="4667561" y="4116384"/>
             <a:ext cx="125400" cy="125400"/>
           </a:xfrm>
           <a:prstGeom prst="ellipse">
@@ -26385,87 +29302,9 @@
           </a:p>
         </p:txBody>
       </p:sp>
-      <p:pic>
-        <p:nvPicPr>
-          <p:cNvPr id="289" name="Google Shape;289;p34"/>
-          <p:cNvPicPr preferRelativeResize="0"/>
-          <p:nvPr/>
-        </p:nvPicPr>
-        <p:blipFill>
-          <a:blip r:embed="rId6" cstate="email">
-            <a:alphaModFix/>
-            <a:extLst>
-              <a:ext uri="{28A0092B-C50C-407E-A947-70E740481C1C}">
-                <a14:useLocalDpi xmlns:a14="http://schemas.microsoft.com/office/drawing/2010/main"/>
-              </a:ext>
-            </a:extLst>
-          </a:blip>
-          <a:stretch>
-            <a:fillRect/>
-          </a:stretch>
-        </p:blipFill>
-        <p:spPr>
-          <a:xfrm>
-            <a:off x="801310" y="864825"/>
-            <a:ext cx="3126627" cy="4205876"/>
-          </a:xfrm>
-          <a:prstGeom prst="rect">
-            <a:avLst/>
-          </a:prstGeom>
-          <a:noFill/>
-          <a:ln w="9525" cap="flat" cmpd="sng">
-            <a:solidFill>
-              <a:srgbClr val="FF0000"/>
-            </a:solidFill>
-            <a:prstDash val="solid"/>
-            <a:round/>
-            <a:headEnd type="none" w="sm" len="sm"/>
-            <a:tailEnd type="none" w="sm" len="sm"/>
-          </a:ln>
-        </p:spPr>
-      </p:pic>
-      <p:pic>
-        <p:nvPicPr>
-          <p:cNvPr id="290" name="Google Shape;290;p34"/>
-          <p:cNvPicPr preferRelativeResize="0"/>
-          <p:nvPr/>
-        </p:nvPicPr>
-        <p:blipFill>
-          <a:blip r:embed="rId7" cstate="email">
-            <a:alphaModFix/>
-            <a:extLst>
-              <a:ext uri="{28A0092B-C50C-407E-A947-70E740481C1C}">
-                <a14:useLocalDpi xmlns:a14="http://schemas.microsoft.com/office/drawing/2010/main"/>
-              </a:ext>
-            </a:extLst>
-          </a:blip>
-          <a:stretch>
-            <a:fillRect/>
-          </a:stretch>
-        </p:blipFill>
-        <p:spPr>
-          <a:xfrm>
-            <a:off x="4810636" y="834772"/>
-            <a:ext cx="3126624" cy="4205879"/>
-          </a:xfrm>
-          <a:prstGeom prst="rect">
-            <a:avLst/>
-          </a:prstGeom>
-          <a:noFill/>
-          <a:ln w="9525" cap="flat" cmpd="sng">
-            <a:solidFill>
-              <a:srgbClr val="FF0000"/>
-            </a:solidFill>
-            <a:prstDash val="solid"/>
-            <a:round/>
-            <a:headEnd type="none" w="sm" len="sm"/>
-            <a:tailEnd type="none" w="sm" len="sm"/>
-          </a:ln>
-        </p:spPr>
-      </p:pic>
       <p:sp>
         <p:nvSpPr>
-          <p:cNvPr id="291" name="Google Shape;291;p34"/>
+          <p:cNvPr id="316" name="Google Shape;316;p36"/>
           <p:cNvSpPr/>
           <p:nvPr/>
         </p:nvSpPr>
@@ -26511,13 +29350,13 @@
       </p:sp>
       <p:sp>
         <p:nvSpPr>
-          <p:cNvPr id="292" name="Google Shape;292;p34"/>
+          <p:cNvPr id="317" name="Google Shape;317;p36"/>
           <p:cNvSpPr/>
           <p:nvPr/>
         </p:nvSpPr>
         <p:spPr>
           <a:xfrm>
-            <a:off x="651861" y="4883426"/>
+            <a:off x="658602" y="4710803"/>
             <a:ext cx="125400" cy="125400"/>
           </a:xfrm>
           <a:prstGeom prst="ellipse">
@@ -26557,13 +29396,13 @@
       </p:sp>
       <p:sp>
         <p:nvSpPr>
-          <p:cNvPr id="293" name="Google Shape;293;p34"/>
+          <p:cNvPr id="318" name="Google Shape;318;p36"/>
           <p:cNvSpPr/>
           <p:nvPr/>
         </p:nvSpPr>
         <p:spPr>
           <a:xfrm>
-            <a:off x="4667561" y="1155130"/>
+            <a:off x="4667561" y="1188835"/>
             <a:ext cx="125400" cy="125400"/>
           </a:xfrm>
           <a:prstGeom prst="ellipse">
@@ -26603,13 +29442,13 @@
       </p:sp>
       <p:sp>
         <p:nvSpPr>
-          <p:cNvPr id="294" name="Google Shape;294;p34"/>
+          <p:cNvPr id="319" name="Google Shape;319;p36"/>
           <p:cNvSpPr/>
           <p:nvPr/>
         </p:nvSpPr>
         <p:spPr>
           <a:xfrm>
-            <a:off x="4667561" y="4478930"/>
+            <a:off x="4667561" y="4505895"/>
             <a:ext cx="125400" cy="125400"/>
           </a:xfrm>
           <a:prstGeom prst="ellipse">
@@ -26647,6 +29486,205 @@
           </a:p>
         </p:txBody>
       </p:sp>
+      <p:pic>
+        <p:nvPicPr>
+          <p:cNvPr id="320" name="Google Shape;320;p36"/>
+          <p:cNvPicPr preferRelativeResize="0"/>
+          <p:nvPr/>
+        </p:nvPicPr>
+        <p:blipFill>
+          <a:blip r:embed="rId6" cstate="email">
+            <a:alphaModFix/>
+            <a:extLst>
+              <a:ext uri="{28A0092B-C50C-407E-A947-70E740481C1C}">
+                <a14:useLocalDpi xmlns:a14="http://schemas.microsoft.com/office/drawing/2010/main"/>
+              </a:ext>
+            </a:extLst>
+          </a:blip>
+          <a:stretch>
+            <a:fillRect/>
+          </a:stretch>
+        </p:blipFill>
+        <p:spPr>
+          <a:xfrm>
+            <a:off x="813189" y="867412"/>
+            <a:ext cx="2882537" cy="4205874"/>
+          </a:xfrm>
+          <a:prstGeom prst="rect">
+            <a:avLst/>
+          </a:prstGeom>
+          <a:noFill/>
+          <a:ln w="9525" cap="flat" cmpd="sng">
+            <a:solidFill>
+              <a:srgbClr val="FF0000"/>
+            </a:solidFill>
+            <a:prstDash val="solid"/>
+            <a:round/>
+            <a:headEnd type="none" w="sm" len="sm"/>
+            <a:tailEnd type="none" w="sm" len="sm"/>
+          </a:ln>
+        </p:spPr>
+      </p:pic>
+      <p:pic>
+        <p:nvPicPr>
+          <p:cNvPr id="321" name="Google Shape;321;p36"/>
+          <p:cNvPicPr preferRelativeResize="0"/>
+          <p:nvPr/>
+        </p:nvPicPr>
+        <p:blipFill>
+          <a:blip r:embed="rId7" cstate="email">
+            <a:alphaModFix/>
+            <a:extLst>
+              <a:ext uri="{28A0092B-C50C-407E-A947-70E740481C1C}">
+                <a14:useLocalDpi xmlns:a14="http://schemas.microsoft.com/office/drawing/2010/main"/>
+              </a:ext>
+            </a:extLst>
+          </a:blip>
+          <a:stretch>
+            <a:fillRect/>
+          </a:stretch>
+        </p:blipFill>
+        <p:spPr>
+          <a:xfrm>
+            <a:off x="4819921" y="867425"/>
+            <a:ext cx="2882526" cy="4205851"/>
+          </a:xfrm>
+          <a:prstGeom prst="rect">
+            <a:avLst/>
+          </a:prstGeom>
+          <a:noFill/>
+          <a:ln w="9525" cap="flat" cmpd="sng">
+            <a:solidFill>
+              <a:srgbClr val="FF0000"/>
+            </a:solidFill>
+            <a:prstDash val="solid"/>
+            <a:round/>
+            <a:headEnd type="none" w="sm" len="sm"/>
+            <a:tailEnd type="none" w="sm" len="sm"/>
+          </a:ln>
+        </p:spPr>
+      </p:pic>
+      <p:sp>
+        <p:nvSpPr>
+          <p:cNvPr id="322" name="Google Shape;322;p36"/>
+          <p:cNvSpPr/>
+          <p:nvPr/>
+        </p:nvSpPr>
+        <p:spPr>
+          <a:xfrm>
+            <a:off x="658590" y="4907403"/>
+            <a:ext cx="125400" cy="125400"/>
+          </a:xfrm>
+          <a:prstGeom prst="ellipse">
+            <a:avLst/>
+          </a:prstGeom>
+          <a:solidFill>
+            <a:srgbClr val="FFFF00"/>
+          </a:solidFill>
+          <a:ln w="9525" cap="flat" cmpd="sng">
+            <a:solidFill>
+              <a:srgbClr val="595959"/>
+            </a:solidFill>
+            <a:prstDash val="solid"/>
+            <a:round/>
+            <a:headEnd type="none" w="sm" len="sm"/>
+            <a:tailEnd type="none" w="sm" len="sm"/>
+          </a:ln>
+        </p:spPr>
+        <p:txBody>
+          <a:bodyPr spcFirstLastPara="1" wrap="square" lIns="91425" tIns="91425" rIns="91425" bIns="91425" anchor="ctr" anchorCtr="0">
+            <a:noAutofit/>
+          </a:bodyPr>
+          <a:lstStyle/>
+          <a:p>
+            <a:pPr marL="0" lvl="0" indent="0" algn="ctr" rtl="0">
+              <a:spcBef>
+                <a:spcPts val="0"/>
+              </a:spcBef>
+              <a:spcAft>
+                <a:spcPts val="0"/>
+              </a:spcAft>
+              <a:buNone/>
+            </a:pPr>
+            <a:endParaRPr/>
+          </a:p>
+        </p:txBody>
+      </p:sp>
+      <p:sp>
+        <p:nvSpPr>
+          <p:cNvPr id="323" name="Google Shape;323;p36"/>
+          <p:cNvSpPr txBox="1"/>
+          <p:nvPr/>
+        </p:nvSpPr>
+        <p:spPr>
+          <a:xfrm>
+            <a:off x="4504061" y="4887017"/>
+            <a:ext cx="288900" cy="141600"/>
+          </a:xfrm>
+          <a:prstGeom prst="rect">
+            <a:avLst/>
+          </a:prstGeom>
+          <a:noFill/>
+          <a:ln w="9525" cap="flat" cmpd="sng">
+            <a:solidFill>
+              <a:srgbClr val="FF0000"/>
+            </a:solidFill>
+            <a:prstDash val="solid"/>
+            <a:round/>
+            <a:headEnd type="none" w="sm" len="sm"/>
+            <a:tailEnd type="none" w="sm" len="sm"/>
+          </a:ln>
+        </p:spPr>
+        <p:txBody>
+          <a:bodyPr spcFirstLastPara="1" wrap="square" lIns="9125" tIns="9125" rIns="9125" bIns="9125" anchor="t" anchorCtr="0">
+            <a:spAutoFit/>
+          </a:bodyPr>
+          <a:lstStyle/>
+          <a:p>
+            <a:pPr marL="0" lvl="0" indent="0" algn="l" rtl="0">
+              <a:spcBef>
+                <a:spcPts val="0"/>
+              </a:spcBef>
+              <a:spcAft>
+                <a:spcPts val="0"/>
+              </a:spcAft>
+              <a:buClr>
+                <a:srgbClr val="000000"/>
+              </a:buClr>
+              <a:buSzPts val="1100"/>
+              <a:buFont typeface="Arial"/>
+              <a:buNone/>
+            </a:pPr>
+            <a:r>
+              <a:rPr lang="en" sz="800">
+                <a:solidFill>
+                  <a:srgbClr val="1F2937"/>
+                </a:solidFill>
+                <a:highlight>
+                  <a:srgbClr val="FFFFFF"/>
+                </a:highlight>
+                <a:latin typeface="Calibri"/>
+                <a:ea typeface="Calibri"/>
+                <a:cs typeface="Calibri"/>
+                <a:sym typeface="Calibri"/>
+              </a:rPr>
+              <a:t>China</a:t>
+            </a:r>
+            <a:endParaRPr sz="800">
+              <a:solidFill>
+                <a:srgbClr val="1F2937"/>
+              </a:solidFill>
+              <a:highlight>
+                <a:srgbClr val="FFFFFF"/>
+              </a:highlight>
+              <a:latin typeface="Calibri"/>
+              <a:ea typeface="Calibri"/>
+              <a:cs typeface="Calibri"/>
+              <a:sym typeface="Calibri"/>
+            </a:endParaRPr>
+          </a:p>
+        </p:txBody>
+      </p:sp>
     </p:spTree>
   </p:cSld>
   <p:clrMapOvr>
@@ -26655,12 +29693,12 @@
 </p:sld>
 </file>
 
-<file path=ppt/slides/slide21.xml><?xml version="1.0" encoding="utf-8"?>
+<file path=ppt/slides/slide23.xml><?xml version="1.0" encoding="utf-8"?>
 <p:sld xmlns:a="http://schemas.openxmlformats.org/drawingml/2006/main" xmlns:r="http://schemas.openxmlformats.org/officeDocument/2006/relationships" xmlns:p="http://schemas.openxmlformats.org/presentationml/2006/main">
   <p:cSld>
     <p:spTree>
       <p:nvGrpSpPr>
-        <p:cNvPr id="1" name="Shape 298"/>
+        <p:cNvPr id="1" name="Shape 327"/>
         <p:cNvGrpSpPr/>
         <p:nvPr/>
       </p:nvGrpSpPr>
@@ -26674,7 +29712,7 @@
       </p:grpSpPr>
       <p:pic>
         <p:nvPicPr>
-          <p:cNvPr id="299" name="Google Shape;299;p35"/>
+          <p:cNvPr id="328" name="Google Shape;328;p37"/>
           <p:cNvPicPr preferRelativeResize="0"/>
           <p:nvPr/>
         </p:nvPicPr>
@@ -26706,7 +29744,7 @@
       </p:pic>
       <p:sp>
         <p:nvSpPr>
-          <p:cNvPr id="300" name="Google Shape;300;p35"/>
+          <p:cNvPr id="329" name="Google Shape;329;p37"/>
           <p:cNvSpPr txBox="1"/>
           <p:nvPr/>
         </p:nvSpPr>
@@ -26772,7 +29810,7 @@
       </p:sp>
       <p:sp>
         <p:nvSpPr>
-          <p:cNvPr id="301" name="Google Shape;301;p35"/>
+          <p:cNvPr id="330" name="Google Shape;330;p37"/>
           <p:cNvSpPr txBox="1"/>
           <p:nvPr/>
         </p:nvSpPr>
@@ -27202,7 +30240,7 @@
       </p:sp>
       <p:pic>
         <p:nvPicPr>
-          <p:cNvPr id="302" name="Google Shape;302;p35"/>
+          <p:cNvPr id="331" name="Google Shape;331;p37"/>
           <p:cNvPicPr preferRelativeResize="0"/>
           <p:nvPr/>
         </p:nvPicPr>
@@ -27234,7 +30272,7 @@
       </p:pic>
       <p:sp>
         <p:nvSpPr>
-          <p:cNvPr id="303" name="Google Shape;303;p35"/>
+          <p:cNvPr id="332" name="Google Shape;332;p37"/>
           <p:cNvSpPr txBox="1"/>
           <p:nvPr/>
         </p:nvSpPr>
@@ -27313,7 +30351,7 @@
       </p:sp>
       <p:sp>
         <p:nvSpPr>
-          <p:cNvPr id="304" name="Google Shape;304;p35"/>
+          <p:cNvPr id="333" name="Google Shape;333;p37"/>
           <p:cNvSpPr txBox="1"/>
           <p:nvPr/>
         </p:nvSpPr>
@@ -27385,12 +30423,12 @@
 </p:sld>
 </file>
 
-<file path=ppt/slides/slide22.xml><?xml version="1.0" encoding="utf-8"?>
+<file path=ppt/slides/slide24.xml><?xml version="1.0" encoding="utf-8"?>
 <p:sld xmlns:a="http://schemas.openxmlformats.org/drawingml/2006/main" xmlns:r="http://schemas.openxmlformats.org/officeDocument/2006/relationships" xmlns:p="http://schemas.openxmlformats.org/presentationml/2006/main">
   <p:cSld>
     <p:spTree>
       <p:nvGrpSpPr>
-        <p:cNvPr id="1" name="Shape 308"/>
+        <p:cNvPr id="1" name="Shape 337"/>
         <p:cNvGrpSpPr/>
         <p:nvPr/>
       </p:nvGrpSpPr>
@@ -27404,7 +30442,7 @@
       </p:grpSpPr>
       <p:sp>
         <p:nvSpPr>
-          <p:cNvPr id="309" name="Google Shape;309;p36"/>
+          <p:cNvPr id="338" name="Google Shape;338;p38"/>
           <p:cNvSpPr txBox="1"/>
           <p:nvPr/>
         </p:nvSpPr>
@@ -30888,7 +33926,7 @@
         </p:nvSpPr>
         <p:spPr>
           <a:xfrm>
-            <a:off x="55075" y="545900"/>
+            <a:off x="55075" y="1155500"/>
             <a:ext cx="4456200" cy="387900"/>
           </a:xfrm>
           <a:prstGeom prst="rect">
@@ -30996,7 +34034,7 @@
         </p:nvSpPr>
         <p:spPr>
           <a:xfrm>
-            <a:off x="55075" y="1100550"/>
+            <a:off x="55075" y="1710150"/>
             <a:ext cx="4456200" cy="3343200"/>
           </a:xfrm>
           <a:prstGeom prst="rect">
@@ -31326,7 +34364,7 @@
         </p:nvSpPr>
         <p:spPr>
           <a:xfrm>
-            <a:off x="4637375" y="1714675"/>
+            <a:off x="4637375" y="2552875"/>
             <a:ext cx="4456200" cy="2481300"/>
           </a:xfrm>
           <a:prstGeom prst="rect">
@@ -31952,7 +34990,7 @@
         </p:nvSpPr>
         <p:spPr>
           <a:xfrm>
-            <a:off x="4637375" y="218100"/>
+            <a:off x="4637375" y="1132500"/>
             <a:ext cx="4456200" cy="1311300"/>
           </a:xfrm>
           <a:prstGeom prst="rect">
@@ -32194,7 +35232,7 @@
         </p:blipFill>
         <p:spPr>
           <a:xfrm>
-            <a:off x="8274275" y="52750"/>
+            <a:off x="8274275" y="967150"/>
             <a:ext cx="533400" cy="609600"/>
           </a:xfrm>
           <a:prstGeom prst="rect">
@@ -32206,6 +35244,176 @@
           </a:ln>
         </p:spPr>
       </p:pic>
+      <p:sp>
+        <p:nvSpPr>
+          <p:cNvPr id="132" name="Google Shape;132;p23"/>
+          <p:cNvSpPr txBox="1"/>
+          <p:nvPr/>
+        </p:nvSpPr>
+        <p:spPr>
+          <a:xfrm>
+            <a:off x="55075" y="484825"/>
+            <a:ext cx="4456200" cy="526500"/>
+          </a:xfrm>
+          <a:prstGeom prst="rect">
+            <a:avLst/>
+          </a:prstGeom>
+          <a:solidFill>
+            <a:srgbClr val="FFF2CC"/>
+          </a:solidFill>
+          <a:ln w="9525" cap="flat" cmpd="sng">
+            <a:solidFill>
+              <a:srgbClr val="FF0000"/>
+            </a:solidFill>
+            <a:prstDash val="solid"/>
+            <a:round/>
+            <a:headEnd type="none" w="sm" len="sm"/>
+            <a:tailEnd type="none" w="sm" len="sm"/>
+          </a:ln>
+        </p:spPr>
+        <p:txBody>
+          <a:bodyPr spcFirstLastPara="1" wrap="square" lIns="9125" tIns="9125" rIns="9125" bIns="9125" anchor="t" anchorCtr="0">
+            <a:spAutoFit/>
+          </a:bodyPr>
+          <a:lstStyle/>
+          <a:p>
+            <a:pPr marL="171450" lvl="0" indent="-133350" algn="l" rtl="0">
+              <a:spcBef>
+                <a:spcPts val="0"/>
+              </a:spcBef>
+              <a:spcAft>
+                <a:spcPts val="0"/>
+              </a:spcAft>
+              <a:buClr>
+                <a:schemeClr val="dk1"/>
+              </a:buClr>
+              <a:buSzPts val="1200"/>
+              <a:buFont typeface="Calibri"/>
+              <a:buChar char="●"/>
+            </a:pPr>
+            <a:r>
+              <a:rPr lang="en" sz="1200" b="1">
+                <a:solidFill>
+                  <a:srgbClr val="FF0000"/>
+                </a:solidFill>
+                <a:latin typeface="Calibri"/>
+                <a:ea typeface="Calibri"/>
+                <a:cs typeface="Calibri"/>
+                <a:sym typeface="Calibri"/>
+              </a:rPr>
+              <a:t>OpenAI raising $40 Bln at a $300 Bln valuation</a:t>
+            </a:r>
+            <a:r>
+              <a:rPr lang="en" sz="1200">
+                <a:solidFill>
+                  <a:srgbClr val="131313"/>
+                </a:solidFill>
+                <a:latin typeface="Calibri"/>
+                <a:ea typeface="Calibri"/>
+                <a:cs typeface="Calibri"/>
+                <a:sym typeface="Calibri"/>
+              </a:rPr>
+              <a:t> </a:t>
+            </a:r>
+            <a:endParaRPr sz="1200">
+              <a:solidFill>
+                <a:srgbClr val="131313"/>
+              </a:solidFill>
+              <a:latin typeface="Calibri"/>
+              <a:ea typeface="Calibri"/>
+              <a:cs typeface="Calibri"/>
+              <a:sym typeface="Calibri"/>
+            </a:endParaRPr>
+          </a:p>
+          <a:p>
+            <a:pPr marL="171450" lvl="0" indent="-133350" algn="l" rtl="0">
+              <a:spcBef>
+                <a:spcPts val="0"/>
+              </a:spcBef>
+              <a:spcAft>
+                <a:spcPts val="0"/>
+              </a:spcAft>
+              <a:buClr>
+                <a:schemeClr val="dk1"/>
+              </a:buClr>
+              <a:buSzPts val="1200"/>
+              <a:buFont typeface="Calibri"/>
+              <a:buChar char="●"/>
+            </a:pPr>
+            <a:r>
+              <a:rPr lang="en" sz="1200">
+                <a:solidFill>
+                  <a:srgbClr val="131313"/>
+                </a:solidFill>
+                <a:latin typeface="Calibri"/>
+                <a:ea typeface="Calibri"/>
+                <a:cs typeface="Calibri"/>
+                <a:sym typeface="Calibri"/>
+              </a:rPr>
+              <a:t>led by SoftBank, according to a Bloomberg report</a:t>
+            </a:r>
+            <a:endParaRPr sz="1200">
+              <a:solidFill>
+                <a:srgbClr val="131313"/>
+              </a:solidFill>
+              <a:latin typeface="Calibri"/>
+              <a:ea typeface="Calibri"/>
+              <a:cs typeface="Calibri"/>
+              <a:sym typeface="Calibri"/>
+            </a:endParaRPr>
+          </a:p>
+          <a:p>
+            <a:pPr marL="171450" lvl="0" indent="-114300" algn="l" rtl="0">
+              <a:spcBef>
+                <a:spcPts val="0"/>
+              </a:spcBef>
+              <a:spcAft>
+                <a:spcPts val="0"/>
+              </a:spcAft>
+              <a:buClr>
+                <a:schemeClr val="dk1"/>
+              </a:buClr>
+              <a:buSzPts val="900"/>
+              <a:buFont typeface="Calibri"/>
+              <a:buChar char="●"/>
+            </a:pPr>
+            <a:r>
+              <a:rPr lang="en" sz="900" u="sng">
+                <a:solidFill>
+                  <a:schemeClr val="hlink"/>
+                </a:solidFill>
+                <a:latin typeface="Calibri"/>
+                <a:ea typeface="Calibri"/>
+                <a:cs typeface="Calibri"/>
+                <a:sym typeface="Calibri"/>
+                <a:hlinkClick r:id="rId9"/>
+              </a:rPr>
+              <a:t>https://www.calcalistech.com/ctechnews/article/bjfztiftjl</a:t>
+            </a:r>
+            <a:r>
+              <a:rPr lang="en" sz="900">
+                <a:solidFill>
+                  <a:srgbClr val="131313"/>
+                </a:solidFill>
+                <a:latin typeface="Calibri"/>
+                <a:ea typeface="Calibri"/>
+                <a:cs typeface="Calibri"/>
+                <a:sym typeface="Calibri"/>
+              </a:rPr>
+              <a:t> </a:t>
+            </a:r>
+            <a:endParaRPr sz="900">
+              <a:solidFill>
+                <a:srgbClr val="131313"/>
+              </a:solidFill>
+              <a:latin typeface="Calibri"/>
+              <a:ea typeface="Calibri"/>
+              <a:cs typeface="Calibri"/>
+              <a:sym typeface="Calibri"/>
+            </a:endParaRPr>
+          </a:p>
+        </p:txBody>
+      </p:sp>
     </p:spTree>
   </p:cSld>
   <p:clrMapOvr>

--- a/2025/2025-03-28-AI-Updates.pptx
+++ b/2025/2025-03-28-AI-Updates.pptx
@@ -1104,7 +1104,7 @@
   <p:cSld>
     <p:spTree>
       <p:nvGrpSpPr>
-        <p:cNvPr id="1" name="Shape 141"/>
+        <p:cNvPr id="1" name="Shape 142"/>
         <p:cNvGrpSpPr/>
         <p:nvPr/>
       </p:nvGrpSpPr>
@@ -1118,7 +1118,7 @@
       </p:grpSpPr>
       <p:sp>
         <p:nvSpPr>
-          <p:cNvPr id="142" name="Google Shape;142;g342fb0f2d02_0_25:notes"/>
+          <p:cNvPr id="143" name="Google Shape;143;g342fb0f2d02_0_25:notes"/>
           <p:cNvSpPr>
             <a:spLocks noGrp="1" noRot="1" noChangeAspect="1"/>
           </p:cNvSpPr>
@@ -1169,7 +1169,7 @@
       </p:sp>
       <p:sp>
         <p:nvSpPr>
-          <p:cNvPr id="143" name="Google Shape;143;g342fb0f2d02_0_25:notes"/>
+          <p:cNvPr id="144" name="Google Shape;144;g342fb0f2d02_0_25:notes"/>
           <p:cNvSpPr txBox="1">
             <a:spLocks noGrp="1"/>
           </p:cNvSpPr>
@@ -1226,7 +1226,7 @@
   <p:cSld>
     <p:spTree>
       <p:nvGrpSpPr>
-        <p:cNvPr id="1" name="Shape 155"/>
+        <p:cNvPr id="1" name="Shape 156"/>
         <p:cNvGrpSpPr/>
         <p:nvPr/>
       </p:nvGrpSpPr>
@@ -1240,7 +1240,7 @@
       </p:grpSpPr>
       <p:sp>
         <p:nvSpPr>
-          <p:cNvPr id="156" name="Google Shape;156;g3436fa7100a_1_0:notes"/>
+          <p:cNvPr id="157" name="Google Shape;157;g3436fa7100a_1_0:notes"/>
           <p:cNvSpPr>
             <a:spLocks noGrp="1" noRot="1" noChangeAspect="1"/>
           </p:cNvSpPr>
@@ -1291,7 +1291,7 @@
       </p:sp>
       <p:sp>
         <p:nvSpPr>
-          <p:cNvPr id="157" name="Google Shape;157;g3436fa7100a_1_0:notes"/>
+          <p:cNvPr id="158" name="Google Shape;158;g3436fa7100a_1_0:notes"/>
           <p:cNvSpPr txBox="1">
             <a:spLocks noGrp="1"/>
           </p:cNvSpPr>
@@ -1348,7 +1348,7 @@
   <p:cSld>
     <p:spTree>
       <p:nvGrpSpPr>
-        <p:cNvPr id="1" name="Shape 166"/>
+        <p:cNvPr id="1" name="Shape 167"/>
         <p:cNvGrpSpPr/>
         <p:nvPr/>
       </p:nvGrpSpPr>
@@ -1362,7 +1362,7 @@
       </p:grpSpPr>
       <p:sp>
         <p:nvSpPr>
-          <p:cNvPr id="167" name="Google Shape;167;g34389130ce5_2_1:notes"/>
+          <p:cNvPr id="168" name="Google Shape;168;g34389130ce5_2_1:notes"/>
           <p:cNvSpPr>
             <a:spLocks noGrp="1" noRot="1" noChangeAspect="1"/>
           </p:cNvSpPr>
@@ -1413,7 +1413,7 @@
       </p:sp>
       <p:sp>
         <p:nvSpPr>
-          <p:cNvPr id="168" name="Google Shape;168;g34389130ce5_2_1:notes"/>
+          <p:cNvPr id="169" name="Google Shape;169;g34389130ce5_2_1:notes"/>
           <p:cNvSpPr txBox="1">
             <a:spLocks noGrp="1"/>
           </p:cNvSpPr>
@@ -1470,7 +1470,7 @@
   <p:cSld>
     <p:spTree>
       <p:nvGrpSpPr>
-        <p:cNvPr id="1" name="Shape 179"/>
+        <p:cNvPr id="1" name="Shape 180"/>
         <p:cNvGrpSpPr/>
         <p:nvPr/>
       </p:nvGrpSpPr>
@@ -1484,7 +1484,7 @@
       </p:grpSpPr>
       <p:sp>
         <p:nvSpPr>
-          <p:cNvPr id="180" name="Google Shape;180;g343dd973e34_0_2:notes"/>
+          <p:cNvPr id="181" name="Google Shape;181;g343dd973e34_0_2:notes"/>
           <p:cNvSpPr>
             <a:spLocks noGrp="1" noRot="1" noChangeAspect="1"/>
           </p:cNvSpPr>
@@ -1535,7 +1535,7 @@
       </p:sp>
       <p:sp>
         <p:nvSpPr>
-          <p:cNvPr id="181" name="Google Shape;181;g343dd973e34_0_2:notes"/>
+          <p:cNvPr id="182" name="Google Shape;182;g343dd973e34_0_2:notes"/>
           <p:cNvSpPr txBox="1">
             <a:spLocks noGrp="1"/>
           </p:cNvSpPr>
@@ -1592,7 +1592,7 @@
   <p:cSld>
     <p:spTree>
       <p:nvGrpSpPr>
-        <p:cNvPr id="1" name="Shape 187"/>
+        <p:cNvPr id="1" name="Shape 188"/>
         <p:cNvGrpSpPr/>
         <p:nvPr/>
       </p:nvGrpSpPr>
@@ -1606,7 +1606,7 @@
       </p:grpSpPr>
       <p:sp>
         <p:nvSpPr>
-          <p:cNvPr id="188" name="Google Shape;188;g3434e6f1a85_0_0:notes"/>
+          <p:cNvPr id="189" name="Google Shape;189;g3434e6f1a85_0_0:notes"/>
           <p:cNvSpPr>
             <a:spLocks noGrp="1" noRot="1" noChangeAspect="1"/>
           </p:cNvSpPr>
@@ -1657,7 +1657,7 @@
       </p:sp>
       <p:sp>
         <p:nvSpPr>
-          <p:cNvPr id="189" name="Google Shape;189;g3434e6f1a85_0_0:notes"/>
+          <p:cNvPr id="190" name="Google Shape;190;g3434e6f1a85_0_0:notes"/>
           <p:cNvSpPr txBox="1">
             <a:spLocks noGrp="1"/>
           </p:cNvSpPr>
@@ -1714,7 +1714,7 @@
   <p:cSld>
     <p:spTree>
       <p:nvGrpSpPr>
-        <p:cNvPr id="1" name="Shape 196"/>
+        <p:cNvPr id="1" name="Shape 197"/>
         <p:cNvGrpSpPr/>
         <p:nvPr/>
       </p:nvGrpSpPr>
@@ -1728,7 +1728,7 @@
       </p:grpSpPr>
       <p:sp>
         <p:nvSpPr>
-          <p:cNvPr id="197" name="Google Shape;197;g346923b93e7_2_0:notes"/>
+          <p:cNvPr id="198" name="Google Shape;198;g346923b93e7_2_0:notes"/>
           <p:cNvSpPr>
             <a:spLocks noGrp="1" noRot="1" noChangeAspect="1"/>
           </p:cNvSpPr>
@@ -1779,7 +1779,7 @@
       </p:sp>
       <p:sp>
         <p:nvSpPr>
-          <p:cNvPr id="198" name="Google Shape;198;g346923b93e7_2_0:notes"/>
+          <p:cNvPr id="199" name="Google Shape;199;g346923b93e7_2_0:notes"/>
           <p:cNvSpPr txBox="1">
             <a:spLocks noGrp="1"/>
           </p:cNvSpPr>
@@ -1836,7 +1836,7 @@
   <p:cSld>
     <p:spTree>
       <p:nvGrpSpPr>
-        <p:cNvPr id="1" name="Shape 203"/>
+        <p:cNvPr id="1" name="Shape 204"/>
         <p:cNvGrpSpPr/>
         <p:nvPr/>
       </p:nvGrpSpPr>
@@ -1850,7 +1850,7 @@
       </p:grpSpPr>
       <p:sp>
         <p:nvSpPr>
-          <p:cNvPr id="204" name="Google Shape;204;g34473ceb5ea_1_0:notes"/>
+          <p:cNvPr id="205" name="Google Shape;205;g34473ceb5ea_1_0:notes"/>
           <p:cNvSpPr>
             <a:spLocks noGrp="1" noRot="1" noChangeAspect="1"/>
           </p:cNvSpPr>
@@ -1901,7 +1901,7 @@
       </p:sp>
       <p:sp>
         <p:nvSpPr>
-          <p:cNvPr id="205" name="Google Shape;205;g34473ceb5ea_1_0:notes"/>
+          <p:cNvPr id="206" name="Google Shape;206;g34473ceb5ea_1_0:notes"/>
           <p:cNvSpPr txBox="1">
             <a:spLocks noGrp="1"/>
           </p:cNvSpPr>
@@ -13782,7 +13782,7 @@
                 <a:cs typeface="Calibri"/>
                 <a:sym typeface="Calibri"/>
               </a:rPr>
-              <a:t>Liner Deep Research Agent</a:t>
+              <a:t>Liner Deep Research Agent,   Open Deep Search</a:t>
             </a:r>
             <a:endParaRPr sz="1500" b="1">
               <a:solidFill>
@@ -14872,7 +14872,7 @@
         </p:nvSpPr>
         <p:spPr>
           <a:xfrm>
-            <a:off x="55075" y="545900"/>
+            <a:off x="55075" y="469700"/>
             <a:ext cx="4456200" cy="757200"/>
           </a:xfrm>
           <a:prstGeom prst="rect">
@@ -15054,7 +15054,7 @@
         </p:nvSpPr>
         <p:spPr>
           <a:xfrm>
-            <a:off x="55075" y="1521400"/>
+            <a:off x="55075" y="1292800"/>
             <a:ext cx="4456200" cy="2973900"/>
           </a:xfrm>
           <a:prstGeom prst="rect">
@@ -15510,7 +15510,7 @@
         </p:blipFill>
         <p:spPr>
           <a:xfrm>
-            <a:off x="4696080" y="1521400"/>
+            <a:off x="4696080" y="1310551"/>
             <a:ext cx="4327926" cy="2457707"/>
           </a:xfrm>
           <a:prstGeom prst="rect">
@@ -15528,6 +15528,159 @@
           </a:ln>
         </p:spPr>
       </p:pic>
+      <p:sp>
+        <p:nvSpPr>
+          <p:cNvPr id="141" name="Google Shape;141;p24"/>
+          <p:cNvSpPr txBox="1"/>
+          <p:nvPr/>
+        </p:nvSpPr>
+        <p:spPr>
+          <a:xfrm>
+            <a:off x="55075" y="4354050"/>
+            <a:ext cx="4456200" cy="526500"/>
+          </a:xfrm>
+          <a:prstGeom prst="rect">
+            <a:avLst/>
+          </a:prstGeom>
+          <a:solidFill>
+            <a:srgbClr val="FFF2CC"/>
+          </a:solidFill>
+          <a:ln w="9525" cap="flat" cmpd="sng">
+            <a:solidFill>
+              <a:srgbClr val="FF0000"/>
+            </a:solidFill>
+            <a:prstDash val="solid"/>
+            <a:round/>
+            <a:headEnd type="none" w="sm" len="sm"/>
+            <a:tailEnd type="none" w="sm" len="sm"/>
+          </a:ln>
+        </p:spPr>
+        <p:txBody>
+          <a:bodyPr spcFirstLastPara="1" wrap="square" lIns="9125" tIns="9125" rIns="9125" bIns="9125" anchor="t" anchorCtr="0">
+            <a:spAutoFit/>
+          </a:bodyPr>
+          <a:lstStyle/>
+          <a:p>
+            <a:pPr marL="0" lvl="0" indent="0" algn="l" rtl="0">
+              <a:spcBef>
+                <a:spcPts val="0"/>
+              </a:spcBef>
+              <a:spcAft>
+                <a:spcPts val="0"/>
+              </a:spcAft>
+              <a:buNone/>
+            </a:pPr>
+            <a:r>
+              <a:rPr lang="en" sz="1200" b="1">
+                <a:solidFill>
+                  <a:srgbClr val="FF0000"/>
+                </a:solidFill>
+                <a:latin typeface="Calibri"/>
+                <a:ea typeface="Calibri"/>
+                <a:cs typeface="Calibri"/>
+                <a:sym typeface="Calibri"/>
+              </a:rPr>
+              <a:t>Open Deep Search (ODS)</a:t>
+            </a:r>
+            <a:endParaRPr sz="1200" b="1">
+              <a:solidFill>
+                <a:srgbClr val="FF0000"/>
+              </a:solidFill>
+              <a:latin typeface="Calibri"/>
+              <a:ea typeface="Calibri"/>
+              <a:cs typeface="Calibri"/>
+              <a:sym typeface="Calibri"/>
+            </a:endParaRPr>
+          </a:p>
+          <a:p>
+            <a:pPr marL="171450" lvl="0" indent="-133350" algn="l" rtl="0">
+              <a:spcBef>
+                <a:spcPts val="0"/>
+              </a:spcBef>
+              <a:spcAft>
+                <a:spcPts val="0"/>
+              </a:spcAft>
+              <a:buClr>
+                <a:srgbClr val="131313"/>
+              </a:buClr>
+              <a:buSzPts val="1200"/>
+              <a:buFont typeface="Calibri"/>
+              <a:buChar char="●"/>
+            </a:pPr>
+            <a:r>
+              <a:rPr lang="en" sz="1200">
+                <a:solidFill>
+                  <a:srgbClr val="131313"/>
+                </a:solidFill>
+                <a:latin typeface="Calibri"/>
+                <a:ea typeface="Calibri"/>
+                <a:cs typeface="Calibri"/>
+                <a:sym typeface="Calibri"/>
+              </a:rPr>
+              <a:t>Use open-source LLMs, reasoning agents, web search tools</a:t>
+            </a:r>
+            <a:endParaRPr sz="1200">
+              <a:solidFill>
+                <a:srgbClr val="131313"/>
+              </a:solidFill>
+              <a:latin typeface="Calibri"/>
+              <a:ea typeface="Calibri"/>
+              <a:cs typeface="Calibri"/>
+              <a:sym typeface="Calibri"/>
+            </a:endParaRPr>
+          </a:p>
+          <a:p>
+            <a:pPr marL="171450" lvl="0" indent="-114300" algn="l" rtl="0">
+              <a:spcBef>
+                <a:spcPts val="0"/>
+              </a:spcBef>
+              <a:spcAft>
+                <a:spcPts val="0"/>
+              </a:spcAft>
+              <a:buClr>
+                <a:srgbClr val="131313"/>
+              </a:buClr>
+              <a:buSzPts val="900"/>
+              <a:buFont typeface="Calibri"/>
+              <a:buChar char="●"/>
+            </a:pPr>
+            <a:r>
+              <a:rPr lang="en" sz="900" u="sng">
+                <a:solidFill>
+                  <a:schemeClr val="hlink"/>
+                </a:solidFill>
+                <a:latin typeface="Calibri"/>
+                <a:ea typeface="Calibri"/>
+                <a:cs typeface="Calibri"/>
+                <a:sym typeface="Calibri"/>
+                <a:hlinkClick r:id="rId6"/>
+              </a:rPr>
+              <a:t>https://arxiv.org/abs/2503.20201</a:t>
+            </a:r>
+            <a:r>
+              <a:rPr lang="en" sz="900">
+                <a:solidFill>
+                  <a:srgbClr val="131313"/>
+                </a:solidFill>
+                <a:latin typeface="Calibri"/>
+                <a:ea typeface="Calibri"/>
+                <a:cs typeface="Calibri"/>
+                <a:sym typeface="Calibri"/>
+              </a:rPr>
+              <a:t> </a:t>
+            </a:r>
+            <a:endParaRPr sz="900">
+              <a:solidFill>
+                <a:srgbClr val="131313"/>
+              </a:solidFill>
+              <a:latin typeface="Calibri"/>
+              <a:ea typeface="Calibri"/>
+              <a:cs typeface="Calibri"/>
+              <a:sym typeface="Calibri"/>
+            </a:endParaRPr>
+          </a:p>
+        </p:txBody>
+      </p:sp>
     </p:spTree>
   </p:cSld>
   <p:clrMapOvr>
@@ -15541,7 +15694,7 @@
   <p:cSld>
     <p:spTree>
       <p:nvGrpSpPr>
-        <p:cNvPr id="1" name="Shape 144"/>
+        <p:cNvPr id="1" name="Shape 145"/>
         <p:cNvGrpSpPr/>
         <p:nvPr/>
       </p:nvGrpSpPr>
@@ -15555,7 +15708,7 @@
       </p:grpSpPr>
       <p:sp>
         <p:nvSpPr>
-          <p:cNvPr id="145" name="Google Shape;145;p25"/>
+          <p:cNvPr id="146" name="Google Shape;146;p25"/>
           <p:cNvSpPr txBox="1"/>
           <p:nvPr/>
         </p:nvSpPr>
@@ -15618,7 +15771,7 @@
       </p:sp>
       <p:sp>
         <p:nvSpPr>
-          <p:cNvPr id="146" name="Google Shape;146;p25"/>
+          <p:cNvPr id="147" name="Google Shape;147;p25"/>
           <p:cNvSpPr txBox="1"/>
           <p:nvPr/>
         </p:nvSpPr>
@@ -15862,7 +16015,7 @@
       </p:sp>
       <p:pic>
         <p:nvPicPr>
-          <p:cNvPr id="147" name="Google Shape;147;p25"/>
+          <p:cNvPr id="148" name="Google Shape;148;p25"/>
           <p:cNvPicPr preferRelativeResize="0"/>
           <p:nvPr/>
         </p:nvPicPr>
@@ -15900,7 +16053,7 @@
       </p:pic>
       <p:sp>
         <p:nvSpPr>
-          <p:cNvPr id="148" name="Google Shape;148;p25"/>
+          <p:cNvPr id="149" name="Google Shape;149;p25"/>
           <p:cNvSpPr txBox="1"/>
           <p:nvPr/>
         </p:nvSpPr>
@@ -16343,7 +16496,7 @@
       </p:sp>
       <p:sp>
         <p:nvSpPr>
-          <p:cNvPr id="149" name="Google Shape;149;p25"/>
+          <p:cNvPr id="150" name="Google Shape;150;p25"/>
           <p:cNvSpPr txBox="1"/>
           <p:nvPr/>
         </p:nvSpPr>
@@ -16496,7 +16649,7 @@
       </p:sp>
       <p:sp>
         <p:nvSpPr>
-          <p:cNvPr id="150" name="Google Shape;150;p25"/>
+          <p:cNvPr id="151" name="Google Shape;151;p25"/>
           <p:cNvSpPr txBox="1"/>
           <p:nvPr/>
         </p:nvSpPr>
@@ -16809,7 +16962,7 @@
       </p:sp>
       <p:sp>
         <p:nvSpPr>
-          <p:cNvPr id="151" name="Google Shape;151;p25"/>
+          <p:cNvPr id="152" name="Google Shape;152;p25"/>
           <p:cNvSpPr txBox="1"/>
           <p:nvPr/>
         </p:nvSpPr>
@@ -16949,7 +17102,7 @@
       </p:sp>
       <p:pic>
         <p:nvPicPr>
-          <p:cNvPr id="152" name="Google Shape;152;p25"/>
+          <p:cNvPr id="153" name="Google Shape;153;p25"/>
           <p:cNvPicPr preferRelativeResize="0"/>
           <p:nvPr/>
         </p:nvPicPr>
@@ -16988,7 +17141,7 @@
       </p:pic>
       <p:pic>
         <p:nvPicPr>
-          <p:cNvPr id="153" name="Google Shape;153;p25"/>
+          <p:cNvPr id="154" name="Google Shape;154;p25"/>
           <p:cNvPicPr preferRelativeResize="0"/>
           <p:nvPr/>
         </p:nvPicPr>
@@ -17027,7 +17180,7 @@
       </p:pic>
       <p:pic>
         <p:nvPicPr>
-          <p:cNvPr id="154" name="Google Shape;154;p25"/>
+          <p:cNvPr id="155" name="Google Shape;155;p25"/>
           <p:cNvPicPr preferRelativeResize="0"/>
           <p:nvPr/>
         </p:nvPicPr>
@@ -17077,7 +17230,7 @@
   <p:cSld>
     <p:spTree>
       <p:nvGrpSpPr>
-        <p:cNvPr id="1" name="Shape 158"/>
+        <p:cNvPr id="1" name="Shape 159"/>
         <p:cNvGrpSpPr/>
         <p:nvPr/>
       </p:nvGrpSpPr>
@@ -17091,7 +17244,7 @@
       </p:grpSpPr>
       <p:sp>
         <p:nvSpPr>
-          <p:cNvPr id="159" name="Google Shape;159;p26"/>
+          <p:cNvPr id="160" name="Google Shape;160;p26"/>
           <p:cNvSpPr txBox="1"/>
           <p:nvPr/>
         </p:nvSpPr>
@@ -17154,7 +17307,7 @@
       </p:sp>
       <p:sp>
         <p:nvSpPr>
-          <p:cNvPr id="160" name="Google Shape;160;p26"/>
+          <p:cNvPr id="161" name="Google Shape;161;p26"/>
           <p:cNvSpPr txBox="1"/>
           <p:nvPr/>
         </p:nvSpPr>
@@ -17472,7 +17625,7 @@
       </p:sp>
       <p:sp>
         <p:nvSpPr>
-          <p:cNvPr id="161" name="Google Shape;161;p26"/>
+          <p:cNvPr id="162" name="Google Shape;162;p26"/>
           <p:cNvSpPr txBox="1"/>
           <p:nvPr/>
         </p:nvSpPr>
@@ -17679,7 +17832,7 @@
       </p:sp>
       <p:pic>
         <p:nvPicPr>
-          <p:cNvPr id="162" name="Google Shape;162;p26"/>
+          <p:cNvPr id="163" name="Google Shape;163;p26"/>
           <p:cNvPicPr preferRelativeResize="0"/>
           <p:nvPr/>
         </p:nvPicPr>
@@ -17718,7 +17871,7 @@
       </p:pic>
       <p:sp>
         <p:nvSpPr>
-          <p:cNvPr id="163" name="Google Shape;163;p26"/>
+          <p:cNvPr id="164" name="Google Shape;164;p26"/>
           <p:cNvSpPr txBox="1"/>
           <p:nvPr/>
         </p:nvSpPr>
@@ -17820,7 +17973,7 @@
       </p:sp>
       <p:sp>
         <p:nvSpPr>
-          <p:cNvPr id="164" name="Google Shape;164;p26"/>
+          <p:cNvPr id="165" name="Google Shape;165;p26"/>
           <p:cNvSpPr txBox="1"/>
           <p:nvPr/>
         </p:nvSpPr>
@@ -18071,7 +18224,7 @@
       </p:sp>
       <p:pic>
         <p:nvPicPr>
-          <p:cNvPr id="165" name="Google Shape;165;p26"/>
+          <p:cNvPr id="166" name="Google Shape;166;p26"/>
           <p:cNvPicPr preferRelativeResize="0"/>
           <p:nvPr/>
         </p:nvPicPr>
@@ -18121,7 +18274,7 @@
   <p:cSld>
     <p:spTree>
       <p:nvGrpSpPr>
-        <p:cNvPr id="1" name="Shape 169"/>
+        <p:cNvPr id="1" name="Shape 170"/>
         <p:cNvGrpSpPr/>
         <p:nvPr/>
       </p:nvGrpSpPr>
@@ -18135,7 +18288,7 @@
       </p:grpSpPr>
       <p:sp>
         <p:nvSpPr>
-          <p:cNvPr id="170" name="Google Shape;170;p27"/>
+          <p:cNvPr id="171" name="Google Shape;171;p27"/>
           <p:cNvSpPr txBox="1"/>
           <p:nvPr/>
         </p:nvSpPr>
@@ -18198,7 +18351,7 @@
       </p:sp>
       <p:sp>
         <p:nvSpPr>
-          <p:cNvPr id="171" name="Google Shape;171;p27"/>
+          <p:cNvPr id="172" name="Google Shape;172;p27"/>
           <p:cNvSpPr txBox="1"/>
           <p:nvPr/>
         </p:nvSpPr>
@@ -18331,7 +18484,7 @@
       </p:sp>
       <p:sp>
         <p:nvSpPr>
-          <p:cNvPr id="172" name="Google Shape;172;p27"/>
+          <p:cNvPr id="173" name="Google Shape;173;p27"/>
           <p:cNvSpPr txBox="1"/>
           <p:nvPr/>
         </p:nvSpPr>
@@ -18451,7 +18604,7 @@
       </p:sp>
       <p:sp>
         <p:nvSpPr>
-          <p:cNvPr id="173" name="Google Shape;173;p27"/>
+          <p:cNvPr id="174" name="Google Shape;174;p27"/>
           <p:cNvSpPr txBox="1"/>
           <p:nvPr/>
         </p:nvSpPr>
@@ -18562,7 +18715,7 @@
       </p:sp>
       <p:sp>
         <p:nvSpPr>
-          <p:cNvPr id="174" name="Google Shape;174;p27"/>
+          <p:cNvPr id="175" name="Google Shape;175;p27"/>
           <p:cNvSpPr txBox="1"/>
           <p:nvPr/>
         </p:nvSpPr>
@@ -18739,7 +18892,7 @@
       </p:sp>
       <p:sp>
         <p:nvSpPr>
-          <p:cNvPr id="175" name="Google Shape;175;p27"/>
+          <p:cNvPr id="176" name="Google Shape;176;p27"/>
           <p:cNvSpPr txBox="1"/>
           <p:nvPr/>
         </p:nvSpPr>
@@ -18872,7 +19025,7 @@
       </p:sp>
       <p:sp>
         <p:nvSpPr>
-          <p:cNvPr id="176" name="Google Shape;176;p27"/>
+          <p:cNvPr id="177" name="Google Shape;177;p27"/>
           <p:cNvSpPr txBox="1"/>
           <p:nvPr/>
         </p:nvSpPr>
@@ -19012,7 +19165,7 @@
       </p:sp>
       <p:sp>
         <p:nvSpPr>
-          <p:cNvPr id="177" name="Google Shape;177;p27"/>
+          <p:cNvPr id="178" name="Google Shape;178;p27"/>
           <p:cNvSpPr txBox="1"/>
           <p:nvPr/>
         </p:nvSpPr>
@@ -19326,7 +19479,7 @@
       </p:sp>
       <p:pic>
         <p:nvPicPr>
-          <p:cNvPr id="178" name="Google Shape;178;p27"/>
+          <p:cNvPr id="179" name="Google Shape;179;p27"/>
           <p:cNvPicPr preferRelativeResize="0"/>
           <p:nvPr/>
         </p:nvPicPr>
@@ -19376,7 +19529,7 @@
   <p:cSld>
     <p:spTree>
       <p:nvGrpSpPr>
-        <p:cNvPr id="1" name="Shape 182"/>
+        <p:cNvPr id="1" name="Shape 183"/>
         <p:cNvGrpSpPr/>
         <p:nvPr/>
       </p:nvGrpSpPr>
@@ -19390,7 +19543,7 @@
       </p:grpSpPr>
       <p:sp>
         <p:nvSpPr>
-          <p:cNvPr id="183" name="Google Shape;183;p28"/>
+          <p:cNvPr id="184" name="Google Shape;184;p28"/>
           <p:cNvSpPr txBox="1"/>
           <p:nvPr/>
         </p:nvSpPr>
@@ -19453,7 +19606,7 @@
       </p:sp>
       <p:sp>
         <p:nvSpPr>
-          <p:cNvPr id="184" name="Google Shape;184;p28"/>
+          <p:cNvPr id="185" name="Google Shape;185;p28"/>
           <p:cNvSpPr txBox="1"/>
           <p:nvPr/>
         </p:nvSpPr>
@@ -19842,7 +19995,7 @@
       </p:sp>
       <p:pic>
         <p:nvPicPr>
-          <p:cNvPr id="185" name="Google Shape;185;p28"/>
+          <p:cNvPr id="186" name="Google Shape;186;p28"/>
           <p:cNvPicPr preferRelativeResize="0"/>
           <p:nvPr/>
         </p:nvPicPr>
@@ -19881,7 +20034,7 @@
       </p:pic>
       <p:pic>
         <p:nvPicPr>
-          <p:cNvPr id="186" name="Google Shape;186;p28"/>
+          <p:cNvPr id="187" name="Google Shape;187;p28"/>
           <p:cNvPicPr preferRelativeResize="0"/>
           <p:nvPr/>
         </p:nvPicPr>
@@ -19930,7 +20083,7 @@
   <p:cSld>
     <p:spTree>
       <p:nvGrpSpPr>
-        <p:cNvPr id="1" name="Shape 190"/>
+        <p:cNvPr id="1" name="Shape 191"/>
         <p:cNvGrpSpPr/>
         <p:nvPr/>
       </p:nvGrpSpPr>
@@ -19944,7 +20097,7 @@
       </p:grpSpPr>
       <p:sp>
         <p:nvSpPr>
-          <p:cNvPr id="191" name="Google Shape;191;p29"/>
+          <p:cNvPr id="192" name="Google Shape;192;p29"/>
           <p:cNvSpPr txBox="1"/>
           <p:nvPr/>
         </p:nvSpPr>
@@ -20007,7 +20160,7 @@
       </p:sp>
       <p:sp>
         <p:nvSpPr>
-          <p:cNvPr id="192" name="Google Shape;192;p29"/>
+          <p:cNvPr id="193" name="Google Shape;193;p29"/>
           <p:cNvSpPr txBox="1"/>
           <p:nvPr/>
         </p:nvSpPr>
@@ -20447,7 +20600,7 @@
       </p:sp>
       <p:pic>
         <p:nvPicPr>
-          <p:cNvPr id="193" name="Google Shape;193;p29"/>
+          <p:cNvPr id="194" name="Google Shape;194;p29"/>
           <p:cNvPicPr preferRelativeResize="0"/>
           <p:nvPr/>
         </p:nvPicPr>
@@ -20480,7 +20633,7 @@
       </p:pic>
       <p:pic>
         <p:nvPicPr>
-          <p:cNvPr id="194" name="Google Shape;194;p29"/>
+          <p:cNvPr id="195" name="Google Shape;195;p29"/>
           <p:cNvPicPr preferRelativeResize="0"/>
           <p:nvPr/>
         </p:nvPicPr>
@@ -20513,7 +20666,7 @@
       </p:pic>
       <p:pic>
         <p:nvPicPr>
-          <p:cNvPr id="195" name="Google Shape;195;p29"/>
+          <p:cNvPr id="196" name="Google Shape;196;p29"/>
           <p:cNvPicPr preferRelativeResize="0"/>
           <p:nvPr/>
         </p:nvPicPr>
@@ -20557,7 +20710,7 @@
   <p:cSld>
     <p:spTree>
       <p:nvGrpSpPr>
-        <p:cNvPr id="1" name="Shape 199"/>
+        <p:cNvPr id="1" name="Shape 200"/>
         <p:cNvGrpSpPr/>
         <p:nvPr/>
       </p:nvGrpSpPr>
@@ -20571,7 +20724,7 @@
       </p:grpSpPr>
       <p:sp>
         <p:nvSpPr>
-          <p:cNvPr id="200" name="Google Shape;200;p30"/>
+          <p:cNvPr id="201" name="Google Shape;201;p30"/>
           <p:cNvSpPr txBox="1"/>
           <p:nvPr/>
         </p:nvSpPr>
@@ -20634,7 +20787,7 @@
       </p:sp>
       <p:sp>
         <p:nvSpPr>
-          <p:cNvPr id="201" name="Google Shape;201;p30"/>
+          <p:cNvPr id="202" name="Google Shape;202;p30"/>
           <p:cNvSpPr txBox="1"/>
           <p:nvPr/>
         </p:nvSpPr>
@@ -21301,7 +21454,7 @@
       </p:sp>
       <p:pic>
         <p:nvPicPr>
-          <p:cNvPr id="202" name="Google Shape;202;p30"/>
+          <p:cNvPr id="203" name="Google Shape;203;p30"/>
           <p:cNvPicPr preferRelativeResize="0"/>
           <p:nvPr/>
         </p:nvPicPr>
@@ -21351,7 +21504,7 @@
   <p:cSld>
     <p:spTree>
       <p:nvGrpSpPr>
-        <p:cNvPr id="1" name="Shape 206"/>
+        <p:cNvPr id="1" name="Shape 207"/>
         <p:cNvGrpSpPr/>
         <p:nvPr/>
       </p:nvGrpSpPr>
@@ -21365,13 +21518,13 @@
       </p:grpSpPr>
       <p:sp>
         <p:nvSpPr>
-          <p:cNvPr id="207" name="Google Shape;207;p31"/>
+          <p:cNvPr id="208" name="Google Shape;208;p31"/>
           <p:cNvSpPr txBox="1"/>
           <p:nvPr/>
         </p:nvSpPr>
         <p:spPr>
           <a:xfrm>
-            <a:off x="55075" y="52750"/>
+            <a:off x="33157" y="27693"/>
             <a:ext cx="966300" cy="326400"/>
           </a:xfrm>
           <a:prstGeom prst="rect">
@@ -21428,14 +21581,14 @@
       </p:sp>
       <p:sp>
         <p:nvSpPr>
-          <p:cNvPr id="208" name="Google Shape;208;p31"/>
+          <p:cNvPr id="209" name="Google Shape;209;p31"/>
           <p:cNvSpPr txBox="1"/>
           <p:nvPr/>
         </p:nvSpPr>
         <p:spPr>
           <a:xfrm>
-            <a:off x="55075" y="469700"/>
-            <a:ext cx="3483300" cy="2604300"/>
+            <a:off x="55075" y="378900"/>
+            <a:ext cx="3909900" cy="4543800"/>
           </a:xfrm>
           <a:prstGeom prst="rect">
             <a:avLst/>
@@ -21467,63 +21620,27 @@
                 <a:spcPts val="0"/>
               </a:spcAft>
               <a:buClr>
-                <a:schemeClr val="dk1"/>
+                <a:srgbClr val="FF0000"/>
               </a:buClr>
               <a:buSzPts val="1200"/>
               <a:buFont typeface="Calibri"/>
               <a:buChar char="●"/>
             </a:pPr>
             <a:r>
-              <a:rPr lang="en" sz="1200">
-                <a:solidFill>
-                  <a:srgbClr val="131313"/>
-                </a:solidFill>
-                <a:latin typeface="Calibri"/>
-                <a:ea typeface="Calibri"/>
-                <a:cs typeface="Calibri"/>
-                <a:sym typeface="Calibri"/>
-              </a:rPr>
-              <a:t>Review of several robots:</a:t>
-            </a:r>
-            <a:br>
-              <a:rPr lang="en" sz="900">
-                <a:solidFill>
-                  <a:srgbClr val="131313"/>
-                </a:solidFill>
-                <a:latin typeface="Calibri"/>
-                <a:ea typeface="Calibri"/>
-                <a:cs typeface="Calibri"/>
-                <a:sym typeface="Calibri"/>
-              </a:rPr>
-            </a:br>
-            <a:r>
-              <a:rPr lang="en" sz="900" u="sng">
-                <a:solidFill>
-                  <a:schemeClr val="hlink"/>
-                </a:solidFill>
-                <a:latin typeface="Calibri"/>
-                <a:ea typeface="Calibri"/>
-                <a:cs typeface="Calibri"/>
-                <a:sym typeface="Calibri"/>
-                <a:hlinkClick r:id="rId3"/>
-              </a:rPr>
-              <a:t>https://www.youtube.com/watch?v=vT-NyxPUrJw</a:t>
-            </a:r>
-            <a:r>
-              <a:rPr lang="en" sz="900">
-                <a:solidFill>
-                  <a:srgbClr val="131313"/>
-                </a:solidFill>
-                <a:latin typeface="Calibri"/>
-                <a:ea typeface="Calibri"/>
-                <a:cs typeface="Calibri"/>
-                <a:sym typeface="Calibri"/>
-              </a:rPr>
-              <a:t> </a:t>
-            </a:r>
-            <a:endParaRPr sz="900">
-              <a:solidFill>
-                <a:srgbClr val="131313"/>
+              <a:rPr lang="en" sz="1200" b="1">
+                <a:solidFill>
+                  <a:srgbClr val="FF0000"/>
+                </a:solidFill>
+                <a:latin typeface="Calibri"/>
+                <a:ea typeface="Calibri"/>
+                <a:cs typeface="Calibri"/>
+                <a:sym typeface="Calibri"/>
+              </a:rPr>
+              <a:t>Robots are About to Have Their iPhone Moment.</a:t>
+            </a:r>
+            <a:endParaRPr sz="1200" b="1">
+              <a:solidFill>
+                <a:srgbClr val="FF0000"/>
               </a:solidFill>
               <a:latin typeface="Calibri"/>
               <a:ea typeface="Calibri"/>
@@ -21540,7 +21657,7 @@
                 <a:spcPts val="0"/>
               </a:spcAft>
               <a:buClr>
-                <a:srgbClr val="131313"/>
+                <a:schemeClr val="dk1"/>
               </a:buClr>
               <a:buSzPts val="1200"/>
               <a:buFont typeface="Calibri"/>
@@ -21556,81 +21673,9 @@
                 <a:cs typeface="Calibri"/>
                 <a:sym typeface="Calibri"/>
               </a:rPr>
-              <a:t>Atlas Robot (can do flips)</a:t>
-            </a:r>
-            <a:br>
-              <a:rPr lang="en" sz="900">
-                <a:solidFill>
-                  <a:srgbClr val="131313"/>
-                </a:solidFill>
-                <a:latin typeface="Calibri"/>
-                <a:ea typeface="Calibri"/>
-                <a:cs typeface="Calibri"/>
-                <a:sym typeface="Calibri"/>
-              </a:rPr>
-            </a:br>
-            <a:r>
-              <a:rPr lang="en" sz="900" u="sng">
-                <a:solidFill>
-                  <a:schemeClr val="hlink"/>
-                </a:solidFill>
-                <a:latin typeface="Calibri"/>
-                <a:ea typeface="Calibri"/>
-                <a:cs typeface="Calibri"/>
-                <a:sym typeface="Calibri"/>
-                <a:hlinkClick r:id="rId4"/>
-              </a:rPr>
-              <a:t>https://www.youtube.com/watch?v=I44_zbEwz_w</a:t>
-            </a:r>
-            <a:r>
-              <a:rPr lang="en" sz="900">
-                <a:solidFill>
-                  <a:srgbClr val="131313"/>
-                </a:solidFill>
-                <a:latin typeface="Calibri"/>
-                <a:ea typeface="Calibri"/>
-                <a:cs typeface="Calibri"/>
-                <a:sym typeface="Calibri"/>
-              </a:rPr>
-              <a:t> </a:t>
-            </a:r>
-            <a:br>
-              <a:rPr lang="en" sz="900">
-                <a:solidFill>
-                  <a:srgbClr val="131313"/>
-                </a:solidFill>
-                <a:latin typeface="Calibri"/>
-                <a:ea typeface="Calibri"/>
-                <a:cs typeface="Calibri"/>
-                <a:sym typeface="Calibri"/>
-              </a:rPr>
-            </a:br>
-            <a:r>
-              <a:rPr lang="en" sz="900" u="sng">
-                <a:solidFill>
-                  <a:schemeClr val="hlink"/>
-                </a:solidFill>
-                <a:latin typeface="Calibri"/>
-                <a:ea typeface="Calibri"/>
-                <a:cs typeface="Calibri"/>
-                <a:sym typeface="Calibri"/>
-                <a:hlinkClick r:id="rId5"/>
-              </a:rPr>
-              <a:t>https://www.youtube.com/shorts/0QqXQuCd2P0</a:t>
-            </a:r>
-            <a:r>
-              <a:rPr lang="en" sz="900">
-                <a:solidFill>
-                  <a:srgbClr val="131313"/>
-                </a:solidFill>
-                <a:latin typeface="Calibri"/>
-                <a:ea typeface="Calibri"/>
-                <a:cs typeface="Calibri"/>
-                <a:sym typeface="Calibri"/>
-              </a:rPr>
-              <a:t> </a:t>
-            </a:r>
-            <a:endParaRPr sz="900">
+              <a:t>Humanoid robots represent one of the largest economic opportunities in human history ($60 Trillion Market).</a:t>
+            </a:r>
+            <a:endParaRPr sz="1200">
               <a:solidFill>
                 <a:srgbClr val="131313"/>
               </a:solidFill>
@@ -21649,7 +21694,7 @@
                 <a:spcPts val="0"/>
               </a:spcAft>
               <a:buClr>
-                <a:srgbClr val="131313"/>
+                <a:schemeClr val="dk1"/>
               </a:buClr>
               <a:buSzPts val="1200"/>
               <a:buFont typeface="Calibri"/>
@@ -21665,45 +21710,9 @@
                 <a:cs typeface="Calibri"/>
                 <a:sym typeface="Calibri"/>
               </a:rPr>
-              <a:t>Apollo Robot working at Mercedes</a:t>
-            </a:r>
-            <a:br>
-              <a:rPr lang="en" sz="900">
-                <a:solidFill>
-                  <a:srgbClr val="131313"/>
-                </a:solidFill>
-                <a:latin typeface="Calibri"/>
-                <a:ea typeface="Calibri"/>
-                <a:cs typeface="Calibri"/>
-                <a:sym typeface="Calibri"/>
-              </a:rPr>
-            </a:br>
-            <a:r>
-              <a:rPr lang="en" sz="900" u="sng">
-                <a:solidFill>
-                  <a:schemeClr val="hlink"/>
-                </a:solidFill>
-                <a:latin typeface="Calibri"/>
-                <a:ea typeface="Calibri"/>
-                <a:cs typeface="Calibri"/>
-                <a:sym typeface="Calibri"/>
-                <a:hlinkClick r:id="rId6"/>
-              </a:rPr>
-              <a:t>https://www.youtube.com/watch?v=lGugiWNYFVk</a:t>
-            </a:r>
-            <a:r>
-              <a:rPr lang="en" sz="900">
-                <a:solidFill>
-                  <a:srgbClr val="131313"/>
-                </a:solidFill>
-                <a:latin typeface="Calibri"/>
-                <a:ea typeface="Calibri"/>
-                <a:cs typeface="Calibri"/>
-                <a:sym typeface="Calibri"/>
-              </a:rPr>
-              <a:t> </a:t>
-            </a:r>
-            <a:endParaRPr sz="900">
+              <a:t>In 2029 the humanoid robots will be in every home</a:t>
+            </a:r>
+            <a:endParaRPr sz="1200">
               <a:solidFill>
                 <a:srgbClr val="131313"/>
               </a:solidFill>
@@ -21722,7 +21731,7 @@
                 <a:spcPts val="0"/>
               </a:spcAft>
               <a:buClr>
-                <a:srgbClr val="131313"/>
+                <a:schemeClr val="dk1"/>
               </a:buClr>
               <a:buSzPts val="1200"/>
               <a:buFont typeface="Calibri"/>
@@ -21738,45 +21747,9 @@
                 <a:cs typeface="Calibri"/>
                 <a:sym typeface="Calibri"/>
               </a:rPr>
-              <a:t>Neo Gamma Humanoid Robot by by 1X Technologies, a Norwegian robotics company</a:t>
-            </a:r>
-            <a:br>
-              <a:rPr lang="en" sz="900">
-                <a:solidFill>
-                  <a:srgbClr val="131313"/>
-                </a:solidFill>
-                <a:latin typeface="Calibri"/>
-                <a:ea typeface="Calibri"/>
-                <a:cs typeface="Calibri"/>
-                <a:sym typeface="Calibri"/>
-              </a:rPr>
-            </a:br>
-            <a:r>
-              <a:rPr lang="en" sz="900" u="sng">
-                <a:solidFill>
-                  <a:schemeClr val="hlink"/>
-                </a:solidFill>
-                <a:latin typeface="Calibri"/>
-                <a:ea typeface="Calibri"/>
-                <a:cs typeface="Calibri"/>
-                <a:sym typeface="Calibri"/>
-                <a:hlinkClick r:id="rId7"/>
-              </a:rPr>
-              <a:t>https://www.youtube.com/shorts/EdIAA1zROiA</a:t>
-            </a:r>
-            <a:r>
-              <a:rPr lang="en" sz="900">
-                <a:solidFill>
-                  <a:srgbClr val="131313"/>
-                </a:solidFill>
-                <a:latin typeface="Calibri"/>
-                <a:ea typeface="Calibri"/>
-                <a:cs typeface="Calibri"/>
-                <a:sym typeface="Calibri"/>
-              </a:rPr>
-              <a:t> </a:t>
-            </a:r>
-            <a:endParaRPr sz="900">
+              <a:t>Price $300/month (40¢ per hour)</a:t>
+            </a:r>
+            <a:endParaRPr sz="1200">
               <a:solidFill>
                 <a:srgbClr val="131313"/>
               </a:solidFill>
@@ -21795,7 +21768,7 @@
                 <a:spcPts val="0"/>
               </a:spcAft>
               <a:buClr>
-                <a:srgbClr val="131313"/>
+                <a:schemeClr val="dk1"/>
               </a:buClr>
               <a:buSzPts val="1200"/>
               <a:buFont typeface="Calibri"/>
@@ -21811,33 +21784,9 @@
                 <a:cs typeface="Calibri"/>
                 <a:sym typeface="Calibri"/>
               </a:rPr>
-              <a:t>Unitree G1 Robot (Chinese Kungfu, flips, kick-up, ...)</a:t>
-            </a:r>
-            <a:br>
-              <a:rPr lang="en" sz="900">
-                <a:solidFill>
-                  <a:srgbClr val="131313"/>
-                </a:solidFill>
-                <a:latin typeface="Calibri"/>
-                <a:ea typeface="Calibri"/>
-                <a:cs typeface="Calibri"/>
-                <a:sym typeface="Calibri"/>
-              </a:rPr>
-            </a:br>
-            <a:r>
-              <a:rPr lang="en" sz="900" u="sng">
-                <a:solidFill>
-                  <a:schemeClr val="hlink"/>
-                </a:solidFill>
-                <a:latin typeface="Calibri"/>
-                <a:ea typeface="Calibri"/>
-                <a:cs typeface="Calibri"/>
-                <a:sym typeface="Calibri"/>
-                <a:hlinkClick r:id="rId8"/>
-              </a:rPr>
-              <a:t>https://www.youtube.com/watch?v=0C-LU0cnqB8</a:t>
-            </a:r>
-            <a:endParaRPr sz="900">
+              <a:t>Solving the workforce shortages. </a:t>
+            </a:r>
+            <a:endParaRPr sz="1200">
               <a:solidFill>
                 <a:srgbClr val="131313"/>
               </a:solidFill>
@@ -21856,7 +21805,7 @@
                 <a:spcPts val="0"/>
               </a:spcAft>
               <a:buClr>
-                <a:srgbClr val="131313"/>
+                <a:schemeClr val="dk1"/>
               </a:buClr>
               <a:buSzPts val="1200"/>
               <a:buFont typeface="Calibri"/>
@@ -21872,33 +21821,9 @@
                 <a:cs typeface="Calibri"/>
                 <a:sym typeface="Calibri"/>
               </a:rPr>
-              <a:t>Tesla Bot gen 3 ($2,579 !)</a:t>
-            </a:r>
-            <a:br>
-              <a:rPr lang="en" sz="900">
-                <a:solidFill>
-                  <a:srgbClr val="131313"/>
-                </a:solidFill>
-                <a:latin typeface="Calibri"/>
-                <a:ea typeface="Calibri"/>
-                <a:cs typeface="Calibri"/>
-                <a:sym typeface="Calibri"/>
-              </a:rPr>
-            </a:br>
-            <a:r>
-              <a:rPr lang="en" sz="900" u="sng">
-                <a:solidFill>
-                  <a:schemeClr val="hlink"/>
-                </a:solidFill>
-                <a:latin typeface="Calibri"/>
-                <a:ea typeface="Calibri"/>
-                <a:cs typeface="Calibri"/>
-                <a:sym typeface="Calibri"/>
-                <a:hlinkClick r:id="rId9"/>
-              </a:rPr>
-              <a:t>https://www.youtube.com/watch?v=KTLAHRoH82A</a:t>
-            </a:r>
-            <a:endParaRPr sz="900">
+              <a:t>New cheaper and better robots every year</a:t>
+            </a:r>
+            <a:endParaRPr sz="1200">
               <a:solidFill>
                 <a:srgbClr val="131313"/>
               </a:solidFill>
@@ -21917,23 +21842,23 @@
                 <a:spcPts val="0"/>
               </a:spcAft>
               <a:buClr>
-                <a:srgbClr val="131313"/>
+                <a:schemeClr val="dk1"/>
               </a:buClr>
               <a:buSzPts val="1200"/>
               <a:buFont typeface="Calibri"/>
               <a:buChar char="●"/>
             </a:pPr>
             <a:r>
-              <a:rPr lang="en" sz="1200">
-                <a:solidFill>
-                  <a:srgbClr val="131313"/>
-                </a:solidFill>
-                <a:latin typeface="Calibri"/>
-                <a:ea typeface="Calibri"/>
-                <a:cs typeface="Calibri"/>
-                <a:sym typeface="Calibri"/>
-              </a:rPr>
-              <a:t> Nvidia Isaac GROOT N1</a:t>
+              <a:rPr lang="en" sz="1200" b="1">
+                <a:solidFill>
+                  <a:srgbClr val="3C78D8"/>
+                </a:solidFill>
+                <a:latin typeface="Calibri"/>
+                <a:ea typeface="Calibri"/>
+                <a:cs typeface="Calibri"/>
+                <a:sym typeface="Calibri"/>
+              </a:rPr>
+              <a:t>Chinese Robots, short robots, back-flips, ...</a:t>
             </a:r>
             <a:br>
               <a:rPr lang="en" sz="900">
@@ -21955,9 +21880,653 @@
                 <a:ea typeface="Calibri"/>
                 <a:cs typeface="Calibri"/>
                 <a:sym typeface="Calibri"/>
+                <a:hlinkClick r:id="rId3"/>
+              </a:rPr>
+              <a:t>https://www.youtube.com/watch?v=s0s2j35KBWA</a:t>
+            </a:r>
+            <a:r>
+              <a:rPr lang="en" sz="900">
+                <a:solidFill>
+                  <a:srgbClr val="131313"/>
+                </a:solidFill>
+                <a:latin typeface="Calibri"/>
+                <a:ea typeface="Calibri"/>
+                <a:cs typeface="Calibri"/>
+                <a:sym typeface="Calibri"/>
+              </a:rPr>
+              <a:t> </a:t>
+            </a:r>
+            <a:endParaRPr sz="900">
+              <a:solidFill>
+                <a:srgbClr val="131313"/>
+              </a:solidFill>
+              <a:latin typeface="Calibri"/>
+              <a:ea typeface="Calibri"/>
+              <a:cs typeface="Calibri"/>
+              <a:sym typeface="Calibri"/>
+            </a:endParaRPr>
+          </a:p>
+          <a:p>
+            <a:pPr marL="171450" lvl="0" indent="-133350" algn="l" rtl="0">
+              <a:spcBef>
+                <a:spcPts val="0"/>
+              </a:spcBef>
+              <a:spcAft>
+                <a:spcPts val="0"/>
+              </a:spcAft>
+              <a:buClr>
+                <a:schemeClr val="dk1"/>
+              </a:buClr>
+              <a:buSzPts val="1200"/>
+              <a:buFont typeface="Calibri"/>
+              <a:buChar char="●"/>
+            </a:pPr>
+            <a:r>
+              <a:rPr lang="en" sz="1200" b="1">
+                <a:solidFill>
+                  <a:srgbClr val="3C78D8"/>
+                </a:solidFill>
+                <a:latin typeface="Calibri"/>
+                <a:ea typeface="Calibri"/>
+                <a:cs typeface="Calibri"/>
+                <a:sym typeface="Calibri"/>
+              </a:rPr>
+              <a:t>Review of several robots:</a:t>
+            </a:r>
+            <a:br>
+              <a:rPr lang="en" sz="900">
+                <a:solidFill>
+                  <a:srgbClr val="131313"/>
+                </a:solidFill>
+                <a:latin typeface="Calibri"/>
+                <a:ea typeface="Calibri"/>
+                <a:cs typeface="Calibri"/>
+                <a:sym typeface="Calibri"/>
+              </a:rPr>
+            </a:br>
+            <a:r>
+              <a:rPr lang="en" sz="900" u="sng">
+                <a:solidFill>
+                  <a:schemeClr val="hlink"/>
+                </a:solidFill>
+                <a:latin typeface="Calibri"/>
+                <a:ea typeface="Calibri"/>
+                <a:cs typeface="Calibri"/>
+                <a:sym typeface="Calibri"/>
+                <a:hlinkClick r:id="rId4"/>
+              </a:rPr>
+              <a:t>https://www.youtube.com/watch?v=vT-NyxPUrJw</a:t>
+            </a:r>
+            <a:r>
+              <a:rPr lang="en" sz="900">
+                <a:solidFill>
+                  <a:srgbClr val="131313"/>
+                </a:solidFill>
+                <a:latin typeface="Calibri"/>
+                <a:ea typeface="Calibri"/>
+                <a:cs typeface="Calibri"/>
+                <a:sym typeface="Calibri"/>
+              </a:rPr>
+              <a:t> </a:t>
+            </a:r>
+            <a:endParaRPr sz="900">
+              <a:solidFill>
+                <a:srgbClr val="131313"/>
+              </a:solidFill>
+              <a:latin typeface="Calibri"/>
+              <a:ea typeface="Calibri"/>
+              <a:cs typeface="Calibri"/>
+              <a:sym typeface="Calibri"/>
+            </a:endParaRPr>
+          </a:p>
+          <a:p>
+            <a:pPr marL="171450" lvl="0" indent="-133350" algn="l" rtl="0">
+              <a:spcBef>
+                <a:spcPts val="0"/>
+              </a:spcBef>
+              <a:spcAft>
+                <a:spcPts val="0"/>
+              </a:spcAft>
+              <a:buClr>
+                <a:srgbClr val="131313"/>
+              </a:buClr>
+              <a:buSzPts val="1200"/>
+              <a:buFont typeface="Calibri"/>
+              <a:buChar char="●"/>
+            </a:pPr>
+            <a:r>
+              <a:rPr lang="en" sz="1200" b="1">
+                <a:solidFill>
+                  <a:srgbClr val="3C78D8"/>
+                </a:solidFill>
+                <a:latin typeface="Calibri"/>
+                <a:ea typeface="Calibri"/>
+                <a:cs typeface="Calibri"/>
+                <a:sym typeface="Calibri"/>
+              </a:rPr>
+              <a:t>Atlas Robot (can do flips)</a:t>
+            </a:r>
+            <a:br>
+              <a:rPr lang="en" sz="900">
+                <a:solidFill>
+                  <a:srgbClr val="131313"/>
+                </a:solidFill>
+                <a:latin typeface="Calibri"/>
+                <a:ea typeface="Calibri"/>
+                <a:cs typeface="Calibri"/>
+                <a:sym typeface="Calibri"/>
+              </a:rPr>
+            </a:br>
+            <a:r>
+              <a:rPr lang="en" sz="900" u="sng">
+                <a:solidFill>
+                  <a:schemeClr val="hlink"/>
+                </a:solidFill>
+                <a:latin typeface="Calibri"/>
+                <a:ea typeface="Calibri"/>
+                <a:cs typeface="Calibri"/>
+                <a:sym typeface="Calibri"/>
+                <a:hlinkClick r:id="rId5"/>
+              </a:rPr>
+              <a:t>https://www.youtube.com/watch?v=I44_zbEwz_w</a:t>
+            </a:r>
+            <a:r>
+              <a:rPr lang="en" sz="900">
+                <a:solidFill>
+                  <a:srgbClr val="131313"/>
+                </a:solidFill>
+                <a:latin typeface="Calibri"/>
+                <a:ea typeface="Calibri"/>
+                <a:cs typeface="Calibri"/>
+                <a:sym typeface="Calibri"/>
+              </a:rPr>
+              <a:t> </a:t>
+            </a:r>
+            <a:br>
+              <a:rPr lang="en" sz="900">
+                <a:solidFill>
+                  <a:srgbClr val="131313"/>
+                </a:solidFill>
+                <a:latin typeface="Calibri"/>
+                <a:ea typeface="Calibri"/>
+                <a:cs typeface="Calibri"/>
+                <a:sym typeface="Calibri"/>
+              </a:rPr>
+            </a:br>
+            <a:r>
+              <a:rPr lang="en" sz="900" u="sng">
+                <a:solidFill>
+                  <a:schemeClr val="hlink"/>
+                </a:solidFill>
+                <a:latin typeface="Calibri"/>
+                <a:ea typeface="Calibri"/>
+                <a:cs typeface="Calibri"/>
+                <a:sym typeface="Calibri"/>
+                <a:hlinkClick r:id="rId6"/>
+              </a:rPr>
+              <a:t>https://www.youtube.com/shorts/0QqXQuCd2P0</a:t>
+            </a:r>
+            <a:r>
+              <a:rPr lang="en" sz="900">
+                <a:solidFill>
+                  <a:srgbClr val="131313"/>
+                </a:solidFill>
+                <a:latin typeface="Calibri"/>
+                <a:ea typeface="Calibri"/>
+                <a:cs typeface="Calibri"/>
+                <a:sym typeface="Calibri"/>
+              </a:rPr>
+              <a:t> </a:t>
+            </a:r>
+            <a:endParaRPr sz="900">
+              <a:solidFill>
+                <a:srgbClr val="131313"/>
+              </a:solidFill>
+              <a:latin typeface="Calibri"/>
+              <a:ea typeface="Calibri"/>
+              <a:cs typeface="Calibri"/>
+              <a:sym typeface="Calibri"/>
+            </a:endParaRPr>
+          </a:p>
+          <a:p>
+            <a:pPr marL="171450" lvl="0" indent="-133350" algn="l" rtl="0">
+              <a:spcBef>
+                <a:spcPts val="0"/>
+              </a:spcBef>
+              <a:spcAft>
+                <a:spcPts val="0"/>
+              </a:spcAft>
+              <a:buClr>
+                <a:srgbClr val="131313"/>
+              </a:buClr>
+              <a:buSzPts val="1200"/>
+              <a:buFont typeface="Calibri"/>
+              <a:buChar char="●"/>
+            </a:pPr>
+            <a:r>
+              <a:rPr lang="en" sz="1200" b="1">
+                <a:solidFill>
+                  <a:srgbClr val="3C78D8"/>
+                </a:solidFill>
+                <a:latin typeface="Calibri"/>
+                <a:ea typeface="Calibri"/>
+                <a:cs typeface="Calibri"/>
+                <a:sym typeface="Calibri"/>
+              </a:rPr>
+              <a:t>Apollo Robot working at Mercedes</a:t>
+            </a:r>
+            <a:br>
+              <a:rPr lang="en" sz="900">
+                <a:solidFill>
+                  <a:srgbClr val="131313"/>
+                </a:solidFill>
+                <a:latin typeface="Calibri"/>
+                <a:ea typeface="Calibri"/>
+                <a:cs typeface="Calibri"/>
+                <a:sym typeface="Calibri"/>
+              </a:rPr>
+            </a:br>
+            <a:r>
+              <a:rPr lang="en" sz="900" u="sng">
+                <a:solidFill>
+                  <a:schemeClr val="hlink"/>
+                </a:solidFill>
+                <a:latin typeface="Calibri"/>
+                <a:ea typeface="Calibri"/>
+                <a:cs typeface="Calibri"/>
+                <a:sym typeface="Calibri"/>
+                <a:hlinkClick r:id="rId7"/>
+              </a:rPr>
+              <a:t>https://www.youtube.com/watch?v=lGugiWNYFVk</a:t>
+            </a:r>
+            <a:r>
+              <a:rPr lang="en" sz="900">
+                <a:solidFill>
+                  <a:srgbClr val="131313"/>
+                </a:solidFill>
+                <a:latin typeface="Calibri"/>
+                <a:ea typeface="Calibri"/>
+                <a:cs typeface="Calibri"/>
+                <a:sym typeface="Calibri"/>
+              </a:rPr>
+              <a:t> </a:t>
+            </a:r>
+            <a:endParaRPr sz="900">
+              <a:solidFill>
+                <a:srgbClr val="131313"/>
+              </a:solidFill>
+              <a:latin typeface="Calibri"/>
+              <a:ea typeface="Calibri"/>
+              <a:cs typeface="Calibri"/>
+              <a:sym typeface="Calibri"/>
+            </a:endParaRPr>
+          </a:p>
+          <a:p>
+            <a:pPr marL="171450" lvl="0" indent="-133350" algn="l" rtl="0">
+              <a:spcBef>
+                <a:spcPts val="0"/>
+              </a:spcBef>
+              <a:spcAft>
+                <a:spcPts val="0"/>
+              </a:spcAft>
+              <a:buClr>
+                <a:srgbClr val="131313"/>
+              </a:buClr>
+              <a:buSzPts val="1200"/>
+              <a:buFont typeface="Calibri"/>
+              <a:buChar char="●"/>
+            </a:pPr>
+            <a:r>
+              <a:rPr lang="en" sz="1200" b="1">
+                <a:solidFill>
+                  <a:srgbClr val="3C78D8"/>
+                </a:solidFill>
+                <a:latin typeface="Calibri"/>
+                <a:ea typeface="Calibri"/>
+                <a:cs typeface="Calibri"/>
+                <a:sym typeface="Calibri"/>
+              </a:rPr>
+              <a:t>Neo Gamma by 1X Technologies (Norway)</a:t>
+            </a:r>
+            <a:br>
+              <a:rPr lang="en" sz="900">
+                <a:solidFill>
+                  <a:srgbClr val="131313"/>
+                </a:solidFill>
+                <a:latin typeface="Calibri"/>
+                <a:ea typeface="Calibri"/>
+                <a:cs typeface="Calibri"/>
+                <a:sym typeface="Calibri"/>
+              </a:rPr>
+            </a:br>
+            <a:r>
+              <a:rPr lang="en" sz="900" u="sng">
+                <a:solidFill>
+                  <a:schemeClr val="hlink"/>
+                </a:solidFill>
+                <a:latin typeface="Calibri"/>
+                <a:ea typeface="Calibri"/>
+                <a:cs typeface="Calibri"/>
+                <a:sym typeface="Calibri"/>
+                <a:hlinkClick r:id="rId8"/>
+              </a:rPr>
+              <a:t>https://www.youtube.com/shorts/EdIAA1zROiA</a:t>
+            </a:r>
+            <a:r>
+              <a:rPr lang="en" sz="900">
+                <a:solidFill>
+                  <a:srgbClr val="131313"/>
+                </a:solidFill>
+                <a:latin typeface="Calibri"/>
+                <a:ea typeface="Calibri"/>
+                <a:cs typeface="Calibri"/>
+                <a:sym typeface="Calibri"/>
+              </a:rPr>
+              <a:t> </a:t>
+            </a:r>
+            <a:endParaRPr sz="900">
+              <a:solidFill>
+                <a:srgbClr val="131313"/>
+              </a:solidFill>
+              <a:latin typeface="Calibri"/>
+              <a:ea typeface="Calibri"/>
+              <a:cs typeface="Calibri"/>
+              <a:sym typeface="Calibri"/>
+            </a:endParaRPr>
+          </a:p>
+          <a:p>
+            <a:pPr marL="171450" lvl="0" indent="-133350" algn="l" rtl="0">
+              <a:spcBef>
+                <a:spcPts val="0"/>
+              </a:spcBef>
+              <a:spcAft>
+                <a:spcPts val="0"/>
+              </a:spcAft>
+              <a:buClr>
+                <a:srgbClr val="131313"/>
+              </a:buClr>
+              <a:buSzPts val="1200"/>
+              <a:buFont typeface="Calibri"/>
+              <a:buChar char="●"/>
+            </a:pPr>
+            <a:r>
+              <a:rPr lang="en" sz="1200" b="1">
+                <a:solidFill>
+                  <a:srgbClr val="3C78D8"/>
+                </a:solidFill>
+                <a:latin typeface="Calibri"/>
+                <a:ea typeface="Calibri"/>
+                <a:cs typeface="Calibri"/>
+                <a:sym typeface="Calibri"/>
+              </a:rPr>
+              <a:t>Unitree G1 Robot (China: Kungfu, flips, kick-up, ...)</a:t>
+            </a:r>
+            <a:br>
+              <a:rPr lang="en" sz="900">
+                <a:solidFill>
+                  <a:srgbClr val="131313"/>
+                </a:solidFill>
+                <a:latin typeface="Calibri"/>
+                <a:ea typeface="Calibri"/>
+                <a:cs typeface="Calibri"/>
+                <a:sym typeface="Calibri"/>
+              </a:rPr>
+            </a:br>
+            <a:r>
+              <a:rPr lang="en" sz="900" u="sng">
+                <a:solidFill>
+                  <a:schemeClr val="hlink"/>
+                </a:solidFill>
+                <a:latin typeface="Calibri"/>
+                <a:ea typeface="Calibri"/>
+                <a:cs typeface="Calibri"/>
+                <a:sym typeface="Calibri"/>
+                <a:hlinkClick r:id="rId9"/>
+              </a:rPr>
+              <a:t>https://www.youtube.com/watch?v=0C-LU0cnqB8</a:t>
+            </a:r>
+            <a:endParaRPr sz="900">
+              <a:solidFill>
+                <a:srgbClr val="131313"/>
+              </a:solidFill>
+              <a:latin typeface="Calibri"/>
+              <a:ea typeface="Calibri"/>
+              <a:cs typeface="Calibri"/>
+              <a:sym typeface="Calibri"/>
+            </a:endParaRPr>
+          </a:p>
+          <a:p>
+            <a:pPr marL="171450" lvl="0" indent="-133350" algn="l" rtl="0">
+              <a:spcBef>
+                <a:spcPts val="0"/>
+              </a:spcBef>
+              <a:spcAft>
+                <a:spcPts val="0"/>
+              </a:spcAft>
+              <a:buClr>
+                <a:srgbClr val="131313"/>
+              </a:buClr>
+              <a:buSzPts val="1200"/>
+              <a:buFont typeface="Calibri"/>
+              <a:buChar char="●"/>
+            </a:pPr>
+            <a:r>
+              <a:rPr lang="en" sz="1200" b="1">
+                <a:solidFill>
+                  <a:srgbClr val="3C78D8"/>
+                </a:solidFill>
+                <a:latin typeface="Calibri"/>
+                <a:ea typeface="Calibri"/>
+                <a:cs typeface="Calibri"/>
+                <a:sym typeface="Calibri"/>
+              </a:rPr>
+              <a:t>Tesla Bot gen 3</a:t>
+            </a:r>
+            <a:r>
+              <a:rPr lang="en" sz="1200">
+                <a:solidFill>
+                  <a:srgbClr val="131313"/>
+                </a:solidFill>
+                <a:latin typeface="Calibri"/>
+                <a:ea typeface="Calibri"/>
+                <a:cs typeface="Calibri"/>
+                <a:sym typeface="Calibri"/>
+              </a:rPr>
+              <a:t> ($2,579 !)</a:t>
+            </a:r>
+            <a:br>
+              <a:rPr lang="en" sz="900">
+                <a:solidFill>
+                  <a:srgbClr val="131313"/>
+                </a:solidFill>
+                <a:latin typeface="Calibri"/>
+                <a:ea typeface="Calibri"/>
+                <a:cs typeface="Calibri"/>
+                <a:sym typeface="Calibri"/>
+              </a:rPr>
+            </a:br>
+            <a:r>
+              <a:rPr lang="en" sz="900" u="sng">
+                <a:solidFill>
+                  <a:schemeClr val="hlink"/>
+                </a:solidFill>
+                <a:latin typeface="Calibri"/>
+                <a:ea typeface="Calibri"/>
+                <a:cs typeface="Calibri"/>
+                <a:sym typeface="Calibri"/>
                 <a:hlinkClick r:id="rId10"/>
               </a:rPr>
+              <a:t>https://www.youtube.com/watch?v=KTLAHRoH82A</a:t>
+            </a:r>
+            <a:endParaRPr sz="900">
+              <a:solidFill>
+                <a:srgbClr val="131313"/>
+              </a:solidFill>
+              <a:latin typeface="Calibri"/>
+              <a:ea typeface="Calibri"/>
+              <a:cs typeface="Calibri"/>
+              <a:sym typeface="Calibri"/>
+            </a:endParaRPr>
+          </a:p>
+          <a:p>
+            <a:pPr marL="171450" lvl="0" indent="-133350" algn="l" rtl="0">
+              <a:spcBef>
+                <a:spcPts val="0"/>
+              </a:spcBef>
+              <a:spcAft>
+                <a:spcPts val="0"/>
+              </a:spcAft>
+              <a:buClr>
+                <a:srgbClr val="131313"/>
+              </a:buClr>
+              <a:buSzPts val="1200"/>
+              <a:buFont typeface="Calibri"/>
+              <a:buChar char="●"/>
+            </a:pPr>
+            <a:r>
+              <a:rPr lang="en" sz="1200">
+                <a:solidFill>
+                  <a:srgbClr val="131313"/>
+                </a:solidFill>
+                <a:latin typeface="Calibri"/>
+                <a:ea typeface="Calibri"/>
+                <a:cs typeface="Calibri"/>
+                <a:sym typeface="Calibri"/>
+              </a:rPr>
+              <a:t> </a:t>
+            </a:r>
+            <a:r>
+              <a:rPr lang="en" sz="1200" b="1">
+                <a:solidFill>
+                  <a:srgbClr val="3C78D8"/>
+                </a:solidFill>
+                <a:latin typeface="Calibri"/>
+                <a:ea typeface="Calibri"/>
+                <a:cs typeface="Calibri"/>
+                <a:sym typeface="Calibri"/>
+              </a:rPr>
+              <a:t>Nvidia Isaac GROOT N1</a:t>
+            </a:r>
+            <a:r>
+              <a:rPr lang="en" sz="1200">
+                <a:solidFill>
+                  <a:srgbClr val="131313"/>
+                </a:solidFill>
+                <a:latin typeface="Calibri"/>
+                <a:ea typeface="Calibri"/>
+                <a:cs typeface="Calibri"/>
+                <a:sym typeface="Calibri"/>
+              </a:rPr>
+              <a:t> - a foundation model for humanoid robots</a:t>
+            </a:r>
+            <a:br>
+              <a:rPr lang="en" sz="1200">
+                <a:solidFill>
+                  <a:srgbClr val="131313"/>
+                </a:solidFill>
+                <a:latin typeface="Calibri"/>
+                <a:ea typeface="Calibri"/>
+                <a:cs typeface="Calibri"/>
+                <a:sym typeface="Calibri"/>
+              </a:rPr>
+            </a:br>
+            <a:r>
+              <a:rPr lang="en" sz="900" u="sng">
+                <a:solidFill>
+                  <a:schemeClr val="hlink"/>
+                </a:solidFill>
+                <a:latin typeface="Calibri"/>
+                <a:ea typeface="Calibri"/>
+                <a:cs typeface="Calibri"/>
+                <a:sym typeface="Calibri"/>
+                <a:hlinkClick r:id="rId11"/>
+              </a:rPr>
               <a:t>https://www.youtube.com/watch?v=BFiBZI3nqhQ</a:t>
+            </a:r>
+            <a:r>
+              <a:rPr lang="en" sz="900">
+                <a:solidFill>
+                  <a:srgbClr val="131313"/>
+                </a:solidFill>
+                <a:latin typeface="Calibri"/>
+                <a:ea typeface="Calibri"/>
+                <a:cs typeface="Calibri"/>
+                <a:sym typeface="Calibri"/>
+              </a:rPr>
+              <a:t> </a:t>
+            </a:r>
+            <a:endParaRPr sz="900">
+              <a:solidFill>
+                <a:srgbClr val="131313"/>
+              </a:solidFill>
+              <a:latin typeface="Calibri"/>
+              <a:ea typeface="Calibri"/>
+              <a:cs typeface="Calibri"/>
+              <a:sym typeface="Calibri"/>
+            </a:endParaRPr>
+          </a:p>
+          <a:p>
+            <a:pPr marL="171450" lvl="0" indent="-133350" algn="l" rtl="0">
+              <a:spcBef>
+                <a:spcPts val="0"/>
+              </a:spcBef>
+              <a:spcAft>
+                <a:spcPts val="0"/>
+              </a:spcAft>
+              <a:buClr>
+                <a:srgbClr val="131313"/>
+              </a:buClr>
+              <a:buSzPts val="1200"/>
+              <a:buFont typeface="Calibri"/>
+              <a:buChar char="●"/>
+            </a:pPr>
+            <a:r>
+              <a:rPr lang="en" sz="1200" b="1">
+                <a:solidFill>
+                  <a:srgbClr val="3C78D8"/>
+                </a:solidFill>
+                <a:latin typeface="Calibri"/>
+                <a:ea typeface="Calibri"/>
+                <a:cs typeface="Calibri"/>
+                <a:sym typeface="Calibri"/>
+              </a:rPr>
+              <a:t>Figure AI Helix</a:t>
+            </a:r>
+            <a:r>
+              <a:rPr lang="en" sz="1200">
+                <a:solidFill>
+                  <a:srgbClr val="131313"/>
+                </a:solidFill>
+                <a:latin typeface="Calibri"/>
+                <a:ea typeface="Calibri"/>
+                <a:cs typeface="Calibri"/>
+                <a:sym typeface="Calibri"/>
+              </a:rPr>
+              <a:t> - a Vision-Language-Action model</a:t>
+            </a:r>
+            <a:br>
+              <a:rPr lang="en" sz="900">
+                <a:solidFill>
+                  <a:srgbClr val="131313"/>
+                </a:solidFill>
+                <a:latin typeface="Calibri"/>
+                <a:ea typeface="Calibri"/>
+                <a:cs typeface="Calibri"/>
+                <a:sym typeface="Calibri"/>
+              </a:rPr>
+            </a:br>
+            <a:r>
+              <a:rPr lang="en" sz="900" u="sng">
+                <a:solidFill>
+                  <a:schemeClr val="hlink"/>
+                </a:solidFill>
+                <a:latin typeface="Calibri"/>
+                <a:ea typeface="Calibri"/>
+                <a:cs typeface="Calibri"/>
+                <a:sym typeface="Calibri"/>
+                <a:hlinkClick r:id="rId12"/>
+              </a:rPr>
+              <a:t>https://www.figure.ai/news/helix</a:t>
             </a:r>
             <a:r>
               <a:rPr lang="en" sz="900">
@@ -21985,12 +22554,12 @@
       </p:sp>
       <p:pic>
         <p:nvPicPr>
-          <p:cNvPr id="209" name="Google Shape;209;p31"/>
+          <p:cNvPr id="210" name="Google Shape;210;p31"/>
           <p:cNvPicPr preferRelativeResize="0"/>
           <p:nvPr/>
         </p:nvPicPr>
         <p:blipFill>
-          <a:blip r:embed="rId11" cstate="email">
+          <a:blip r:embed="rId13" cstate="email">
             <a:alphaModFix/>
             <a:extLst>
               <a:ext uri="{28A0092B-C50C-407E-A947-70E740481C1C}">
@@ -22004,47 +22573,8 @@
         </p:blipFill>
         <p:spPr>
           <a:xfrm>
-            <a:off x="3641800" y="52750"/>
+            <a:off x="4251400" y="52750"/>
             <a:ext cx="2411425" cy="1354923"/>
-          </a:xfrm>
-          <a:prstGeom prst="rect">
-            <a:avLst/>
-          </a:prstGeom>
-          <a:noFill/>
-          <a:ln w="9525" cap="flat" cmpd="sng">
-            <a:solidFill>
-              <a:srgbClr val="FF0000"/>
-            </a:solidFill>
-            <a:prstDash val="solid"/>
-            <a:round/>
-            <a:headEnd type="none" w="sm" len="sm"/>
-            <a:tailEnd type="none" w="sm" len="sm"/>
-          </a:ln>
-        </p:spPr>
-      </p:pic>
-      <p:pic>
-        <p:nvPicPr>
-          <p:cNvPr id="210" name="Google Shape;210;p31"/>
-          <p:cNvPicPr preferRelativeResize="0"/>
-          <p:nvPr/>
-        </p:nvPicPr>
-        <p:blipFill>
-          <a:blip r:embed="rId12" cstate="email">
-            <a:alphaModFix/>
-            <a:extLst>
-              <a:ext uri="{28A0092B-C50C-407E-A947-70E740481C1C}">
-                <a14:useLocalDpi xmlns:a14="http://schemas.microsoft.com/office/drawing/2010/main"/>
-              </a:ext>
-            </a:extLst>
-          </a:blip>
-          <a:stretch>
-            <a:fillRect/>
-          </a:stretch>
-        </p:blipFill>
-        <p:spPr>
-          <a:xfrm>
-            <a:off x="4022750" y="1983650"/>
-            <a:ext cx="2400672" cy="1350400"/>
           </a:xfrm>
           <a:prstGeom prst="rect">
             <a:avLst/>
@@ -22068,7 +22598,7 @@
           <p:nvPr/>
         </p:nvPicPr>
         <p:blipFill>
-          <a:blip r:embed="rId13" cstate="email">
+          <a:blip r:embed="rId14" cstate="email">
             <a:alphaModFix/>
             <a:extLst>
               <a:ext uri="{28A0092B-C50C-407E-A947-70E740481C1C}">
@@ -22082,8 +22612,8 @@
         </p:blipFill>
         <p:spPr>
           <a:xfrm>
-            <a:off x="7740150" y="52750"/>
-            <a:ext cx="1357650" cy="1469650"/>
+            <a:off x="5699150" y="1755050"/>
+            <a:ext cx="2400672" cy="1350400"/>
           </a:xfrm>
           <a:prstGeom prst="rect">
             <a:avLst/>
@@ -22106,8 +22636,47 @@
           <p:cNvPicPr preferRelativeResize="0"/>
           <p:nvPr/>
         </p:nvPicPr>
+        <p:blipFill>
+          <a:blip r:embed="rId15" cstate="email">
+            <a:alphaModFix/>
+            <a:extLst>
+              <a:ext uri="{28A0092B-C50C-407E-A947-70E740481C1C}">
+                <a14:useLocalDpi xmlns:a14="http://schemas.microsoft.com/office/drawing/2010/main"/>
+              </a:ext>
+            </a:extLst>
+          </a:blip>
+          <a:stretch>
+            <a:fillRect/>
+          </a:stretch>
+        </p:blipFill>
+        <p:spPr>
+          <a:xfrm>
+            <a:off x="7851883" y="52750"/>
+            <a:ext cx="1245917" cy="1348700"/>
+          </a:xfrm>
+          <a:prstGeom prst="rect">
+            <a:avLst/>
+          </a:prstGeom>
+          <a:noFill/>
+          <a:ln w="9525" cap="flat" cmpd="sng">
+            <a:solidFill>
+              <a:srgbClr val="FF0000"/>
+            </a:solidFill>
+            <a:prstDash val="solid"/>
+            <a:round/>
+            <a:headEnd type="none" w="sm" len="sm"/>
+            <a:tailEnd type="none" w="sm" len="sm"/>
+          </a:ln>
+        </p:spPr>
+      </p:pic>
+      <p:pic>
+        <p:nvPicPr>
+          <p:cNvPr id="213" name="Google Shape;213;p31"/>
+          <p:cNvPicPr preferRelativeResize="0"/>
+          <p:nvPr/>
+        </p:nvPicPr>
         <p:blipFill rotWithShape="1">
-          <a:blip r:embed="rId14" cstate="email">
+          <a:blip r:embed="rId16" cstate="email">
             <a:alphaModFix/>
             <a:extLst>
               <a:ext uri="{28A0092B-C50C-407E-A947-70E740481C1C}">
@@ -22120,7 +22689,7 @@
         </p:blipFill>
         <p:spPr>
           <a:xfrm>
-            <a:off x="7696925" y="2064003"/>
+            <a:off x="8154125" y="1759203"/>
             <a:ext cx="931200" cy="1350400"/>
           </a:xfrm>
           <a:prstGeom prst="rect">
@@ -22140,13 +22709,13 @@
       </p:pic>
       <p:sp>
         <p:nvSpPr>
-          <p:cNvPr id="213" name="Google Shape;213;p31"/>
+          <p:cNvPr id="214" name="Google Shape;214;p31"/>
           <p:cNvSpPr txBox="1"/>
           <p:nvPr/>
         </p:nvSpPr>
         <p:spPr>
           <a:xfrm>
-            <a:off x="5079863" y="1456875"/>
+            <a:off x="5689463" y="1456875"/>
             <a:ext cx="747900" cy="203100"/>
           </a:xfrm>
           <a:prstGeom prst="rect">
@@ -22206,13 +22775,13 @@
       </p:sp>
       <p:sp>
         <p:nvSpPr>
-          <p:cNvPr id="214" name="Google Shape;214;p31"/>
+          <p:cNvPr id="215" name="Google Shape;215;p31"/>
           <p:cNvSpPr txBox="1"/>
           <p:nvPr/>
         </p:nvSpPr>
         <p:spPr>
           <a:xfrm>
-            <a:off x="8045025" y="1568015"/>
+            <a:off x="8147311" y="1455284"/>
             <a:ext cx="747900" cy="203100"/>
           </a:xfrm>
           <a:prstGeom prst="rect">
@@ -22272,13 +22841,13 @@
       </p:sp>
       <p:sp>
         <p:nvSpPr>
-          <p:cNvPr id="215" name="Google Shape;215;p31"/>
+          <p:cNvPr id="216" name="Google Shape;216;p31"/>
           <p:cNvSpPr txBox="1"/>
           <p:nvPr/>
         </p:nvSpPr>
         <p:spPr>
           <a:xfrm>
-            <a:off x="4930763" y="3379745"/>
+            <a:off x="6607163" y="3151145"/>
             <a:ext cx="747900" cy="203100"/>
           </a:xfrm>
           <a:prstGeom prst="rect">
@@ -22338,13 +22907,13 @@
       </p:sp>
       <p:sp>
         <p:nvSpPr>
-          <p:cNvPr id="216" name="Google Shape;216;p31"/>
+          <p:cNvPr id="217" name="Google Shape;217;p31"/>
           <p:cNvSpPr txBox="1"/>
           <p:nvPr/>
         </p:nvSpPr>
         <p:spPr>
           <a:xfrm>
-            <a:off x="7696925" y="3441292"/>
+            <a:off x="8154125" y="3136492"/>
             <a:ext cx="931200" cy="203100"/>
           </a:xfrm>
           <a:prstGeom prst="rect">
@@ -22404,12 +22973,12 @@
       </p:sp>
       <p:pic>
         <p:nvPicPr>
-          <p:cNvPr id="217" name="Google Shape;217;p31"/>
+          <p:cNvPr id="218" name="Google Shape;218;p31"/>
           <p:cNvPicPr preferRelativeResize="0"/>
           <p:nvPr/>
         </p:nvPicPr>
         <p:blipFill>
-          <a:blip r:embed="rId15" cstate="email">
+          <a:blip r:embed="rId17" cstate="email">
             <a:alphaModFix/>
             <a:extLst>
               <a:ext uri="{28A0092B-C50C-407E-A947-70E740481C1C}">
@@ -22423,8 +22992,8 @@
         </p:blipFill>
         <p:spPr>
           <a:xfrm>
-            <a:off x="55075" y="3472768"/>
-            <a:ext cx="1700724" cy="1350399"/>
+            <a:off x="4828450" y="3485432"/>
+            <a:ext cx="1108375" cy="880064"/>
           </a:xfrm>
           <a:prstGeom prst="rect">
             <a:avLst/>
@@ -22443,13 +23012,13 @@
       </p:pic>
       <p:sp>
         <p:nvSpPr>
-          <p:cNvPr id="218" name="Google Shape;218;p31"/>
+          <p:cNvPr id="219" name="Google Shape;219;p31"/>
           <p:cNvSpPr txBox="1"/>
           <p:nvPr/>
         </p:nvSpPr>
         <p:spPr>
           <a:xfrm>
-            <a:off x="531475" y="4883947"/>
+            <a:off x="5008688" y="4427072"/>
             <a:ext cx="747900" cy="203100"/>
           </a:xfrm>
           <a:prstGeom prst="rect">
@@ -22509,12 +23078,12 @@
       </p:sp>
       <p:pic>
         <p:nvPicPr>
-          <p:cNvPr id="219" name="Google Shape;219;p31"/>
+          <p:cNvPr id="220" name="Google Shape;220;p31"/>
           <p:cNvPicPr preferRelativeResize="0"/>
           <p:nvPr/>
         </p:nvPicPr>
         <p:blipFill>
-          <a:blip r:embed="rId16" cstate="email">
+          <a:blip r:embed="rId18" cstate="email">
             <a:alphaModFix/>
             <a:extLst>
               <a:ext uri="{28A0092B-C50C-407E-A947-70E740481C1C}">
@@ -22528,8 +23097,8 @@
         </p:blipFill>
         <p:spPr>
           <a:xfrm>
-            <a:off x="1842952" y="3471600"/>
-            <a:ext cx="1431197" cy="1354925"/>
+            <a:off x="6009901" y="3484665"/>
+            <a:ext cx="931199" cy="881573"/>
           </a:xfrm>
           <a:prstGeom prst="rect">
             <a:avLst/>
@@ -22548,14 +23117,14 @@
       </p:pic>
       <p:sp>
         <p:nvSpPr>
-          <p:cNvPr id="220" name="Google Shape;220;p31"/>
+          <p:cNvPr id="221" name="Google Shape;221;p31"/>
           <p:cNvSpPr txBox="1"/>
           <p:nvPr/>
         </p:nvSpPr>
         <p:spPr>
           <a:xfrm>
-            <a:off x="1842950" y="4881975"/>
-            <a:ext cx="1431300" cy="187800"/>
+            <a:off x="6007950" y="4427075"/>
+            <a:ext cx="931200" cy="357000"/>
           </a:xfrm>
           <a:prstGeom prst="rect">
             <a:avLst/>
@@ -22598,7 +23167,30 @@
                 <a:cs typeface="Calibri"/>
                 <a:sym typeface="Calibri"/>
               </a:rPr>
-              <a:t>Nvidia Isaac GROOT N1</a:t>
+              <a:t>Nvidia Isaac</a:t>
+            </a:r>
+            <a:br>
+              <a:rPr lang="en" sz="1100">
+                <a:solidFill>
+                  <a:srgbClr val="131313"/>
+                </a:solidFill>
+                <a:latin typeface="Calibri"/>
+                <a:ea typeface="Calibri"/>
+                <a:cs typeface="Calibri"/>
+                <a:sym typeface="Calibri"/>
+              </a:rPr>
+            </a:br>
+            <a:r>
+              <a:rPr lang="en" sz="1100">
+                <a:solidFill>
+                  <a:srgbClr val="131313"/>
+                </a:solidFill>
+                <a:latin typeface="Calibri"/>
+                <a:ea typeface="Calibri"/>
+                <a:cs typeface="Calibri"/>
+                <a:sym typeface="Calibri"/>
+              </a:rPr>
+              <a:t>GROOT N1</a:t>
             </a:r>
             <a:endParaRPr sz="1100">
               <a:solidFill>
@@ -22614,12 +23206,12 @@
       </p:sp>
       <p:pic>
         <p:nvPicPr>
-          <p:cNvPr id="221" name="Google Shape;221;p31"/>
+          <p:cNvPr id="222" name="Google Shape;222;p31"/>
           <p:cNvPicPr preferRelativeResize="0"/>
           <p:nvPr/>
         </p:nvPicPr>
         <p:blipFill>
-          <a:blip r:embed="rId17" cstate="email">
+          <a:blip r:embed="rId19" cstate="email">
             <a:alphaModFix/>
             <a:extLst>
               <a:ext uri="{28A0092B-C50C-407E-A947-70E740481C1C}">
@@ -22633,7 +23225,7 @@
         </p:blipFill>
         <p:spPr>
           <a:xfrm>
-            <a:off x="6065542" y="51050"/>
+            <a:off x="6675142" y="51050"/>
             <a:ext cx="1108394" cy="1350400"/>
           </a:xfrm>
           <a:prstGeom prst="rect">
@@ -22651,150 +23243,6 @@
           </a:ln>
         </p:spPr>
       </p:pic>
-      <p:sp>
-        <p:nvSpPr>
-          <p:cNvPr id="222" name="Google Shape;222;p31"/>
-          <p:cNvSpPr txBox="1"/>
-          <p:nvPr/>
-        </p:nvSpPr>
-        <p:spPr>
-          <a:xfrm>
-            <a:off x="3361300" y="3910025"/>
-            <a:ext cx="1881300" cy="664800"/>
-          </a:xfrm>
-          <a:prstGeom prst="rect">
-            <a:avLst/>
-          </a:prstGeom>
-          <a:solidFill>
-            <a:srgbClr val="FFF2CC"/>
-          </a:solidFill>
-          <a:ln w="9525" cap="flat" cmpd="sng">
-            <a:solidFill>
-              <a:srgbClr val="FF0000"/>
-            </a:solidFill>
-            <a:prstDash val="solid"/>
-            <a:round/>
-            <a:headEnd type="none" w="sm" len="sm"/>
-            <a:tailEnd type="none" w="sm" len="sm"/>
-          </a:ln>
-        </p:spPr>
-        <p:txBody>
-          <a:bodyPr spcFirstLastPara="1" wrap="square" lIns="9125" tIns="9125" rIns="9125" bIns="9125" anchor="t" anchorCtr="0">
-            <a:spAutoFit/>
-          </a:bodyPr>
-          <a:lstStyle/>
-          <a:p>
-            <a:pPr marL="171450" lvl="0" indent="-133350" algn="l" rtl="0">
-              <a:spcBef>
-                <a:spcPts val="0"/>
-              </a:spcBef>
-              <a:spcAft>
-                <a:spcPts val="0"/>
-              </a:spcAft>
-              <a:buClr>
-                <a:srgbClr val="131313"/>
-              </a:buClr>
-              <a:buSzPts val="1200"/>
-              <a:buFont typeface="Calibri"/>
-              <a:buChar char="●"/>
-            </a:pPr>
-            <a:r>
-              <a:rPr lang="en" sz="1200">
-                <a:solidFill>
-                  <a:srgbClr val="131313"/>
-                </a:solidFill>
-                <a:latin typeface="Calibri"/>
-                <a:ea typeface="Calibri"/>
-                <a:cs typeface="Calibri"/>
-                <a:sym typeface="Calibri"/>
-              </a:rPr>
-              <a:t>Chinese Robots, </a:t>
-            </a:r>
-            <a:br>
-              <a:rPr lang="en" sz="1200">
-                <a:solidFill>
-                  <a:srgbClr val="131313"/>
-                </a:solidFill>
-                <a:latin typeface="Calibri"/>
-                <a:ea typeface="Calibri"/>
-                <a:cs typeface="Calibri"/>
-                <a:sym typeface="Calibri"/>
-              </a:rPr>
-            </a:br>
-            <a:r>
-              <a:rPr lang="en" sz="1200">
-                <a:solidFill>
-                  <a:srgbClr val="131313"/>
-                </a:solidFill>
-                <a:latin typeface="Calibri"/>
-                <a:ea typeface="Calibri"/>
-                <a:cs typeface="Calibri"/>
-                <a:sym typeface="Calibri"/>
-              </a:rPr>
-              <a:t>short robots, back-flips, ...</a:t>
-            </a:r>
-            <a:endParaRPr sz="1200">
-              <a:solidFill>
-                <a:srgbClr val="131313"/>
-              </a:solidFill>
-              <a:latin typeface="Calibri"/>
-              <a:ea typeface="Calibri"/>
-              <a:cs typeface="Calibri"/>
-              <a:sym typeface="Calibri"/>
-            </a:endParaRPr>
-          </a:p>
-          <a:p>
-            <a:pPr marL="171450" lvl="0" indent="-114300" algn="l" rtl="0">
-              <a:spcBef>
-                <a:spcPts val="0"/>
-              </a:spcBef>
-              <a:spcAft>
-                <a:spcPts val="0"/>
-              </a:spcAft>
-              <a:buClr>
-                <a:srgbClr val="131313"/>
-              </a:buClr>
-              <a:buSzPts val="900"/>
-              <a:buFont typeface="Calibri"/>
-              <a:buChar char="●"/>
-            </a:pPr>
-            <a:r>
-              <a:rPr lang="en" sz="900" u="sng">
-                <a:solidFill>
-                  <a:schemeClr val="hlink"/>
-                </a:solidFill>
-                <a:latin typeface="Calibri"/>
-                <a:ea typeface="Calibri"/>
-                <a:cs typeface="Calibri"/>
-                <a:sym typeface="Calibri"/>
-                <a:hlinkClick r:id="rId18"/>
-              </a:rPr>
-              <a:t>https://www.youtube.com/watch?v=s0s2j35KBWA</a:t>
-            </a:r>
-            <a:r>
-              <a:rPr lang="en" sz="900">
-                <a:solidFill>
-                  <a:srgbClr val="131313"/>
-                </a:solidFill>
-                <a:latin typeface="Calibri"/>
-                <a:ea typeface="Calibri"/>
-                <a:cs typeface="Calibri"/>
-                <a:sym typeface="Calibri"/>
-              </a:rPr>
-              <a:t> </a:t>
-            </a:r>
-            <a:endParaRPr sz="900">
-              <a:solidFill>
-                <a:srgbClr val="131313"/>
-              </a:solidFill>
-              <a:latin typeface="Calibri"/>
-              <a:ea typeface="Calibri"/>
-              <a:cs typeface="Calibri"/>
-              <a:sym typeface="Calibri"/>
-            </a:endParaRPr>
-          </a:p>
-        </p:txBody>
-      </p:sp>
       <p:pic>
         <p:nvPicPr>
           <p:cNvPr id="223" name="Google Shape;223;p31"/>
@@ -22802,7 +23250,7 @@
           <p:nvPr/>
         </p:nvPicPr>
         <p:blipFill>
-          <a:blip r:embed="rId19" cstate="email">
+          <a:blip r:embed="rId20" cstate="email">
             <a:alphaModFix/>
             <a:extLst>
               <a:ext uri="{28A0092B-C50C-407E-A947-70E740481C1C}">
@@ -22835,7 +23283,7 @@
           <p:nvPr/>
         </p:nvPicPr>
         <p:blipFill>
-          <a:blip r:embed="rId20" cstate="email">
+          <a:blip r:embed="rId21" cstate="email">
             <a:alphaModFix/>
             <a:extLst>
               <a:ext uri="{28A0092B-C50C-407E-A947-70E740481C1C}">
@@ -22849,46 +23297,8 @@
         </p:blipFill>
         <p:spPr>
           <a:xfrm>
-            <a:off x="7230725" y="3781818"/>
+            <a:off x="7306275" y="3423818"/>
             <a:ext cx="1791525" cy="1003250"/>
-          </a:xfrm>
-          <a:prstGeom prst="rect">
-            <a:avLst/>
-          </a:prstGeom>
-          <a:noFill/>
-          <a:ln w="9525" cap="flat" cmpd="sng">
-            <a:solidFill>
-              <a:srgbClr val="FF0000"/>
-            </a:solidFill>
-            <a:prstDash val="solid"/>
-            <a:round/>
-            <a:headEnd type="none" w="sm" len="sm"/>
-            <a:tailEnd type="none" w="sm" len="sm"/>
-          </a:ln>
-        </p:spPr>
-      </p:pic>
-      <p:pic>
-        <p:nvPicPr>
-          <p:cNvPr id="225" name="Google Shape;225;p31"/>
-          <p:cNvPicPr preferRelativeResize="0"/>
-          <p:nvPr/>
-        </p:nvPicPr>
-        <p:blipFill rotWithShape="1">
-          <a:blip r:embed="rId21" cstate="email">
-            <a:alphaModFix/>
-            <a:extLst>
-              <a:ext uri="{28A0092B-C50C-407E-A947-70E740481C1C}">
-                <a14:useLocalDpi xmlns:a14="http://schemas.microsoft.com/office/drawing/2010/main"/>
-              </a:ext>
-            </a:extLst>
-          </a:blip>
-          <a:srcRect/>
-          <a:stretch/>
-        </p:blipFill>
-        <p:spPr>
-          <a:xfrm>
-            <a:off x="6476946" y="3662918"/>
-            <a:ext cx="675458" cy="1124125"/>
           </a:xfrm>
           <a:prstGeom prst="rect">
             <a:avLst/>
@@ -22907,13 +23317,13 @@
       </p:pic>
       <p:sp>
         <p:nvSpPr>
-          <p:cNvPr id="226" name="Google Shape;226;p31"/>
+          <p:cNvPr id="225" name="Google Shape;225;p31"/>
           <p:cNvSpPr txBox="1"/>
           <p:nvPr/>
         </p:nvSpPr>
         <p:spPr>
           <a:xfrm>
-            <a:off x="7696925" y="4826928"/>
+            <a:off x="7736438" y="4511303"/>
             <a:ext cx="931200" cy="203100"/>
           </a:xfrm>
           <a:prstGeom prst="rect">
@@ -22971,6 +23381,39 @@
           </a:p>
         </p:txBody>
       </p:sp>
+      <p:pic>
+        <p:nvPicPr>
+          <p:cNvPr id="226" name="Google Shape;226;p31"/>
+          <p:cNvPicPr preferRelativeResize="0"/>
+          <p:nvPr/>
+        </p:nvPicPr>
+        <p:blipFill>
+          <a:blip r:embed="rId22" cstate="email">
+            <a:alphaModFix/>
+            <a:extLst>
+              <a:ext uri="{28A0092B-C50C-407E-A947-70E740481C1C}">
+                <a14:useLocalDpi xmlns:a14="http://schemas.microsoft.com/office/drawing/2010/main"/>
+              </a:ext>
+            </a:extLst>
+          </a:blip>
+          <a:stretch>
+            <a:fillRect/>
+          </a:stretch>
+        </p:blipFill>
+        <p:spPr>
+          <a:xfrm>
+            <a:off x="4049695" y="1788075"/>
+            <a:ext cx="1564581" cy="880075"/>
+          </a:xfrm>
+          <a:prstGeom prst="rect">
+            <a:avLst/>
+          </a:prstGeom>
+          <a:noFill/>
+          <a:ln>
+            <a:noFill/>
+          </a:ln>
+        </p:spPr>
+      </p:pic>
       <p:sp>
         <p:nvSpPr>
           <p:cNvPr id="227" name="Google Shape;227;p31"/>
@@ -22979,8 +23422,8 @@
         </p:nvSpPr>
         <p:spPr>
           <a:xfrm>
-            <a:off x="6476975" y="4826937"/>
-            <a:ext cx="675600" cy="203100"/>
+            <a:off x="4366378" y="2705075"/>
+            <a:ext cx="931200" cy="203100"/>
           </a:xfrm>
           <a:prstGeom prst="rect">
             <a:avLst/>
@@ -23023,7 +23466,7 @@
                 <a:cs typeface="Calibri"/>
                 <a:sym typeface="Calibri"/>
               </a:rPr>
-              <a:t>dancing</a:t>
+              <a:t>Figure Helix</a:t>
             </a:r>
             <a:endParaRPr sz="1200">
               <a:solidFill>

--- a/2025/2025-03-28-AI-Updates.pptx
+++ b/2025/2025-03-28-AI-Updates.pptx
@@ -2690,7 +2690,7 @@
   <p:cSld>
     <p:spTree>
       <p:nvGrpSpPr>
-        <p:cNvPr id="1" name="Shape 324"/>
+        <p:cNvPr id="1" name="Shape 325"/>
         <p:cNvGrpSpPr/>
         <p:nvPr/>
       </p:nvGrpSpPr>
@@ -2704,7 +2704,7 @@
       </p:grpSpPr>
       <p:sp>
         <p:nvSpPr>
-          <p:cNvPr id="325" name="Google Shape;325;p22:notes"/>
+          <p:cNvPr id="326" name="Google Shape;326;p22:notes"/>
           <p:cNvSpPr>
             <a:spLocks noGrp="1" noRot="1" noChangeAspect="1"/>
           </p:cNvSpPr>
@@ -2755,7 +2755,7 @@
       </p:sp>
       <p:sp>
         <p:nvSpPr>
-          <p:cNvPr id="326" name="Google Shape;326;p22:notes"/>
+          <p:cNvPr id="327" name="Google Shape;327;p22:notes"/>
           <p:cNvSpPr txBox="1">
             <a:spLocks noGrp="1"/>
           </p:cNvSpPr>
@@ -2812,7 +2812,7 @@
   <p:cSld>
     <p:spTree>
       <p:nvGrpSpPr>
-        <p:cNvPr id="1" name="Shape 334"/>
+        <p:cNvPr id="1" name="Shape 335"/>
         <p:cNvGrpSpPr/>
         <p:nvPr/>
       </p:nvGrpSpPr>
@@ -2826,7 +2826,7 @@
       </p:grpSpPr>
       <p:sp>
         <p:nvSpPr>
-          <p:cNvPr id="335" name="Google Shape;335;p23:notes"/>
+          <p:cNvPr id="336" name="Google Shape;336;p23:notes"/>
           <p:cNvSpPr>
             <a:spLocks noGrp="1" noRot="1" noChangeAspect="1"/>
           </p:cNvSpPr>
@@ -2877,7 +2877,7 @@
       </p:sp>
       <p:sp>
         <p:nvSpPr>
-          <p:cNvPr id="336" name="Google Shape;336;p23:notes"/>
+          <p:cNvPr id="337" name="Google Shape;337;p23:notes"/>
           <p:cNvSpPr txBox="1">
             <a:spLocks noGrp="1"/>
           </p:cNvSpPr>
@@ -15023,6 +15023,19 @@
               <a:buChar char="●"/>
             </a:pPr>
             <a:r>
+              <a:rPr lang="en" sz="1200" u="sng">
+                <a:solidFill>
+                  <a:schemeClr val="hlink"/>
+                </a:solidFill>
+                <a:latin typeface="Calibri"/>
+                <a:ea typeface="Calibri"/>
+                <a:cs typeface="Calibri"/>
+                <a:sym typeface="Calibri"/>
+                <a:hlinkClick r:id="rId3"/>
+              </a:rPr>
+              <a:t>https://www.youtube.com/watch?v=AEOI-y546_4</a:t>
+            </a:r>
+            <a:r>
               <a:rPr lang="en" sz="1200">
                 <a:solidFill>
                   <a:srgbClr val="131313"/>
@@ -15032,7 +15045,7 @@
                 <a:cs typeface="Calibri"/>
                 <a:sym typeface="Calibri"/>
               </a:rPr>
-              <a:t>https://www.youtube.com/watch?v=AEOI-y546_4</a:t>
+              <a:t> </a:t>
             </a:r>
             <a:endParaRPr sz="1200">
               <a:solidFill>
@@ -15139,7 +15152,7 @@
                 <a:ea typeface="Calibri"/>
                 <a:cs typeface="Calibri"/>
                 <a:sym typeface="Calibri"/>
-                <a:hlinkClick r:id="rId3"/>
+                <a:hlinkClick r:id="rId4"/>
               </a:rPr>
               <a:t>https://getliner.com</a:t>
             </a:r>
@@ -15288,7 +15301,7 @@
                 <a:ea typeface="Calibri"/>
                 <a:cs typeface="Calibri"/>
                 <a:sym typeface="Calibri"/>
-                <a:hlinkClick r:id="rId4"/>
+                <a:hlinkClick r:id="rId5"/>
               </a:rPr>
               <a:t>https://www.youtube.com/watch?v=wG2v2BCBc2I</a:t>
             </a:r>
@@ -15496,7 +15509,7 @@
           <p:nvPr/>
         </p:nvPicPr>
         <p:blipFill>
-          <a:blip r:embed="rId5" cstate="email">
+          <a:blip r:embed="rId6" cstate="email">
             <a:alphaModFix/>
             <a:extLst>
               <a:ext uri="{28A0092B-C50C-407E-A947-70E740481C1C}">
@@ -15653,7 +15666,7 @@
                 <a:ea typeface="Calibri"/>
                 <a:cs typeface="Calibri"/>
                 <a:sym typeface="Calibri"/>
-                <a:hlinkClick r:id="rId6"/>
+                <a:hlinkClick r:id="rId7"/>
               </a:rPr>
               <a:t>https://arxiv.org/abs/2503.20201</a:t>
             </a:r>
@@ -24698,7 +24711,7 @@
                 <a:cs typeface="Calibri"/>
                 <a:sym typeface="Calibri"/>
               </a:rPr>
-              <a:t>Google Gemini 2.5 </a:t>
+              <a:t>Google Gemini 2.5 Pro (experimental) </a:t>
             </a:r>
             <a:endParaRPr sz="2000" b="1">
               <a:solidFill>
@@ -24753,27 +24766,27 @@
                 <a:spcPts val="0"/>
               </a:spcAft>
               <a:buClr>
-                <a:schemeClr val="dk1"/>
+                <a:srgbClr val="FF0000"/>
               </a:buClr>
               <a:buSzPts val="1200"/>
               <a:buFont typeface="Calibri"/>
               <a:buChar char="●"/>
             </a:pPr>
             <a:r>
-              <a:rPr lang="en" sz="1200">
-                <a:solidFill>
-                  <a:srgbClr val="131313"/>
-                </a:solidFill>
-                <a:latin typeface="Calibri"/>
-                <a:ea typeface="Calibri"/>
-                <a:cs typeface="Calibri"/>
-                <a:sym typeface="Calibri"/>
-              </a:rPr>
-              <a:t>Google Gemini 2.5 just released</a:t>
-            </a:r>
-            <a:endParaRPr sz="1200">
-              <a:solidFill>
-                <a:srgbClr val="131313"/>
+              <a:rPr lang="en" sz="1200" b="1">
+                <a:solidFill>
+                  <a:srgbClr val="FF0000"/>
+                </a:solidFill>
+                <a:latin typeface="Calibri"/>
+                <a:ea typeface="Calibri"/>
+                <a:cs typeface="Calibri"/>
+                <a:sym typeface="Calibri"/>
+              </a:rPr>
+              <a:t>Google Gemini 2.5 Pro (experimental) just released</a:t>
+            </a:r>
+            <a:endParaRPr sz="1200" b="1">
+              <a:solidFill>
+                <a:srgbClr val="FF0000"/>
               </a:solidFill>
               <a:latin typeface="Calibri"/>
               <a:ea typeface="Calibri"/>
@@ -27552,7 +27565,7 @@
         </p:nvSpPr>
         <p:spPr>
           <a:xfrm>
-            <a:off x="366753" y="2332141"/>
+            <a:off x="366753" y="2221040"/>
             <a:ext cx="287100" cy="141600"/>
           </a:xfrm>
           <a:prstGeom prst="rect">
@@ -27627,7 +27640,7 @@
         </p:nvSpPr>
         <p:spPr>
           <a:xfrm>
-            <a:off x="657622" y="1942029"/>
+            <a:off x="657622" y="2018229"/>
             <a:ext cx="125400" cy="125400"/>
           </a:xfrm>
           <a:prstGeom prst="ellipse">
@@ -27673,7 +27686,7 @@
         </p:nvSpPr>
         <p:spPr>
           <a:xfrm>
-            <a:off x="657622" y="1760296"/>
+            <a:off x="657622" y="1836496"/>
             <a:ext cx="125400" cy="125400"/>
           </a:xfrm>
           <a:prstGeom prst="ellipse">
@@ -27932,7 +27945,7 @@
         </p:nvSpPr>
         <p:spPr>
           <a:xfrm>
-            <a:off x="356993" y="4094864"/>
+            <a:off x="356993" y="3914544"/>
             <a:ext cx="287100" cy="141600"/>
           </a:xfrm>
           <a:prstGeom prst="rect">
@@ -28007,7 +28020,7 @@
         </p:nvSpPr>
         <p:spPr>
           <a:xfrm>
-            <a:off x="651849" y="2141089"/>
+            <a:off x="657624" y="2614276"/>
             <a:ext cx="125400" cy="125400"/>
           </a:xfrm>
           <a:prstGeom prst="ellipse">
@@ -28053,7 +28066,7 @@
         </p:nvSpPr>
         <p:spPr>
           <a:xfrm>
-            <a:off x="657622" y="2731577"/>
+            <a:off x="657622" y="2800797"/>
             <a:ext cx="125400" cy="125400"/>
           </a:xfrm>
           <a:prstGeom prst="ellipse">
@@ -28237,7 +28250,7 @@
         </p:nvSpPr>
         <p:spPr>
           <a:xfrm>
-            <a:off x="658590" y="3916803"/>
+            <a:off x="658590" y="3737064"/>
             <a:ext cx="125400" cy="125400"/>
           </a:xfrm>
           <a:prstGeom prst="ellipse">
@@ -28283,7 +28296,7 @@
         </p:nvSpPr>
         <p:spPr>
           <a:xfrm>
-            <a:off x="657622" y="2340536"/>
+            <a:off x="657622" y="2229435"/>
             <a:ext cx="125400" cy="125400"/>
           </a:xfrm>
           <a:prstGeom prst="ellipse">
@@ -28329,7 +28342,7 @@
         </p:nvSpPr>
         <p:spPr>
           <a:xfrm>
-            <a:off x="657622" y="2538871"/>
+            <a:off x="657622" y="2420790"/>
             <a:ext cx="125400" cy="125400"/>
           </a:xfrm>
           <a:prstGeom prst="ellipse">
@@ -28375,7 +28388,7 @@
         </p:nvSpPr>
         <p:spPr>
           <a:xfrm>
-            <a:off x="349062" y="3703185"/>
+            <a:off x="349062" y="3536825"/>
             <a:ext cx="288900" cy="141600"/>
           </a:xfrm>
           <a:prstGeom prst="rect">
@@ -28525,7 +28538,7 @@
         </p:nvSpPr>
         <p:spPr>
           <a:xfrm>
-            <a:off x="657622" y="4106557"/>
+            <a:off x="657622" y="3926237"/>
             <a:ext cx="125400" cy="125400"/>
           </a:xfrm>
           <a:prstGeom prst="ellipse">
@@ -28859,7 +28872,7 @@
         </p:nvSpPr>
         <p:spPr>
           <a:xfrm>
-            <a:off x="495922" y="3325013"/>
+            <a:off x="495922" y="3165632"/>
             <a:ext cx="287100" cy="141600"/>
           </a:xfrm>
           <a:prstGeom prst="rect">
@@ -28934,7 +28947,7 @@
         </p:nvSpPr>
         <p:spPr>
           <a:xfrm flipH="1">
-            <a:off x="582849" y="1363026"/>
+            <a:off x="582849" y="1460166"/>
             <a:ext cx="194400" cy="141600"/>
           </a:xfrm>
           <a:prstGeom prst="rect">
@@ -29076,7 +29089,7 @@
         </p:nvSpPr>
         <p:spPr>
           <a:xfrm>
-            <a:off x="657622" y="2952081"/>
+            <a:off x="660746" y="4687532"/>
             <a:ext cx="125400" cy="125400"/>
           </a:xfrm>
           <a:prstGeom prst="ellipse">
@@ -29214,7 +29227,7 @@
         </p:nvSpPr>
         <p:spPr>
           <a:xfrm>
-            <a:off x="651849" y="1563989"/>
+            <a:off x="651849" y="1661129"/>
             <a:ext cx="125400" cy="125400"/>
           </a:xfrm>
           <a:prstGeom prst="ellipse">
@@ -29260,7 +29273,7 @@
         </p:nvSpPr>
         <p:spPr>
           <a:xfrm>
-            <a:off x="517870" y="3137017"/>
+            <a:off x="517870" y="2977637"/>
             <a:ext cx="125400" cy="125400"/>
           </a:xfrm>
           <a:prstGeom prst="ellipse">
@@ -29352,7 +29365,7 @@
         </p:nvSpPr>
         <p:spPr>
           <a:xfrm>
-            <a:off x="657622" y="3143121"/>
+            <a:off x="657622" y="2983741"/>
             <a:ext cx="125400" cy="125400"/>
           </a:xfrm>
           <a:prstGeom prst="ellipse">
@@ -29398,7 +29411,7 @@
         </p:nvSpPr>
         <p:spPr>
           <a:xfrm>
-            <a:off x="657622" y="3713539"/>
+            <a:off x="657622" y="3547178"/>
             <a:ext cx="125400" cy="125400"/>
           </a:xfrm>
           <a:prstGeom prst="ellipse">
@@ -29444,7 +29457,7 @@
         </p:nvSpPr>
         <p:spPr>
           <a:xfrm>
-            <a:off x="495024" y="4292315"/>
+            <a:off x="495024" y="4105014"/>
             <a:ext cx="288900" cy="141600"/>
           </a:xfrm>
           <a:prstGeom prst="rect">
@@ -29519,7 +29532,7 @@
         </p:nvSpPr>
         <p:spPr>
           <a:xfrm>
-            <a:off x="438738" y="4480138"/>
+            <a:off x="438738" y="4293418"/>
             <a:ext cx="341400" cy="141600"/>
           </a:xfrm>
           <a:prstGeom prst="rect">
@@ -29661,7 +29674,7 @@
         </p:nvSpPr>
         <p:spPr>
           <a:xfrm>
-            <a:off x="657622" y="3519578"/>
+            <a:off x="657622" y="3367178"/>
             <a:ext cx="125400" cy="125400"/>
           </a:xfrm>
           <a:prstGeom prst="ellipse">
@@ -29753,7 +29766,7 @@
         </p:nvSpPr>
         <p:spPr>
           <a:xfrm>
-            <a:off x="651849" y="1183624"/>
+            <a:off x="658883" y="1101206"/>
             <a:ext cx="125400" cy="125400"/>
           </a:xfrm>
           <a:prstGeom prst="ellipse">
@@ -29799,7 +29812,7 @@
         </p:nvSpPr>
         <p:spPr>
           <a:xfrm>
-            <a:off x="658602" y="4710803"/>
+            <a:off x="658602" y="4489183"/>
             <a:ext cx="125400" cy="125400"/>
           </a:xfrm>
           <a:prstGeom prst="ellipse">
@@ -29950,45 +29963,6 @@
         </p:blipFill>
         <p:spPr>
           <a:xfrm>
-            <a:off x="813189" y="867412"/>
-            <a:ext cx="2882537" cy="4205874"/>
-          </a:xfrm>
-          <a:prstGeom prst="rect">
-            <a:avLst/>
-          </a:prstGeom>
-          <a:noFill/>
-          <a:ln w="9525" cap="flat" cmpd="sng">
-            <a:solidFill>
-              <a:srgbClr val="FF0000"/>
-            </a:solidFill>
-            <a:prstDash val="solid"/>
-            <a:round/>
-            <a:headEnd type="none" w="sm" len="sm"/>
-            <a:tailEnd type="none" w="sm" len="sm"/>
-          </a:ln>
-        </p:spPr>
-      </p:pic>
-      <p:pic>
-        <p:nvPicPr>
-          <p:cNvPr id="321" name="Google Shape;321;p36"/>
-          <p:cNvPicPr preferRelativeResize="0"/>
-          <p:nvPr/>
-        </p:nvPicPr>
-        <p:blipFill>
-          <a:blip r:embed="rId7" cstate="email">
-            <a:alphaModFix/>
-            <a:extLst>
-              <a:ext uri="{28A0092B-C50C-407E-A947-70E740481C1C}">
-                <a14:useLocalDpi xmlns:a14="http://schemas.microsoft.com/office/drawing/2010/main"/>
-              </a:ext>
-            </a:extLst>
-          </a:blip>
-          <a:stretch>
-            <a:fillRect/>
-          </a:stretch>
-        </p:blipFill>
-        <p:spPr>
-          <a:xfrm>
             <a:off x="4819921" y="867425"/>
             <a:ext cx="2882526" cy="4205851"/>
           </a:xfrm>
@@ -30009,53 +29983,7 @@
       </p:pic>
       <p:sp>
         <p:nvSpPr>
-          <p:cNvPr id="322" name="Google Shape;322;p36"/>
-          <p:cNvSpPr/>
-          <p:nvPr/>
-        </p:nvSpPr>
-        <p:spPr>
-          <a:xfrm>
-            <a:off x="658590" y="4907403"/>
-            <a:ext cx="125400" cy="125400"/>
-          </a:xfrm>
-          <a:prstGeom prst="ellipse">
-            <a:avLst/>
-          </a:prstGeom>
-          <a:solidFill>
-            <a:srgbClr val="FFFF00"/>
-          </a:solidFill>
-          <a:ln w="9525" cap="flat" cmpd="sng">
-            <a:solidFill>
-              <a:srgbClr val="595959"/>
-            </a:solidFill>
-            <a:prstDash val="solid"/>
-            <a:round/>
-            <a:headEnd type="none" w="sm" len="sm"/>
-            <a:tailEnd type="none" w="sm" len="sm"/>
-          </a:ln>
-        </p:spPr>
-        <p:txBody>
-          <a:bodyPr spcFirstLastPara="1" wrap="square" lIns="91425" tIns="91425" rIns="91425" bIns="91425" anchor="ctr" anchorCtr="0">
-            <a:noAutofit/>
-          </a:bodyPr>
-          <a:lstStyle/>
-          <a:p>
-            <a:pPr marL="0" lvl="0" indent="0" algn="ctr" rtl="0">
-              <a:spcBef>
-                <a:spcPts val="0"/>
-              </a:spcBef>
-              <a:spcAft>
-                <a:spcPts val="0"/>
-              </a:spcAft>
-              <a:buNone/>
-            </a:pPr>
-            <a:endParaRPr/>
-          </a:p>
-        </p:txBody>
-      </p:sp>
-      <p:sp>
-        <p:nvSpPr>
-          <p:cNvPr id="323" name="Google Shape;323;p36"/>
+          <p:cNvPr id="321" name="Google Shape;321;p36"/>
           <p:cNvSpPr txBox="1"/>
           <p:nvPr/>
         </p:nvSpPr>
@@ -30128,6 +30056,166 @@
           </a:p>
         </p:txBody>
       </p:sp>
+      <p:sp>
+        <p:nvSpPr>
+          <p:cNvPr id="322" name="Google Shape;322;p36"/>
+          <p:cNvSpPr/>
+          <p:nvPr/>
+        </p:nvSpPr>
+        <p:spPr>
+          <a:xfrm>
+            <a:off x="652250" y="1282359"/>
+            <a:ext cx="125400" cy="125400"/>
+          </a:xfrm>
+          <a:prstGeom prst="ellipse">
+            <a:avLst/>
+          </a:prstGeom>
+          <a:solidFill>
+            <a:srgbClr val="FFFF00"/>
+          </a:solidFill>
+          <a:ln w="9525" cap="flat" cmpd="sng">
+            <a:solidFill>
+              <a:srgbClr val="595959"/>
+            </a:solidFill>
+            <a:prstDash val="solid"/>
+            <a:round/>
+            <a:headEnd type="none" w="sm" len="sm"/>
+            <a:tailEnd type="none" w="sm" len="sm"/>
+          </a:ln>
+        </p:spPr>
+        <p:txBody>
+          <a:bodyPr spcFirstLastPara="1" wrap="square" lIns="91425" tIns="91425" rIns="91425" bIns="91425" anchor="ctr" anchorCtr="0">
+            <a:noAutofit/>
+          </a:bodyPr>
+          <a:lstStyle/>
+          <a:p>
+            <a:pPr marL="0" lvl="0" indent="0" algn="ctr" rtl="0">
+              <a:spcBef>
+                <a:spcPts val="0"/>
+              </a:spcBef>
+              <a:spcAft>
+                <a:spcPts val="0"/>
+              </a:spcAft>
+              <a:buNone/>
+            </a:pPr>
+            <a:endParaRPr/>
+          </a:p>
+        </p:txBody>
+      </p:sp>
+      <p:pic>
+        <p:nvPicPr>
+          <p:cNvPr id="323" name="Google Shape;323;p36"/>
+          <p:cNvPicPr preferRelativeResize="0"/>
+          <p:nvPr/>
+        </p:nvPicPr>
+        <p:blipFill>
+          <a:blip r:embed="rId7" cstate="email">
+            <a:alphaModFix/>
+            <a:extLst>
+              <a:ext uri="{28A0092B-C50C-407E-A947-70E740481C1C}">
+                <a14:useLocalDpi xmlns:a14="http://schemas.microsoft.com/office/drawing/2010/main"/>
+              </a:ext>
+            </a:extLst>
+          </a:blip>
+          <a:stretch>
+            <a:fillRect/>
+          </a:stretch>
+        </p:blipFill>
+        <p:spPr>
+          <a:xfrm>
+            <a:off x="808543" y="867425"/>
+            <a:ext cx="3179723" cy="4205849"/>
+          </a:xfrm>
+          <a:prstGeom prst="rect">
+            <a:avLst/>
+          </a:prstGeom>
+          <a:noFill/>
+          <a:ln w="9525" cap="flat" cmpd="sng">
+            <a:solidFill>
+              <a:srgbClr val="FF0000"/>
+            </a:solidFill>
+            <a:prstDash val="solid"/>
+            <a:round/>
+            <a:headEnd type="none" w="sm" len="sm"/>
+            <a:tailEnd type="none" w="sm" len="sm"/>
+          </a:ln>
+        </p:spPr>
+      </p:pic>
+      <p:sp>
+        <p:nvSpPr>
+          <p:cNvPr id="324" name="Google Shape;324;p36"/>
+          <p:cNvSpPr txBox="1"/>
+          <p:nvPr/>
+        </p:nvSpPr>
+        <p:spPr>
+          <a:xfrm>
+            <a:off x="499780" y="4866076"/>
+            <a:ext cx="288900" cy="141600"/>
+          </a:xfrm>
+          <a:prstGeom prst="rect">
+            <a:avLst/>
+          </a:prstGeom>
+          <a:noFill/>
+          <a:ln w="9525" cap="flat" cmpd="sng">
+            <a:solidFill>
+              <a:srgbClr val="FF0000"/>
+            </a:solidFill>
+            <a:prstDash val="solid"/>
+            <a:round/>
+            <a:headEnd type="none" w="sm" len="sm"/>
+            <a:tailEnd type="none" w="sm" len="sm"/>
+          </a:ln>
+        </p:spPr>
+        <p:txBody>
+          <a:bodyPr spcFirstLastPara="1" wrap="square" lIns="9125" tIns="9125" rIns="9125" bIns="9125" anchor="t" anchorCtr="0">
+            <a:spAutoFit/>
+          </a:bodyPr>
+          <a:lstStyle/>
+          <a:p>
+            <a:pPr marL="0" lvl="0" indent="0" algn="l" rtl="0">
+              <a:spcBef>
+                <a:spcPts val="0"/>
+              </a:spcBef>
+              <a:spcAft>
+                <a:spcPts val="0"/>
+              </a:spcAft>
+              <a:buClr>
+                <a:srgbClr val="000000"/>
+              </a:buClr>
+              <a:buSzPts val="1100"/>
+              <a:buFont typeface="Arial"/>
+              <a:buNone/>
+            </a:pPr>
+            <a:r>
+              <a:rPr lang="en" sz="800">
+                <a:solidFill>
+                  <a:srgbClr val="1F2937"/>
+                </a:solidFill>
+                <a:highlight>
+                  <a:srgbClr val="FFFFFF"/>
+                </a:highlight>
+                <a:latin typeface="Calibri"/>
+                <a:ea typeface="Calibri"/>
+                <a:cs typeface="Calibri"/>
+                <a:sym typeface="Calibri"/>
+              </a:rPr>
+              <a:t>China</a:t>
+            </a:r>
+            <a:endParaRPr sz="800">
+              <a:solidFill>
+                <a:srgbClr val="1F2937"/>
+              </a:solidFill>
+              <a:highlight>
+                <a:srgbClr val="FFFFFF"/>
+              </a:highlight>
+              <a:latin typeface="Calibri"/>
+              <a:ea typeface="Calibri"/>
+              <a:cs typeface="Calibri"/>
+              <a:sym typeface="Calibri"/>
+            </a:endParaRPr>
+          </a:p>
+        </p:txBody>
+      </p:sp>
     </p:spTree>
   </p:cSld>
   <p:clrMapOvr>
@@ -30141,7 +30229,7 @@
   <p:cSld>
     <p:spTree>
       <p:nvGrpSpPr>
-        <p:cNvPr id="1" name="Shape 327"/>
+        <p:cNvPr id="1" name="Shape 328"/>
         <p:cNvGrpSpPr/>
         <p:nvPr/>
       </p:nvGrpSpPr>
@@ -30155,7 +30243,7 @@
       </p:grpSpPr>
       <p:pic>
         <p:nvPicPr>
-          <p:cNvPr id="328" name="Google Shape;328;p37"/>
+          <p:cNvPr id="329" name="Google Shape;329;p37"/>
           <p:cNvPicPr preferRelativeResize="0"/>
           <p:nvPr/>
         </p:nvPicPr>
@@ -30187,7 +30275,7 @@
       </p:pic>
       <p:sp>
         <p:nvSpPr>
-          <p:cNvPr id="329" name="Google Shape;329;p37"/>
+          <p:cNvPr id="330" name="Google Shape;330;p37"/>
           <p:cNvSpPr txBox="1"/>
           <p:nvPr/>
         </p:nvSpPr>
@@ -30253,7 +30341,7 @@
       </p:sp>
       <p:sp>
         <p:nvSpPr>
-          <p:cNvPr id="330" name="Google Shape;330;p37"/>
+          <p:cNvPr id="331" name="Google Shape;331;p37"/>
           <p:cNvSpPr txBox="1"/>
           <p:nvPr/>
         </p:nvSpPr>
@@ -30683,7 +30771,7 @@
       </p:sp>
       <p:pic>
         <p:nvPicPr>
-          <p:cNvPr id="331" name="Google Shape;331;p37"/>
+          <p:cNvPr id="332" name="Google Shape;332;p37"/>
           <p:cNvPicPr preferRelativeResize="0"/>
           <p:nvPr/>
         </p:nvPicPr>
@@ -30715,7 +30803,7 @@
       </p:pic>
       <p:sp>
         <p:nvSpPr>
-          <p:cNvPr id="332" name="Google Shape;332;p37"/>
+          <p:cNvPr id="333" name="Google Shape;333;p37"/>
           <p:cNvSpPr txBox="1"/>
           <p:nvPr/>
         </p:nvSpPr>
@@ -30794,7 +30882,7 @@
       </p:sp>
       <p:sp>
         <p:nvSpPr>
-          <p:cNvPr id="333" name="Google Shape;333;p37"/>
+          <p:cNvPr id="334" name="Google Shape;334;p37"/>
           <p:cNvSpPr txBox="1"/>
           <p:nvPr/>
         </p:nvSpPr>
@@ -30871,7 +30959,7 @@
   <p:cSld>
     <p:spTree>
       <p:nvGrpSpPr>
-        <p:cNvPr id="1" name="Shape 337"/>
+        <p:cNvPr id="1" name="Shape 338"/>
         <p:cNvGrpSpPr/>
         <p:nvPr/>
       </p:nvGrpSpPr>
@@ -30885,7 +30973,7 @@
       </p:grpSpPr>
       <p:sp>
         <p:nvSpPr>
-          <p:cNvPr id="338" name="Google Shape;338;p38"/>
+          <p:cNvPr id="339" name="Google Shape;339;p38"/>
           <p:cNvSpPr txBox="1"/>
           <p:nvPr/>
         </p:nvSpPr>
